--- a/Socheton/Socheton Academy-Bangla.pptx
+++ b/Socheton/Socheton Academy-Bangla.pptx
@@ -503,7 +503,7 @@
           <a:p>
             <a:fld id="{74C2A387-B29E-407A-9C31-AD00DC9D0CAD}" type="datetimeFigureOut">
               <a:rPr lang="en-US" smtClean="0"/>
-              <a:t>8/18/2020</a:t>
+              <a:t>9/1/2020</a:t>
             </a:fld>
             <a:endParaRPr lang="en-US"/>
           </a:p>
@@ -769,7 +769,7 @@
           <a:p>
             <a:fld id="{74C2A387-B29E-407A-9C31-AD00DC9D0CAD}" type="datetimeFigureOut">
               <a:rPr lang="en-US" smtClean="0"/>
-              <a:t>8/18/2020</a:t>
+              <a:t>9/1/2020</a:t>
             </a:fld>
             <a:endParaRPr lang="en-US"/>
           </a:p>
@@ -1019,7 +1019,7 @@
           <a:p>
             <a:fld id="{74C2A387-B29E-407A-9C31-AD00DC9D0CAD}" type="datetimeFigureOut">
               <a:rPr lang="en-US" smtClean="0"/>
-              <a:t>8/18/2020</a:t>
+              <a:t>9/1/2020</a:t>
             </a:fld>
             <a:endParaRPr lang="en-US"/>
           </a:p>
@@ -1327,7 +1327,7 @@
           <a:p>
             <a:fld id="{74C2A387-B29E-407A-9C31-AD00DC9D0CAD}" type="datetimeFigureOut">
               <a:rPr lang="en-US" smtClean="0"/>
-              <a:t>8/18/2020</a:t>
+              <a:t>9/1/2020</a:t>
             </a:fld>
             <a:endParaRPr lang="en-US"/>
           </a:p>
@@ -1645,7 +1645,7 @@
           <a:p>
             <a:fld id="{74C2A387-B29E-407A-9C31-AD00DC9D0CAD}" type="datetimeFigureOut">
               <a:rPr lang="en-US" smtClean="0"/>
-              <a:t>8/18/2020</a:t>
+              <a:t>9/1/2020</a:t>
             </a:fld>
             <a:endParaRPr lang="en-US"/>
           </a:p>
@@ -1947,7 +1947,7 @@
           <a:p>
             <a:fld id="{74C2A387-B29E-407A-9C31-AD00DC9D0CAD}" type="datetimeFigureOut">
               <a:rPr lang="en-US" smtClean="0"/>
-              <a:t>8/18/2020</a:t>
+              <a:t>9/1/2020</a:t>
             </a:fld>
             <a:endParaRPr lang="en-US"/>
           </a:p>
@@ -2314,7 +2314,7 @@
           <a:p>
             <a:fld id="{74C2A387-B29E-407A-9C31-AD00DC9D0CAD}" type="datetimeFigureOut">
               <a:rPr lang="en-US" smtClean="0"/>
-              <a:t>8/18/2020</a:t>
+              <a:t>9/1/2020</a:t>
             </a:fld>
             <a:endParaRPr lang="en-US"/>
           </a:p>
@@ -2500,7 +2500,7 @@
           <a:p>
             <a:fld id="{74C2A387-B29E-407A-9C31-AD00DC9D0CAD}" type="datetimeFigureOut">
               <a:rPr lang="en-US" smtClean="0"/>
-              <a:t>8/18/2020</a:t>
+              <a:t>9/1/2020</a:t>
             </a:fld>
             <a:endParaRPr lang="en-US"/>
           </a:p>
@@ -2686,7 +2686,7 @@
           <a:p>
             <a:fld id="{74C2A387-B29E-407A-9C31-AD00DC9D0CAD}" type="datetimeFigureOut">
               <a:rPr lang="en-US" smtClean="0"/>
-              <a:t>8/18/2020</a:t>
+              <a:t>9/1/2020</a:t>
             </a:fld>
             <a:endParaRPr lang="en-US"/>
           </a:p>
@@ -2866,7 +2866,7 @@
           <a:p>
             <a:fld id="{74C2A387-B29E-407A-9C31-AD00DC9D0CAD}" type="datetimeFigureOut">
               <a:rPr lang="en-US" smtClean="0"/>
-              <a:t>8/18/2020</a:t>
+              <a:t>9/1/2020</a:t>
             </a:fld>
             <a:endParaRPr lang="en-US"/>
           </a:p>
@@ -3116,7 +3116,7 @@
           <a:p>
             <a:fld id="{74C2A387-B29E-407A-9C31-AD00DC9D0CAD}" type="datetimeFigureOut">
               <a:rPr lang="en-US" smtClean="0"/>
-              <a:t>8/18/2020</a:t>
+              <a:t>9/1/2020</a:t>
             </a:fld>
             <a:endParaRPr lang="en-US"/>
           </a:p>
@@ -3363,7 +3363,7 @@
           <a:p>
             <a:fld id="{74C2A387-B29E-407A-9C31-AD00DC9D0CAD}" type="datetimeFigureOut">
               <a:rPr lang="en-US" smtClean="0"/>
-              <a:t>8/18/2020</a:t>
+              <a:t>9/1/2020</a:t>
             </a:fld>
             <a:endParaRPr lang="en-US"/>
           </a:p>
@@ -3752,7 +3752,7 @@
           <a:p>
             <a:fld id="{74C2A387-B29E-407A-9C31-AD00DC9D0CAD}" type="datetimeFigureOut">
               <a:rPr lang="en-US" smtClean="0"/>
-              <a:t>8/18/2020</a:t>
+              <a:t>9/1/2020</a:t>
             </a:fld>
             <a:endParaRPr lang="en-US"/>
           </a:p>
@@ -3881,7 +3881,7 @@
           <a:p>
             <a:fld id="{74C2A387-B29E-407A-9C31-AD00DC9D0CAD}" type="datetimeFigureOut">
               <a:rPr lang="en-US" smtClean="0"/>
-              <a:t>8/18/2020</a:t>
+              <a:t>9/1/2020</a:t>
             </a:fld>
             <a:endParaRPr lang="en-US"/>
           </a:p>
@@ -3976,7 +3976,7 @@
           <a:p>
             <a:fld id="{74C2A387-B29E-407A-9C31-AD00DC9D0CAD}" type="datetimeFigureOut">
               <a:rPr lang="en-US" smtClean="0"/>
-              <a:t>8/18/2020</a:t>
+              <a:t>9/1/2020</a:t>
             </a:fld>
             <a:endParaRPr lang="en-US"/>
           </a:p>
@@ -4231,7 +4231,7 @@
           <a:p>
             <a:fld id="{74C2A387-B29E-407A-9C31-AD00DC9D0CAD}" type="datetimeFigureOut">
               <a:rPr lang="en-US" smtClean="0"/>
-              <a:t>8/18/2020</a:t>
+              <a:t>9/1/2020</a:t>
             </a:fld>
             <a:endParaRPr lang="en-US"/>
           </a:p>
@@ -4514,7 +4514,7 @@
           <a:p>
             <a:fld id="{74C2A387-B29E-407A-9C31-AD00DC9D0CAD}" type="datetimeFigureOut">
               <a:rPr lang="en-US" smtClean="0"/>
-              <a:t>8/18/2020</a:t>
+              <a:t>9/1/2020</a:t>
             </a:fld>
             <a:endParaRPr lang="en-US"/>
           </a:p>
@@ -4925,7 +4925,7 @@
           <a:p>
             <a:fld id="{74C2A387-B29E-407A-9C31-AD00DC9D0CAD}" type="datetimeFigureOut">
               <a:rPr lang="en-US" smtClean="0"/>
-              <a:t>8/18/2020</a:t>
+              <a:t>9/1/2020</a:t>
             </a:fld>
             <a:endParaRPr lang="en-US"/>
           </a:p>
@@ -9314,7 +9314,7 @@
           </a:bodyPr>
           <a:lstStyle/>
           <a:p>
-            <a:pPr marL="0" marR="0" algn="just">
+            <a:pPr marL="0" marR="0" indent="0" algn="just">
               <a:lnSpc>
                 <a:spcPct val="107000"/>
               </a:lnSpc>
@@ -9324,9 +9324,13 @@
               <a:spcAft>
                 <a:spcPts val="800"/>
               </a:spcAft>
+              <a:buNone/>
             </a:pPr>
             <a:r>
               <a:rPr lang="en-US" sz="1800" dirty="0">
+                <a:solidFill>
+                  <a:schemeClr val="bg1"/>
+                </a:solidFill>
                 <a:effectLst/>
                 <a:latin typeface="SutonnyMJ" pitchFamily="2" charset="0"/>
                 <a:ea typeface="Calibri" panose="020F0502020204030204" pitchFamily="34" charset="0"/>
@@ -9336,6 +9340,9 @@
             </a:r>
             <a:r>
               <a:rPr lang="en-US" sz="1800" dirty="0" err="1">
+                <a:solidFill>
+                  <a:schemeClr val="bg1"/>
+                </a:solidFill>
                 <a:effectLst/>
                 <a:latin typeface="SutonnyMJ" pitchFamily="2" charset="0"/>
                 <a:ea typeface="Calibri" panose="020F0502020204030204" pitchFamily="34" charset="0"/>
@@ -9345,6 +9352,9 @@
             </a:r>
             <a:r>
               <a:rPr lang="en-US" sz="1800" dirty="0">
+                <a:solidFill>
+                  <a:schemeClr val="bg1"/>
+                </a:solidFill>
                 <a:effectLst/>
                 <a:latin typeface="SutonnyMJ" pitchFamily="2" charset="0"/>
                 <a:ea typeface="Calibri" panose="020F0502020204030204" pitchFamily="34" charset="0"/>
@@ -9354,6 +9364,9 @@
             </a:r>
             <a:r>
               <a:rPr lang="en-US" sz="1800" dirty="0" err="1">
+                <a:solidFill>
+                  <a:schemeClr val="bg1"/>
+                </a:solidFill>
                 <a:effectLst/>
                 <a:latin typeface="SutonnyMJ" pitchFamily="2" charset="0"/>
                 <a:ea typeface="Calibri" panose="020F0502020204030204" pitchFamily="34" charset="0"/>
@@ -9363,6 +9376,9 @@
             </a:r>
             <a:r>
               <a:rPr lang="en-US" sz="1800" dirty="0">
+                <a:solidFill>
+                  <a:schemeClr val="bg1"/>
+                </a:solidFill>
                 <a:effectLst/>
                 <a:latin typeface="SutonnyMJ" pitchFamily="2" charset="0"/>
                 <a:ea typeface="Calibri" panose="020F0502020204030204" pitchFamily="34" charset="0"/>
@@ -9372,6 +9388,9 @@
             </a:r>
             <a:r>
               <a:rPr lang="en-US" sz="1800" dirty="0" err="1">
+                <a:solidFill>
+                  <a:schemeClr val="bg1"/>
+                </a:solidFill>
                 <a:effectLst/>
                 <a:latin typeface="SutonnyMJ" pitchFamily="2" charset="0"/>
                 <a:ea typeface="Calibri" panose="020F0502020204030204" pitchFamily="34" charset="0"/>
@@ -9381,15 +9400,21 @@
             </a:r>
             <a:r>
               <a:rPr lang="en-US" sz="1800" dirty="0">
-                <a:effectLst/>
-                <a:latin typeface="SutonnyMJ" pitchFamily="2" charset="0"/>
-                <a:ea typeface="Calibri" panose="020F0502020204030204" pitchFamily="34" charset="0"/>
-                <a:cs typeface="Vrinda" panose="020B0502040204020203" pitchFamily="34" charset="0"/>
-              </a:rPr>
-              <a:t> </a:t>
-            </a:r>
-            <a:r>
-              <a:rPr lang="en-US" sz="1800" dirty="0" err="1">
+                <a:solidFill>
+                  <a:schemeClr val="bg1"/>
+                </a:solidFill>
+                <a:effectLst/>
+                <a:latin typeface="SutonnyMJ" pitchFamily="2" charset="0"/>
+                <a:ea typeface="Calibri" panose="020F0502020204030204" pitchFamily="34" charset="0"/>
+                <a:cs typeface="Vrinda" panose="020B0502040204020203" pitchFamily="34" charset="0"/>
+              </a:rPr>
+              <a:t> </a:t>
+            </a:r>
+            <a:r>
+              <a:rPr lang="en-US" sz="1800" dirty="0" err="1">
+                <a:solidFill>
+                  <a:schemeClr val="bg1"/>
+                </a:solidFill>
                 <a:effectLst/>
                 <a:latin typeface="SutonnyMJ" pitchFamily="2" charset="0"/>
                 <a:ea typeface="Calibri" panose="020F0502020204030204" pitchFamily="34" charset="0"/>
@@ -9399,15 +9424,21 @@
             </a:r>
             <a:r>
               <a:rPr lang="en-US" sz="1800" dirty="0">
-                <a:effectLst/>
-                <a:latin typeface="SutonnyMJ" pitchFamily="2" charset="0"/>
-                <a:ea typeface="Calibri" panose="020F0502020204030204" pitchFamily="34" charset="0"/>
-                <a:cs typeface="Vrinda" panose="020B0502040204020203" pitchFamily="34" charset="0"/>
-              </a:rPr>
-              <a:t> </a:t>
-            </a:r>
-            <a:r>
-              <a:rPr lang="en-US" sz="1800" dirty="0" err="1">
+                <a:solidFill>
+                  <a:schemeClr val="bg1"/>
+                </a:solidFill>
+                <a:effectLst/>
+                <a:latin typeface="SutonnyMJ" pitchFamily="2" charset="0"/>
+                <a:ea typeface="Calibri" panose="020F0502020204030204" pitchFamily="34" charset="0"/>
+                <a:cs typeface="Vrinda" panose="020B0502040204020203" pitchFamily="34" charset="0"/>
+              </a:rPr>
+              <a:t> </a:t>
+            </a:r>
+            <a:r>
+              <a:rPr lang="en-US" sz="1800" dirty="0" err="1">
+                <a:solidFill>
+                  <a:schemeClr val="bg1"/>
+                </a:solidFill>
                 <a:effectLst/>
                 <a:latin typeface="SutonnyMJ" pitchFamily="2" charset="0"/>
                 <a:ea typeface="Calibri" panose="020F0502020204030204" pitchFamily="34" charset="0"/>
@@ -9416,6 +9447,9 @@
               <a:t>myweav</a:t>
             </a:r>
             <a:endParaRPr lang="en-US" sz="1800" dirty="0">
+              <a:solidFill>
+                <a:schemeClr val="bg1"/>
+              </a:solidFill>
               <a:effectLst/>
               <a:latin typeface="Calibri" panose="020F0502020204030204" pitchFamily="34" charset="0"/>
               <a:ea typeface="Calibri" panose="020F0502020204030204" pitchFamily="34" charset="0"/>
@@ -9423,7 +9457,7 @@
             </a:endParaRPr>
           </a:p>
           <a:p>
-            <a:pPr marL="0" marR="0" algn="just">
+            <a:pPr marL="0" marR="0" indent="0" algn="just">
               <a:lnSpc>
                 <a:spcPct val="107000"/>
               </a:lnSpc>
@@ -9433,9 +9467,13 @@
               <a:spcAft>
                 <a:spcPts val="800"/>
               </a:spcAft>
+              <a:buNone/>
             </a:pPr>
             <a:r>
               <a:rPr lang="en-US" sz="1800" dirty="0">
+                <a:solidFill>
+                  <a:schemeClr val="bg1"/>
+                </a:solidFill>
                 <a:effectLst/>
                 <a:latin typeface="SutonnyMJ" pitchFamily="2" charset="0"/>
                 <a:ea typeface="Calibri" panose="020F0502020204030204" pitchFamily="34" charset="0"/>
@@ -9445,6 +9483,9 @@
             </a:r>
             <a:r>
               <a:rPr lang="en-US" sz="1800" dirty="0" err="1">
+                <a:solidFill>
+                  <a:schemeClr val="bg1"/>
+                </a:solidFill>
                 <a:effectLst/>
                 <a:latin typeface="SutonnyMJ" pitchFamily="2" charset="0"/>
                 <a:ea typeface="Calibri" panose="020F0502020204030204" pitchFamily="34" charset="0"/>
@@ -9454,15 +9495,21 @@
             </a:r>
             <a:r>
               <a:rPr lang="en-US" sz="1800" dirty="0">
-                <a:effectLst/>
-                <a:latin typeface="SutonnyMJ" pitchFamily="2" charset="0"/>
-                <a:ea typeface="Calibri" panose="020F0502020204030204" pitchFamily="34" charset="0"/>
-                <a:cs typeface="Vrinda" panose="020B0502040204020203" pitchFamily="34" charset="0"/>
-              </a:rPr>
-              <a:t> </a:t>
-            </a:r>
-            <a:r>
-              <a:rPr lang="en-US" sz="1800" dirty="0" err="1">
+                <a:solidFill>
+                  <a:schemeClr val="bg1"/>
+                </a:solidFill>
+                <a:effectLst/>
+                <a:latin typeface="SutonnyMJ" pitchFamily="2" charset="0"/>
+                <a:ea typeface="Calibri" panose="020F0502020204030204" pitchFamily="34" charset="0"/>
+                <a:cs typeface="Vrinda" panose="020B0502040204020203" pitchFamily="34" charset="0"/>
+              </a:rPr>
+              <a:t> </a:t>
+            </a:r>
+            <a:r>
+              <a:rPr lang="en-US" sz="1800" dirty="0" err="1">
+                <a:solidFill>
+                  <a:schemeClr val="bg1"/>
+                </a:solidFill>
                 <a:effectLst/>
                 <a:latin typeface="SutonnyMJ" pitchFamily="2" charset="0"/>
                 <a:ea typeface="Calibri" panose="020F0502020204030204" pitchFamily="34" charset="0"/>
@@ -9472,6 +9519,9 @@
             </a:r>
             <a:r>
               <a:rPr lang="en-US" sz="1800" dirty="0">
+                <a:solidFill>
+                  <a:schemeClr val="bg1"/>
+                </a:solidFill>
                 <a:effectLst/>
                 <a:latin typeface="SutonnyMJ" pitchFamily="2" charset="0"/>
                 <a:ea typeface="Calibri" panose="020F0502020204030204" pitchFamily="34" charset="0"/>
@@ -9481,6 +9531,9 @@
             </a:r>
             <a:r>
               <a:rPr lang="en-US" sz="1800" dirty="0" err="1">
+                <a:solidFill>
+                  <a:schemeClr val="bg1"/>
+                </a:solidFill>
                 <a:effectLst/>
                 <a:latin typeface="SutonnyMJ" pitchFamily="2" charset="0"/>
                 <a:ea typeface="Calibri" panose="020F0502020204030204" pitchFamily="34" charset="0"/>
@@ -9490,15 +9543,21 @@
             </a:r>
             <a:r>
               <a:rPr lang="en-US" sz="1800" dirty="0">
-                <a:effectLst/>
-                <a:latin typeface="SutonnyMJ" pitchFamily="2" charset="0"/>
-                <a:ea typeface="Calibri" panose="020F0502020204030204" pitchFamily="34" charset="0"/>
-                <a:cs typeface="Vrinda" panose="020B0502040204020203" pitchFamily="34" charset="0"/>
-              </a:rPr>
-              <a:t> </a:t>
-            </a:r>
-            <a:r>
-              <a:rPr lang="en-US" sz="1800" dirty="0" err="1">
+                <a:solidFill>
+                  <a:schemeClr val="bg1"/>
+                </a:solidFill>
+                <a:effectLst/>
+                <a:latin typeface="SutonnyMJ" pitchFamily="2" charset="0"/>
+                <a:ea typeface="Calibri" panose="020F0502020204030204" pitchFamily="34" charset="0"/>
+                <a:cs typeface="Vrinda" panose="020B0502040204020203" pitchFamily="34" charset="0"/>
+              </a:rPr>
+              <a:t> </a:t>
+            </a:r>
+            <a:r>
+              <a:rPr lang="en-US" sz="1800" dirty="0" err="1">
+                <a:solidFill>
+                  <a:schemeClr val="bg1"/>
+                </a:solidFill>
                 <a:effectLst/>
                 <a:latin typeface="SutonnyMJ" pitchFamily="2" charset="0"/>
                 <a:ea typeface="Calibri" panose="020F0502020204030204" pitchFamily="34" charset="0"/>
@@ -9508,15 +9567,21 @@
             </a:r>
             <a:r>
               <a:rPr lang="en-US" sz="1800" dirty="0">
-                <a:effectLst/>
-                <a:latin typeface="SutonnyMJ" pitchFamily="2" charset="0"/>
-                <a:ea typeface="Calibri" panose="020F0502020204030204" pitchFamily="34" charset="0"/>
-                <a:cs typeface="Vrinda" panose="020B0502040204020203" pitchFamily="34" charset="0"/>
-              </a:rPr>
-              <a:t> </a:t>
-            </a:r>
-            <a:r>
-              <a:rPr lang="en-US" sz="1800" dirty="0" err="1">
+                <a:solidFill>
+                  <a:schemeClr val="bg1"/>
+                </a:solidFill>
+                <a:effectLst/>
+                <a:latin typeface="SutonnyMJ" pitchFamily="2" charset="0"/>
+                <a:ea typeface="Calibri" panose="020F0502020204030204" pitchFamily="34" charset="0"/>
+                <a:cs typeface="Vrinda" panose="020B0502040204020203" pitchFamily="34" charset="0"/>
+              </a:rPr>
+              <a:t> </a:t>
+            </a:r>
+            <a:r>
+              <a:rPr lang="en-US" sz="1800" dirty="0" err="1">
+                <a:solidFill>
+                  <a:schemeClr val="bg1"/>
+                </a:solidFill>
                 <a:effectLst/>
                 <a:latin typeface="SutonnyMJ" pitchFamily="2" charset="0"/>
                 <a:ea typeface="Calibri" panose="020F0502020204030204" pitchFamily="34" charset="0"/>
@@ -9525,6 +9590,9 @@
               <a:t>LiP</a:t>
             </a:r>
             <a:endParaRPr lang="en-US" sz="1800" dirty="0">
+              <a:solidFill>
+                <a:schemeClr val="bg1"/>
+              </a:solidFill>
               <a:effectLst/>
               <a:latin typeface="Calibri" panose="020F0502020204030204" pitchFamily="34" charset="0"/>
               <a:ea typeface="Calibri" panose="020F0502020204030204" pitchFamily="34" charset="0"/>
@@ -9532,7 +9600,7 @@
             </a:endParaRPr>
           </a:p>
           <a:p>
-            <a:pPr marL="0" marR="0" algn="just">
+            <a:pPr marL="0" marR="0" indent="0" algn="just">
               <a:lnSpc>
                 <a:spcPct val="107000"/>
               </a:lnSpc>
@@ -9542,9 +9610,13 @@
               <a:spcAft>
                 <a:spcPts val="800"/>
               </a:spcAft>
+              <a:buNone/>
             </a:pPr>
             <a:r>
               <a:rPr lang="en-US" sz="1800" dirty="0">
+                <a:solidFill>
+                  <a:schemeClr val="bg1"/>
+                </a:solidFill>
                 <a:effectLst/>
                 <a:latin typeface="SutonnyMJ" pitchFamily="2" charset="0"/>
                 <a:ea typeface="Calibri" panose="020F0502020204030204" pitchFamily="34" charset="0"/>
@@ -9554,6 +9626,9 @@
             </a:r>
             <a:r>
               <a:rPr lang="en-US" sz="1800" dirty="0" err="1">
+                <a:solidFill>
+                  <a:schemeClr val="bg1"/>
+                </a:solidFill>
                 <a:effectLst/>
                 <a:latin typeface="SutonnyMJ" pitchFamily="2" charset="0"/>
                 <a:ea typeface="Calibri" panose="020F0502020204030204" pitchFamily="34" charset="0"/>
@@ -9563,15 +9638,21 @@
             </a:r>
             <a:r>
               <a:rPr lang="en-US" sz="1800" dirty="0">
-                <a:effectLst/>
-                <a:latin typeface="SutonnyMJ" pitchFamily="2" charset="0"/>
-                <a:ea typeface="Calibri" panose="020F0502020204030204" pitchFamily="34" charset="0"/>
-                <a:cs typeface="Vrinda" panose="020B0502040204020203" pitchFamily="34" charset="0"/>
-              </a:rPr>
-              <a:t> </a:t>
-            </a:r>
-            <a:r>
-              <a:rPr lang="en-US" sz="1800" dirty="0" err="1">
+                <a:solidFill>
+                  <a:schemeClr val="bg1"/>
+                </a:solidFill>
+                <a:effectLst/>
+                <a:latin typeface="SutonnyMJ" pitchFamily="2" charset="0"/>
+                <a:ea typeface="Calibri" panose="020F0502020204030204" pitchFamily="34" charset="0"/>
+                <a:cs typeface="Vrinda" panose="020B0502040204020203" pitchFamily="34" charset="0"/>
+              </a:rPr>
+              <a:t> </a:t>
+            </a:r>
+            <a:r>
+              <a:rPr lang="en-US" sz="1800" dirty="0" err="1">
+                <a:solidFill>
+                  <a:schemeClr val="bg1"/>
+                </a:solidFill>
                 <a:effectLst/>
                 <a:latin typeface="SutonnyMJ" pitchFamily="2" charset="0"/>
                 <a:ea typeface="Calibri" panose="020F0502020204030204" pitchFamily="34" charset="0"/>
@@ -9581,15 +9662,21 @@
             </a:r>
             <a:r>
               <a:rPr lang="en-US" sz="1800" dirty="0">
-                <a:effectLst/>
-                <a:latin typeface="SutonnyMJ" pitchFamily="2" charset="0"/>
-                <a:ea typeface="Calibri" panose="020F0502020204030204" pitchFamily="34" charset="0"/>
-                <a:cs typeface="Vrinda" panose="020B0502040204020203" pitchFamily="34" charset="0"/>
-              </a:rPr>
-              <a:t> </a:t>
-            </a:r>
-            <a:r>
-              <a:rPr lang="en-US" sz="1800" dirty="0" err="1">
+                <a:solidFill>
+                  <a:schemeClr val="bg1"/>
+                </a:solidFill>
+                <a:effectLst/>
+                <a:latin typeface="SutonnyMJ" pitchFamily="2" charset="0"/>
+                <a:ea typeface="Calibri" panose="020F0502020204030204" pitchFamily="34" charset="0"/>
+                <a:cs typeface="Vrinda" panose="020B0502040204020203" pitchFamily="34" charset="0"/>
+              </a:rPr>
+              <a:t> </a:t>
+            </a:r>
+            <a:r>
+              <a:rPr lang="en-US" sz="1800" dirty="0" err="1">
+                <a:solidFill>
+                  <a:schemeClr val="bg1"/>
+                </a:solidFill>
                 <a:effectLst/>
                 <a:latin typeface="SutonnyMJ" pitchFamily="2" charset="0"/>
                 <a:ea typeface="Calibri" panose="020F0502020204030204" pitchFamily="34" charset="0"/>
@@ -9599,15 +9686,21 @@
             </a:r>
             <a:r>
               <a:rPr lang="en-US" sz="1800" dirty="0">
-                <a:effectLst/>
-                <a:latin typeface="SutonnyMJ" pitchFamily="2" charset="0"/>
-                <a:ea typeface="Calibri" panose="020F0502020204030204" pitchFamily="34" charset="0"/>
-                <a:cs typeface="Vrinda" panose="020B0502040204020203" pitchFamily="34" charset="0"/>
-              </a:rPr>
-              <a:t> </a:t>
-            </a:r>
-            <a:r>
-              <a:rPr lang="en-US" sz="1800" dirty="0" err="1">
+                <a:solidFill>
+                  <a:schemeClr val="bg1"/>
+                </a:solidFill>
+                <a:effectLst/>
+                <a:latin typeface="SutonnyMJ" pitchFamily="2" charset="0"/>
+                <a:ea typeface="Calibri" panose="020F0502020204030204" pitchFamily="34" charset="0"/>
+                <a:cs typeface="Vrinda" panose="020B0502040204020203" pitchFamily="34" charset="0"/>
+              </a:rPr>
+              <a:t> </a:t>
+            </a:r>
+            <a:r>
+              <a:rPr lang="en-US" sz="1800" dirty="0" err="1">
+                <a:solidFill>
+                  <a:schemeClr val="bg1"/>
+                </a:solidFill>
                 <a:effectLst/>
                 <a:latin typeface="SutonnyMJ" pitchFamily="2" charset="0"/>
                 <a:ea typeface="Calibri" panose="020F0502020204030204" pitchFamily="34" charset="0"/>
@@ -9617,6 +9710,9 @@
             </a:r>
             <a:r>
               <a:rPr lang="en-US" sz="1800" dirty="0">
+                <a:solidFill>
+                  <a:schemeClr val="bg1"/>
+                </a:solidFill>
                 <a:effectLst/>
                 <a:latin typeface="SutonnyMJ" pitchFamily="2" charset="0"/>
                 <a:ea typeface="Calibri" panose="020F0502020204030204" pitchFamily="34" charset="0"/>
@@ -9626,6 +9722,9 @@
             </a:r>
             <a:r>
               <a:rPr lang="en-US" sz="1800" dirty="0" err="1">
+                <a:solidFill>
+                  <a:schemeClr val="bg1"/>
+                </a:solidFill>
                 <a:effectLst/>
                 <a:latin typeface="SutonnyMJ" pitchFamily="2" charset="0"/>
                 <a:ea typeface="Calibri" panose="020F0502020204030204" pitchFamily="34" charset="0"/>
@@ -9635,6 +9734,9 @@
             </a:r>
             <a:r>
               <a:rPr lang="en-US" sz="1800" dirty="0">
+                <a:solidFill>
+                  <a:schemeClr val="bg1"/>
+                </a:solidFill>
                 <a:effectLst/>
                 <a:latin typeface="SutonnyMJ" pitchFamily="2" charset="0"/>
                 <a:ea typeface="Calibri" panose="020F0502020204030204" pitchFamily="34" charset="0"/>
@@ -9644,6 +9746,9 @@
             </a:r>
             <a:r>
               <a:rPr lang="en-US" sz="1800" dirty="0" err="1">
+                <a:solidFill>
+                  <a:schemeClr val="bg1"/>
+                </a:solidFill>
                 <a:effectLst/>
                 <a:latin typeface="SutonnyMJ" pitchFamily="2" charset="0"/>
                 <a:ea typeface="Calibri" panose="020F0502020204030204" pitchFamily="34" charset="0"/>
@@ -9653,15 +9758,21 @@
             </a:r>
             <a:r>
               <a:rPr lang="en-US" sz="1800" dirty="0">
-                <a:effectLst/>
-                <a:latin typeface="SutonnyMJ" pitchFamily="2" charset="0"/>
-                <a:ea typeface="Calibri" panose="020F0502020204030204" pitchFamily="34" charset="0"/>
-                <a:cs typeface="Vrinda" panose="020B0502040204020203" pitchFamily="34" charset="0"/>
-              </a:rPr>
-              <a:t> </a:t>
-            </a:r>
-            <a:r>
-              <a:rPr lang="en-US" sz="1800" dirty="0" err="1">
+                <a:solidFill>
+                  <a:schemeClr val="bg1"/>
+                </a:solidFill>
+                <a:effectLst/>
+                <a:latin typeface="SutonnyMJ" pitchFamily="2" charset="0"/>
+                <a:ea typeface="Calibri" panose="020F0502020204030204" pitchFamily="34" charset="0"/>
+                <a:cs typeface="Vrinda" panose="020B0502040204020203" pitchFamily="34" charset="0"/>
+              </a:rPr>
+              <a:t> </a:t>
+            </a:r>
+            <a:r>
+              <a:rPr lang="en-US" sz="1800" dirty="0" err="1">
+                <a:solidFill>
+                  <a:schemeClr val="bg1"/>
+                </a:solidFill>
                 <a:effectLst/>
                 <a:latin typeface="SutonnyMJ" pitchFamily="2" charset="0"/>
                 <a:ea typeface="Calibri" panose="020F0502020204030204" pitchFamily="34" charset="0"/>
@@ -9670,6 +9781,9 @@
               <a:t>myweav</a:t>
             </a:r>
             <a:endParaRPr lang="en-US" sz="1800" dirty="0">
+              <a:solidFill>
+                <a:schemeClr val="bg1"/>
+              </a:solidFill>
               <a:effectLst/>
               <a:latin typeface="Calibri" panose="020F0502020204030204" pitchFamily="34" charset="0"/>
               <a:ea typeface="Calibri" panose="020F0502020204030204" pitchFamily="34" charset="0"/>
@@ -9677,7 +9791,7 @@
             </a:endParaRPr>
           </a:p>
           <a:p>
-            <a:pPr marL="0" marR="0" algn="just">
+            <a:pPr marL="0" marR="0" indent="0" algn="just">
               <a:lnSpc>
                 <a:spcPct val="107000"/>
               </a:lnSpc>
@@ -9687,9 +9801,13 @@
               <a:spcAft>
                 <a:spcPts val="800"/>
               </a:spcAft>
+              <a:buNone/>
             </a:pPr>
             <a:r>
               <a:rPr lang="en-US" sz="1800" dirty="0">
+                <a:solidFill>
+                  <a:schemeClr val="bg1"/>
+                </a:solidFill>
                 <a:effectLst/>
                 <a:latin typeface="SutonnyMJ" pitchFamily="2" charset="0"/>
                 <a:ea typeface="Calibri" panose="020F0502020204030204" pitchFamily="34" charset="0"/>
@@ -9699,6 +9817,9 @@
             </a:r>
             <a:r>
               <a:rPr lang="en-US" sz="1800" dirty="0" err="1">
+                <a:solidFill>
+                  <a:schemeClr val="bg1"/>
+                </a:solidFill>
                 <a:effectLst/>
                 <a:latin typeface="SutonnyMJ" pitchFamily="2" charset="0"/>
                 <a:ea typeface="Calibri" panose="020F0502020204030204" pitchFamily="34" charset="0"/>
@@ -9708,6 +9829,9 @@
             </a:r>
             <a:r>
               <a:rPr lang="en-US" sz="1800" dirty="0">
+                <a:solidFill>
+                  <a:schemeClr val="bg1"/>
+                </a:solidFill>
                 <a:effectLst/>
                 <a:latin typeface="SutonnyMJ" pitchFamily="2" charset="0"/>
                 <a:ea typeface="Calibri" panose="020F0502020204030204" pitchFamily="34" charset="0"/>
@@ -9717,6 +9841,9 @@
             </a:r>
             <a:r>
               <a:rPr lang="en-US" sz="1800" dirty="0" err="1">
+                <a:solidFill>
+                  <a:schemeClr val="bg1"/>
+                </a:solidFill>
                 <a:effectLst/>
                 <a:latin typeface="SutonnyMJ" pitchFamily="2" charset="0"/>
                 <a:ea typeface="Calibri" panose="020F0502020204030204" pitchFamily="34" charset="0"/>
@@ -9726,6 +9853,9 @@
             </a:r>
             <a:r>
               <a:rPr lang="en-US" sz="1800" dirty="0">
+                <a:solidFill>
+                  <a:schemeClr val="bg1"/>
+                </a:solidFill>
                 <a:effectLst/>
                 <a:latin typeface="SutonnyMJ" pitchFamily="2" charset="0"/>
                 <a:ea typeface="Calibri" panose="020F0502020204030204" pitchFamily="34" charset="0"/>
@@ -9735,6 +9865,9 @@
             </a:r>
             <a:r>
               <a:rPr lang="en-US" sz="1800" dirty="0" err="1">
+                <a:solidFill>
+                  <a:schemeClr val="bg1"/>
+                </a:solidFill>
                 <a:effectLst/>
                 <a:latin typeface="SutonnyMJ" pitchFamily="2" charset="0"/>
                 <a:ea typeface="Calibri" panose="020F0502020204030204" pitchFamily="34" charset="0"/>
@@ -9744,15 +9877,21 @@
             </a:r>
             <a:r>
               <a:rPr lang="en-US" sz="1800" dirty="0">
-                <a:effectLst/>
-                <a:latin typeface="SutonnyMJ" pitchFamily="2" charset="0"/>
-                <a:ea typeface="Calibri" panose="020F0502020204030204" pitchFamily="34" charset="0"/>
-                <a:cs typeface="Vrinda" panose="020B0502040204020203" pitchFamily="34" charset="0"/>
-              </a:rPr>
-              <a:t> </a:t>
-            </a:r>
-            <a:r>
-              <a:rPr lang="en-US" sz="1800" dirty="0" err="1">
+                <a:solidFill>
+                  <a:schemeClr val="bg1"/>
+                </a:solidFill>
+                <a:effectLst/>
+                <a:latin typeface="SutonnyMJ" pitchFamily="2" charset="0"/>
+                <a:ea typeface="Calibri" panose="020F0502020204030204" pitchFamily="34" charset="0"/>
+                <a:cs typeface="Vrinda" panose="020B0502040204020203" pitchFamily="34" charset="0"/>
+              </a:rPr>
+              <a:t> </a:t>
+            </a:r>
+            <a:r>
+              <a:rPr lang="en-US" sz="1800" dirty="0" err="1">
+                <a:solidFill>
+                  <a:schemeClr val="bg1"/>
+                </a:solidFill>
                 <a:effectLst/>
                 <a:latin typeface="SutonnyMJ" pitchFamily="2" charset="0"/>
                 <a:ea typeface="Calibri" panose="020F0502020204030204" pitchFamily="34" charset="0"/>
@@ -9762,6 +9901,9 @@
             </a:r>
             <a:r>
               <a:rPr lang="en-US" sz="1800" dirty="0">
+                <a:solidFill>
+                  <a:schemeClr val="bg1"/>
+                </a:solidFill>
                 <a:effectLst/>
                 <a:latin typeface="SutonnyMJ" pitchFamily="2" charset="0"/>
                 <a:ea typeface="Calibri" panose="020F0502020204030204" pitchFamily="34" charset="0"/>
@@ -9771,6 +9913,9 @@
             </a:r>
             <a:r>
               <a:rPr lang="en-US" sz="1800" dirty="0" err="1">
+                <a:solidFill>
+                  <a:schemeClr val="bg1"/>
+                </a:solidFill>
                 <a:effectLst/>
                 <a:latin typeface="SutonnyMJ" pitchFamily="2" charset="0"/>
                 <a:ea typeface="Calibri" panose="020F0502020204030204" pitchFamily="34" charset="0"/>
@@ -9780,6 +9925,9 @@
             </a:r>
             <a:r>
               <a:rPr lang="en-US" sz="1800" dirty="0">
+                <a:solidFill>
+                  <a:schemeClr val="bg1"/>
+                </a:solidFill>
                 <a:effectLst/>
                 <a:latin typeface="SutonnyMJ" pitchFamily="2" charset="0"/>
                 <a:ea typeface="Calibri" panose="020F0502020204030204" pitchFamily="34" charset="0"/>
@@ -9789,6 +9937,9 @@
             </a:r>
             <a:r>
               <a:rPr lang="en-US" sz="1800" dirty="0" err="1">
+                <a:solidFill>
+                  <a:schemeClr val="bg1"/>
+                </a:solidFill>
                 <a:effectLst/>
                 <a:latin typeface="SutonnyMJ" pitchFamily="2" charset="0"/>
                 <a:ea typeface="Calibri" panose="020F0502020204030204" pitchFamily="34" charset="0"/>
@@ -9798,6 +9949,9 @@
             </a:r>
             <a:r>
               <a:rPr lang="en-US" sz="1800" dirty="0">
+                <a:solidFill>
+                  <a:schemeClr val="bg1"/>
+                </a:solidFill>
                 <a:effectLst/>
                 <a:latin typeface="SutonnyMJ" pitchFamily="2" charset="0"/>
                 <a:ea typeface="Calibri" panose="020F0502020204030204" pitchFamily="34" charset="0"/>
@@ -9807,6 +9961,9 @@
             </a:r>
             <a:r>
               <a:rPr lang="en-US" sz="1800" dirty="0" err="1">
+                <a:solidFill>
+                  <a:schemeClr val="bg1"/>
+                </a:solidFill>
                 <a:latin typeface="SutonnyOMJ" panose="01010600010101010101" pitchFamily="2" charset="0"/>
                 <a:ea typeface="Calibri" panose="020F0502020204030204" pitchFamily="34" charset="0"/>
                 <a:cs typeface="SutonnyOMJ" panose="01010600010101010101" pitchFamily="2" charset="0"/>
@@ -9814,6 +9971,9 @@
               <a:t>সামঞ্জস্যপূর্ণ</a:t>
             </a:r>
             <a:endParaRPr lang="en-US" sz="1800" dirty="0">
+              <a:solidFill>
+                <a:schemeClr val="bg1"/>
+              </a:solidFill>
               <a:effectLst/>
               <a:latin typeface="SutonnyOMJ" panose="01010600010101010101" pitchFamily="2" charset="0"/>
               <a:ea typeface="Calibri" panose="020F0502020204030204" pitchFamily="34" charset="0"/>
@@ -9821,7 +9981,7 @@
             </a:endParaRPr>
           </a:p>
           <a:p>
-            <a:pPr marL="0" marR="0" algn="just">
+            <a:pPr marL="0" marR="0" indent="0" algn="just">
               <a:lnSpc>
                 <a:spcPct val="107000"/>
               </a:lnSpc>
@@ -9831,9 +9991,13 @@
               <a:spcAft>
                 <a:spcPts val="800"/>
               </a:spcAft>
+              <a:buNone/>
             </a:pPr>
             <a:r>
               <a:rPr lang="en-US" sz="1800" dirty="0">
+                <a:solidFill>
+                  <a:schemeClr val="bg1"/>
+                </a:solidFill>
                 <a:effectLst/>
                 <a:latin typeface="SutonnyMJ" pitchFamily="2" charset="0"/>
                 <a:ea typeface="Calibri" panose="020F0502020204030204" pitchFamily="34" charset="0"/>
@@ -9843,6 +10007,9 @@
             </a:r>
             <a:r>
               <a:rPr lang="en-US" sz="1800" dirty="0" err="1">
+                <a:solidFill>
+                  <a:schemeClr val="bg1"/>
+                </a:solidFill>
                 <a:effectLst/>
                 <a:latin typeface="SutonnyMJ" pitchFamily="2" charset="0"/>
                 <a:ea typeface="Calibri" panose="020F0502020204030204" pitchFamily="34" charset="0"/>
@@ -9852,6 +10019,9 @@
             </a:r>
             <a:r>
               <a:rPr lang="en-US" sz="1800" dirty="0">
+                <a:solidFill>
+                  <a:schemeClr val="bg1"/>
+                </a:solidFill>
                 <a:effectLst/>
                 <a:latin typeface="SutonnyMJ" pitchFamily="2" charset="0"/>
                 <a:ea typeface="Calibri" panose="020F0502020204030204" pitchFamily="34" charset="0"/>
@@ -9861,6 +10031,9 @@
             </a:r>
             <a:r>
               <a:rPr lang="en-US" sz="1800" dirty="0" err="1">
+                <a:solidFill>
+                  <a:schemeClr val="bg1"/>
+                </a:solidFill>
                 <a:effectLst/>
                 <a:latin typeface="SutonnyMJ" pitchFamily="2" charset="0"/>
                 <a:ea typeface="Calibri" panose="020F0502020204030204" pitchFamily="34" charset="0"/>
@@ -9870,6 +10043,9 @@
             </a:r>
             <a:r>
               <a:rPr lang="en-US" sz="1800" dirty="0">
+                <a:solidFill>
+                  <a:schemeClr val="bg1"/>
+                </a:solidFill>
                 <a:effectLst/>
                 <a:latin typeface="SutonnyMJ" pitchFamily="2" charset="0"/>
                 <a:ea typeface="Calibri" panose="020F0502020204030204" pitchFamily="34" charset="0"/>
@@ -9879,6 +10055,9 @@
             </a:r>
             <a:r>
               <a:rPr lang="en-US" sz="1800" dirty="0" err="1">
+                <a:solidFill>
+                  <a:schemeClr val="bg1"/>
+                </a:solidFill>
                 <a:effectLst/>
                 <a:latin typeface="SutonnyMJ" pitchFamily="2" charset="0"/>
                 <a:ea typeface="Calibri" panose="020F0502020204030204" pitchFamily="34" charset="0"/>
@@ -9888,15 +10067,21 @@
             </a:r>
             <a:r>
               <a:rPr lang="en-US" sz="1800" dirty="0">
-                <a:effectLst/>
-                <a:latin typeface="SutonnyMJ" pitchFamily="2" charset="0"/>
-                <a:ea typeface="Calibri" panose="020F0502020204030204" pitchFamily="34" charset="0"/>
-                <a:cs typeface="Vrinda" panose="020B0502040204020203" pitchFamily="34" charset="0"/>
-              </a:rPr>
-              <a:t> </a:t>
-            </a:r>
-            <a:r>
-              <a:rPr lang="en-US" sz="1800" dirty="0" err="1">
+                <a:solidFill>
+                  <a:schemeClr val="bg1"/>
+                </a:solidFill>
+                <a:effectLst/>
+                <a:latin typeface="SutonnyMJ" pitchFamily="2" charset="0"/>
+                <a:ea typeface="Calibri" panose="020F0502020204030204" pitchFamily="34" charset="0"/>
+                <a:cs typeface="Vrinda" panose="020B0502040204020203" pitchFamily="34" charset="0"/>
+              </a:rPr>
+              <a:t> </a:t>
+            </a:r>
+            <a:r>
+              <a:rPr lang="en-US" sz="1800" dirty="0" err="1">
+                <a:solidFill>
+                  <a:schemeClr val="bg1"/>
+                </a:solidFill>
                 <a:effectLst/>
                 <a:latin typeface="SutonnyMJ" pitchFamily="2" charset="0"/>
                 <a:ea typeface="Calibri" panose="020F0502020204030204" pitchFamily="34" charset="0"/>
@@ -9906,6 +10091,9 @@
             </a:r>
             <a:r>
               <a:rPr lang="en-US" sz="1800" dirty="0">
+                <a:solidFill>
+                  <a:schemeClr val="bg1"/>
+                </a:solidFill>
                 <a:effectLst/>
                 <a:latin typeface="SutonnyMJ" pitchFamily="2" charset="0"/>
                 <a:ea typeface="Calibri" panose="020F0502020204030204" pitchFamily="34" charset="0"/>
@@ -9915,6 +10103,9 @@
             </a:r>
             <a:r>
               <a:rPr lang="en-US" sz="1800" dirty="0" err="1">
+                <a:solidFill>
+                  <a:schemeClr val="bg1"/>
+                </a:solidFill>
                 <a:effectLst/>
                 <a:latin typeface="SutonnyMJ" pitchFamily="2" charset="0"/>
                 <a:ea typeface="Calibri" panose="020F0502020204030204" pitchFamily="34" charset="0"/>
@@ -9924,15 +10115,21 @@
             </a:r>
             <a:r>
               <a:rPr lang="en-US" sz="1800" dirty="0">
-                <a:effectLst/>
-                <a:latin typeface="SutonnyMJ" pitchFamily="2" charset="0"/>
-                <a:ea typeface="Calibri" panose="020F0502020204030204" pitchFamily="34" charset="0"/>
-                <a:cs typeface="Vrinda" panose="020B0502040204020203" pitchFamily="34" charset="0"/>
-              </a:rPr>
-              <a:t> </a:t>
-            </a:r>
-            <a:r>
-              <a:rPr lang="en-US" sz="1800" dirty="0" err="1">
+                <a:solidFill>
+                  <a:schemeClr val="bg1"/>
+                </a:solidFill>
+                <a:effectLst/>
+                <a:latin typeface="SutonnyMJ" pitchFamily="2" charset="0"/>
+                <a:ea typeface="Calibri" panose="020F0502020204030204" pitchFamily="34" charset="0"/>
+                <a:cs typeface="Vrinda" panose="020B0502040204020203" pitchFamily="34" charset="0"/>
+              </a:rPr>
+              <a:t> </a:t>
+            </a:r>
+            <a:r>
+              <a:rPr lang="en-US" sz="1800" dirty="0" err="1">
+                <a:solidFill>
+                  <a:schemeClr val="bg1"/>
+                </a:solidFill>
                 <a:effectLst/>
                 <a:latin typeface="SutonnyOMJ" panose="01010600010101010101" pitchFamily="2" charset="0"/>
                 <a:ea typeface="Calibri" panose="020F0502020204030204" pitchFamily="34" charset="0"/>
@@ -9941,6 +10138,9 @@
               <a:t>সিস্টেম</a:t>
             </a:r>
             <a:endParaRPr lang="en-US" sz="1800" dirty="0">
+              <a:solidFill>
+                <a:schemeClr val="bg1"/>
+              </a:solidFill>
               <a:effectLst/>
               <a:latin typeface="Calibri" panose="020F0502020204030204" pitchFamily="34" charset="0"/>
               <a:ea typeface="Calibri" panose="020F0502020204030204" pitchFamily="34" charset="0"/>
@@ -9948,7 +10148,7 @@
             </a:endParaRPr>
           </a:p>
           <a:p>
-            <a:pPr marL="0" marR="0" algn="just">
+            <a:pPr marL="0" marR="0" indent="0" algn="just">
               <a:lnSpc>
                 <a:spcPct val="107000"/>
               </a:lnSpc>
@@ -9958,9 +10158,13 @@
               <a:spcAft>
                 <a:spcPts val="800"/>
               </a:spcAft>
+              <a:buNone/>
             </a:pPr>
             <a:r>
               <a:rPr lang="en-US" sz="1800" dirty="0">
+                <a:solidFill>
+                  <a:schemeClr val="bg1"/>
+                </a:solidFill>
                 <a:effectLst/>
                 <a:latin typeface="SutonnyMJ" pitchFamily="2" charset="0"/>
                 <a:ea typeface="Calibri" panose="020F0502020204030204" pitchFamily="34" charset="0"/>
@@ -9970,6 +10174,9 @@
             </a:r>
             <a:r>
               <a:rPr lang="en-US" sz="1800" dirty="0" err="1">
+                <a:solidFill>
+                  <a:schemeClr val="bg1"/>
+                </a:solidFill>
                 <a:effectLst/>
                 <a:latin typeface="SutonnyMJ" pitchFamily="2" charset="0"/>
                 <a:ea typeface="Calibri" panose="020F0502020204030204" pitchFamily="34" charset="0"/>
@@ -9979,15 +10186,21 @@
             </a:r>
             <a:r>
               <a:rPr lang="en-US" sz="1800" dirty="0">
-                <a:effectLst/>
-                <a:latin typeface="SutonnyMJ" pitchFamily="2" charset="0"/>
-                <a:ea typeface="Calibri" panose="020F0502020204030204" pitchFamily="34" charset="0"/>
-                <a:cs typeface="Vrinda" panose="020B0502040204020203" pitchFamily="34" charset="0"/>
-              </a:rPr>
-              <a:t> </a:t>
-            </a:r>
-            <a:r>
-              <a:rPr lang="en-US" sz="1800" dirty="0" err="1">
+                <a:solidFill>
+                  <a:schemeClr val="bg1"/>
+                </a:solidFill>
+                <a:effectLst/>
+                <a:latin typeface="SutonnyMJ" pitchFamily="2" charset="0"/>
+                <a:ea typeface="Calibri" panose="020F0502020204030204" pitchFamily="34" charset="0"/>
+                <a:cs typeface="Vrinda" panose="020B0502040204020203" pitchFamily="34" charset="0"/>
+              </a:rPr>
+              <a:t> </a:t>
+            </a:r>
+            <a:r>
+              <a:rPr lang="en-US" sz="1800" dirty="0" err="1">
+                <a:solidFill>
+                  <a:schemeClr val="bg1"/>
+                </a:solidFill>
                 <a:effectLst/>
                 <a:latin typeface="SutonnyMJ" pitchFamily="2" charset="0"/>
                 <a:ea typeface="Calibri" panose="020F0502020204030204" pitchFamily="34" charset="0"/>
@@ -9997,15 +10210,21 @@
             </a:r>
             <a:r>
               <a:rPr lang="en-US" sz="1800" dirty="0">
-                <a:effectLst/>
-                <a:latin typeface="SutonnyMJ" pitchFamily="2" charset="0"/>
-                <a:ea typeface="Calibri" panose="020F0502020204030204" pitchFamily="34" charset="0"/>
-                <a:cs typeface="Vrinda" panose="020B0502040204020203" pitchFamily="34" charset="0"/>
-              </a:rPr>
-              <a:t> </a:t>
-            </a:r>
-            <a:r>
-              <a:rPr lang="en-US" sz="1800" dirty="0" err="1">
+                <a:solidFill>
+                  <a:schemeClr val="bg1"/>
+                </a:solidFill>
+                <a:effectLst/>
+                <a:latin typeface="SutonnyMJ" pitchFamily="2" charset="0"/>
+                <a:ea typeface="Calibri" panose="020F0502020204030204" pitchFamily="34" charset="0"/>
+                <a:cs typeface="Vrinda" panose="020B0502040204020203" pitchFamily="34" charset="0"/>
+              </a:rPr>
+              <a:t> </a:t>
+            </a:r>
+            <a:r>
+              <a:rPr lang="en-US" sz="1800" dirty="0" err="1">
+                <a:solidFill>
+                  <a:schemeClr val="bg1"/>
+                </a:solidFill>
                 <a:effectLst/>
                 <a:latin typeface="SutonnyMJ" pitchFamily="2" charset="0"/>
                 <a:ea typeface="Calibri" panose="020F0502020204030204" pitchFamily="34" charset="0"/>
@@ -10015,15 +10234,21 @@
             </a:r>
             <a:r>
               <a:rPr lang="en-US" sz="1800" dirty="0">
-                <a:effectLst/>
-                <a:latin typeface="SutonnyMJ" pitchFamily="2" charset="0"/>
-                <a:ea typeface="Calibri" panose="020F0502020204030204" pitchFamily="34" charset="0"/>
-                <a:cs typeface="Vrinda" panose="020B0502040204020203" pitchFamily="34" charset="0"/>
-              </a:rPr>
-              <a:t> </a:t>
-            </a:r>
-            <a:r>
-              <a:rPr lang="en-US" sz="1800" dirty="0" err="1">
+                <a:solidFill>
+                  <a:schemeClr val="bg1"/>
+                </a:solidFill>
+                <a:effectLst/>
+                <a:latin typeface="SutonnyMJ" pitchFamily="2" charset="0"/>
+                <a:ea typeface="Calibri" panose="020F0502020204030204" pitchFamily="34" charset="0"/>
+                <a:cs typeface="Vrinda" panose="020B0502040204020203" pitchFamily="34" charset="0"/>
+              </a:rPr>
+              <a:t> </a:t>
+            </a:r>
+            <a:r>
+              <a:rPr lang="en-US" sz="1800" dirty="0" err="1">
+                <a:solidFill>
+                  <a:schemeClr val="bg1"/>
+                </a:solidFill>
                 <a:effectLst/>
                 <a:latin typeface="SutonnyMJ" pitchFamily="2" charset="0"/>
                 <a:ea typeface="Calibri" panose="020F0502020204030204" pitchFamily="34" charset="0"/>
@@ -10033,15 +10258,21 @@
             </a:r>
             <a:r>
               <a:rPr lang="en-US" sz="1800" dirty="0">
-                <a:effectLst/>
-                <a:latin typeface="SutonnyMJ" pitchFamily="2" charset="0"/>
-                <a:ea typeface="Calibri" panose="020F0502020204030204" pitchFamily="34" charset="0"/>
-                <a:cs typeface="Vrinda" panose="020B0502040204020203" pitchFamily="34" charset="0"/>
-              </a:rPr>
-              <a:t> </a:t>
-            </a:r>
-            <a:r>
-              <a:rPr lang="en-US" sz="1800" dirty="0" err="1">
+                <a:solidFill>
+                  <a:schemeClr val="bg1"/>
+                </a:solidFill>
+                <a:effectLst/>
+                <a:latin typeface="SutonnyMJ" pitchFamily="2" charset="0"/>
+                <a:ea typeface="Calibri" panose="020F0502020204030204" pitchFamily="34" charset="0"/>
+                <a:cs typeface="Vrinda" panose="020B0502040204020203" pitchFamily="34" charset="0"/>
+              </a:rPr>
+              <a:t> </a:t>
+            </a:r>
+            <a:r>
+              <a:rPr lang="en-US" sz="1800" dirty="0" err="1">
+                <a:solidFill>
+                  <a:schemeClr val="bg1"/>
+                </a:solidFill>
                 <a:effectLst/>
                 <a:latin typeface="SutonnyMJ" pitchFamily="2" charset="0"/>
                 <a:ea typeface="Calibri" panose="020F0502020204030204" pitchFamily="34" charset="0"/>
@@ -10050,6 +10281,9 @@
               <a:t>djvdj</a:t>
             </a:r>
             <a:endParaRPr lang="en-US" sz="1800" dirty="0">
+              <a:solidFill>
+                <a:schemeClr val="bg1"/>
+              </a:solidFill>
               <a:effectLst/>
               <a:latin typeface="Calibri" panose="020F0502020204030204" pitchFamily="34" charset="0"/>
               <a:ea typeface="Calibri" panose="020F0502020204030204" pitchFamily="34" charset="0"/>
@@ -10057,7 +10291,7 @@
             </a:endParaRPr>
           </a:p>
           <a:p>
-            <a:pPr marL="0" marR="0" algn="just">
+            <a:pPr marL="0" marR="0" indent="0" algn="just">
               <a:lnSpc>
                 <a:spcPct val="107000"/>
               </a:lnSpc>
@@ -10067,9 +10301,13 @@
               <a:spcAft>
                 <a:spcPts val="800"/>
               </a:spcAft>
+              <a:buNone/>
             </a:pPr>
             <a:r>
               <a:rPr lang="en-US" sz="1800" dirty="0">
+                <a:solidFill>
+                  <a:schemeClr val="bg1"/>
+                </a:solidFill>
                 <a:effectLst/>
                 <a:latin typeface="SutonnyMJ" pitchFamily="2" charset="0"/>
                 <a:ea typeface="Calibri" panose="020F0502020204030204" pitchFamily="34" charset="0"/>
@@ -10079,6 +10317,9 @@
             </a:r>
             <a:r>
               <a:rPr lang="en-US" sz="1800" dirty="0" err="1">
+                <a:solidFill>
+                  <a:schemeClr val="bg1"/>
+                </a:solidFill>
                 <a:effectLst/>
                 <a:latin typeface="SutonnyMJ" pitchFamily="2" charset="0"/>
                 <a:ea typeface="Calibri" panose="020F0502020204030204" pitchFamily="34" charset="0"/>
@@ -10088,15 +10329,21 @@
             </a:r>
             <a:r>
               <a:rPr lang="en-US" sz="1800" dirty="0">
-                <a:effectLst/>
-                <a:latin typeface="SutonnyMJ" pitchFamily="2" charset="0"/>
-                <a:ea typeface="Calibri" panose="020F0502020204030204" pitchFamily="34" charset="0"/>
-                <a:cs typeface="Vrinda" panose="020B0502040204020203" pitchFamily="34" charset="0"/>
-              </a:rPr>
-              <a:t> </a:t>
-            </a:r>
-            <a:r>
-              <a:rPr lang="en-US" sz="1800" dirty="0" err="1">
+                <a:solidFill>
+                  <a:schemeClr val="bg1"/>
+                </a:solidFill>
+                <a:effectLst/>
+                <a:latin typeface="SutonnyMJ" pitchFamily="2" charset="0"/>
+                <a:ea typeface="Calibri" panose="020F0502020204030204" pitchFamily="34" charset="0"/>
+                <a:cs typeface="Vrinda" panose="020B0502040204020203" pitchFamily="34" charset="0"/>
+              </a:rPr>
+              <a:t> </a:t>
+            </a:r>
+            <a:r>
+              <a:rPr lang="en-US" sz="1800" dirty="0" err="1">
+                <a:solidFill>
+                  <a:schemeClr val="bg1"/>
+                </a:solidFill>
                 <a:effectLst/>
                 <a:latin typeface="SutonnyMJ" pitchFamily="2" charset="0"/>
                 <a:ea typeface="Calibri" panose="020F0502020204030204" pitchFamily="34" charset="0"/>
@@ -10106,15 +10353,21 @@
             </a:r>
             <a:r>
               <a:rPr lang="en-US" sz="1800" dirty="0">
-                <a:effectLst/>
-                <a:latin typeface="SutonnyMJ" pitchFamily="2" charset="0"/>
-                <a:ea typeface="Calibri" panose="020F0502020204030204" pitchFamily="34" charset="0"/>
-                <a:cs typeface="Vrinda" panose="020B0502040204020203" pitchFamily="34" charset="0"/>
-              </a:rPr>
-              <a:t> </a:t>
-            </a:r>
-            <a:r>
-              <a:rPr lang="en-US" sz="1800" dirty="0" err="1">
+                <a:solidFill>
+                  <a:schemeClr val="bg1"/>
+                </a:solidFill>
+                <a:effectLst/>
+                <a:latin typeface="SutonnyMJ" pitchFamily="2" charset="0"/>
+                <a:ea typeface="Calibri" panose="020F0502020204030204" pitchFamily="34" charset="0"/>
+                <a:cs typeface="Vrinda" panose="020B0502040204020203" pitchFamily="34" charset="0"/>
+              </a:rPr>
+              <a:t> </a:t>
+            </a:r>
+            <a:r>
+              <a:rPr lang="en-US" sz="1800" dirty="0" err="1">
+                <a:solidFill>
+                  <a:schemeClr val="bg1"/>
+                </a:solidFill>
                 <a:effectLst/>
                 <a:latin typeface="SutonnyOMJ" panose="01010600010101010101" pitchFamily="2" charset="0"/>
                 <a:ea typeface="Calibri" panose="020F0502020204030204" pitchFamily="34" charset="0"/>
@@ -10124,15 +10377,21 @@
             </a:r>
             <a:r>
               <a:rPr lang="en-US" sz="1800" dirty="0">
-                <a:effectLst/>
-                <a:latin typeface="SutonnyMJ" pitchFamily="2" charset="0"/>
-                <a:ea typeface="Calibri" panose="020F0502020204030204" pitchFamily="34" charset="0"/>
-                <a:cs typeface="Vrinda" panose="020B0502040204020203" pitchFamily="34" charset="0"/>
-              </a:rPr>
-              <a:t> </a:t>
-            </a:r>
-            <a:r>
-              <a:rPr lang="en-US" sz="1800" dirty="0" err="1">
+                <a:solidFill>
+                  <a:schemeClr val="bg1"/>
+                </a:solidFill>
+                <a:effectLst/>
+                <a:latin typeface="SutonnyMJ" pitchFamily="2" charset="0"/>
+                <a:ea typeface="Calibri" panose="020F0502020204030204" pitchFamily="34" charset="0"/>
+                <a:cs typeface="Vrinda" panose="020B0502040204020203" pitchFamily="34" charset="0"/>
+              </a:rPr>
+              <a:t> </a:t>
+            </a:r>
+            <a:r>
+              <a:rPr lang="en-US" sz="1800" dirty="0" err="1">
+                <a:solidFill>
+                  <a:schemeClr val="bg1"/>
+                </a:solidFill>
                 <a:effectLst/>
                 <a:latin typeface="SutonnyMJ" pitchFamily="2" charset="0"/>
                 <a:ea typeface="Calibri" panose="020F0502020204030204" pitchFamily="34" charset="0"/>
@@ -10142,15 +10401,21 @@
             </a:r>
             <a:r>
               <a:rPr lang="en-US" sz="1800" dirty="0">
-                <a:effectLst/>
-                <a:latin typeface="SutonnyMJ" pitchFamily="2" charset="0"/>
-                <a:ea typeface="Calibri" panose="020F0502020204030204" pitchFamily="34" charset="0"/>
-                <a:cs typeface="Vrinda" panose="020B0502040204020203" pitchFamily="34" charset="0"/>
-              </a:rPr>
-              <a:t> </a:t>
-            </a:r>
-            <a:r>
-              <a:rPr lang="en-US" sz="1800" dirty="0" err="1">
+                <a:solidFill>
+                  <a:schemeClr val="bg1"/>
+                </a:solidFill>
+                <a:effectLst/>
+                <a:latin typeface="SutonnyMJ" pitchFamily="2" charset="0"/>
+                <a:ea typeface="Calibri" panose="020F0502020204030204" pitchFamily="34" charset="0"/>
+                <a:cs typeface="Vrinda" panose="020B0502040204020203" pitchFamily="34" charset="0"/>
+              </a:rPr>
+              <a:t> </a:t>
+            </a:r>
+            <a:r>
+              <a:rPr lang="en-US" sz="1800" dirty="0" err="1">
+                <a:solidFill>
+                  <a:schemeClr val="bg1"/>
+                </a:solidFill>
                 <a:effectLst/>
                 <a:latin typeface="SutonnyMJ" pitchFamily="2" charset="0"/>
                 <a:ea typeface="Calibri" panose="020F0502020204030204" pitchFamily="34" charset="0"/>
@@ -10160,15 +10425,21 @@
             </a:r>
             <a:r>
               <a:rPr lang="en-US" sz="1800" dirty="0">
-                <a:effectLst/>
-                <a:latin typeface="SutonnyMJ" pitchFamily="2" charset="0"/>
-                <a:ea typeface="Calibri" panose="020F0502020204030204" pitchFamily="34" charset="0"/>
-                <a:cs typeface="Vrinda" panose="020B0502040204020203" pitchFamily="34" charset="0"/>
-              </a:rPr>
-              <a:t> </a:t>
-            </a:r>
-            <a:r>
-              <a:rPr lang="en-US" sz="1800" dirty="0" err="1">
+                <a:solidFill>
+                  <a:schemeClr val="bg1"/>
+                </a:solidFill>
+                <a:effectLst/>
+                <a:latin typeface="SutonnyMJ" pitchFamily="2" charset="0"/>
+                <a:ea typeface="Calibri" panose="020F0502020204030204" pitchFamily="34" charset="0"/>
+                <a:cs typeface="Vrinda" panose="020B0502040204020203" pitchFamily="34" charset="0"/>
+              </a:rPr>
+              <a:t> </a:t>
+            </a:r>
+            <a:r>
+              <a:rPr lang="en-US" sz="1800" dirty="0" err="1">
+                <a:solidFill>
+                  <a:schemeClr val="bg1"/>
+                </a:solidFill>
                 <a:effectLst/>
                 <a:latin typeface="SutonnyMJ" pitchFamily="2" charset="0"/>
                 <a:ea typeface="Calibri" panose="020F0502020204030204" pitchFamily="34" charset="0"/>
@@ -10178,15 +10449,21 @@
             </a:r>
             <a:r>
               <a:rPr lang="en-US" sz="1800" dirty="0">
-                <a:effectLst/>
-                <a:latin typeface="SutonnyMJ" pitchFamily="2" charset="0"/>
-                <a:ea typeface="Calibri" panose="020F0502020204030204" pitchFamily="34" charset="0"/>
-                <a:cs typeface="Vrinda" panose="020B0502040204020203" pitchFamily="34" charset="0"/>
-              </a:rPr>
-              <a:t> </a:t>
-            </a:r>
-            <a:r>
-              <a:rPr lang="en-US" sz="1800" dirty="0" err="1">
+                <a:solidFill>
+                  <a:schemeClr val="bg1"/>
+                </a:solidFill>
+                <a:effectLst/>
+                <a:latin typeface="SutonnyMJ" pitchFamily="2" charset="0"/>
+                <a:ea typeface="Calibri" panose="020F0502020204030204" pitchFamily="34" charset="0"/>
+                <a:cs typeface="Vrinda" panose="020B0502040204020203" pitchFamily="34" charset="0"/>
+              </a:rPr>
+              <a:t> </a:t>
+            </a:r>
+            <a:r>
+              <a:rPr lang="en-US" sz="1800" dirty="0" err="1">
+                <a:solidFill>
+                  <a:schemeClr val="bg1"/>
+                </a:solidFill>
                 <a:effectLst/>
                 <a:latin typeface="SutonnyOMJ" panose="01010600010101010101" pitchFamily="2" charset="0"/>
                 <a:ea typeface="Calibri" panose="020F0502020204030204" pitchFamily="34" charset="0"/>
@@ -10196,15 +10473,21 @@
             </a:r>
             <a:r>
               <a:rPr lang="en-US" sz="1800" dirty="0">
-                <a:effectLst/>
-                <a:latin typeface="SutonnyMJ" pitchFamily="2" charset="0"/>
-                <a:ea typeface="Calibri" panose="020F0502020204030204" pitchFamily="34" charset="0"/>
-                <a:cs typeface="Vrinda" panose="020B0502040204020203" pitchFamily="34" charset="0"/>
-              </a:rPr>
-              <a:t> </a:t>
-            </a:r>
-            <a:r>
-              <a:rPr lang="en-US" sz="1800" dirty="0" err="1">
+                <a:solidFill>
+                  <a:schemeClr val="bg1"/>
+                </a:solidFill>
+                <a:effectLst/>
+                <a:latin typeface="SutonnyMJ" pitchFamily="2" charset="0"/>
+                <a:ea typeface="Calibri" panose="020F0502020204030204" pitchFamily="34" charset="0"/>
+                <a:cs typeface="Vrinda" panose="020B0502040204020203" pitchFamily="34" charset="0"/>
+              </a:rPr>
+              <a:t> </a:t>
+            </a:r>
+            <a:r>
+              <a:rPr lang="en-US" sz="1800" dirty="0" err="1">
+                <a:solidFill>
+                  <a:schemeClr val="bg1"/>
+                </a:solidFill>
                 <a:effectLst/>
                 <a:latin typeface="SutonnyMJ" pitchFamily="2" charset="0"/>
                 <a:ea typeface="Calibri" panose="020F0502020204030204" pitchFamily="34" charset="0"/>
@@ -10214,6 +10497,9 @@
             </a:r>
             <a:r>
               <a:rPr lang="en-US" sz="1800" dirty="0">
+                <a:solidFill>
+                  <a:schemeClr val="bg1"/>
+                </a:solidFill>
                 <a:effectLst/>
                 <a:latin typeface="SutonnyMJ" pitchFamily="2" charset="0"/>
                 <a:ea typeface="Calibri" panose="020F0502020204030204" pitchFamily="34" charset="0"/>
@@ -10223,6 +10509,9 @@
             </a:r>
             <a:r>
               <a:rPr lang="en-US" sz="1800" dirty="0" err="1">
+                <a:solidFill>
+                  <a:schemeClr val="bg1"/>
+                </a:solidFill>
                 <a:effectLst/>
                 <a:latin typeface="SutonnyMJ" pitchFamily="2" charset="0"/>
                 <a:ea typeface="Calibri" panose="020F0502020204030204" pitchFamily="34" charset="0"/>
@@ -10232,6 +10521,9 @@
             </a:r>
             <a:r>
               <a:rPr lang="en-US" sz="1800" dirty="0">
+                <a:solidFill>
+                  <a:schemeClr val="bg1"/>
+                </a:solidFill>
                 <a:effectLst/>
                 <a:latin typeface="SutonnyMJ" pitchFamily="2" charset="0"/>
                 <a:ea typeface="Calibri" panose="020F0502020204030204" pitchFamily="34" charset="0"/>
@@ -10241,6 +10533,9 @@
             </a:r>
             <a:r>
               <a:rPr lang="en-US" sz="1800" dirty="0" err="1">
+                <a:solidFill>
+                  <a:schemeClr val="bg1"/>
+                </a:solidFill>
                 <a:effectLst/>
                 <a:latin typeface="SutonnyMJ" pitchFamily="2" charset="0"/>
                 <a:ea typeface="Calibri" panose="020F0502020204030204" pitchFamily="34" charset="0"/>
@@ -10250,6 +10545,9 @@
             </a:r>
             <a:r>
               <a:rPr lang="en-US" sz="1800" dirty="0">
+                <a:solidFill>
+                  <a:schemeClr val="bg1"/>
+                </a:solidFill>
                 <a:effectLst/>
                 <a:latin typeface="SutonnyMJ" pitchFamily="2" charset="0"/>
                 <a:ea typeface="Calibri" panose="020F0502020204030204" pitchFamily="34" charset="0"/>
@@ -10259,6 +10557,9 @@
             </a:r>
             <a:r>
               <a:rPr lang="en-US" sz="1800" dirty="0" err="1">
+                <a:solidFill>
+                  <a:schemeClr val="bg1"/>
+                </a:solidFill>
                 <a:effectLst/>
                 <a:latin typeface="SutonnyMJ" pitchFamily="2" charset="0"/>
                 <a:ea typeface="Calibri" panose="020F0502020204030204" pitchFamily="34" charset="0"/>
@@ -10267,6 +10568,9 @@
               <a:t>hvMv‡hvM</a:t>
             </a:r>
             <a:endParaRPr lang="en-US" sz="1800" dirty="0">
+              <a:solidFill>
+                <a:schemeClr val="bg1"/>
+              </a:solidFill>
               <a:effectLst/>
               <a:latin typeface="Calibri" panose="020F0502020204030204" pitchFamily="34" charset="0"/>
               <a:ea typeface="Calibri" panose="020F0502020204030204" pitchFamily="34" charset="0"/>
@@ -10274,7 +10578,7 @@
             </a:endParaRPr>
           </a:p>
           <a:p>
-            <a:pPr marL="0" marR="0" algn="just">
+            <a:pPr marL="0" marR="0" indent="0" algn="just">
               <a:lnSpc>
                 <a:spcPct val="107000"/>
               </a:lnSpc>
@@ -10284,9 +10588,13 @@
               <a:spcAft>
                 <a:spcPts val="800"/>
               </a:spcAft>
+              <a:buNone/>
             </a:pPr>
             <a:r>
               <a:rPr lang="en-US" sz="1800" dirty="0">
+                <a:solidFill>
+                  <a:schemeClr val="bg1"/>
+                </a:solidFill>
                 <a:effectLst/>
                 <a:latin typeface="SutonnyMJ" pitchFamily="2" charset="0"/>
                 <a:ea typeface="Calibri" panose="020F0502020204030204" pitchFamily="34" charset="0"/>
@@ -10296,6 +10604,9 @@
             </a:r>
             <a:r>
               <a:rPr lang="en-US" sz="1800" dirty="0" err="1">
+                <a:solidFill>
+                  <a:schemeClr val="bg1"/>
+                </a:solidFill>
                 <a:effectLst/>
                 <a:latin typeface="SutonnyMJ" pitchFamily="2" charset="0"/>
                 <a:ea typeface="Calibri" panose="020F0502020204030204" pitchFamily="34" charset="0"/>
@@ -10305,15 +10616,21 @@
             </a:r>
             <a:r>
               <a:rPr lang="en-US" sz="1800" dirty="0">
-                <a:effectLst/>
-                <a:latin typeface="SutonnyMJ" pitchFamily="2" charset="0"/>
-                <a:ea typeface="Calibri" panose="020F0502020204030204" pitchFamily="34" charset="0"/>
-                <a:cs typeface="Vrinda" panose="020B0502040204020203" pitchFamily="34" charset="0"/>
-              </a:rPr>
-              <a:t> </a:t>
-            </a:r>
-            <a:r>
-              <a:rPr lang="en-US" sz="1800" dirty="0" err="1">
+                <a:solidFill>
+                  <a:schemeClr val="bg1"/>
+                </a:solidFill>
+                <a:effectLst/>
+                <a:latin typeface="SutonnyMJ" pitchFamily="2" charset="0"/>
+                <a:ea typeface="Calibri" panose="020F0502020204030204" pitchFamily="34" charset="0"/>
+                <a:cs typeface="Vrinda" panose="020B0502040204020203" pitchFamily="34" charset="0"/>
+              </a:rPr>
+              <a:t> </a:t>
+            </a:r>
+            <a:r>
+              <a:rPr lang="en-US" sz="1800" dirty="0" err="1">
+                <a:solidFill>
+                  <a:schemeClr val="bg1"/>
+                </a:solidFill>
                 <a:effectLst/>
                 <a:latin typeface="SutonnyMJ" pitchFamily="2" charset="0"/>
                 <a:ea typeface="Calibri" panose="020F0502020204030204" pitchFamily="34" charset="0"/>
@@ -10323,15 +10640,21 @@
             </a:r>
             <a:r>
               <a:rPr lang="en-US" sz="1800" dirty="0">
-                <a:effectLst/>
-                <a:latin typeface="SutonnyMJ" pitchFamily="2" charset="0"/>
-                <a:ea typeface="Calibri" panose="020F0502020204030204" pitchFamily="34" charset="0"/>
-                <a:cs typeface="Vrinda" panose="020B0502040204020203" pitchFamily="34" charset="0"/>
-              </a:rPr>
-              <a:t> </a:t>
-            </a:r>
-            <a:r>
-              <a:rPr lang="en-US" sz="1800" dirty="0" err="1">
+                <a:solidFill>
+                  <a:schemeClr val="bg1"/>
+                </a:solidFill>
+                <a:effectLst/>
+                <a:latin typeface="SutonnyMJ" pitchFamily="2" charset="0"/>
+                <a:ea typeface="Calibri" panose="020F0502020204030204" pitchFamily="34" charset="0"/>
+                <a:cs typeface="Vrinda" panose="020B0502040204020203" pitchFamily="34" charset="0"/>
+              </a:rPr>
+              <a:t> </a:t>
+            </a:r>
+            <a:r>
+              <a:rPr lang="en-US" sz="1800" dirty="0" err="1">
+                <a:solidFill>
+                  <a:schemeClr val="bg1"/>
+                </a:solidFill>
                 <a:effectLst/>
                 <a:latin typeface="SutonnyMJ" pitchFamily="2" charset="0"/>
                 <a:ea typeface="Calibri" panose="020F0502020204030204" pitchFamily="34" charset="0"/>
@@ -10341,15 +10664,21 @@
             </a:r>
             <a:r>
               <a:rPr lang="en-US" sz="1800" dirty="0">
-                <a:effectLst/>
-                <a:latin typeface="SutonnyMJ" pitchFamily="2" charset="0"/>
-                <a:ea typeface="Calibri" panose="020F0502020204030204" pitchFamily="34" charset="0"/>
-                <a:cs typeface="Vrinda" panose="020B0502040204020203" pitchFamily="34" charset="0"/>
-              </a:rPr>
-              <a:t> </a:t>
-            </a:r>
-            <a:r>
-              <a:rPr lang="en-US" sz="1800" dirty="0" err="1">
+                <a:solidFill>
+                  <a:schemeClr val="bg1"/>
+                </a:solidFill>
+                <a:effectLst/>
+                <a:latin typeface="SutonnyMJ" pitchFamily="2" charset="0"/>
+                <a:ea typeface="Calibri" panose="020F0502020204030204" pitchFamily="34" charset="0"/>
+                <a:cs typeface="Vrinda" panose="020B0502040204020203" pitchFamily="34" charset="0"/>
+              </a:rPr>
+              <a:t> </a:t>
+            </a:r>
+            <a:r>
+              <a:rPr lang="en-US" sz="1800" dirty="0" err="1">
+                <a:solidFill>
+                  <a:schemeClr val="bg1"/>
+                </a:solidFill>
                 <a:effectLst/>
                 <a:latin typeface="SutonnyMJ" pitchFamily="2" charset="0"/>
                 <a:ea typeface="Calibri" panose="020F0502020204030204" pitchFamily="34" charset="0"/>
@@ -10359,6 +10688,9 @@
             </a:r>
             <a:r>
               <a:rPr lang="en-US" sz="1800" dirty="0">
+                <a:solidFill>
+                  <a:schemeClr val="bg1"/>
+                </a:solidFill>
                 <a:effectLst/>
                 <a:latin typeface="SutonnyMJ" pitchFamily="2" charset="0"/>
                 <a:ea typeface="Calibri" panose="020F0502020204030204" pitchFamily="34" charset="0"/>
@@ -10367,6 +10699,9 @@
               <a:t> SzuwKgy³</a:t>
             </a:r>
             <a:endParaRPr lang="en-US" sz="1800" dirty="0">
+              <a:solidFill>
+                <a:schemeClr val="bg1"/>
+              </a:solidFill>
               <a:effectLst/>
               <a:latin typeface="Calibri" panose="020F0502020204030204" pitchFamily="34" charset="0"/>
               <a:ea typeface="Calibri" panose="020F0502020204030204" pitchFamily="34" charset="0"/>
@@ -10374,7 +10709,7 @@
             </a:endParaRPr>
           </a:p>
           <a:p>
-            <a:pPr marL="0" marR="0" algn="just">
+            <a:pPr marL="0" marR="0" indent="0" algn="just">
               <a:lnSpc>
                 <a:spcPct val="107000"/>
               </a:lnSpc>
@@ -10384,9 +10719,13 @@
               <a:spcAft>
                 <a:spcPts val="800"/>
               </a:spcAft>
+              <a:buNone/>
             </a:pPr>
             <a:r>
               <a:rPr lang="en-US" sz="1800" dirty="0">
+                <a:solidFill>
+                  <a:schemeClr val="bg1"/>
+                </a:solidFill>
                 <a:effectLst/>
                 <a:latin typeface="SutonnyMJ" pitchFamily="2" charset="0"/>
                 <a:ea typeface="Calibri" panose="020F0502020204030204" pitchFamily="34" charset="0"/>
@@ -10396,6 +10735,9 @@
             </a:r>
             <a:r>
               <a:rPr lang="en-US" sz="1800" dirty="0" err="1">
+                <a:solidFill>
+                  <a:schemeClr val="bg1"/>
+                </a:solidFill>
                 <a:effectLst/>
                 <a:latin typeface="SutonnyOMJ" panose="01010600010101010101" pitchFamily="2" charset="0"/>
                 <a:ea typeface="Calibri" panose="020F0502020204030204" pitchFamily="34" charset="0"/>
@@ -10405,6 +10747,9 @@
             </a:r>
             <a:r>
               <a:rPr lang="en-US" sz="1800" dirty="0">
+                <a:solidFill>
+                  <a:schemeClr val="bg1"/>
+                </a:solidFill>
                 <a:effectLst/>
                 <a:latin typeface="SutonnyOMJ" panose="01010600010101010101" pitchFamily="2" charset="0"/>
                 <a:ea typeface="Calibri" panose="020F0502020204030204" pitchFamily="34" charset="0"/>
@@ -10414,6 +10759,9 @@
             </a:r>
             <a:r>
               <a:rPr lang="en-US" sz="1800" dirty="0">
+                <a:solidFill>
+                  <a:schemeClr val="bg1"/>
+                </a:solidFill>
                 <a:effectLst/>
                 <a:latin typeface="SutonnyMJ" pitchFamily="2" charset="0"/>
                 <a:ea typeface="Calibri" panose="020F0502020204030204" pitchFamily="34" charset="0"/>
@@ -10423,6 +10771,9 @@
             </a:r>
             <a:r>
               <a:rPr lang="en-US" sz="1800" dirty="0" err="1">
+                <a:solidFill>
+                  <a:schemeClr val="bg1"/>
+                </a:solidFill>
                 <a:effectLst/>
                 <a:latin typeface="SutonnyMJ" pitchFamily="2" charset="0"/>
                 <a:ea typeface="Calibri" panose="020F0502020204030204" pitchFamily="34" charset="0"/>
@@ -10432,6 +10783,9 @@
             </a:r>
             <a:r>
               <a:rPr lang="en-US" sz="1800" dirty="0">
+                <a:solidFill>
+                  <a:schemeClr val="bg1"/>
+                </a:solidFill>
                 <a:effectLst/>
                 <a:latin typeface="SutonnyMJ" pitchFamily="2" charset="0"/>
                 <a:ea typeface="Calibri" panose="020F0502020204030204" pitchFamily="34" charset="0"/>
@@ -10441,6 +10795,9 @@
             </a:r>
             <a:r>
               <a:rPr lang="en-US" sz="1800" dirty="0" err="1">
+                <a:solidFill>
+                  <a:schemeClr val="bg1"/>
+                </a:solidFill>
                 <a:effectLst/>
                 <a:latin typeface="SutonnyMJ" pitchFamily="2" charset="0"/>
                 <a:ea typeface="Calibri" panose="020F0502020204030204" pitchFamily="34" charset="0"/>
@@ -10450,15 +10807,21 @@
             </a:r>
             <a:r>
               <a:rPr lang="en-US" sz="1800" dirty="0">
-                <a:effectLst/>
-                <a:latin typeface="SutonnyMJ" pitchFamily="2" charset="0"/>
-                <a:ea typeface="Calibri" panose="020F0502020204030204" pitchFamily="34" charset="0"/>
-                <a:cs typeface="Vrinda" panose="020B0502040204020203" pitchFamily="34" charset="0"/>
-              </a:rPr>
-              <a:t> </a:t>
-            </a:r>
-            <a:r>
-              <a:rPr lang="en-US" sz="1800" dirty="0" err="1">
+                <a:solidFill>
+                  <a:schemeClr val="bg1"/>
+                </a:solidFill>
+                <a:effectLst/>
+                <a:latin typeface="SutonnyMJ" pitchFamily="2" charset="0"/>
+                <a:ea typeface="Calibri" panose="020F0502020204030204" pitchFamily="34" charset="0"/>
+                <a:cs typeface="Vrinda" panose="020B0502040204020203" pitchFamily="34" charset="0"/>
+              </a:rPr>
+              <a:t> </a:t>
+            </a:r>
+            <a:r>
+              <a:rPr lang="en-US" sz="1800" dirty="0" err="1">
+                <a:solidFill>
+                  <a:schemeClr val="bg1"/>
+                </a:solidFill>
                 <a:effectLst/>
                 <a:latin typeface="SutonnyMJ" pitchFamily="2" charset="0"/>
                 <a:ea typeface="Calibri" panose="020F0502020204030204" pitchFamily="34" charset="0"/>
@@ -10468,15 +10831,21 @@
             </a:r>
             <a:r>
               <a:rPr lang="en-US" sz="1800" dirty="0">
-                <a:effectLst/>
-                <a:latin typeface="SutonnyMJ" pitchFamily="2" charset="0"/>
-                <a:ea typeface="Calibri" panose="020F0502020204030204" pitchFamily="34" charset="0"/>
-                <a:cs typeface="Vrinda" panose="020B0502040204020203" pitchFamily="34" charset="0"/>
-              </a:rPr>
-              <a:t> </a:t>
-            </a:r>
-            <a:r>
-              <a:rPr lang="en-US" sz="1800" dirty="0" err="1">
+                <a:solidFill>
+                  <a:schemeClr val="bg1"/>
+                </a:solidFill>
+                <a:effectLst/>
+                <a:latin typeface="SutonnyMJ" pitchFamily="2" charset="0"/>
+                <a:ea typeface="Calibri" panose="020F0502020204030204" pitchFamily="34" charset="0"/>
+                <a:cs typeface="Vrinda" panose="020B0502040204020203" pitchFamily="34" charset="0"/>
+              </a:rPr>
+              <a:t> </a:t>
+            </a:r>
+            <a:r>
+              <a:rPr lang="en-US" sz="1800" dirty="0" err="1">
+                <a:solidFill>
+                  <a:schemeClr val="bg1"/>
+                </a:solidFill>
                 <a:effectLst/>
                 <a:latin typeface="SutonnyMJ" pitchFamily="2" charset="0"/>
                 <a:ea typeface="Calibri" panose="020F0502020204030204" pitchFamily="34" charset="0"/>
@@ -10486,6 +10855,9 @@
             </a:r>
             <a:r>
               <a:rPr lang="en-US" sz="1800" dirty="0">
+                <a:solidFill>
+                  <a:schemeClr val="bg1"/>
+                </a:solidFill>
                 <a:effectLst/>
                 <a:latin typeface="SutonnyMJ" pitchFamily="2" charset="0"/>
                 <a:ea typeface="Calibri" panose="020F0502020204030204" pitchFamily="34" charset="0"/>
@@ -10494,6 +10866,9 @@
               <a:t>©</a:t>
             </a:r>
             <a:endParaRPr lang="en-US" sz="1800" dirty="0">
+              <a:solidFill>
+                <a:schemeClr val="bg1"/>
+              </a:solidFill>
               <a:effectLst/>
               <a:latin typeface="Calibri" panose="020F0502020204030204" pitchFamily="34" charset="0"/>
               <a:ea typeface="Calibri" panose="020F0502020204030204" pitchFamily="34" charset="0"/>
@@ -10501,7 +10876,7 @@
             </a:endParaRPr>
           </a:p>
           <a:p>
-            <a:pPr marL="0" marR="0" algn="just">
+            <a:pPr marL="0" marR="0" indent="0" algn="just">
               <a:lnSpc>
                 <a:spcPct val="107000"/>
               </a:lnSpc>
@@ -10511,9 +10886,13 @@
               <a:spcAft>
                 <a:spcPts val="800"/>
               </a:spcAft>
+              <a:buNone/>
             </a:pPr>
             <a:r>
               <a:rPr lang="en-US" sz="1800" dirty="0">
+                <a:solidFill>
+                  <a:schemeClr val="bg1"/>
+                </a:solidFill>
                 <a:effectLst/>
                 <a:latin typeface="SutonnyMJ" pitchFamily="2" charset="0"/>
                 <a:ea typeface="Calibri" panose="020F0502020204030204" pitchFamily="34" charset="0"/>
@@ -10523,6 +10902,9 @@
             </a:r>
             <a:r>
               <a:rPr lang="en-US" sz="1800" dirty="0" err="1">
+                <a:solidFill>
+                  <a:schemeClr val="bg1"/>
+                </a:solidFill>
                 <a:effectLst/>
                 <a:latin typeface="SutonnyMJ" pitchFamily="2" charset="0"/>
                 <a:ea typeface="Calibri" panose="020F0502020204030204" pitchFamily="34" charset="0"/>
@@ -10532,15 +10914,21 @@
             </a:r>
             <a:r>
               <a:rPr lang="en-US" sz="1800" dirty="0">
-                <a:effectLst/>
-                <a:latin typeface="SutonnyMJ" pitchFamily="2" charset="0"/>
-                <a:ea typeface="Calibri" panose="020F0502020204030204" pitchFamily="34" charset="0"/>
-                <a:cs typeface="Vrinda" panose="020B0502040204020203" pitchFamily="34" charset="0"/>
-              </a:rPr>
-              <a:t> </a:t>
-            </a:r>
-            <a:r>
-              <a:rPr lang="en-US" sz="1800" dirty="0" err="1">
+                <a:solidFill>
+                  <a:schemeClr val="bg1"/>
+                </a:solidFill>
+                <a:effectLst/>
+                <a:latin typeface="SutonnyMJ" pitchFamily="2" charset="0"/>
+                <a:ea typeface="Calibri" panose="020F0502020204030204" pitchFamily="34" charset="0"/>
+                <a:cs typeface="Vrinda" panose="020B0502040204020203" pitchFamily="34" charset="0"/>
+              </a:rPr>
+              <a:t> </a:t>
+            </a:r>
+            <a:r>
+              <a:rPr lang="en-US" sz="1800" dirty="0" err="1">
+                <a:solidFill>
+                  <a:schemeClr val="bg1"/>
+                </a:solidFill>
                 <a:effectLst/>
                 <a:latin typeface="SutonnyMJ" pitchFamily="2" charset="0"/>
                 <a:ea typeface="Calibri" panose="020F0502020204030204" pitchFamily="34" charset="0"/>
@@ -10550,15 +10938,21 @@
             </a:r>
             <a:r>
               <a:rPr lang="en-US" sz="1800" dirty="0">
-                <a:effectLst/>
-                <a:latin typeface="SutonnyMJ" pitchFamily="2" charset="0"/>
-                <a:ea typeface="Calibri" panose="020F0502020204030204" pitchFamily="34" charset="0"/>
-                <a:cs typeface="Vrinda" panose="020B0502040204020203" pitchFamily="34" charset="0"/>
-              </a:rPr>
-              <a:t> </a:t>
-            </a:r>
-            <a:r>
-              <a:rPr lang="en-US" sz="1800" dirty="0" err="1">
+                <a:solidFill>
+                  <a:schemeClr val="bg1"/>
+                </a:solidFill>
+                <a:effectLst/>
+                <a:latin typeface="SutonnyMJ" pitchFamily="2" charset="0"/>
+                <a:ea typeface="Calibri" panose="020F0502020204030204" pitchFamily="34" charset="0"/>
+                <a:cs typeface="Vrinda" panose="020B0502040204020203" pitchFamily="34" charset="0"/>
+              </a:rPr>
+              <a:t> </a:t>
+            </a:r>
+            <a:r>
+              <a:rPr lang="en-US" sz="1800" dirty="0" err="1">
+                <a:solidFill>
+                  <a:schemeClr val="bg1"/>
+                </a:solidFill>
                 <a:effectLst/>
                 <a:latin typeface="SutonnyMJ" pitchFamily="2" charset="0"/>
                 <a:ea typeface="Calibri" panose="020F0502020204030204" pitchFamily="34" charset="0"/>
@@ -10568,6 +10962,9 @@
             </a:r>
             <a:r>
               <a:rPr lang="en-US" sz="1800" dirty="0">
+                <a:solidFill>
+                  <a:schemeClr val="bg1"/>
+                </a:solidFill>
                 <a:effectLst/>
                 <a:latin typeface="SutonnyMJ" pitchFamily="2" charset="0"/>
                 <a:ea typeface="Calibri" panose="020F0502020204030204" pitchFamily="34" charset="0"/>
@@ -10577,6 +10974,9 @@
             </a:r>
             <a:r>
               <a:rPr lang="en-US" sz="1800" dirty="0" err="1">
+                <a:solidFill>
+                  <a:schemeClr val="bg1"/>
+                </a:solidFill>
                 <a:effectLst/>
                 <a:latin typeface="SutonnyMJ" pitchFamily="2" charset="0"/>
                 <a:ea typeface="Calibri" panose="020F0502020204030204" pitchFamily="34" charset="0"/>
@@ -10586,15 +10986,21 @@
             </a:r>
             <a:r>
               <a:rPr lang="en-US" sz="1800" dirty="0">
-                <a:effectLst/>
-                <a:latin typeface="SutonnyMJ" pitchFamily="2" charset="0"/>
-                <a:ea typeface="Calibri" panose="020F0502020204030204" pitchFamily="34" charset="0"/>
-                <a:cs typeface="Vrinda" panose="020B0502040204020203" pitchFamily="34" charset="0"/>
-              </a:rPr>
-              <a:t> </a:t>
-            </a:r>
-            <a:r>
-              <a:rPr lang="en-US" sz="1800" dirty="0" err="1">
+                <a:solidFill>
+                  <a:schemeClr val="bg1"/>
+                </a:solidFill>
+                <a:effectLst/>
+                <a:latin typeface="SutonnyMJ" pitchFamily="2" charset="0"/>
+                <a:ea typeface="Calibri" panose="020F0502020204030204" pitchFamily="34" charset="0"/>
+                <a:cs typeface="Vrinda" panose="020B0502040204020203" pitchFamily="34" charset="0"/>
+              </a:rPr>
+              <a:t> </a:t>
+            </a:r>
+            <a:r>
+              <a:rPr lang="en-US" sz="1800" dirty="0" err="1">
+                <a:solidFill>
+                  <a:schemeClr val="bg1"/>
+                </a:solidFill>
                 <a:effectLst/>
                 <a:latin typeface="SutonnyMJ" pitchFamily="2" charset="0"/>
                 <a:ea typeface="Calibri" panose="020F0502020204030204" pitchFamily="34" charset="0"/>
@@ -10604,15 +11010,21 @@
             </a:r>
             <a:r>
               <a:rPr lang="en-US" sz="1800" dirty="0">
-                <a:effectLst/>
-                <a:latin typeface="SutonnyMJ" pitchFamily="2" charset="0"/>
-                <a:ea typeface="Calibri" panose="020F0502020204030204" pitchFamily="34" charset="0"/>
-                <a:cs typeface="Vrinda" panose="020B0502040204020203" pitchFamily="34" charset="0"/>
-              </a:rPr>
-              <a:t> </a:t>
-            </a:r>
-            <a:r>
-              <a:rPr lang="en-US" sz="1800" dirty="0" err="1">
+                <a:solidFill>
+                  <a:schemeClr val="bg1"/>
+                </a:solidFill>
+                <a:effectLst/>
+                <a:latin typeface="SutonnyMJ" pitchFamily="2" charset="0"/>
+                <a:ea typeface="Calibri" panose="020F0502020204030204" pitchFamily="34" charset="0"/>
+                <a:cs typeface="Vrinda" panose="020B0502040204020203" pitchFamily="34" charset="0"/>
+              </a:rPr>
+              <a:t> </a:t>
+            </a:r>
+            <a:r>
+              <a:rPr lang="en-US" sz="1800" dirty="0" err="1">
+                <a:solidFill>
+                  <a:schemeClr val="bg1"/>
+                </a:solidFill>
                 <a:effectLst/>
                 <a:latin typeface="SutonnyMJ" pitchFamily="2" charset="0"/>
                 <a:ea typeface="Calibri" panose="020F0502020204030204" pitchFamily="34" charset="0"/>
@@ -10622,15 +11034,21 @@
             </a:r>
             <a:r>
               <a:rPr lang="en-US" sz="1800" dirty="0">
-                <a:effectLst/>
-                <a:latin typeface="SutonnyMJ" pitchFamily="2" charset="0"/>
-                <a:ea typeface="Calibri" panose="020F0502020204030204" pitchFamily="34" charset="0"/>
-                <a:cs typeface="Vrinda" panose="020B0502040204020203" pitchFamily="34" charset="0"/>
-              </a:rPr>
-              <a:t> </a:t>
-            </a:r>
-            <a:r>
-              <a:rPr lang="en-US" sz="1800" dirty="0" err="1">
+                <a:solidFill>
+                  <a:schemeClr val="bg1"/>
+                </a:solidFill>
+                <a:effectLst/>
+                <a:latin typeface="SutonnyMJ" pitchFamily="2" charset="0"/>
+                <a:ea typeface="Calibri" panose="020F0502020204030204" pitchFamily="34" charset="0"/>
+                <a:cs typeface="Vrinda" panose="020B0502040204020203" pitchFamily="34" charset="0"/>
+              </a:rPr>
+              <a:t> </a:t>
+            </a:r>
+            <a:r>
+              <a:rPr lang="en-US" sz="1800" dirty="0" err="1">
+                <a:solidFill>
+                  <a:schemeClr val="bg1"/>
+                </a:solidFill>
                 <a:effectLst/>
                 <a:latin typeface="SutonnyMJ" pitchFamily="2" charset="0"/>
                 <a:ea typeface="Calibri" panose="020F0502020204030204" pitchFamily="34" charset="0"/>
@@ -10640,15 +11058,21 @@
             </a:r>
             <a:r>
               <a:rPr lang="en-US" sz="1800" dirty="0">
-                <a:effectLst/>
-                <a:latin typeface="SutonnyMJ" pitchFamily="2" charset="0"/>
-                <a:ea typeface="Calibri" panose="020F0502020204030204" pitchFamily="34" charset="0"/>
-                <a:cs typeface="Vrinda" panose="020B0502040204020203" pitchFamily="34" charset="0"/>
-              </a:rPr>
-              <a:t> </a:t>
-            </a:r>
-            <a:r>
-              <a:rPr lang="en-US" sz="1800" dirty="0" err="1">
+                <a:solidFill>
+                  <a:schemeClr val="bg1"/>
+                </a:solidFill>
+                <a:effectLst/>
+                <a:latin typeface="SutonnyMJ" pitchFamily="2" charset="0"/>
+                <a:ea typeface="Calibri" panose="020F0502020204030204" pitchFamily="34" charset="0"/>
+                <a:cs typeface="Vrinda" panose="020B0502040204020203" pitchFamily="34" charset="0"/>
+              </a:rPr>
+              <a:t> </a:t>
+            </a:r>
+            <a:r>
+              <a:rPr lang="en-US" sz="1800" dirty="0" err="1">
+                <a:solidFill>
+                  <a:schemeClr val="bg1"/>
+                </a:solidFill>
                 <a:effectLst/>
                 <a:latin typeface="SutonnyMJ" pitchFamily="2" charset="0"/>
                 <a:ea typeface="Calibri" panose="020F0502020204030204" pitchFamily="34" charset="0"/>
@@ -10658,6 +11082,9 @@
             </a:r>
             <a:r>
               <a:rPr lang="en-US" sz="1800" dirty="0">
+                <a:solidFill>
+                  <a:schemeClr val="bg1"/>
+                </a:solidFill>
                 <a:effectLst/>
                 <a:latin typeface="SutonnyMJ" pitchFamily="2" charset="0"/>
                 <a:ea typeface="Calibri" panose="020F0502020204030204" pitchFamily="34" charset="0"/>
@@ -10667,6 +11094,9 @@
             </a:r>
             <a:r>
               <a:rPr lang="en-US" sz="1800" dirty="0" err="1">
+                <a:solidFill>
+                  <a:schemeClr val="bg1"/>
+                </a:solidFill>
                 <a:effectLst/>
                 <a:latin typeface="SutonnyMJ" pitchFamily="2" charset="0"/>
                 <a:ea typeface="Calibri" panose="020F0502020204030204" pitchFamily="34" charset="0"/>
@@ -10676,15 +11106,21 @@
             </a:r>
             <a:r>
               <a:rPr lang="en-US" sz="1800" dirty="0">
-                <a:effectLst/>
-                <a:latin typeface="SutonnyMJ" pitchFamily="2" charset="0"/>
-                <a:ea typeface="Calibri" panose="020F0502020204030204" pitchFamily="34" charset="0"/>
-                <a:cs typeface="Vrinda" panose="020B0502040204020203" pitchFamily="34" charset="0"/>
-              </a:rPr>
-              <a:t> </a:t>
-            </a:r>
-            <a:r>
-              <a:rPr lang="en-US" sz="1800" dirty="0" err="1">
+                <a:solidFill>
+                  <a:schemeClr val="bg1"/>
+                </a:solidFill>
+                <a:effectLst/>
+                <a:latin typeface="SutonnyMJ" pitchFamily="2" charset="0"/>
+                <a:ea typeface="Calibri" panose="020F0502020204030204" pitchFamily="34" charset="0"/>
+                <a:cs typeface="Vrinda" panose="020B0502040204020203" pitchFamily="34" charset="0"/>
+              </a:rPr>
+              <a:t> </a:t>
+            </a:r>
+            <a:r>
+              <a:rPr lang="en-US" sz="1800" dirty="0" err="1">
+                <a:solidFill>
+                  <a:schemeClr val="bg1"/>
+                </a:solidFill>
                 <a:effectLst/>
                 <a:latin typeface="SutonnyMJ" pitchFamily="2" charset="0"/>
                 <a:ea typeface="Calibri" panose="020F0502020204030204" pitchFamily="34" charset="0"/>
@@ -10694,15 +11130,21 @@
             </a:r>
             <a:r>
               <a:rPr lang="en-US" sz="1800" dirty="0">
-                <a:effectLst/>
-                <a:latin typeface="SutonnyMJ" pitchFamily="2" charset="0"/>
-                <a:ea typeface="Calibri" panose="020F0502020204030204" pitchFamily="34" charset="0"/>
-                <a:cs typeface="Vrinda" panose="020B0502040204020203" pitchFamily="34" charset="0"/>
-              </a:rPr>
-              <a:t> </a:t>
-            </a:r>
-            <a:r>
-              <a:rPr lang="en-US" sz="1800" dirty="0" err="1">
+                <a:solidFill>
+                  <a:schemeClr val="bg1"/>
+                </a:solidFill>
+                <a:effectLst/>
+                <a:latin typeface="SutonnyMJ" pitchFamily="2" charset="0"/>
+                <a:ea typeface="Calibri" panose="020F0502020204030204" pitchFamily="34" charset="0"/>
+                <a:cs typeface="Vrinda" panose="020B0502040204020203" pitchFamily="34" charset="0"/>
+              </a:rPr>
+              <a:t> </a:t>
+            </a:r>
+            <a:r>
+              <a:rPr lang="en-US" sz="1800" dirty="0" err="1">
+                <a:solidFill>
+                  <a:schemeClr val="bg1"/>
+                </a:solidFill>
                 <a:effectLst/>
                 <a:latin typeface="SutonnyMJ" pitchFamily="2" charset="0"/>
                 <a:ea typeface="Calibri" panose="020F0502020204030204" pitchFamily="34" charset="0"/>
@@ -10712,15 +11154,21 @@
             </a:r>
             <a:r>
               <a:rPr lang="en-US" sz="1800" dirty="0">
-                <a:effectLst/>
-                <a:latin typeface="SutonnyMJ" pitchFamily="2" charset="0"/>
-                <a:ea typeface="Calibri" panose="020F0502020204030204" pitchFamily="34" charset="0"/>
-                <a:cs typeface="Vrinda" panose="020B0502040204020203" pitchFamily="34" charset="0"/>
-              </a:rPr>
-              <a:t> </a:t>
-            </a:r>
-            <a:r>
-              <a:rPr lang="en-US" sz="1800" dirty="0" err="1">
+                <a:solidFill>
+                  <a:schemeClr val="bg1"/>
+                </a:solidFill>
+                <a:effectLst/>
+                <a:latin typeface="SutonnyMJ" pitchFamily="2" charset="0"/>
+                <a:ea typeface="Calibri" panose="020F0502020204030204" pitchFamily="34" charset="0"/>
+                <a:cs typeface="Vrinda" panose="020B0502040204020203" pitchFamily="34" charset="0"/>
+              </a:rPr>
+              <a:t> </a:t>
+            </a:r>
+            <a:r>
+              <a:rPr lang="en-US" sz="1800" dirty="0" err="1">
+                <a:solidFill>
+                  <a:schemeClr val="bg1"/>
+                </a:solidFill>
                 <a:effectLst/>
                 <a:latin typeface="SutonnyMJ" pitchFamily="2" charset="0"/>
                 <a:ea typeface="Calibri" panose="020F0502020204030204" pitchFamily="34" charset="0"/>
@@ -10729,6 +11177,9 @@
               <a:t>myweav</a:t>
             </a:r>
             <a:endParaRPr lang="en-US" sz="1800" dirty="0">
+              <a:solidFill>
+                <a:schemeClr val="bg1"/>
+              </a:solidFill>
               <a:effectLst/>
               <a:latin typeface="Calibri" panose="020F0502020204030204" pitchFamily="34" charset="0"/>
               <a:ea typeface="Calibri" panose="020F0502020204030204" pitchFamily="34" charset="0"/>
@@ -10736,8 +11187,14 @@
             </a:endParaRPr>
           </a:p>
           <a:p>
-            <a:r>
-              <a:rPr lang="en-US" sz="1800" dirty="0">
+            <a:pPr marL="0" indent="0">
+              <a:buNone/>
+            </a:pPr>
+            <a:r>
+              <a:rPr lang="en-US" sz="1800" dirty="0">
+                <a:solidFill>
+                  <a:schemeClr val="bg1"/>
+                </a:solidFill>
                 <a:effectLst/>
                 <a:latin typeface="SutonnyMJ" pitchFamily="2" charset="0"/>
                 <a:ea typeface="Calibri" panose="020F0502020204030204" pitchFamily="34" charset="0"/>
@@ -10747,6 +11204,9 @@
             </a:r>
             <a:r>
               <a:rPr lang="en-US" sz="1800" dirty="0" err="1">
+                <a:solidFill>
+                  <a:schemeClr val="bg1"/>
+                </a:solidFill>
                 <a:effectLst/>
                 <a:latin typeface="SutonnyMJ" pitchFamily="2" charset="0"/>
                 <a:ea typeface="Calibri" panose="020F0502020204030204" pitchFamily="34" charset="0"/>
@@ -10756,6 +11216,9 @@
             </a:r>
             <a:r>
               <a:rPr lang="en-US" sz="1800" dirty="0">
+                <a:solidFill>
+                  <a:schemeClr val="bg1"/>
+                </a:solidFill>
                 <a:effectLst/>
                 <a:latin typeface="SutonnyMJ" pitchFamily="2" charset="0"/>
                 <a:ea typeface="Calibri" panose="020F0502020204030204" pitchFamily="34" charset="0"/>
@@ -10765,6 +11228,9 @@
             </a:r>
             <a:r>
               <a:rPr lang="en-US" sz="1800" dirty="0" err="1">
+                <a:solidFill>
+                  <a:schemeClr val="bg1"/>
+                </a:solidFill>
                 <a:effectLst/>
                 <a:latin typeface="SutonnyMJ" pitchFamily="2" charset="0"/>
                 <a:ea typeface="Calibri" panose="020F0502020204030204" pitchFamily="34" charset="0"/>
@@ -10774,6 +11240,9 @@
             </a:r>
             <a:r>
               <a:rPr lang="en-US" sz="1800" dirty="0">
+                <a:solidFill>
+                  <a:schemeClr val="bg1"/>
+                </a:solidFill>
                 <a:effectLst/>
                 <a:latin typeface="SutonnyMJ" pitchFamily="2" charset="0"/>
                 <a:ea typeface="Calibri" panose="020F0502020204030204" pitchFamily="34" charset="0"/>
@@ -10783,6 +11252,9 @@
             </a:r>
             <a:r>
               <a:rPr lang="en-US" sz="1800" dirty="0" err="1">
+                <a:solidFill>
+                  <a:schemeClr val="bg1"/>
+                </a:solidFill>
                 <a:effectLst/>
                 <a:latin typeface="SutonnyMJ" pitchFamily="2" charset="0"/>
                 <a:ea typeface="Calibri" panose="020F0502020204030204" pitchFamily="34" charset="0"/>
@@ -10792,15 +11264,21 @@
             </a:r>
             <a:r>
               <a:rPr lang="en-US" sz="1800" dirty="0">
-                <a:effectLst/>
-                <a:latin typeface="SutonnyMJ" pitchFamily="2" charset="0"/>
-                <a:ea typeface="Calibri" panose="020F0502020204030204" pitchFamily="34" charset="0"/>
-                <a:cs typeface="Vrinda" panose="020B0502040204020203" pitchFamily="34" charset="0"/>
-              </a:rPr>
-              <a:t> </a:t>
-            </a:r>
-            <a:r>
-              <a:rPr lang="en-US" sz="1800" dirty="0" err="1">
+                <a:solidFill>
+                  <a:schemeClr val="bg1"/>
+                </a:solidFill>
+                <a:effectLst/>
+                <a:latin typeface="SutonnyMJ" pitchFamily="2" charset="0"/>
+                <a:ea typeface="Calibri" panose="020F0502020204030204" pitchFamily="34" charset="0"/>
+                <a:cs typeface="Vrinda" panose="020B0502040204020203" pitchFamily="34" charset="0"/>
+              </a:rPr>
+              <a:t> </a:t>
+            </a:r>
+            <a:r>
+              <a:rPr lang="en-US" sz="1800" dirty="0" err="1">
+                <a:solidFill>
+                  <a:schemeClr val="bg1"/>
+                </a:solidFill>
                 <a:effectLst/>
                 <a:latin typeface="SutonnyMJ" pitchFamily="2" charset="0"/>
                 <a:ea typeface="Calibri" panose="020F0502020204030204" pitchFamily="34" charset="0"/>
@@ -10810,15 +11288,21 @@
             </a:r>
             <a:r>
               <a:rPr lang="en-US" sz="1800" dirty="0">
-                <a:effectLst/>
-                <a:latin typeface="SutonnyMJ" pitchFamily="2" charset="0"/>
-                <a:ea typeface="Calibri" panose="020F0502020204030204" pitchFamily="34" charset="0"/>
-                <a:cs typeface="Vrinda" panose="020B0502040204020203" pitchFamily="34" charset="0"/>
-              </a:rPr>
-              <a:t> </a:t>
-            </a:r>
-            <a:r>
-              <a:rPr lang="en-US" sz="1800" dirty="0" err="1">
+                <a:solidFill>
+                  <a:schemeClr val="bg1"/>
+                </a:solidFill>
+                <a:effectLst/>
+                <a:latin typeface="SutonnyMJ" pitchFamily="2" charset="0"/>
+                <a:ea typeface="Calibri" panose="020F0502020204030204" pitchFamily="34" charset="0"/>
+                <a:cs typeface="Vrinda" panose="020B0502040204020203" pitchFamily="34" charset="0"/>
+              </a:rPr>
+              <a:t> </a:t>
+            </a:r>
+            <a:r>
+              <a:rPr lang="en-US" sz="1800" dirty="0" err="1">
+                <a:solidFill>
+                  <a:schemeClr val="bg1"/>
+                </a:solidFill>
                 <a:effectLst/>
                 <a:latin typeface="SutonnyMJ" pitchFamily="2" charset="0"/>
                 <a:ea typeface="Calibri" panose="020F0502020204030204" pitchFamily="34" charset="0"/>
@@ -10828,15 +11312,21 @@
             </a:r>
             <a:r>
               <a:rPr lang="en-US" sz="1800" dirty="0">
-                <a:effectLst/>
-                <a:latin typeface="SutonnyMJ" pitchFamily="2" charset="0"/>
-                <a:ea typeface="Calibri" panose="020F0502020204030204" pitchFamily="34" charset="0"/>
-                <a:cs typeface="Vrinda" panose="020B0502040204020203" pitchFamily="34" charset="0"/>
-              </a:rPr>
-              <a:t> </a:t>
-            </a:r>
-            <a:r>
-              <a:rPr lang="en-US" sz="1800" dirty="0" err="1">
+                <a:solidFill>
+                  <a:schemeClr val="bg1"/>
+                </a:solidFill>
+                <a:effectLst/>
+                <a:latin typeface="SutonnyMJ" pitchFamily="2" charset="0"/>
+                <a:ea typeface="Calibri" panose="020F0502020204030204" pitchFamily="34" charset="0"/>
+                <a:cs typeface="Vrinda" panose="020B0502040204020203" pitchFamily="34" charset="0"/>
+              </a:rPr>
+              <a:t> </a:t>
+            </a:r>
+            <a:r>
+              <a:rPr lang="en-US" sz="1800" dirty="0" err="1">
+                <a:solidFill>
+                  <a:schemeClr val="bg1"/>
+                </a:solidFill>
                 <a:effectLst/>
                 <a:latin typeface="SutonnyMJ" pitchFamily="2" charset="0"/>
                 <a:ea typeface="Calibri" panose="020F0502020204030204" pitchFamily="34" charset="0"/>
@@ -10875,8 +11365,12 @@
           </a:bodyPr>
           <a:lstStyle/>
           <a:p>
+            <a:pPr algn="ctr"/>
             <a:r>
               <a:rPr lang="en-US" sz="2800" dirty="0" err="1">
+                <a:solidFill>
+                  <a:schemeClr val="bg1"/>
+                </a:solidFill>
                 <a:effectLst/>
                 <a:latin typeface="SutonnyMJ" pitchFamily="2" charset="0"/>
                 <a:ea typeface="Calibri" panose="020F0502020204030204" pitchFamily="34" charset="0"/>
@@ -10886,6 +11380,9 @@
             </a:r>
             <a:r>
               <a:rPr lang="en-US" sz="2800" dirty="0">
+                <a:solidFill>
+                  <a:schemeClr val="bg1"/>
+                </a:solidFill>
                 <a:effectLst/>
                 <a:latin typeface="SutonnyMJ" pitchFamily="2" charset="0"/>
                 <a:ea typeface="Calibri" panose="020F0502020204030204" pitchFamily="34" charset="0"/>
@@ -10895,6 +11392,9 @@
             </a:r>
             <a:r>
               <a:rPr lang="en-US" sz="2800" dirty="0" err="1">
+                <a:solidFill>
+                  <a:schemeClr val="bg1"/>
+                </a:solidFill>
                 <a:effectLst/>
                 <a:latin typeface="SutonnyMJ" pitchFamily="2" charset="0"/>
                 <a:ea typeface="Calibri" panose="020F0502020204030204" pitchFamily="34" charset="0"/>
@@ -10904,6 +11404,9 @@
             </a:r>
             <a:r>
               <a:rPr lang="en-US" sz="2800" dirty="0">
+                <a:solidFill>
+                  <a:schemeClr val="bg1"/>
+                </a:solidFill>
                 <a:effectLst/>
                 <a:latin typeface="SutonnyMJ" pitchFamily="2" charset="0"/>
                 <a:ea typeface="Calibri" panose="020F0502020204030204" pitchFamily="34" charset="0"/>
@@ -10913,6 +11416,9 @@
             </a:r>
             <a:r>
               <a:rPr lang="en-US" sz="2800" dirty="0" err="1">
+                <a:solidFill>
+                  <a:schemeClr val="bg1"/>
+                </a:solidFill>
                 <a:effectLst/>
                 <a:latin typeface="SutonnyOMJ" panose="01010600010101010101" pitchFamily="2" charset="0"/>
                 <a:ea typeface="Calibri" panose="020F0502020204030204" pitchFamily="34" charset="0"/>
@@ -10922,6 +11428,9 @@
             </a:r>
             <a:r>
               <a:rPr lang="en-US" sz="2800" dirty="0">
+                <a:solidFill>
+                  <a:schemeClr val="bg1"/>
+                </a:solidFill>
                 <a:effectLst/>
                 <a:latin typeface="SutonnyMJ" pitchFamily="2" charset="0"/>
                 <a:ea typeface="Calibri" panose="020F0502020204030204" pitchFamily="34" charset="0"/>
@@ -10931,6 +11440,9 @@
             </a:r>
             <a:r>
               <a:rPr lang="en-US" sz="2800" dirty="0" err="1">
+                <a:solidFill>
+                  <a:schemeClr val="bg1"/>
+                </a:solidFill>
                 <a:effectLst/>
                 <a:latin typeface="SutonnyMJ" pitchFamily="2" charset="0"/>
                 <a:ea typeface="Calibri" panose="020F0502020204030204" pitchFamily="34" charset="0"/>
@@ -10938,7 +11450,11 @@
               </a:rPr>
               <a:t>my‡hvM-myweavmg~n</a:t>
             </a:r>
-            <a:endParaRPr lang="en-US" sz="2400" dirty="0"/>
+            <a:endParaRPr lang="en-US" sz="2400" dirty="0">
+              <a:solidFill>
+                <a:schemeClr val="bg1"/>
+              </a:solidFill>
+            </a:endParaRPr>
           </a:p>
         </p:txBody>
       </p:sp>
@@ -10964,8 +11480,8 @@
         </p:blipFill>
         <p:spPr>
           <a:xfrm>
-            <a:off x="7147774" y="3505198"/>
-            <a:ext cx="1841680" cy="3262699"/>
+            <a:off x="7805530" y="5797826"/>
+            <a:ext cx="1232453" cy="970071"/>
           </a:xfrm>
           <a:prstGeom prst="rect">
             <a:avLst/>
@@ -11066,11 +11582,11 @@
         <p:spPr/>
         <p:txBody>
           <a:bodyPr>
-            <a:normAutofit fontScale="92500" lnSpcReduction="20000"/>
+            <a:normAutofit fontScale="92500" lnSpcReduction="10000"/>
           </a:bodyPr>
           <a:lstStyle/>
           <a:p>
-            <a:pPr marL="0" marR="0" algn="just">
+            <a:pPr marL="0" marR="0" indent="0" algn="just">
               <a:lnSpc>
                 <a:spcPct val="107000"/>
               </a:lnSpc>
@@ -11080,9 +11596,13 @@
               <a:spcAft>
                 <a:spcPts val="800"/>
               </a:spcAft>
+              <a:buNone/>
             </a:pPr>
             <a:r>
               <a:rPr lang="en-US" sz="1800" dirty="0">
+                <a:solidFill>
+                  <a:schemeClr val="bg1"/>
+                </a:solidFill>
                 <a:effectLst/>
                 <a:latin typeface="SutonnyMJ" pitchFamily="2" charset="0"/>
                 <a:ea typeface="Calibri" panose="020F0502020204030204" pitchFamily="34" charset="0"/>
@@ -11092,6 +11612,9 @@
             </a:r>
             <a:r>
               <a:rPr lang="en-US" sz="1800" dirty="0" err="1">
+                <a:solidFill>
+                  <a:schemeClr val="bg1"/>
+                </a:solidFill>
                 <a:effectLst/>
                 <a:latin typeface="SutonnyMJ" pitchFamily="2" charset="0"/>
                 <a:ea typeface="Calibri" panose="020F0502020204030204" pitchFamily="34" charset="0"/>
@@ -11101,6 +11624,9 @@
             </a:r>
             <a:r>
               <a:rPr lang="en-US" sz="1800" dirty="0">
+                <a:solidFill>
+                  <a:schemeClr val="bg1"/>
+                </a:solidFill>
                 <a:effectLst/>
                 <a:latin typeface="SutonnyMJ" pitchFamily="2" charset="0"/>
                 <a:ea typeface="Calibri" panose="020F0502020204030204" pitchFamily="34" charset="0"/>
@@ -11110,6 +11636,9 @@
             </a:r>
             <a:r>
               <a:rPr lang="en-US" sz="1800" dirty="0" err="1">
+                <a:solidFill>
+                  <a:schemeClr val="bg1"/>
+                </a:solidFill>
                 <a:effectLst/>
                 <a:latin typeface="SutonnyMJ" pitchFamily="2" charset="0"/>
                 <a:ea typeface="Calibri" panose="020F0502020204030204" pitchFamily="34" charset="0"/>
@@ -11119,15 +11648,21 @@
             </a:r>
             <a:r>
               <a:rPr lang="en-US" sz="1800" dirty="0">
-                <a:effectLst/>
-                <a:latin typeface="SutonnyMJ" pitchFamily="2" charset="0"/>
-                <a:ea typeface="Calibri" panose="020F0502020204030204" pitchFamily="34" charset="0"/>
-                <a:cs typeface="Vrinda" panose="020B0502040204020203" pitchFamily="34" charset="0"/>
-              </a:rPr>
-              <a:t> </a:t>
-            </a:r>
-            <a:r>
-              <a:rPr lang="en-US" sz="1800" dirty="0" err="1">
+                <a:solidFill>
+                  <a:schemeClr val="bg1"/>
+                </a:solidFill>
+                <a:effectLst/>
+                <a:latin typeface="SutonnyMJ" pitchFamily="2" charset="0"/>
+                <a:ea typeface="Calibri" panose="020F0502020204030204" pitchFamily="34" charset="0"/>
+                <a:cs typeface="Vrinda" panose="020B0502040204020203" pitchFamily="34" charset="0"/>
+              </a:rPr>
+              <a:t> </a:t>
+            </a:r>
+            <a:r>
+              <a:rPr lang="en-US" sz="1800" dirty="0" err="1">
+                <a:solidFill>
+                  <a:schemeClr val="bg1"/>
+                </a:solidFill>
                 <a:effectLst/>
                 <a:latin typeface="SutonnyOMJ" panose="01010600010101010101" pitchFamily="2" charset="0"/>
                 <a:ea typeface="Calibri" panose="020F0502020204030204" pitchFamily="34" charset="0"/>
@@ -11137,6 +11672,9 @@
             </a:r>
             <a:r>
               <a:rPr lang="en-US" sz="1800" dirty="0">
+                <a:solidFill>
+                  <a:schemeClr val="bg1"/>
+                </a:solidFill>
                 <a:effectLst/>
                 <a:latin typeface="SutonnyMJ" pitchFamily="2" charset="0"/>
                 <a:ea typeface="Calibri" panose="020F0502020204030204" pitchFamily="34" charset="0"/>
@@ -11146,6 +11684,9 @@
             </a:r>
             <a:r>
               <a:rPr lang="en-US" sz="1800" dirty="0" err="1">
+                <a:solidFill>
+                  <a:schemeClr val="bg1"/>
+                </a:solidFill>
                 <a:effectLst/>
                 <a:latin typeface="SutonnyOMJ" panose="01010600010101010101" pitchFamily="2" charset="0"/>
                 <a:ea typeface="Calibri" panose="020F0502020204030204" pitchFamily="34" charset="0"/>
@@ -11155,15 +11696,21 @@
             </a:r>
             <a:r>
               <a:rPr lang="en-US" sz="1800" dirty="0">
-                <a:effectLst/>
-                <a:latin typeface="SutonnyMJ" pitchFamily="2" charset="0"/>
-                <a:ea typeface="Calibri" panose="020F0502020204030204" pitchFamily="34" charset="0"/>
-                <a:cs typeface="Vrinda" panose="020B0502040204020203" pitchFamily="34" charset="0"/>
-              </a:rPr>
-              <a:t> </a:t>
-            </a:r>
-            <a:r>
-              <a:rPr lang="en-US" sz="1800" dirty="0" err="1">
+                <a:solidFill>
+                  <a:schemeClr val="bg1"/>
+                </a:solidFill>
+                <a:effectLst/>
+                <a:latin typeface="SutonnyMJ" pitchFamily="2" charset="0"/>
+                <a:ea typeface="Calibri" panose="020F0502020204030204" pitchFamily="34" charset="0"/>
+                <a:cs typeface="Vrinda" panose="020B0502040204020203" pitchFamily="34" charset="0"/>
+              </a:rPr>
+              <a:t> </a:t>
+            </a:r>
+            <a:r>
+              <a:rPr lang="en-US" sz="1800" dirty="0" err="1">
+                <a:solidFill>
+                  <a:schemeClr val="bg1"/>
+                </a:solidFill>
                 <a:effectLst/>
                 <a:latin typeface="SutonnyMJ" pitchFamily="2" charset="0"/>
                 <a:ea typeface="Calibri" panose="020F0502020204030204" pitchFamily="34" charset="0"/>
@@ -11173,6 +11720,9 @@
             </a:r>
             <a:r>
               <a:rPr lang="en-US" sz="1800" dirty="0">
+                <a:solidFill>
+                  <a:schemeClr val="bg1"/>
+                </a:solidFill>
                 <a:effectLst/>
                 <a:latin typeface="SutonnyMJ" pitchFamily="2" charset="0"/>
                 <a:ea typeface="Calibri" panose="020F0502020204030204" pitchFamily="34" charset="0"/>
@@ -11182,6 +11732,9 @@
             </a:r>
             <a:r>
               <a:rPr lang="en-US" sz="1800" dirty="0" err="1">
+                <a:solidFill>
+                  <a:schemeClr val="bg1"/>
+                </a:solidFill>
                 <a:effectLst/>
                 <a:latin typeface="SutonnyMJ" pitchFamily="2" charset="0"/>
                 <a:ea typeface="Calibri" panose="020F0502020204030204" pitchFamily="34" charset="0"/>
@@ -11191,15 +11744,21 @@
             </a:r>
             <a:r>
               <a:rPr lang="en-US" sz="1800" dirty="0">
-                <a:effectLst/>
-                <a:latin typeface="SutonnyMJ" pitchFamily="2" charset="0"/>
-                <a:ea typeface="Calibri" panose="020F0502020204030204" pitchFamily="34" charset="0"/>
-                <a:cs typeface="Vrinda" panose="020B0502040204020203" pitchFamily="34" charset="0"/>
-              </a:rPr>
-              <a:t> </a:t>
-            </a:r>
-            <a:r>
-              <a:rPr lang="en-US" sz="1800" dirty="0" err="1">
+                <a:solidFill>
+                  <a:schemeClr val="bg1"/>
+                </a:solidFill>
+                <a:effectLst/>
+                <a:latin typeface="SutonnyMJ" pitchFamily="2" charset="0"/>
+                <a:ea typeface="Calibri" panose="020F0502020204030204" pitchFamily="34" charset="0"/>
+                <a:cs typeface="Vrinda" panose="020B0502040204020203" pitchFamily="34" charset="0"/>
+              </a:rPr>
+              <a:t> </a:t>
+            </a:r>
+            <a:r>
+              <a:rPr lang="en-US" sz="1800" dirty="0" err="1">
+                <a:solidFill>
+                  <a:schemeClr val="bg1"/>
+                </a:solidFill>
                 <a:effectLst/>
                 <a:latin typeface="SutonnyMJ" pitchFamily="2" charset="0"/>
                 <a:ea typeface="Calibri" panose="020F0502020204030204" pitchFamily="34" charset="0"/>
@@ -11209,15 +11768,21 @@
             </a:r>
             <a:r>
               <a:rPr lang="en-US" sz="1800" dirty="0">
-                <a:effectLst/>
-                <a:latin typeface="SutonnyMJ" pitchFamily="2" charset="0"/>
-                <a:ea typeface="Calibri" panose="020F0502020204030204" pitchFamily="34" charset="0"/>
-                <a:cs typeface="Vrinda" panose="020B0502040204020203" pitchFamily="34" charset="0"/>
-              </a:rPr>
-              <a:t> </a:t>
-            </a:r>
-            <a:r>
-              <a:rPr lang="en-US" sz="1800" dirty="0" err="1">
+                <a:solidFill>
+                  <a:schemeClr val="bg1"/>
+                </a:solidFill>
+                <a:effectLst/>
+                <a:latin typeface="SutonnyMJ" pitchFamily="2" charset="0"/>
+                <a:ea typeface="Calibri" panose="020F0502020204030204" pitchFamily="34" charset="0"/>
+                <a:cs typeface="Vrinda" panose="020B0502040204020203" pitchFamily="34" charset="0"/>
+              </a:rPr>
+              <a:t> </a:t>
+            </a:r>
+            <a:r>
+              <a:rPr lang="en-US" sz="1800" dirty="0" err="1">
+                <a:solidFill>
+                  <a:schemeClr val="bg1"/>
+                </a:solidFill>
                 <a:effectLst/>
                 <a:latin typeface="SutonnyMJ" pitchFamily="2" charset="0"/>
                 <a:ea typeface="Calibri" panose="020F0502020204030204" pitchFamily="34" charset="0"/>
@@ -11227,15 +11792,21 @@
             </a:r>
             <a:r>
               <a:rPr lang="en-US" sz="1800" dirty="0">
-                <a:effectLst/>
-                <a:latin typeface="SutonnyMJ" pitchFamily="2" charset="0"/>
-                <a:ea typeface="Calibri" panose="020F0502020204030204" pitchFamily="34" charset="0"/>
-                <a:cs typeface="Vrinda" panose="020B0502040204020203" pitchFamily="34" charset="0"/>
-              </a:rPr>
-              <a:t> </a:t>
-            </a:r>
-            <a:r>
-              <a:rPr lang="en-US" sz="1800" dirty="0" err="1">
+                <a:solidFill>
+                  <a:schemeClr val="bg1"/>
+                </a:solidFill>
+                <a:effectLst/>
+                <a:latin typeface="SutonnyMJ" pitchFamily="2" charset="0"/>
+                <a:ea typeface="Calibri" panose="020F0502020204030204" pitchFamily="34" charset="0"/>
+                <a:cs typeface="Vrinda" panose="020B0502040204020203" pitchFamily="34" charset="0"/>
+              </a:rPr>
+              <a:t> </a:t>
+            </a:r>
+            <a:r>
+              <a:rPr lang="en-US" sz="1800" dirty="0" err="1">
+                <a:solidFill>
+                  <a:schemeClr val="bg1"/>
+                </a:solidFill>
                 <a:effectLst/>
                 <a:latin typeface="SutonnyMJ" pitchFamily="2" charset="0"/>
                 <a:ea typeface="Calibri" panose="020F0502020204030204" pitchFamily="34" charset="0"/>
@@ -11244,6 +11815,9 @@
               <a:t>myweav</a:t>
             </a:r>
             <a:endParaRPr lang="en-US" sz="1800" dirty="0">
+              <a:solidFill>
+                <a:schemeClr val="bg1"/>
+              </a:solidFill>
               <a:effectLst/>
               <a:latin typeface="Calibri" panose="020F0502020204030204" pitchFamily="34" charset="0"/>
               <a:ea typeface="Calibri" panose="020F0502020204030204" pitchFamily="34" charset="0"/>
@@ -11251,7 +11825,7 @@
             </a:endParaRPr>
           </a:p>
           <a:p>
-            <a:pPr marL="0" marR="0" algn="just">
+            <a:pPr marL="0" marR="0" indent="0" algn="just">
               <a:lnSpc>
                 <a:spcPct val="107000"/>
               </a:lnSpc>
@@ -11261,9 +11835,13 @@
               <a:spcAft>
                 <a:spcPts val="800"/>
               </a:spcAft>
+              <a:buNone/>
             </a:pPr>
             <a:r>
               <a:rPr lang="en-US" sz="1800" dirty="0">
+                <a:solidFill>
+                  <a:schemeClr val="bg1"/>
+                </a:solidFill>
                 <a:effectLst/>
                 <a:latin typeface="SutonnyMJ" pitchFamily="2" charset="0"/>
                 <a:ea typeface="Calibri" panose="020F0502020204030204" pitchFamily="34" charset="0"/>
@@ -11273,6 +11851,9 @@
             </a:r>
             <a:r>
               <a:rPr lang="en-US" sz="1800" dirty="0" err="1">
+                <a:solidFill>
+                  <a:schemeClr val="bg1"/>
+                </a:solidFill>
                 <a:latin typeface="SutonnyOMJ" panose="01010600010101010101" pitchFamily="2" charset="0"/>
                 <a:ea typeface="Calibri" panose="020F0502020204030204" pitchFamily="34" charset="0"/>
                 <a:cs typeface="SutonnyOMJ" panose="01010600010101010101" pitchFamily="2" charset="0"/>
@@ -11281,15 +11862,21 @@
             </a:r>
             <a:r>
               <a:rPr lang="en-US" sz="1800" dirty="0">
-                <a:effectLst/>
-                <a:latin typeface="SutonnyMJ" pitchFamily="2" charset="0"/>
-                <a:ea typeface="Calibri" panose="020F0502020204030204" pitchFamily="34" charset="0"/>
-                <a:cs typeface="Vrinda" panose="020B0502040204020203" pitchFamily="34" charset="0"/>
-              </a:rPr>
-              <a:t> </a:t>
-            </a:r>
-            <a:r>
-              <a:rPr lang="en-US" sz="1800" dirty="0" err="1">
+                <a:solidFill>
+                  <a:schemeClr val="bg1"/>
+                </a:solidFill>
+                <a:effectLst/>
+                <a:latin typeface="SutonnyMJ" pitchFamily="2" charset="0"/>
+                <a:ea typeface="Calibri" panose="020F0502020204030204" pitchFamily="34" charset="0"/>
+                <a:cs typeface="Vrinda" panose="020B0502040204020203" pitchFamily="34" charset="0"/>
+              </a:rPr>
+              <a:t> </a:t>
+            </a:r>
+            <a:r>
+              <a:rPr lang="en-US" sz="1800" dirty="0" err="1">
+                <a:solidFill>
+                  <a:schemeClr val="bg1"/>
+                </a:solidFill>
                 <a:effectLst/>
                 <a:latin typeface="SutonnyMJ" pitchFamily="2" charset="0"/>
                 <a:ea typeface="Calibri" panose="020F0502020204030204" pitchFamily="34" charset="0"/>
@@ -11299,15 +11886,21 @@
             </a:r>
             <a:r>
               <a:rPr lang="en-US" sz="1800" dirty="0">
-                <a:effectLst/>
-                <a:latin typeface="SutonnyMJ" pitchFamily="2" charset="0"/>
-                <a:ea typeface="Calibri" panose="020F0502020204030204" pitchFamily="34" charset="0"/>
-                <a:cs typeface="Vrinda" panose="020B0502040204020203" pitchFamily="34" charset="0"/>
-              </a:rPr>
-              <a:t> </a:t>
-            </a:r>
-            <a:r>
-              <a:rPr lang="en-US" sz="1800" dirty="0" err="1">
+                <a:solidFill>
+                  <a:schemeClr val="bg1"/>
+                </a:solidFill>
+                <a:effectLst/>
+                <a:latin typeface="SutonnyMJ" pitchFamily="2" charset="0"/>
+                <a:ea typeface="Calibri" panose="020F0502020204030204" pitchFamily="34" charset="0"/>
+                <a:cs typeface="Vrinda" panose="020B0502040204020203" pitchFamily="34" charset="0"/>
+              </a:rPr>
+              <a:t> </a:t>
+            </a:r>
+            <a:r>
+              <a:rPr lang="en-US" sz="1800" dirty="0" err="1">
+                <a:solidFill>
+                  <a:schemeClr val="bg1"/>
+                </a:solidFill>
                 <a:effectLst/>
                 <a:latin typeface="SutonnyMJ" pitchFamily="2" charset="0"/>
                 <a:ea typeface="Calibri" panose="020F0502020204030204" pitchFamily="34" charset="0"/>
@@ -11317,6 +11910,9 @@
             </a:r>
             <a:r>
               <a:rPr lang="en-US" sz="1800" dirty="0">
+                <a:solidFill>
+                  <a:schemeClr val="bg1"/>
+                </a:solidFill>
                 <a:effectLst/>
                 <a:latin typeface="SutonnyMJ" pitchFamily="2" charset="0"/>
                 <a:ea typeface="Calibri" panose="020F0502020204030204" pitchFamily="34" charset="0"/>
@@ -11325,6 +11921,9 @@
               <a:t>_©x</a:t>
             </a:r>
             <a:endParaRPr lang="en-US" sz="1800" dirty="0">
+              <a:solidFill>
+                <a:schemeClr val="bg1"/>
+              </a:solidFill>
               <a:effectLst/>
               <a:latin typeface="Calibri" panose="020F0502020204030204" pitchFamily="34" charset="0"/>
               <a:ea typeface="Calibri" panose="020F0502020204030204" pitchFamily="34" charset="0"/>
@@ -11332,7 +11931,7 @@
             </a:endParaRPr>
           </a:p>
           <a:p>
-            <a:pPr marL="0" marR="0" algn="just">
+            <a:pPr marL="0" marR="0" indent="0" algn="just">
               <a:lnSpc>
                 <a:spcPct val="107000"/>
               </a:lnSpc>
@@ -11342,9 +11941,13 @@
               <a:spcAft>
                 <a:spcPts val="800"/>
               </a:spcAft>
+              <a:buNone/>
             </a:pPr>
             <a:r>
               <a:rPr lang="en-US" sz="1800" dirty="0">
+                <a:solidFill>
+                  <a:schemeClr val="bg1"/>
+                </a:solidFill>
                 <a:effectLst/>
                 <a:latin typeface="SutonnyMJ" pitchFamily="2" charset="0"/>
                 <a:ea typeface="Calibri" panose="020F0502020204030204" pitchFamily="34" charset="0"/>
@@ -11354,6 +11957,9 @@
             </a:r>
             <a:r>
               <a:rPr lang="en-US" sz="1800" dirty="0" err="1">
+                <a:solidFill>
+                  <a:schemeClr val="bg1"/>
+                </a:solidFill>
                 <a:effectLst/>
                 <a:latin typeface="SutonnyMJ" pitchFamily="2" charset="0"/>
                 <a:ea typeface="Calibri" panose="020F0502020204030204" pitchFamily="34" charset="0"/>
@@ -11363,15 +11969,21 @@
             </a:r>
             <a:r>
               <a:rPr lang="en-US" sz="1800" dirty="0">
-                <a:effectLst/>
-                <a:latin typeface="SutonnyMJ" pitchFamily="2" charset="0"/>
-                <a:ea typeface="Calibri" panose="020F0502020204030204" pitchFamily="34" charset="0"/>
-                <a:cs typeface="Vrinda" panose="020B0502040204020203" pitchFamily="34" charset="0"/>
-              </a:rPr>
-              <a:t> </a:t>
-            </a:r>
-            <a:r>
-              <a:rPr lang="en-US" sz="1800" dirty="0" err="1">
+                <a:solidFill>
+                  <a:schemeClr val="bg1"/>
+                </a:solidFill>
+                <a:effectLst/>
+                <a:latin typeface="SutonnyMJ" pitchFamily="2" charset="0"/>
+                <a:ea typeface="Calibri" panose="020F0502020204030204" pitchFamily="34" charset="0"/>
+                <a:cs typeface="Vrinda" panose="020B0502040204020203" pitchFamily="34" charset="0"/>
+              </a:rPr>
+              <a:t> </a:t>
+            </a:r>
+            <a:r>
+              <a:rPr lang="en-US" sz="1800" dirty="0" err="1">
+                <a:solidFill>
+                  <a:schemeClr val="bg1"/>
+                </a:solidFill>
                 <a:effectLst/>
                 <a:latin typeface="SutonnyMJ" pitchFamily="2" charset="0"/>
                 <a:ea typeface="Calibri" panose="020F0502020204030204" pitchFamily="34" charset="0"/>
@@ -11381,15 +11993,21 @@
             </a:r>
             <a:r>
               <a:rPr lang="en-US" sz="1800" dirty="0">
-                <a:effectLst/>
-                <a:latin typeface="SutonnyMJ" pitchFamily="2" charset="0"/>
-                <a:ea typeface="Calibri" panose="020F0502020204030204" pitchFamily="34" charset="0"/>
-                <a:cs typeface="Vrinda" panose="020B0502040204020203" pitchFamily="34" charset="0"/>
-              </a:rPr>
-              <a:t> </a:t>
-            </a:r>
-            <a:r>
-              <a:rPr lang="en-US" sz="1800" dirty="0" err="1">
+                <a:solidFill>
+                  <a:schemeClr val="bg1"/>
+                </a:solidFill>
+                <a:effectLst/>
+                <a:latin typeface="SutonnyMJ" pitchFamily="2" charset="0"/>
+                <a:ea typeface="Calibri" panose="020F0502020204030204" pitchFamily="34" charset="0"/>
+                <a:cs typeface="Vrinda" panose="020B0502040204020203" pitchFamily="34" charset="0"/>
+              </a:rPr>
+              <a:t> </a:t>
+            </a:r>
+            <a:r>
+              <a:rPr lang="en-US" sz="1800" dirty="0" err="1">
+                <a:solidFill>
+                  <a:schemeClr val="bg1"/>
+                </a:solidFill>
                 <a:effectLst/>
                 <a:latin typeface="SutonnyMJ" pitchFamily="2" charset="0"/>
                 <a:ea typeface="Calibri" panose="020F0502020204030204" pitchFamily="34" charset="0"/>
@@ -11399,15 +12017,21 @@
             </a:r>
             <a:r>
               <a:rPr lang="en-US" sz="1800" dirty="0">
-                <a:effectLst/>
-                <a:latin typeface="SutonnyMJ" pitchFamily="2" charset="0"/>
-                <a:ea typeface="Calibri" panose="020F0502020204030204" pitchFamily="34" charset="0"/>
-                <a:cs typeface="Vrinda" panose="020B0502040204020203" pitchFamily="34" charset="0"/>
-              </a:rPr>
-              <a:t> </a:t>
-            </a:r>
-            <a:r>
-              <a:rPr lang="en-US" sz="1800" dirty="0" err="1">
+                <a:solidFill>
+                  <a:schemeClr val="bg1"/>
+                </a:solidFill>
+                <a:effectLst/>
+                <a:latin typeface="SutonnyMJ" pitchFamily="2" charset="0"/>
+                <a:ea typeface="Calibri" panose="020F0502020204030204" pitchFamily="34" charset="0"/>
+                <a:cs typeface="Vrinda" panose="020B0502040204020203" pitchFamily="34" charset="0"/>
+              </a:rPr>
+              <a:t> </a:t>
+            </a:r>
+            <a:r>
+              <a:rPr lang="en-US" sz="1800" dirty="0" err="1">
+                <a:solidFill>
+                  <a:schemeClr val="bg1"/>
+                </a:solidFill>
                 <a:effectLst/>
                 <a:latin typeface="SutonnyMJ" pitchFamily="2" charset="0"/>
                 <a:ea typeface="Calibri" panose="020F0502020204030204" pitchFamily="34" charset="0"/>
@@ -11417,15 +12041,21 @@
             </a:r>
             <a:r>
               <a:rPr lang="en-US" sz="1800" dirty="0">
-                <a:effectLst/>
-                <a:latin typeface="SutonnyMJ" pitchFamily="2" charset="0"/>
-                <a:ea typeface="Calibri" panose="020F0502020204030204" pitchFamily="34" charset="0"/>
-                <a:cs typeface="Vrinda" panose="020B0502040204020203" pitchFamily="34" charset="0"/>
-              </a:rPr>
-              <a:t> </a:t>
-            </a:r>
-            <a:r>
-              <a:rPr lang="en-US" sz="1800" dirty="0" err="1">
+                <a:solidFill>
+                  <a:schemeClr val="bg1"/>
+                </a:solidFill>
+                <a:effectLst/>
+                <a:latin typeface="SutonnyMJ" pitchFamily="2" charset="0"/>
+                <a:ea typeface="Calibri" panose="020F0502020204030204" pitchFamily="34" charset="0"/>
+                <a:cs typeface="Vrinda" panose="020B0502040204020203" pitchFamily="34" charset="0"/>
+              </a:rPr>
+              <a:t> </a:t>
+            </a:r>
+            <a:r>
+              <a:rPr lang="en-US" sz="1800" dirty="0" err="1">
+                <a:solidFill>
+                  <a:schemeClr val="bg1"/>
+                </a:solidFill>
                 <a:effectLst/>
                 <a:latin typeface="SutonnyMJ" pitchFamily="2" charset="0"/>
                 <a:ea typeface="Calibri" panose="020F0502020204030204" pitchFamily="34" charset="0"/>
@@ -11435,15 +12065,21 @@
             </a:r>
             <a:r>
               <a:rPr lang="en-US" sz="1800" dirty="0">
-                <a:effectLst/>
-                <a:latin typeface="SutonnyMJ" pitchFamily="2" charset="0"/>
-                <a:ea typeface="Calibri" panose="020F0502020204030204" pitchFamily="34" charset="0"/>
-                <a:cs typeface="Vrinda" panose="020B0502040204020203" pitchFamily="34" charset="0"/>
-              </a:rPr>
-              <a:t> </a:t>
-            </a:r>
-            <a:r>
-              <a:rPr lang="en-US" sz="1800" dirty="0" err="1">
+                <a:solidFill>
+                  <a:schemeClr val="bg1"/>
+                </a:solidFill>
+                <a:effectLst/>
+                <a:latin typeface="SutonnyMJ" pitchFamily="2" charset="0"/>
+                <a:ea typeface="Calibri" panose="020F0502020204030204" pitchFamily="34" charset="0"/>
+                <a:cs typeface="Vrinda" panose="020B0502040204020203" pitchFamily="34" charset="0"/>
+              </a:rPr>
+              <a:t> </a:t>
+            </a:r>
+            <a:r>
+              <a:rPr lang="en-US" sz="1800" dirty="0" err="1">
+                <a:solidFill>
+                  <a:schemeClr val="bg1"/>
+                </a:solidFill>
                 <a:effectLst/>
                 <a:latin typeface="SutonnyMJ" pitchFamily="2" charset="0"/>
                 <a:ea typeface="Calibri" panose="020F0502020204030204" pitchFamily="34" charset="0"/>
@@ -11453,15 +12089,21 @@
             </a:r>
             <a:r>
               <a:rPr lang="en-US" sz="1800" dirty="0">
-                <a:effectLst/>
-                <a:latin typeface="SutonnyMJ" pitchFamily="2" charset="0"/>
-                <a:ea typeface="Calibri" panose="020F0502020204030204" pitchFamily="34" charset="0"/>
-                <a:cs typeface="Vrinda" panose="020B0502040204020203" pitchFamily="34" charset="0"/>
-              </a:rPr>
-              <a:t> </a:t>
-            </a:r>
-            <a:r>
-              <a:rPr lang="en-US" sz="1800" dirty="0" err="1">
+                <a:solidFill>
+                  <a:schemeClr val="bg1"/>
+                </a:solidFill>
+                <a:effectLst/>
+                <a:latin typeface="SutonnyMJ" pitchFamily="2" charset="0"/>
+                <a:ea typeface="Calibri" panose="020F0502020204030204" pitchFamily="34" charset="0"/>
+                <a:cs typeface="Vrinda" panose="020B0502040204020203" pitchFamily="34" charset="0"/>
+              </a:rPr>
+              <a:t> </a:t>
+            </a:r>
+            <a:r>
+              <a:rPr lang="en-US" sz="1800" dirty="0" err="1">
+                <a:solidFill>
+                  <a:schemeClr val="bg1"/>
+                </a:solidFill>
                 <a:effectLst/>
                 <a:latin typeface="SutonnyMJ" pitchFamily="2" charset="0"/>
                 <a:ea typeface="Calibri" panose="020F0502020204030204" pitchFamily="34" charset="0"/>
@@ -11471,15 +12113,21 @@
             </a:r>
             <a:r>
               <a:rPr lang="en-US" sz="1800" dirty="0">
-                <a:effectLst/>
-                <a:latin typeface="SutonnyMJ" pitchFamily="2" charset="0"/>
-                <a:ea typeface="Calibri" panose="020F0502020204030204" pitchFamily="34" charset="0"/>
-                <a:cs typeface="Vrinda" panose="020B0502040204020203" pitchFamily="34" charset="0"/>
-              </a:rPr>
-              <a:t> </a:t>
-            </a:r>
-            <a:r>
-              <a:rPr lang="en-US" sz="1800" dirty="0" err="1">
+                <a:solidFill>
+                  <a:schemeClr val="bg1"/>
+                </a:solidFill>
+                <a:effectLst/>
+                <a:latin typeface="SutonnyMJ" pitchFamily="2" charset="0"/>
+                <a:ea typeface="Calibri" panose="020F0502020204030204" pitchFamily="34" charset="0"/>
+                <a:cs typeface="Vrinda" panose="020B0502040204020203" pitchFamily="34" charset="0"/>
+              </a:rPr>
+              <a:t> </a:t>
+            </a:r>
+            <a:r>
+              <a:rPr lang="en-US" sz="1800" dirty="0" err="1">
+                <a:solidFill>
+                  <a:schemeClr val="bg1"/>
+                </a:solidFill>
                 <a:effectLst/>
                 <a:latin typeface="SutonnyMJ" pitchFamily="2" charset="0"/>
                 <a:ea typeface="Calibri" panose="020F0502020204030204" pitchFamily="34" charset="0"/>
@@ -11488,6 +12136,9 @@
               <a:t>cwiPvjbv</a:t>
             </a:r>
             <a:endParaRPr lang="en-US" sz="1800" dirty="0">
+              <a:solidFill>
+                <a:schemeClr val="bg1"/>
+              </a:solidFill>
               <a:effectLst/>
               <a:latin typeface="Calibri" panose="020F0502020204030204" pitchFamily="34" charset="0"/>
               <a:ea typeface="Calibri" panose="020F0502020204030204" pitchFamily="34" charset="0"/>
@@ -11495,7 +12146,7 @@
             </a:endParaRPr>
           </a:p>
           <a:p>
-            <a:pPr marL="0" marR="0" algn="just">
+            <a:pPr marL="0" marR="0" indent="0" algn="just">
               <a:lnSpc>
                 <a:spcPct val="107000"/>
               </a:lnSpc>
@@ -11505,9 +12156,13 @@
               <a:spcAft>
                 <a:spcPts val="800"/>
               </a:spcAft>
+              <a:buNone/>
             </a:pPr>
             <a:r>
               <a:rPr lang="en-US" sz="1800" dirty="0">
+                <a:solidFill>
+                  <a:schemeClr val="bg1"/>
+                </a:solidFill>
                 <a:effectLst/>
                 <a:latin typeface="SutonnyMJ" pitchFamily="2" charset="0"/>
                 <a:ea typeface="Calibri" panose="020F0502020204030204" pitchFamily="34" charset="0"/>
@@ -11517,6 +12172,9 @@
             </a:r>
             <a:r>
               <a:rPr lang="en-US" sz="1800" dirty="0" err="1">
+                <a:solidFill>
+                  <a:schemeClr val="bg1"/>
+                </a:solidFill>
                 <a:effectLst/>
                 <a:latin typeface="SutonnyMJ" pitchFamily="2" charset="0"/>
                 <a:ea typeface="Calibri" panose="020F0502020204030204" pitchFamily="34" charset="0"/>
@@ -11526,15 +12184,21 @@
             </a:r>
             <a:r>
               <a:rPr lang="en-US" sz="1800" dirty="0">
-                <a:effectLst/>
-                <a:latin typeface="SutonnyMJ" pitchFamily="2" charset="0"/>
-                <a:ea typeface="Calibri" panose="020F0502020204030204" pitchFamily="34" charset="0"/>
-                <a:cs typeface="Vrinda" panose="020B0502040204020203" pitchFamily="34" charset="0"/>
-              </a:rPr>
-              <a:t> </a:t>
-            </a:r>
-            <a:r>
-              <a:rPr lang="en-US" sz="1800" dirty="0" err="1">
+                <a:solidFill>
+                  <a:schemeClr val="bg1"/>
+                </a:solidFill>
+                <a:effectLst/>
+                <a:latin typeface="SutonnyMJ" pitchFamily="2" charset="0"/>
+                <a:ea typeface="Calibri" panose="020F0502020204030204" pitchFamily="34" charset="0"/>
+                <a:cs typeface="Vrinda" panose="020B0502040204020203" pitchFamily="34" charset="0"/>
+              </a:rPr>
+              <a:t> </a:t>
+            </a:r>
+            <a:r>
+              <a:rPr lang="en-US" sz="1800" dirty="0" err="1">
+                <a:solidFill>
+                  <a:schemeClr val="bg1"/>
+                </a:solidFill>
                 <a:effectLst/>
                 <a:latin typeface="SutonnyMJ" pitchFamily="2" charset="0"/>
                 <a:ea typeface="Calibri" panose="020F0502020204030204" pitchFamily="34" charset="0"/>
@@ -11544,15 +12208,21 @@
             </a:r>
             <a:r>
               <a:rPr lang="en-US" sz="1800" dirty="0">
-                <a:effectLst/>
-                <a:latin typeface="SutonnyMJ" pitchFamily="2" charset="0"/>
-                <a:ea typeface="Calibri" panose="020F0502020204030204" pitchFamily="34" charset="0"/>
-                <a:cs typeface="Vrinda" panose="020B0502040204020203" pitchFamily="34" charset="0"/>
-              </a:rPr>
-              <a:t> </a:t>
-            </a:r>
-            <a:r>
-              <a:rPr lang="en-US" sz="1800" dirty="0" err="1">
+                <a:solidFill>
+                  <a:schemeClr val="bg1"/>
+                </a:solidFill>
+                <a:effectLst/>
+                <a:latin typeface="SutonnyMJ" pitchFamily="2" charset="0"/>
+                <a:ea typeface="Calibri" panose="020F0502020204030204" pitchFamily="34" charset="0"/>
+                <a:cs typeface="Vrinda" panose="020B0502040204020203" pitchFamily="34" charset="0"/>
+              </a:rPr>
+              <a:t> </a:t>
+            </a:r>
+            <a:r>
+              <a:rPr lang="en-US" sz="1800" dirty="0" err="1">
+                <a:solidFill>
+                  <a:schemeClr val="bg1"/>
+                </a:solidFill>
                 <a:effectLst/>
                 <a:latin typeface="SutonnyMJ" pitchFamily="2" charset="0"/>
                 <a:ea typeface="Calibri" panose="020F0502020204030204" pitchFamily="34" charset="0"/>
@@ -11562,6 +12232,9 @@
             </a:r>
             <a:r>
               <a:rPr lang="en-US" sz="1800" dirty="0">
+                <a:solidFill>
+                  <a:schemeClr val="bg1"/>
+                </a:solidFill>
                 <a:effectLst/>
                 <a:latin typeface="SutonnyMJ" pitchFamily="2" charset="0"/>
                 <a:ea typeface="Calibri" panose="020F0502020204030204" pitchFamily="34" charset="0"/>
@@ -11571,6 +12244,9 @@
             </a:r>
             <a:r>
               <a:rPr lang="en-US" sz="1800" dirty="0" err="1">
+                <a:solidFill>
+                  <a:schemeClr val="bg1"/>
+                </a:solidFill>
                 <a:effectLst/>
                 <a:latin typeface="SutonnyMJ" pitchFamily="2" charset="0"/>
                 <a:ea typeface="Calibri" panose="020F0502020204030204" pitchFamily="34" charset="0"/>
@@ -11580,15 +12256,21 @@
             </a:r>
             <a:r>
               <a:rPr lang="en-US" sz="1800" dirty="0">
-                <a:effectLst/>
-                <a:latin typeface="SutonnyMJ" pitchFamily="2" charset="0"/>
-                <a:ea typeface="Calibri" panose="020F0502020204030204" pitchFamily="34" charset="0"/>
-                <a:cs typeface="Vrinda" panose="020B0502040204020203" pitchFamily="34" charset="0"/>
-              </a:rPr>
-              <a:t> </a:t>
-            </a:r>
-            <a:r>
-              <a:rPr lang="en-US" sz="1800" dirty="0" err="1">
+                <a:solidFill>
+                  <a:schemeClr val="bg1"/>
+                </a:solidFill>
+                <a:effectLst/>
+                <a:latin typeface="SutonnyMJ" pitchFamily="2" charset="0"/>
+                <a:ea typeface="Calibri" panose="020F0502020204030204" pitchFamily="34" charset="0"/>
+                <a:cs typeface="Vrinda" panose="020B0502040204020203" pitchFamily="34" charset="0"/>
+              </a:rPr>
+              <a:t> </a:t>
+            </a:r>
+            <a:r>
+              <a:rPr lang="en-US" sz="1800" dirty="0" err="1">
+                <a:solidFill>
+                  <a:schemeClr val="bg1"/>
+                </a:solidFill>
                 <a:effectLst/>
                 <a:latin typeface="SutonnyMJ" pitchFamily="2" charset="0"/>
                 <a:ea typeface="Calibri" panose="020F0502020204030204" pitchFamily="34" charset="0"/>
@@ -11598,6 +12280,9 @@
             </a:r>
             <a:r>
               <a:rPr lang="en-US" sz="1800" dirty="0">
+                <a:solidFill>
+                  <a:schemeClr val="bg1"/>
+                </a:solidFill>
                 <a:effectLst/>
                 <a:latin typeface="SutonnyMJ" pitchFamily="2" charset="0"/>
                 <a:ea typeface="Calibri" panose="020F0502020204030204" pitchFamily="34" charset="0"/>
@@ -11607,6 +12292,9 @@
             </a:r>
             <a:r>
               <a:rPr lang="en-US" sz="1800" dirty="0" err="1">
+                <a:solidFill>
+                  <a:schemeClr val="bg1"/>
+                </a:solidFill>
                 <a:effectLst/>
                 <a:latin typeface="SutonnyMJ" pitchFamily="2" charset="0"/>
                 <a:ea typeface="Calibri" panose="020F0502020204030204" pitchFamily="34" charset="0"/>
@@ -11616,6 +12304,9 @@
             </a:r>
             <a:r>
               <a:rPr lang="en-US" sz="1800" dirty="0">
+                <a:solidFill>
+                  <a:schemeClr val="bg1"/>
+                </a:solidFill>
                 <a:effectLst/>
                 <a:latin typeface="SutonnyMJ" pitchFamily="2" charset="0"/>
                 <a:ea typeface="Calibri" panose="020F0502020204030204" pitchFamily="34" charset="0"/>
@@ -11625,6 +12316,9 @@
             </a:r>
             <a:r>
               <a:rPr lang="en-US" sz="1800" dirty="0" err="1">
+                <a:solidFill>
+                  <a:schemeClr val="bg1"/>
+                </a:solidFill>
                 <a:effectLst/>
                 <a:latin typeface="SutonnyOMJ" panose="01010600010101010101" pitchFamily="2" charset="0"/>
                 <a:ea typeface="Calibri" panose="020F0502020204030204" pitchFamily="34" charset="0"/>
@@ -11634,15 +12328,21 @@
             </a:r>
             <a:r>
               <a:rPr lang="en-US" sz="1800" dirty="0">
-                <a:effectLst/>
-                <a:latin typeface="SutonnyMJ" pitchFamily="2" charset="0"/>
-                <a:ea typeface="Calibri" panose="020F0502020204030204" pitchFamily="34" charset="0"/>
-                <a:cs typeface="Vrinda" panose="020B0502040204020203" pitchFamily="34" charset="0"/>
-              </a:rPr>
-              <a:t> </a:t>
-            </a:r>
-            <a:r>
-              <a:rPr lang="en-US" sz="1800" dirty="0" err="1">
+                <a:solidFill>
+                  <a:schemeClr val="bg1"/>
+                </a:solidFill>
+                <a:effectLst/>
+                <a:latin typeface="SutonnyMJ" pitchFamily="2" charset="0"/>
+                <a:ea typeface="Calibri" panose="020F0502020204030204" pitchFamily="34" charset="0"/>
+                <a:cs typeface="Vrinda" panose="020B0502040204020203" pitchFamily="34" charset="0"/>
+              </a:rPr>
+              <a:t> </a:t>
+            </a:r>
+            <a:r>
+              <a:rPr lang="en-US" sz="1800" dirty="0" err="1">
+                <a:solidFill>
+                  <a:schemeClr val="bg1"/>
+                </a:solidFill>
                 <a:effectLst/>
                 <a:latin typeface="SutonnyMJ" pitchFamily="2" charset="0"/>
                 <a:ea typeface="Calibri" panose="020F0502020204030204" pitchFamily="34" charset="0"/>
@@ -11651,6 +12351,9 @@
               <a:t>wewbgq</a:t>
             </a:r>
             <a:endParaRPr lang="en-US" sz="1800" dirty="0">
+              <a:solidFill>
+                <a:schemeClr val="bg1"/>
+              </a:solidFill>
               <a:effectLst/>
               <a:latin typeface="Calibri" panose="020F0502020204030204" pitchFamily="34" charset="0"/>
               <a:ea typeface="Calibri" panose="020F0502020204030204" pitchFamily="34" charset="0"/>
@@ -11658,7 +12361,7 @@
             </a:endParaRPr>
           </a:p>
           <a:p>
-            <a:pPr marL="0" marR="0" algn="just">
+            <a:pPr marL="0" marR="0" indent="0" algn="just">
               <a:lnSpc>
                 <a:spcPct val="107000"/>
               </a:lnSpc>
@@ -11668,9 +12371,13 @@
               <a:spcAft>
                 <a:spcPts val="800"/>
               </a:spcAft>
+              <a:buNone/>
             </a:pPr>
             <a:r>
               <a:rPr lang="en-US" sz="1800" dirty="0">
+                <a:solidFill>
+                  <a:schemeClr val="bg1"/>
+                </a:solidFill>
                 <a:effectLst/>
                 <a:latin typeface="SutonnyMJ" pitchFamily="2" charset="0"/>
                 <a:ea typeface="Calibri" panose="020F0502020204030204" pitchFamily="34" charset="0"/>
@@ -11680,6 +12387,9 @@
             </a:r>
             <a:r>
               <a:rPr lang="en-US" sz="1800" dirty="0" err="1">
+                <a:solidFill>
+                  <a:schemeClr val="bg1"/>
+                </a:solidFill>
                 <a:effectLst/>
                 <a:latin typeface="SutonnyOMJ" panose="01010600010101010101" pitchFamily="2" charset="0"/>
                 <a:ea typeface="Calibri" panose="020F0502020204030204" pitchFamily="34" charset="0"/>
@@ -11689,6 +12399,9 @@
             </a:r>
             <a:r>
               <a:rPr lang="en-US" sz="1800" dirty="0">
+                <a:solidFill>
+                  <a:schemeClr val="bg1"/>
+                </a:solidFill>
                 <a:effectLst/>
                 <a:latin typeface="SutonnyOMJ" panose="01010600010101010101" pitchFamily="2" charset="0"/>
                 <a:ea typeface="Calibri" panose="020F0502020204030204" pitchFamily="34" charset="0"/>
@@ -11698,15 +12411,21 @@
             </a:r>
             <a:r>
               <a:rPr lang="en-US" sz="1800" dirty="0">
-                <a:effectLst/>
-                <a:latin typeface="SutonnyMJ" pitchFamily="2" charset="0"/>
-                <a:ea typeface="Calibri" panose="020F0502020204030204" pitchFamily="34" charset="0"/>
-                <a:cs typeface="Vrinda" panose="020B0502040204020203" pitchFamily="34" charset="0"/>
-              </a:rPr>
-              <a:t> </a:t>
-            </a:r>
-            <a:r>
-              <a:rPr lang="en-US" sz="1800" dirty="0" err="1">
+                <a:solidFill>
+                  <a:schemeClr val="bg1"/>
+                </a:solidFill>
+                <a:effectLst/>
+                <a:latin typeface="SutonnyMJ" pitchFamily="2" charset="0"/>
+                <a:ea typeface="Calibri" panose="020F0502020204030204" pitchFamily="34" charset="0"/>
+                <a:cs typeface="Vrinda" panose="020B0502040204020203" pitchFamily="34" charset="0"/>
+              </a:rPr>
+              <a:t> </a:t>
+            </a:r>
+            <a:r>
+              <a:rPr lang="en-US" sz="1800" dirty="0" err="1">
+                <a:solidFill>
+                  <a:schemeClr val="bg1"/>
+                </a:solidFill>
                 <a:effectLst/>
                 <a:latin typeface="SutonnyMJ" pitchFamily="2" charset="0"/>
                 <a:ea typeface="Calibri" panose="020F0502020204030204" pitchFamily="34" charset="0"/>
@@ -11716,15 +12435,21 @@
             </a:r>
             <a:r>
               <a:rPr lang="en-US" sz="1800" dirty="0">
-                <a:effectLst/>
-                <a:latin typeface="SutonnyMJ" pitchFamily="2" charset="0"/>
-                <a:ea typeface="Calibri" panose="020F0502020204030204" pitchFamily="34" charset="0"/>
-                <a:cs typeface="Vrinda" panose="020B0502040204020203" pitchFamily="34" charset="0"/>
-              </a:rPr>
-              <a:t> </a:t>
-            </a:r>
-            <a:r>
-              <a:rPr lang="en-US" sz="1800" dirty="0" err="1">
+                <a:solidFill>
+                  <a:schemeClr val="bg1"/>
+                </a:solidFill>
+                <a:effectLst/>
+                <a:latin typeface="SutonnyMJ" pitchFamily="2" charset="0"/>
+                <a:ea typeface="Calibri" panose="020F0502020204030204" pitchFamily="34" charset="0"/>
+                <a:cs typeface="Vrinda" panose="020B0502040204020203" pitchFamily="34" charset="0"/>
+              </a:rPr>
+              <a:t> </a:t>
+            </a:r>
+            <a:r>
+              <a:rPr lang="en-US" sz="1800" dirty="0" err="1">
+                <a:solidFill>
+                  <a:schemeClr val="bg1"/>
+                </a:solidFill>
                 <a:effectLst/>
                 <a:latin typeface="SutonnyMJ" pitchFamily="2" charset="0"/>
                 <a:ea typeface="Calibri" panose="020F0502020204030204" pitchFamily="34" charset="0"/>
@@ -11734,6 +12459,9 @@
             </a:r>
             <a:r>
               <a:rPr lang="en-US" sz="1800" dirty="0">
+                <a:solidFill>
+                  <a:schemeClr val="bg1"/>
+                </a:solidFill>
                 <a:effectLst/>
                 <a:latin typeface="SutonnyMJ" pitchFamily="2" charset="0"/>
                 <a:ea typeface="Calibri" panose="020F0502020204030204" pitchFamily="34" charset="0"/>
@@ -11743,6 +12471,9 @@
             </a:r>
             <a:r>
               <a:rPr lang="en-US" sz="1800" dirty="0" err="1">
+                <a:solidFill>
+                  <a:schemeClr val="bg1"/>
+                </a:solidFill>
                 <a:effectLst/>
                 <a:latin typeface="SutonnyMJ" pitchFamily="2" charset="0"/>
                 <a:ea typeface="Calibri" panose="020F0502020204030204" pitchFamily="34" charset="0"/>
@@ -11751,6 +12482,9 @@
               <a:t>mUAvc</a:t>
             </a:r>
             <a:endParaRPr lang="en-US" sz="1800" dirty="0">
+              <a:solidFill>
+                <a:schemeClr val="bg1"/>
+              </a:solidFill>
               <a:effectLst/>
               <a:latin typeface="Calibri" panose="020F0502020204030204" pitchFamily="34" charset="0"/>
               <a:ea typeface="Calibri" panose="020F0502020204030204" pitchFamily="34" charset="0"/>
@@ -11758,7 +12492,7 @@
             </a:endParaRPr>
           </a:p>
           <a:p>
-            <a:pPr marL="0" marR="0" algn="just">
+            <a:pPr marL="0" marR="0" indent="0" algn="just">
               <a:lnSpc>
                 <a:spcPct val="107000"/>
               </a:lnSpc>
@@ -11768,9 +12502,13 @@
               <a:spcAft>
                 <a:spcPts val="800"/>
               </a:spcAft>
+              <a:buNone/>
             </a:pPr>
             <a:r>
               <a:rPr lang="en-US" sz="1800" dirty="0">
+                <a:solidFill>
+                  <a:schemeClr val="bg1"/>
+                </a:solidFill>
                 <a:effectLst/>
                 <a:latin typeface="SutonnyMJ" pitchFamily="2" charset="0"/>
                 <a:ea typeface="Calibri" panose="020F0502020204030204" pitchFamily="34" charset="0"/>
@@ -11780,6 +12518,9 @@
             </a:r>
             <a:r>
               <a:rPr lang="en-US" sz="1800" dirty="0" err="1">
+                <a:solidFill>
+                  <a:schemeClr val="bg1"/>
+                </a:solidFill>
                 <a:effectLst/>
                 <a:latin typeface="SutonnyMJ" pitchFamily="2" charset="0"/>
                 <a:ea typeface="Calibri" panose="020F0502020204030204" pitchFamily="34" charset="0"/>
@@ -11789,15 +12530,21 @@
             </a:r>
             <a:r>
               <a:rPr lang="en-US" sz="1800" dirty="0">
-                <a:effectLst/>
-                <a:latin typeface="SutonnyMJ" pitchFamily="2" charset="0"/>
-                <a:ea typeface="Calibri" panose="020F0502020204030204" pitchFamily="34" charset="0"/>
-                <a:cs typeface="Vrinda" panose="020B0502040204020203" pitchFamily="34" charset="0"/>
-              </a:rPr>
-              <a:t> </a:t>
-            </a:r>
-            <a:r>
-              <a:rPr lang="en-US" sz="1800" dirty="0" err="1">
+                <a:solidFill>
+                  <a:schemeClr val="bg1"/>
+                </a:solidFill>
+                <a:effectLst/>
+                <a:latin typeface="SutonnyMJ" pitchFamily="2" charset="0"/>
+                <a:ea typeface="Calibri" panose="020F0502020204030204" pitchFamily="34" charset="0"/>
+                <a:cs typeface="Vrinda" panose="020B0502040204020203" pitchFamily="34" charset="0"/>
+              </a:rPr>
+              <a:t> </a:t>
+            </a:r>
+            <a:r>
+              <a:rPr lang="en-US" sz="1800" dirty="0" err="1">
+                <a:solidFill>
+                  <a:schemeClr val="bg1"/>
+                </a:solidFill>
                 <a:effectLst/>
                 <a:latin typeface="SutonnyMJ" pitchFamily="2" charset="0"/>
                 <a:ea typeface="Calibri" panose="020F0502020204030204" pitchFamily="34" charset="0"/>
@@ -11806,6 +12553,9 @@
               <a:t>cwiPvjbv</a:t>
             </a:r>
             <a:endParaRPr lang="en-US" sz="1800" dirty="0">
+              <a:solidFill>
+                <a:schemeClr val="bg1"/>
+              </a:solidFill>
               <a:effectLst/>
               <a:latin typeface="Calibri" panose="020F0502020204030204" pitchFamily="34" charset="0"/>
               <a:ea typeface="Calibri" panose="020F0502020204030204" pitchFamily="34" charset="0"/>
@@ -11813,7 +12563,7 @@
             </a:endParaRPr>
           </a:p>
           <a:p>
-            <a:pPr marL="0" marR="0" algn="just">
+            <a:pPr marL="0" marR="0" indent="0" algn="just">
               <a:lnSpc>
                 <a:spcPct val="107000"/>
               </a:lnSpc>
@@ -11823,9 +12573,13 @@
               <a:spcAft>
                 <a:spcPts val="800"/>
               </a:spcAft>
+              <a:buNone/>
             </a:pPr>
             <a:r>
               <a:rPr lang="en-US" sz="1800" dirty="0">
+                <a:solidFill>
+                  <a:schemeClr val="bg1"/>
+                </a:solidFill>
                 <a:effectLst/>
                 <a:latin typeface="SutonnyMJ" pitchFamily="2" charset="0"/>
                 <a:ea typeface="Calibri" panose="020F0502020204030204" pitchFamily="34" charset="0"/>
@@ -11835,6 +12589,9 @@
             </a:r>
             <a:r>
               <a:rPr lang="en-US" sz="1800" dirty="0" err="1">
+                <a:solidFill>
+                  <a:schemeClr val="bg1"/>
+                </a:solidFill>
                 <a:effectLst/>
                 <a:latin typeface="SutonnyMJ" pitchFamily="2" charset="0"/>
                 <a:ea typeface="Calibri" panose="020F0502020204030204" pitchFamily="34" charset="0"/>
@@ -11844,15 +12601,21 @@
             </a:r>
             <a:r>
               <a:rPr lang="en-US" sz="1800" dirty="0">
-                <a:effectLst/>
-                <a:latin typeface="SutonnyMJ" pitchFamily="2" charset="0"/>
-                <a:ea typeface="Calibri" panose="020F0502020204030204" pitchFamily="34" charset="0"/>
-                <a:cs typeface="Vrinda" panose="020B0502040204020203" pitchFamily="34" charset="0"/>
-              </a:rPr>
-              <a:t> </a:t>
-            </a:r>
-            <a:r>
-              <a:rPr lang="en-US" sz="1800" dirty="0" err="1">
+                <a:solidFill>
+                  <a:schemeClr val="bg1"/>
+                </a:solidFill>
+                <a:effectLst/>
+                <a:latin typeface="SutonnyMJ" pitchFamily="2" charset="0"/>
+                <a:ea typeface="Calibri" panose="020F0502020204030204" pitchFamily="34" charset="0"/>
+                <a:cs typeface="Vrinda" panose="020B0502040204020203" pitchFamily="34" charset="0"/>
+              </a:rPr>
+              <a:t> </a:t>
+            </a:r>
+            <a:r>
+              <a:rPr lang="en-US" sz="1800" dirty="0" err="1">
+                <a:solidFill>
+                  <a:schemeClr val="bg1"/>
+                </a:solidFill>
                 <a:effectLst/>
                 <a:latin typeface="SutonnyMJ" pitchFamily="2" charset="0"/>
                 <a:ea typeface="Calibri" panose="020F0502020204030204" pitchFamily="34" charset="0"/>
@@ -11862,6 +12625,9 @@
             </a:r>
             <a:r>
               <a:rPr lang="en-US" sz="1800" dirty="0">
+                <a:solidFill>
+                  <a:schemeClr val="bg1"/>
+                </a:solidFill>
                 <a:effectLst/>
                 <a:latin typeface="SutonnyMJ" pitchFamily="2" charset="0"/>
                 <a:ea typeface="Calibri" panose="020F0502020204030204" pitchFamily="34" charset="0"/>
@@ -11871,6 +12637,9 @@
             </a:r>
             <a:r>
               <a:rPr lang="en-US" sz="1800" dirty="0" err="1">
+                <a:solidFill>
+                  <a:schemeClr val="bg1"/>
+                </a:solidFill>
                 <a:effectLst/>
                 <a:latin typeface="SutonnyMJ" pitchFamily="2" charset="0"/>
                 <a:ea typeface="Calibri" panose="020F0502020204030204" pitchFamily="34" charset="0"/>
@@ -11880,15 +12649,21 @@
             </a:r>
             <a:r>
               <a:rPr lang="en-US" sz="1800" dirty="0">
-                <a:effectLst/>
-                <a:latin typeface="SutonnyMJ" pitchFamily="2" charset="0"/>
-                <a:ea typeface="Calibri" panose="020F0502020204030204" pitchFamily="34" charset="0"/>
-                <a:cs typeface="Vrinda" panose="020B0502040204020203" pitchFamily="34" charset="0"/>
-              </a:rPr>
-              <a:t> </a:t>
-            </a:r>
-            <a:r>
-              <a:rPr lang="en-US" sz="1800" dirty="0" err="1">
+                <a:solidFill>
+                  <a:schemeClr val="bg1"/>
+                </a:solidFill>
+                <a:effectLst/>
+                <a:latin typeface="SutonnyMJ" pitchFamily="2" charset="0"/>
+                <a:ea typeface="Calibri" panose="020F0502020204030204" pitchFamily="34" charset="0"/>
+                <a:cs typeface="Vrinda" panose="020B0502040204020203" pitchFamily="34" charset="0"/>
+              </a:rPr>
+              <a:t> </a:t>
+            </a:r>
+            <a:r>
+              <a:rPr lang="en-US" sz="1800" dirty="0" err="1">
+                <a:solidFill>
+                  <a:schemeClr val="bg1"/>
+                </a:solidFill>
                 <a:effectLst/>
                 <a:latin typeface="SutonnyMJ" pitchFamily="2" charset="0"/>
                 <a:ea typeface="Calibri" panose="020F0502020204030204" pitchFamily="34" charset="0"/>
@@ -11898,15 +12673,21 @@
             </a:r>
             <a:r>
               <a:rPr lang="en-US" sz="1800" dirty="0">
-                <a:effectLst/>
-                <a:latin typeface="SutonnyMJ" pitchFamily="2" charset="0"/>
-                <a:ea typeface="Calibri" panose="020F0502020204030204" pitchFamily="34" charset="0"/>
-                <a:cs typeface="Vrinda" panose="020B0502040204020203" pitchFamily="34" charset="0"/>
-              </a:rPr>
-              <a:t> </a:t>
-            </a:r>
-            <a:r>
-              <a:rPr lang="en-US" sz="1800" dirty="0" err="1">
+                <a:solidFill>
+                  <a:schemeClr val="bg1"/>
+                </a:solidFill>
+                <a:effectLst/>
+                <a:latin typeface="SutonnyMJ" pitchFamily="2" charset="0"/>
+                <a:ea typeface="Calibri" panose="020F0502020204030204" pitchFamily="34" charset="0"/>
+                <a:cs typeface="Vrinda" panose="020B0502040204020203" pitchFamily="34" charset="0"/>
+              </a:rPr>
+              <a:t> </a:t>
+            </a:r>
+            <a:r>
+              <a:rPr lang="en-US" sz="1800" dirty="0" err="1">
+                <a:solidFill>
+                  <a:schemeClr val="bg1"/>
+                </a:solidFill>
                 <a:effectLst/>
                 <a:latin typeface="SutonnyOMJ" panose="01010600010101010101" pitchFamily="2" charset="0"/>
                 <a:ea typeface="Calibri" panose="020F0502020204030204" pitchFamily="34" charset="0"/>
@@ -11916,6 +12697,9 @@
             </a:r>
             <a:r>
               <a:rPr lang="en-US" sz="1800" dirty="0">
+                <a:solidFill>
+                  <a:schemeClr val="bg1"/>
+                </a:solidFill>
                 <a:effectLst/>
                 <a:latin typeface="SutonnyMJ" pitchFamily="2" charset="0"/>
                 <a:ea typeface="Calibri" panose="020F0502020204030204" pitchFamily="34" charset="0"/>
@@ -11925,6 +12709,9 @@
             </a:r>
             <a:r>
               <a:rPr lang="en-US" sz="1800" dirty="0" err="1">
+                <a:solidFill>
+                  <a:schemeClr val="bg1"/>
+                </a:solidFill>
                 <a:effectLst/>
                 <a:latin typeface="SutonnyMJ" pitchFamily="2" charset="0"/>
                 <a:ea typeface="Calibri" panose="020F0502020204030204" pitchFamily="34" charset="0"/>
@@ -11934,6 +12721,9 @@
             </a:r>
             <a:r>
               <a:rPr lang="en-US" sz="1800" dirty="0">
+                <a:solidFill>
+                  <a:schemeClr val="bg1"/>
+                </a:solidFill>
                 <a:effectLst/>
                 <a:latin typeface="SutonnyMJ" pitchFamily="2" charset="0"/>
                 <a:ea typeface="Calibri" panose="020F0502020204030204" pitchFamily="34" charset="0"/>
@@ -11943,6 +12733,9 @@
             </a:r>
             <a:r>
               <a:rPr lang="en-US" sz="1800" dirty="0" err="1">
+                <a:solidFill>
+                  <a:schemeClr val="bg1"/>
+                </a:solidFill>
                 <a:effectLst/>
                 <a:latin typeface="SutonnyMJ" pitchFamily="2" charset="0"/>
                 <a:ea typeface="Calibri" panose="020F0502020204030204" pitchFamily="34" charset="0"/>
@@ -11952,15 +12745,21 @@
             </a:r>
             <a:r>
               <a:rPr lang="en-US" sz="1800" dirty="0">
-                <a:effectLst/>
-                <a:latin typeface="SutonnyMJ" pitchFamily="2" charset="0"/>
-                <a:ea typeface="Calibri" panose="020F0502020204030204" pitchFamily="34" charset="0"/>
-                <a:cs typeface="Vrinda" panose="020B0502040204020203" pitchFamily="34" charset="0"/>
-              </a:rPr>
-              <a:t> </a:t>
-            </a:r>
-            <a:r>
-              <a:rPr lang="en-US" sz="1800" dirty="0" err="1">
+                <a:solidFill>
+                  <a:schemeClr val="bg1"/>
+                </a:solidFill>
+                <a:effectLst/>
+                <a:latin typeface="SutonnyMJ" pitchFamily="2" charset="0"/>
+                <a:ea typeface="Calibri" panose="020F0502020204030204" pitchFamily="34" charset="0"/>
+                <a:cs typeface="Vrinda" panose="020B0502040204020203" pitchFamily="34" charset="0"/>
+              </a:rPr>
+              <a:t> </a:t>
+            </a:r>
+            <a:r>
+              <a:rPr lang="en-US" sz="1800" dirty="0" err="1">
+                <a:solidFill>
+                  <a:schemeClr val="bg1"/>
+                </a:solidFill>
                 <a:effectLst/>
                 <a:latin typeface="SutonnyOMJ" panose="01010600010101010101" pitchFamily="2" charset="0"/>
                 <a:ea typeface="Calibri" panose="020F0502020204030204" pitchFamily="34" charset="0"/>
@@ -11969,6 +12768,9 @@
               <a:t>ব্যবস্থা</a:t>
             </a:r>
             <a:endParaRPr lang="en-US" sz="1800" dirty="0">
+              <a:solidFill>
+                <a:schemeClr val="bg1"/>
+              </a:solidFill>
               <a:effectLst/>
               <a:latin typeface="Calibri" panose="020F0502020204030204" pitchFamily="34" charset="0"/>
               <a:ea typeface="Calibri" panose="020F0502020204030204" pitchFamily="34" charset="0"/>
@@ -11976,7 +12778,7 @@
             </a:endParaRPr>
           </a:p>
           <a:p>
-            <a:pPr marL="0" marR="0" algn="just">
+            <a:pPr marL="0" marR="0" indent="0" algn="just">
               <a:lnSpc>
                 <a:spcPct val="107000"/>
               </a:lnSpc>
@@ -11986,9 +12788,13 @@
               <a:spcAft>
                 <a:spcPts val="800"/>
               </a:spcAft>
+              <a:buNone/>
             </a:pPr>
             <a:r>
               <a:rPr lang="en-US" sz="1800" dirty="0">
+                <a:solidFill>
+                  <a:schemeClr val="bg1"/>
+                </a:solidFill>
                 <a:effectLst/>
                 <a:latin typeface="SutonnyMJ" pitchFamily="2" charset="0"/>
                 <a:ea typeface="Calibri" panose="020F0502020204030204" pitchFamily="34" charset="0"/>
@@ -11998,6 +12804,9 @@
             </a:r>
             <a:r>
               <a:rPr lang="en-US" sz="1800" dirty="0" err="1">
+                <a:solidFill>
+                  <a:schemeClr val="bg1"/>
+                </a:solidFill>
                 <a:effectLst/>
                 <a:latin typeface="SutonnyMJ" pitchFamily="2" charset="0"/>
                 <a:ea typeface="Calibri" panose="020F0502020204030204" pitchFamily="34" charset="0"/>
@@ -12007,6 +12816,9 @@
             </a:r>
             <a:r>
               <a:rPr lang="en-US" sz="1800" dirty="0">
+                <a:solidFill>
+                  <a:schemeClr val="bg1"/>
+                </a:solidFill>
                 <a:effectLst/>
                 <a:latin typeface="SutonnyMJ" pitchFamily="2" charset="0"/>
                 <a:ea typeface="Calibri" panose="020F0502020204030204" pitchFamily="34" charset="0"/>
@@ -12016,6 +12828,9 @@
             </a:r>
             <a:r>
               <a:rPr lang="en-US" sz="1800" dirty="0" err="1">
+                <a:solidFill>
+                  <a:schemeClr val="bg1"/>
+                </a:solidFill>
                 <a:effectLst/>
                 <a:latin typeface="SutonnyMJ" pitchFamily="2" charset="0"/>
                 <a:ea typeface="Calibri" panose="020F0502020204030204" pitchFamily="34" charset="0"/>
@@ -12025,15 +12840,21 @@
             </a:r>
             <a:r>
               <a:rPr lang="en-US" sz="1800" dirty="0">
-                <a:effectLst/>
-                <a:latin typeface="SutonnyMJ" pitchFamily="2" charset="0"/>
-                <a:ea typeface="Calibri" panose="020F0502020204030204" pitchFamily="34" charset="0"/>
-                <a:cs typeface="Vrinda" panose="020B0502040204020203" pitchFamily="34" charset="0"/>
-              </a:rPr>
-              <a:t> </a:t>
-            </a:r>
-            <a:r>
-              <a:rPr lang="en-US" sz="1800" dirty="0" err="1">
+                <a:solidFill>
+                  <a:schemeClr val="bg1"/>
+                </a:solidFill>
+                <a:effectLst/>
+                <a:latin typeface="SutonnyMJ" pitchFamily="2" charset="0"/>
+                <a:ea typeface="Calibri" panose="020F0502020204030204" pitchFamily="34" charset="0"/>
+                <a:cs typeface="Vrinda" panose="020B0502040204020203" pitchFamily="34" charset="0"/>
+              </a:rPr>
+              <a:t> </a:t>
+            </a:r>
+            <a:r>
+              <a:rPr lang="en-US" sz="1800" dirty="0" err="1">
+                <a:solidFill>
+                  <a:schemeClr val="bg1"/>
+                </a:solidFill>
                 <a:effectLst/>
                 <a:latin typeface="SutonnyOMJ" panose="01010600010101010101" pitchFamily="2" charset="0"/>
                 <a:ea typeface="Calibri" panose="020F0502020204030204" pitchFamily="34" charset="0"/>
@@ -12042,6 +12863,9 @@
               <a:t>সিস্টেম</a:t>
             </a:r>
             <a:endParaRPr lang="en-US" sz="1800" dirty="0">
+              <a:solidFill>
+                <a:schemeClr val="bg1"/>
+              </a:solidFill>
               <a:effectLst/>
               <a:latin typeface="SutonnyMJ" pitchFamily="2" charset="0"/>
               <a:ea typeface="Calibri" panose="020F0502020204030204" pitchFamily="34" charset="0"/>
@@ -12049,7 +12873,7 @@
             </a:endParaRPr>
           </a:p>
           <a:p>
-            <a:pPr marL="0" marR="0" algn="just">
+            <a:pPr marL="0" marR="0" indent="0" algn="just">
               <a:lnSpc>
                 <a:spcPct val="107000"/>
               </a:lnSpc>
@@ -12059,9 +12883,13 @@
               <a:spcAft>
                 <a:spcPts val="800"/>
               </a:spcAft>
+              <a:buNone/>
             </a:pPr>
             <a:r>
               <a:rPr lang="en-US" sz="1800" dirty="0">
+                <a:solidFill>
+                  <a:schemeClr val="bg1"/>
+                </a:solidFill>
                 <a:effectLst/>
                 <a:latin typeface="SutonnyMJ" pitchFamily="2" charset="0"/>
                 <a:ea typeface="Calibri" panose="020F0502020204030204" pitchFamily="34" charset="0"/>
@@ -12071,6 +12899,9 @@
             </a:r>
             <a:r>
               <a:rPr lang="en-US" sz="1800" dirty="0" err="1">
+                <a:solidFill>
+                  <a:schemeClr val="bg1"/>
+                </a:solidFill>
                 <a:effectLst/>
                 <a:latin typeface="SutonnyMJ" pitchFamily="2" charset="0"/>
                 <a:ea typeface="Calibri" panose="020F0502020204030204" pitchFamily="34" charset="0"/>
@@ -12080,15 +12911,21 @@
             </a:r>
             <a:r>
               <a:rPr lang="en-US" sz="1800" dirty="0">
-                <a:effectLst/>
-                <a:latin typeface="SutonnyMJ" pitchFamily="2" charset="0"/>
-                <a:ea typeface="Calibri" panose="020F0502020204030204" pitchFamily="34" charset="0"/>
-                <a:cs typeface="Vrinda" panose="020B0502040204020203" pitchFamily="34" charset="0"/>
-              </a:rPr>
-              <a:t> </a:t>
-            </a:r>
-            <a:r>
-              <a:rPr lang="en-US" sz="1800" dirty="0" err="1">
+                <a:solidFill>
+                  <a:schemeClr val="bg1"/>
+                </a:solidFill>
+                <a:effectLst/>
+                <a:latin typeface="SutonnyMJ" pitchFamily="2" charset="0"/>
+                <a:ea typeface="Calibri" panose="020F0502020204030204" pitchFamily="34" charset="0"/>
+                <a:cs typeface="Vrinda" panose="020B0502040204020203" pitchFamily="34" charset="0"/>
+              </a:rPr>
+              <a:t> </a:t>
+            </a:r>
+            <a:r>
+              <a:rPr lang="en-US" sz="1800" dirty="0" err="1">
+                <a:solidFill>
+                  <a:schemeClr val="bg1"/>
+                </a:solidFill>
                 <a:effectLst/>
                 <a:latin typeface="SutonnyMJ" pitchFamily="2" charset="0"/>
                 <a:ea typeface="Calibri" panose="020F0502020204030204" pitchFamily="34" charset="0"/>
@@ -12098,15 +12935,21 @@
             </a:r>
             <a:r>
               <a:rPr lang="en-US" sz="1800" dirty="0">
-                <a:effectLst/>
-                <a:latin typeface="SutonnyMJ" pitchFamily="2" charset="0"/>
-                <a:ea typeface="Calibri" panose="020F0502020204030204" pitchFamily="34" charset="0"/>
-                <a:cs typeface="Vrinda" panose="020B0502040204020203" pitchFamily="34" charset="0"/>
-              </a:rPr>
-              <a:t> </a:t>
-            </a:r>
-            <a:r>
-              <a:rPr lang="en-US" sz="1800" dirty="0" err="1">
+                <a:solidFill>
+                  <a:schemeClr val="bg1"/>
+                </a:solidFill>
+                <a:effectLst/>
+                <a:latin typeface="SutonnyMJ" pitchFamily="2" charset="0"/>
+                <a:ea typeface="Calibri" panose="020F0502020204030204" pitchFamily="34" charset="0"/>
+                <a:cs typeface="Vrinda" panose="020B0502040204020203" pitchFamily="34" charset="0"/>
+              </a:rPr>
+              <a:t> </a:t>
+            </a:r>
+            <a:r>
+              <a:rPr lang="en-US" sz="1800" dirty="0" err="1">
+                <a:solidFill>
+                  <a:schemeClr val="bg1"/>
+                </a:solidFill>
                 <a:effectLst/>
                 <a:latin typeface="SutonnyOMJ" panose="01010600010101010101" pitchFamily="2" charset="0"/>
                 <a:ea typeface="Calibri" panose="020F0502020204030204" pitchFamily="34" charset="0"/>
@@ -12116,6 +12959,9 @@
             </a:r>
             <a:r>
               <a:rPr lang="en-US" sz="1800" dirty="0">
+                <a:solidFill>
+                  <a:schemeClr val="bg1"/>
+                </a:solidFill>
                 <a:effectLst/>
                 <a:latin typeface="SutonnyMJ" pitchFamily="2" charset="0"/>
                 <a:ea typeface="Calibri" panose="020F0502020204030204" pitchFamily="34" charset="0"/>
@@ -12125,6 +12971,9 @@
             </a:r>
             <a:r>
               <a:rPr lang="en-US" sz="1800" dirty="0" err="1">
+                <a:solidFill>
+                  <a:schemeClr val="bg1"/>
+                </a:solidFill>
                 <a:effectLst/>
                 <a:latin typeface="SutonnyMJ" pitchFamily="2" charset="0"/>
                 <a:ea typeface="Calibri" panose="020F0502020204030204" pitchFamily="34" charset="0"/>
@@ -12134,6 +12983,9 @@
             </a:r>
             <a:r>
               <a:rPr lang="en-US" sz="1800" dirty="0">
+                <a:solidFill>
+                  <a:schemeClr val="bg1"/>
+                </a:solidFill>
                 <a:effectLst/>
                 <a:latin typeface="SutonnyMJ" pitchFamily="2" charset="0"/>
                 <a:ea typeface="Calibri" panose="020F0502020204030204" pitchFamily="34" charset="0"/>
@@ -12143,6 +12995,9 @@
             </a:r>
             <a:r>
               <a:rPr lang="en-US" sz="1800" dirty="0" err="1">
+                <a:solidFill>
+                  <a:schemeClr val="bg1"/>
+                </a:solidFill>
                 <a:effectLst/>
                 <a:latin typeface="SutonnyMJ" pitchFamily="2" charset="0"/>
                 <a:ea typeface="Calibri" panose="020F0502020204030204" pitchFamily="34" charset="0"/>
@@ -12152,6 +13007,9 @@
             </a:r>
             <a:r>
               <a:rPr lang="en-US" sz="1800" dirty="0">
+                <a:solidFill>
+                  <a:schemeClr val="bg1"/>
+                </a:solidFill>
                 <a:effectLst/>
                 <a:latin typeface="SutonnyMJ" pitchFamily="2" charset="0"/>
                 <a:ea typeface="Calibri" panose="020F0502020204030204" pitchFamily="34" charset="0"/>
@@ -12161,6 +13019,9 @@
             </a:r>
             <a:r>
               <a:rPr lang="en-US" sz="1800" dirty="0" err="1">
+                <a:solidFill>
+                  <a:schemeClr val="bg1"/>
+                </a:solidFill>
                 <a:effectLst/>
                 <a:latin typeface="SutonnyMJ" pitchFamily="2" charset="0"/>
                 <a:ea typeface="Calibri" panose="020F0502020204030204" pitchFamily="34" charset="0"/>
@@ -12170,6 +13031,9 @@
             </a:r>
             <a:r>
               <a:rPr lang="en-US" sz="1800" dirty="0">
+                <a:solidFill>
+                  <a:schemeClr val="bg1"/>
+                </a:solidFill>
                 <a:effectLst/>
                 <a:latin typeface="SutonnyMJ" pitchFamily="2" charset="0"/>
                 <a:ea typeface="Calibri" panose="020F0502020204030204" pitchFamily="34" charset="0"/>
@@ -12179,6 +13043,9 @@
             </a:r>
             <a:r>
               <a:rPr lang="en-US" sz="1800" dirty="0" err="1">
+                <a:solidFill>
+                  <a:schemeClr val="bg1"/>
+                </a:solidFill>
                 <a:effectLst/>
                 <a:latin typeface="SutonnyOMJ" panose="01010600010101010101" pitchFamily="2" charset="0"/>
                 <a:ea typeface="Calibri" panose="020F0502020204030204" pitchFamily="34" charset="0"/>
@@ -12187,6 +13054,9 @@
               <a:t>ব্যতিক্রম</a:t>
             </a:r>
             <a:endParaRPr lang="en-US" sz="1800" dirty="0">
+              <a:solidFill>
+                <a:schemeClr val="bg1"/>
+              </a:solidFill>
               <a:effectLst/>
               <a:latin typeface="Calibri" panose="020F0502020204030204" pitchFamily="34" charset="0"/>
               <a:ea typeface="Calibri" panose="020F0502020204030204" pitchFamily="34" charset="0"/>
@@ -12194,7 +13064,7 @@
             </a:endParaRPr>
           </a:p>
           <a:p>
-            <a:pPr marL="0" marR="0" algn="just">
+            <a:pPr marL="0" marR="0" indent="0" algn="just">
               <a:lnSpc>
                 <a:spcPct val="107000"/>
               </a:lnSpc>
@@ -12204,9 +13074,13 @@
               <a:spcAft>
                 <a:spcPts val="800"/>
               </a:spcAft>
+              <a:buNone/>
             </a:pPr>
             <a:r>
               <a:rPr lang="en-US" sz="1800" dirty="0">
+                <a:solidFill>
+                  <a:schemeClr val="bg1"/>
+                </a:solidFill>
                 <a:effectLst/>
                 <a:latin typeface="SutonnyMJ" pitchFamily="2" charset="0"/>
                 <a:ea typeface="Calibri" panose="020F0502020204030204" pitchFamily="34" charset="0"/>
@@ -12216,6 +13090,9 @@
             </a:r>
             <a:r>
               <a:rPr lang="en-US" sz="1800" dirty="0" err="1">
+                <a:solidFill>
+                  <a:schemeClr val="bg1"/>
+                </a:solidFill>
                 <a:effectLst/>
                 <a:latin typeface="SutonnyMJ" pitchFamily="2" charset="0"/>
                 <a:ea typeface="Calibri" panose="020F0502020204030204" pitchFamily="34" charset="0"/>
@@ -12225,15 +13102,21 @@
             </a:r>
             <a:r>
               <a:rPr lang="en-US" sz="1800" dirty="0">
-                <a:effectLst/>
-                <a:latin typeface="SutonnyMJ" pitchFamily="2" charset="0"/>
-                <a:ea typeface="Calibri" panose="020F0502020204030204" pitchFamily="34" charset="0"/>
-                <a:cs typeface="Vrinda" panose="020B0502040204020203" pitchFamily="34" charset="0"/>
-              </a:rPr>
-              <a:t> </a:t>
-            </a:r>
-            <a:r>
-              <a:rPr lang="en-US" sz="1800" dirty="0" err="1">
+                <a:solidFill>
+                  <a:schemeClr val="bg1"/>
+                </a:solidFill>
+                <a:effectLst/>
+                <a:latin typeface="SutonnyMJ" pitchFamily="2" charset="0"/>
+                <a:ea typeface="Calibri" panose="020F0502020204030204" pitchFamily="34" charset="0"/>
+                <a:cs typeface="Vrinda" panose="020B0502040204020203" pitchFamily="34" charset="0"/>
+              </a:rPr>
+              <a:t> </a:t>
+            </a:r>
+            <a:r>
+              <a:rPr lang="en-US" sz="1800" dirty="0" err="1">
+                <a:solidFill>
+                  <a:schemeClr val="bg1"/>
+                </a:solidFill>
                 <a:effectLst/>
                 <a:latin typeface="SutonnyOMJ" panose="01010600010101010101" pitchFamily="2" charset="0"/>
                 <a:ea typeface="Calibri" panose="020F0502020204030204" pitchFamily="34" charset="0"/>
@@ -12243,15 +13126,21 @@
             </a:r>
             <a:r>
               <a:rPr lang="en-US" sz="1800" dirty="0">
-                <a:effectLst/>
-                <a:latin typeface="SutonnyMJ" pitchFamily="2" charset="0"/>
-                <a:ea typeface="Calibri" panose="020F0502020204030204" pitchFamily="34" charset="0"/>
-                <a:cs typeface="Vrinda" panose="020B0502040204020203" pitchFamily="34" charset="0"/>
-              </a:rPr>
-              <a:t> </a:t>
-            </a:r>
-            <a:r>
-              <a:rPr lang="en-US" sz="1800" dirty="0" err="1">
+                <a:solidFill>
+                  <a:schemeClr val="bg1"/>
+                </a:solidFill>
+                <a:effectLst/>
+                <a:latin typeface="SutonnyMJ" pitchFamily="2" charset="0"/>
+                <a:ea typeface="Calibri" panose="020F0502020204030204" pitchFamily="34" charset="0"/>
+                <a:cs typeface="Vrinda" panose="020B0502040204020203" pitchFamily="34" charset="0"/>
+              </a:rPr>
+              <a:t> </a:t>
+            </a:r>
+            <a:r>
+              <a:rPr lang="en-US" sz="1800" dirty="0" err="1">
+                <a:solidFill>
+                  <a:schemeClr val="bg1"/>
+                </a:solidFill>
                 <a:effectLst/>
                 <a:latin typeface="SutonnyMJ" pitchFamily="2" charset="0"/>
                 <a:ea typeface="Calibri" panose="020F0502020204030204" pitchFamily="34" charset="0"/>
@@ -12261,15 +13150,21 @@
             </a:r>
             <a:r>
               <a:rPr lang="en-US" sz="1800" dirty="0">
-                <a:effectLst/>
-                <a:latin typeface="SutonnyMJ" pitchFamily="2" charset="0"/>
-                <a:ea typeface="Calibri" panose="020F0502020204030204" pitchFamily="34" charset="0"/>
-                <a:cs typeface="Vrinda" panose="020B0502040204020203" pitchFamily="34" charset="0"/>
-              </a:rPr>
-              <a:t> </a:t>
-            </a:r>
-            <a:r>
-              <a:rPr lang="en-US" sz="1800" dirty="0" err="1">
+                <a:solidFill>
+                  <a:schemeClr val="bg1"/>
+                </a:solidFill>
+                <a:effectLst/>
+                <a:latin typeface="SutonnyMJ" pitchFamily="2" charset="0"/>
+                <a:ea typeface="Calibri" panose="020F0502020204030204" pitchFamily="34" charset="0"/>
+                <a:cs typeface="Vrinda" panose="020B0502040204020203" pitchFamily="34" charset="0"/>
+              </a:rPr>
+              <a:t> </a:t>
+            </a:r>
+            <a:r>
+              <a:rPr lang="en-US" sz="1800" dirty="0" err="1">
+                <a:solidFill>
+                  <a:schemeClr val="bg1"/>
+                </a:solidFill>
                 <a:effectLst/>
                 <a:latin typeface="SutonnyMJ" pitchFamily="2" charset="0"/>
                 <a:ea typeface="Calibri" panose="020F0502020204030204" pitchFamily="34" charset="0"/>
@@ -12279,6 +13174,9 @@
             </a:r>
             <a:r>
               <a:rPr lang="en-US" sz="1800" dirty="0">
+                <a:solidFill>
+                  <a:schemeClr val="bg1"/>
+                </a:solidFill>
                 <a:effectLst/>
                 <a:latin typeface="SutonnyMJ" pitchFamily="2" charset="0"/>
                 <a:ea typeface="Calibri" panose="020F0502020204030204" pitchFamily="34" charset="0"/>
@@ -12288,6 +13186,9 @@
             </a:r>
             <a:r>
               <a:rPr lang="en-US" sz="1800" dirty="0" err="1">
+                <a:solidFill>
+                  <a:schemeClr val="bg1"/>
+                </a:solidFill>
                 <a:effectLst/>
                 <a:latin typeface="SutonnyMJ" pitchFamily="2" charset="0"/>
                 <a:ea typeface="Calibri" panose="020F0502020204030204" pitchFamily="34" charset="0"/>
@@ -12297,6 +13198,9 @@
             </a:r>
             <a:r>
               <a:rPr lang="en-US" sz="1800" dirty="0">
+                <a:solidFill>
+                  <a:schemeClr val="bg1"/>
+                </a:solidFill>
                 <a:effectLst/>
                 <a:latin typeface="SutonnyMJ" pitchFamily="2" charset="0"/>
                 <a:ea typeface="Calibri" panose="020F0502020204030204" pitchFamily="34" charset="0"/>
@@ -12306,6 +13210,9 @@
             </a:r>
             <a:r>
               <a:rPr lang="en-US" sz="1800" dirty="0" err="1">
+                <a:solidFill>
+                  <a:schemeClr val="bg1"/>
+                </a:solidFill>
                 <a:effectLst/>
                 <a:latin typeface="SutonnyMJ" pitchFamily="2" charset="0"/>
                 <a:ea typeface="Calibri" panose="020F0502020204030204" pitchFamily="34" charset="0"/>
@@ -12315,15 +13222,21 @@
             </a:r>
             <a:r>
               <a:rPr lang="en-US" sz="1800" dirty="0">
-                <a:effectLst/>
-                <a:latin typeface="SutonnyMJ" pitchFamily="2" charset="0"/>
-                <a:ea typeface="Calibri" panose="020F0502020204030204" pitchFamily="34" charset="0"/>
-                <a:cs typeface="Vrinda" panose="020B0502040204020203" pitchFamily="34" charset="0"/>
-              </a:rPr>
-              <a:t> </a:t>
-            </a:r>
-            <a:r>
-              <a:rPr lang="en-US" sz="1800" dirty="0" err="1">
+                <a:solidFill>
+                  <a:schemeClr val="bg1"/>
+                </a:solidFill>
+                <a:effectLst/>
+                <a:latin typeface="SutonnyMJ" pitchFamily="2" charset="0"/>
+                <a:ea typeface="Calibri" panose="020F0502020204030204" pitchFamily="34" charset="0"/>
+                <a:cs typeface="Vrinda" panose="020B0502040204020203" pitchFamily="34" charset="0"/>
+              </a:rPr>
+              <a:t> </a:t>
+            </a:r>
+            <a:r>
+              <a:rPr lang="en-US" sz="1800" dirty="0" err="1">
+                <a:solidFill>
+                  <a:schemeClr val="bg1"/>
+                </a:solidFill>
                 <a:effectLst/>
                 <a:latin typeface="SutonnyOMJ" panose="01010600010101010101" pitchFamily="2" charset="0"/>
                 <a:ea typeface="Calibri" panose="020F0502020204030204" pitchFamily="34" charset="0"/>
@@ -12332,6 +13245,9 @@
               <a:t>পদ্ধতি</a:t>
             </a:r>
             <a:endParaRPr lang="en-US" sz="1800" dirty="0">
+              <a:solidFill>
+                <a:schemeClr val="bg1"/>
+              </a:solidFill>
               <a:effectLst/>
               <a:latin typeface="Calibri" panose="020F0502020204030204" pitchFamily="34" charset="0"/>
               <a:ea typeface="Calibri" panose="020F0502020204030204" pitchFamily="34" charset="0"/>
@@ -12339,7 +13255,7 @@
             </a:endParaRPr>
           </a:p>
           <a:p>
-            <a:pPr marL="0" marR="0" algn="just">
+            <a:pPr marL="0" marR="0" indent="0" algn="just">
               <a:lnSpc>
                 <a:spcPct val="107000"/>
               </a:lnSpc>
@@ -12349,9 +13265,13 @@
               <a:spcAft>
                 <a:spcPts val="800"/>
               </a:spcAft>
+              <a:buNone/>
             </a:pPr>
             <a:r>
               <a:rPr lang="en-US" sz="1800" dirty="0">
+                <a:solidFill>
+                  <a:schemeClr val="bg1"/>
+                </a:solidFill>
                 <a:effectLst/>
                 <a:latin typeface="SutonnyMJ" pitchFamily="2" charset="0"/>
                 <a:ea typeface="Calibri" panose="020F0502020204030204" pitchFamily="34" charset="0"/>
@@ -12361,6 +13281,9 @@
             </a:r>
             <a:r>
               <a:rPr lang="en-US" sz="1800" dirty="0" err="1">
+                <a:solidFill>
+                  <a:schemeClr val="bg1"/>
+                </a:solidFill>
                 <a:effectLst/>
                 <a:latin typeface="SutonnyMJ" pitchFamily="2" charset="0"/>
                 <a:ea typeface="Calibri" panose="020F0502020204030204" pitchFamily="34" charset="0"/>
@@ -12370,6 +13293,9 @@
             </a:r>
             <a:r>
               <a:rPr lang="en-US" sz="1800" dirty="0">
+                <a:solidFill>
+                  <a:schemeClr val="bg1"/>
+                </a:solidFill>
                 <a:effectLst/>
                 <a:latin typeface="SutonnyMJ" pitchFamily="2" charset="0"/>
                 <a:ea typeface="Calibri" panose="020F0502020204030204" pitchFamily="34" charset="0"/>
@@ -12379,6 +13305,9 @@
             </a:r>
             <a:r>
               <a:rPr lang="en-US" sz="1800" dirty="0" err="1">
+                <a:solidFill>
+                  <a:schemeClr val="bg1"/>
+                </a:solidFill>
                 <a:effectLst/>
                 <a:latin typeface="SutonnyMJ" pitchFamily="2" charset="0"/>
                 <a:ea typeface="Calibri" panose="020F0502020204030204" pitchFamily="34" charset="0"/>
@@ -12388,15 +13317,21 @@
             </a:r>
             <a:r>
               <a:rPr lang="en-US" sz="1800" dirty="0">
-                <a:effectLst/>
-                <a:latin typeface="SutonnyMJ" pitchFamily="2" charset="0"/>
-                <a:ea typeface="Calibri" panose="020F0502020204030204" pitchFamily="34" charset="0"/>
-                <a:cs typeface="Vrinda" panose="020B0502040204020203" pitchFamily="34" charset="0"/>
-              </a:rPr>
-              <a:t> </a:t>
-            </a:r>
-            <a:r>
-              <a:rPr lang="en-US" sz="1800" dirty="0" err="1">
+                <a:solidFill>
+                  <a:schemeClr val="bg1"/>
+                </a:solidFill>
+                <a:effectLst/>
+                <a:latin typeface="SutonnyMJ" pitchFamily="2" charset="0"/>
+                <a:ea typeface="Calibri" panose="020F0502020204030204" pitchFamily="34" charset="0"/>
+                <a:cs typeface="Vrinda" panose="020B0502040204020203" pitchFamily="34" charset="0"/>
+              </a:rPr>
+              <a:t> </a:t>
+            </a:r>
+            <a:r>
+              <a:rPr lang="en-US" sz="1800" dirty="0" err="1">
+                <a:solidFill>
+                  <a:schemeClr val="bg1"/>
+                </a:solidFill>
                 <a:effectLst/>
                 <a:latin typeface="SutonnyOMJ" panose="01010600010101010101" pitchFamily="2" charset="0"/>
                 <a:ea typeface="Calibri" panose="020F0502020204030204" pitchFamily="34" charset="0"/>
@@ -12406,15 +13341,21 @@
             </a:r>
             <a:r>
               <a:rPr lang="en-US" sz="1800" dirty="0">
-                <a:effectLst/>
-                <a:latin typeface="SutonnyMJ" pitchFamily="2" charset="0"/>
-                <a:ea typeface="Calibri" panose="020F0502020204030204" pitchFamily="34" charset="0"/>
-                <a:cs typeface="Vrinda" panose="020B0502040204020203" pitchFamily="34" charset="0"/>
-              </a:rPr>
-              <a:t> </a:t>
-            </a:r>
-            <a:r>
-              <a:rPr lang="en-US" sz="1800" dirty="0" err="1">
+                <a:solidFill>
+                  <a:schemeClr val="bg1"/>
+                </a:solidFill>
+                <a:effectLst/>
+                <a:latin typeface="SutonnyMJ" pitchFamily="2" charset="0"/>
+                <a:ea typeface="Calibri" panose="020F0502020204030204" pitchFamily="34" charset="0"/>
+                <a:cs typeface="Vrinda" panose="020B0502040204020203" pitchFamily="34" charset="0"/>
+              </a:rPr>
+              <a:t> </a:t>
+            </a:r>
+            <a:r>
+              <a:rPr lang="en-US" sz="1800" dirty="0" err="1">
+                <a:solidFill>
+                  <a:schemeClr val="bg1"/>
+                </a:solidFill>
                 <a:effectLst/>
                 <a:latin typeface="SutonnyMJ" pitchFamily="2" charset="0"/>
                 <a:ea typeface="Calibri" panose="020F0502020204030204" pitchFamily="34" charset="0"/>
@@ -12424,15 +13365,21 @@
             </a:r>
             <a:r>
               <a:rPr lang="en-US" sz="1800" dirty="0">
-                <a:effectLst/>
-                <a:latin typeface="SutonnyMJ" pitchFamily="2" charset="0"/>
-                <a:ea typeface="Calibri" panose="020F0502020204030204" pitchFamily="34" charset="0"/>
-                <a:cs typeface="Vrinda" panose="020B0502040204020203" pitchFamily="34" charset="0"/>
-              </a:rPr>
-              <a:t> </a:t>
-            </a:r>
-            <a:r>
-              <a:rPr lang="en-US" sz="1800" dirty="0" err="1">
+                <a:solidFill>
+                  <a:schemeClr val="bg1"/>
+                </a:solidFill>
+                <a:effectLst/>
+                <a:latin typeface="SutonnyMJ" pitchFamily="2" charset="0"/>
+                <a:ea typeface="Calibri" panose="020F0502020204030204" pitchFamily="34" charset="0"/>
+                <a:cs typeface="Vrinda" panose="020B0502040204020203" pitchFamily="34" charset="0"/>
+              </a:rPr>
+              <a:t> </a:t>
+            </a:r>
+            <a:r>
+              <a:rPr lang="en-US" sz="1800" dirty="0" err="1">
+                <a:solidFill>
+                  <a:schemeClr val="bg1"/>
+                </a:solidFill>
                 <a:effectLst/>
                 <a:latin typeface="SutonnyMJ" pitchFamily="2" charset="0"/>
                 <a:ea typeface="Calibri" panose="020F0502020204030204" pitchFamily="34" charset="0"/>
@@ -12441,6 +13388,9 @@
               <a:t>myweav</a:t>
             </a:r>
             <a:endParaRPr lang="en-US" sz="1800" dirty="0">
+              <a:solidFill>
+                <a:schemeClr val="bg1"/>
+              </a:solidFill>
               <a:effectLst/>
               <a:latin typeface="Calibri" panose="020F0502020204030204" pitchFamily="34" charset="0"/>
               <a:ea typeface="Calibri" panose="020F0502020204030204" pitchFamily="34" charset="0"/>
@@ -12448,7 +13398,7 @@
             </a:endParaRPr>
           </a:p>
           <a:p>
-            <a:pPr marL="0" marR="0" algn="just">
+            <a:pPr marL="0" marR="0" indent="0" algn="just">
               <a:lnSpc>
                 <a:spcPct val="107000"/>
               </a:lnSpc>
@@ -12458,9 +13408,13 @@
               <a:spcAft>
                 <a:spcPts val="800"/>
               </a:spcAft>
+              <a:buNone/>
             </a:pPr>
             <a:r>
               <a:rPr lang="en-US" sz="1800" dirty="0">
+                <a:solidFill>
+                  <a:schemeClr val="bg1"/>
+                </a:solidFill>
                 <a:effectLst/>
                 <a:latin typeface="SutonnyMJ" pitchFamily="2" charset="0"/>
                 <a:ea typeface="Calibri" panose="020F0502020204030204" pitchFamily="34" charset="0"/>
@@ -12470,6 +13424,9 @@
             </a:r>
             <a:r>
               <a:rPr lang="en-US" sz="1800" dirty="0" err="1">
+                <a:solidFill>
+                  <a:schemeClr val="bg1"/>
+                </a:solidFill>
                 <a:effectLst/>
                 <a:latin typeface="SutonnyMJ" pitchFamily="2" charset="0"/>
                 <a:ea typeface="Calibri" panose="020F0502020204030204" pitchFamily="34" charset="0"/>
@@ -12479,6 +13436,9 @@
             </a:r>
             <a:r>
               <a:rPr lang="en-US" sz="1800" dirty="0">
+                <a:solidFill>
+                  <a:schemeClr val="bg1"/>
+                </a:solidFill>
                 <a:effectLst/>
                 <a:latin typeface="SutonnyMJ" pitchFamily="2" charset="0"/>
                 <a:ea typeface="Calibri" panose="020F0502020204030204" pitchFamily="34" charset="0"/>
@@ -12488,6 +13448,9 @@
             </a:r>
             <a:r>
               <a:rPr lang="en-US" sz="1800" dirty="0" err="1">
+                <a:solidFill>
+                  <a:schemeClr val="bg1"/>
+                </a:solidFill>
                 <a:effectLst/>
                 <a:latin typeface="SutonnyMJ" pitchFamily="2" charset="0"/>
                 <a:ea typeface="Calibri" panose="020F0502020204030204" pitchFamily="34" charset="0"/>
@@ -12497,15 +13460,21 @@
             </a:r>
             <a:r>
               <a:rPr lang="en-US" sz="1800" dirty="0">
-                <a:effectLst/>
-                <a:latin typeface="SutonnyMJ" pitchFamily="2" charset="0"/>
-                <a:ea typeface="Calibri" panose="020F0502020204030204" pitchFamily="34" charset="0"/>
-                <a:cs typeface="Vrinda" panose="020B0502040204020203" pitchFamily="34" charset="0"/>
-              </a:rPr>
-              <a:t> </a:t>
-            </a:r>
-            <a:r>
-              <a:rPr lang="en-US" sz="1800" dirty="0" err="1">
+                <a:solidFill>
+                  <a:schemeClr val="bg1"/>
+                </a:solidFill>
+                <a:effectLst/>
+                <a:latin typeface="SutonnyMJ" pitchFamily="2" charset="0"/>
+                <a:ea typeface="Calibri" panose="020F0502020204030204" pitchFamily="34" charset="0"/>
+                <a:cs typeface="Vrinda" panose="020B0502040204020203" pitchFamily="34" charset="0"/>
+              </a:rPr>
+              <a:t> </a:t>
+            </a:r>
+            <a:r>
+              <a:rPr lang="en-US" sz="1800" dirty="0" err="1">
+                <a:solidFill>
+                  <a:schemeClr val="bg1"/>
+                </a:solidFill>
                 <a:effectLst/>
                 <a:latin typeface="SutonnyOMJ" panose="01010600010101010101" pitchFamily="2" charset="0"/>
                 <a:ea typeface="Calibri" panose="020F0502020204030204" pitchFamily="34" charset="0"/>
@@ -12515,15 +13484,21 @@
             </a:r>
             <a:r>
               <a:rPr lang="en-US" sz="1800" dirty="0">
-                <a:effectLst/>
-                <a:latin typeface="SutonnyMJ" pitchFamily="2" charset="0"/>
-                <a:ea typeface="Calibri" panose="020F0502020204030204" pitchFamily="34" charset="0"/>
-                <a:cs typeface="Vrinda" panose="020B0502040204020203" pitchFamily="34" charset="0"/>
-              </a:rPr>
-              <a:t> </a:t>
-            </a:r>
-            <a:r>
-              <a:rPr lang="en-US" sz="1800" dirty="0" err="1">
+                <a:solidFill>
+                  <a:schemeClr val="bg1"/>
+                </a:solidFill>
+                <a:effectLst/>
+                <a:latin typeface="SutonnyMJ" pitchFamily="2" charset="0"/>
+                <a:ea typeface="Calibri" panose="020F0502020204030204" pitchFamily="34" charset="0"/>
+                <a:cs typeface="Vrinda" panose="020B0502040204020203" pitchFamily="34" charset="0"/>
+              </a:rPr>
+              <a:t> </a:t>
+            </a:r>
+            <a:r>
+              <a:rPr lang="en-US" sz="1800" dirty="0" err="1">
+                <a:solidFill>
+                  <a:schemeClr val="bg1"/>
+                </a:solidFill>
                 <a:effectLst/>
                 <a:latin typeface="SutonnyMJ" pitchFamily="2" charset="0"/>
                 <a:ea typeface="Calibri" panose="020F0502020204030204" pitchFamily="34" charset="0"/>
@@ -12532,6 +13507,9 @@
               <a:t>bvB</a:t>
             </a:r>
             <a:endParaRPr lang="en-US" sz="1800" dirty="0">
+              <a:solidFill>
+                <a:schemeClr val="bg1"/>
+              </a:solidFill>
               <a:effectLst/>
               <a:latin typeface="Calibri" panose="020F0502020204030204" pitchFamily="34" charset="0"/>
               <a:ea typeface="Calibri" panose="020F0502020204030204" pitchFamily="34" charset="0"/>
@@ -12539,8 +13517,14 @@
             </a:endParaRPr>
           </a:p>
           <a:p>
-            <a:r>
-              <a:rPr lang="en-US" sz="1800" dirty="0">
+            <a:pPr marL="0" indent="0">
+              <a:buNone/>
+            </a:pPr>
+            <a:r>
+              <a:rPr lang="en-US" sz="1800" dirty="0">
+                <a:solidFill>
+                  <a:schemeClr val="bg1"/>
+                </a:solidFill>
                 <a:effectLst/>
                 <a:latin typeface="SutonnyMJ" pitchFamily="2" charset="0"/>
                 <a:ea typeface="Calibri" panose="020F0502020204030204" pitchFamily="34" charset="0"/>
@@ -12550,6 +13534,9 @@
             </a:r>
             <a:r>
               <a:rPr lang="en-US" sz="1800" dirty="0" err="1">
+                <a:solidFill>
+                  <a:schemeClr val="bg1"/>
+                </a:solidFill>
                 <a:effectLst/>
                 <a:latin typeface="SutonnyMJ" pitchFamily="2" charset="0"/>
                 <a:ea typeface="Calibri" panose="020F0502020204030204" pitchFamily="34" charset="0"/>
@@ -12559,15 +13546,21 @@
             </a:r>
             <a:r>
               <a:rPr lang="en-US" sz="1800" dirty="0">
-                <a:effectLst/>
-                <a:latin typeface="SutonnyMJ" pitchFamily="2" charset="0"/>
-                <a:ea typeface="Calibri" panose="020F0502020204030204" pitchFamily="34" charset="0"/>
-                <a:cs typeface="Vrinda" panose="020B0502040204020203" pitchFamily="34" charset="0"/>
-              </a:rPr>
-              <a:t> </a:t>
-            </a:r>
-            <a:r>
-              <a:rPr lang="en-US" sz="1800" dirty="0" err="1">
+                <a:solidFill>
+                  <a:schemeClr val="bg1"/>
+                </a:solidFill>
+                <a:effectLst/>
+                <a:latin typeface="SutonnyMJ" pitchFamily="2" charset="0"/>
+                <a:ea typeface="Calibri" panose="020F0502020204030204" pitchFamily="34" charset="0"/>
+                <a:cs typeface="Vrinda" panose="020B0502040204020203" pitchFamily="34" charset="0"/>
+              </a:rPr>
+              <a:t> </a:t>
+            </a:r>
+            <a:r>
+              <a:rPr lang="en-US" sz="1800" dirty="0" err="1">
+                <a:solidFill>
+                  <a:schemeClr val="bg1"/>
+                </a:solidFill>
                 <a:effectLst/>
                 <a:latin typeface="SutonnyMJ" pitchFamily="2" charset="0"/>
                 <a:ea typeface="Calibri" panose="020F0502020204030204" pitchFamily="34" charset="0"/>
@@ -12577,15 +13570,21 @@
             </a:r>
             <a:r>
               <a:rPr lang="en-US" sz="1800" dirty="0">
-                <a:effectLst/>
-                <a:latin typeface="SutonnyMJ" pitchFamily="2" charset="0"/>
-                <a:ea typeface="Calibri" panose="020F0502020204030204" pitchFamily="34" charset="0"/>
-                <a:cs typeface="Vrinda" panose="020B0502040204020203" pitchFamily="34" charset="0"/>
-              </a:rPr>
-              <a:t> </a:t>
-            </a:r>
-            <a:r>
-              <a:rPr lang="en-US" sz="1800" dirty="0" err="1">
+                <a:solidFill>
+                  <a:schemeClr val="bg1"/>
+                </a:solidFill>
+                <a:effectLst/>
+                <a:latin typeface="SutonnyMJ" pitchFamily="2" charset="0"/>
+                <a:ea typeface="Calibri" panose="020F0502020204030204" pitchFamily="34" charset="0"/>
+                <a:cs typeface="Vrinda" panose="020B0502040204020203" pitchFamily="34" charset="0"/>
+              </a:rPr>
+              <a:t> </a:t>
+            </a:r>
+            <a:r>
+              <a:rPr lang="en-US" sz="1800" dirty="0" err="1">
+                <a:solidFill>
+                  <a:schemeClr val="bg1"/>
+                </a:solidFill>
                 <a:effectLst/>
                 <a:latin typeface="SutonnyMJ" pitchFamily="2" charset="0"/>
                 <a:ea typeface="Calibri" panose="020F0502020204030204" pitchFamily="34" charset="0"/>
@@ -12595,15 +13594,21 @@
             </a:r>
             <a:r>
               <a:rPr lang="en-US" sz="1800" dirty="0">
-                <a:effectLst/>
-                <a:latin typeface="SutonnyMJ" pitchFamily="2" charset="0"/>
-                <a:ea typeface="Calibri" panose="020F0502020204030204" pitchFamily="34" charset="0"/>
-                <a:cs typeface="Vrinda" panose="020B0502040204020203" pitchFamily="34" charset="0"/>
-              </a:rPr>
-              <a:t> </a:t>
-            </a:r>
-            <a:r>
-              <a:rPr lang="en-US" sz="1800" dirty="0" err="1">
+                <a:solidFill>
+                  <a:schemeClr val="bg1"/>
+                </a:solidFill>
+                <a:effectLst/>
+                <a:latin typeface="SutonnyMJ" pitchFamily="2" charset="0"/>
+                <a:ea typeface="Calibri" panose="020F0502020204030204" pitchFamily="34" charset="0"/>
+                <a:cs typeface="Vrinda" panose="020B0502040204020203" pitchFamily="34" charset="0"/>
+              </a:rPr>
+              <a:t> </a:t>
+            </a:r>
+            <a:r>
+              <a:rPr lang="en-US" sz="1800" dirty="0" err="1">
+                <a:solidFill>
+                  <a:schemeClr val="bg1"/>
+                </a:solidFill>
                 <a:effectLst/>
                 <a:latin typeface="SutonnyMJ" pitchFamily="2" charset="0"/>
                 <a:ea typeface="Calibri" panose="020F0502020204030204" pitchFamily="34" charset="0"/>
@@ -12613,15 +13618,21 @@
             </a:r>
             <a:r>
               <a:rPr lang="en-US" sz="1800" dirty="0">
-                <a:effectLst/>
-                <a:latin typeface="SutonnyMJ" pitchFamily="2" charset="0"/>
-                <a:ea typeface="Calibri" panose="020F0502020204030204" pitchFamily="34" charset="0"/>
-                <a:cs typeface="Vrinda" panose="020B0502040204020203" pitchFamily="34" charset="0"/>
-              </a:rPr>
-              <a:t> </a:t>
-            </a:r>
-            <a:r>
-              <a:rPr lang="en-US" sz="1800" dirty="0" err="1">
+                <a:solidFill>
+                  <a:schemeClr val="bg1"/>
+                </a:solidFill>
+                <a:effectLst/>
+                <a:latin typeface="SutonnyMJ" pitchFamily="2" charset="0"/>
+                <a:ea typeface="Calibri" panose="020F0502020204030204" pitchFamily="34" charset="0"/>
+                <a:cs typeface="Vrinda" panose="020B0502040204020203" pitchFamily="34" charset="0"/>
+              </a:rPr>
+              <a:t> </a:t>
+            </a:r>
+            <a:r>
+              <a:rPr lang="en-US" sz="1800" dirty="0" err="1">
+                <a:solidFill>
+                  <a:schemeClr val="bg1"/>
+                </a:solidFill>
                 <a:effectLst/>
                 <a:latin typeface="SutonnyMJ" pitchFamily="2" charset="0"/>
                 <a:ea typeface="Calibri" panose="020F0502020204030204" pitchFamily="34" charset="0"/>
@@ -12631,15 +13642,21 @@
             </a:r>
             <a:r>
               <a:rPr lang="en-US" sz="1800" dirty="0">
-                <a:effectLst/>
-                <a:latin typeface="SutonnyMJ" pitchFamily="2" charset="0"/>
-                <a:ea typeface="Calibri" panose="020F0502020204030204" pitchFamily="34" charset="0"/>
-                <a:cs typeface="Vrinda" panose="020B0502040204020203" pitchFamily="34" charset="0"/>
-              </a:rPr>
-              <a:t> </a:t>
-            </a:r>
-            <a:r>
-              <a:rPr lang="en-US" sz="1800" dirty="0" err="1">
+                <a:solidFill>
+                  <a:schemeClr val="bg1"/>
+                </a:solidFill>
+                <a:effectLst/>
+                <a:latin typeface="SutonnyMJ" pitchFamily="2" charset="0"/>
+                <a:ea typeface="Calibri" panose="020F0502020204030204" pitchFamily="34" charset="0"/>
+                <a:cs typeface="Vrinda" panose="020B0502040204020203" pitchFamily="34" charset="0"/>
+              </a:rPr>
+              <a:t> </a:t>
+            </a:r>
+            <a:r>
+              <a:rPr lang="en-US" sz="1800" dirty="0" err="1">
+                <a:solidFill>
+                  <a:schemeClr val="bg1"/>
+                </a:solidFill>
                 <a:effectLst/>
                 <a:latin typeface="SutonnyMJ" pitchFamily="2" charset="0"/>
                 <a:ea typeface="Calibri" panose="020F0502020204030204" pitchFamily="34" charset="0"/>
@@ -12649,6 +13666,9 @@
             </a:r>
             <a:r>
               <a:rPr lang="en-US" sz="1800" dirty="0">
+                <a:solidFill>
+                  <a:schemeClr val="bg1"/>
+                </a:solidFill>
                 <a:effectLst/>
                 <a:latin typeface="SutonnyMJ" pitchFamily="2" charset="0"/>
                 <a:ea typeface="Calibri" panose="020F0502020204030204" pitchFamily="34" charset="0"/>
@@ -12658,6 +13678,9 @@
             </a:r>
             <a:r>
               <a:rPr lang="en-US" sz="1800" dirty="0" err="1">
+                <a:solidFill>
+                  <a:schemeClr val="bg1"/>
+                </a:solidFill>
                 <a:effectLst/>
                 <a:latin typeface="SutonnyOMJ" panose="01010600010101010101" pitchFamily="2" charset="0"/>
                 <a:ea typeface="Calibri" panose="020F0502020204030204" pitchFamily="34" charset="0"/>
@@ -12666,6 +13689,9 @@
               <a:t>মাধ্যম</a:t>
             </a:r>
             <a:endParaRPr lang="en-US" dirty="0">
+              <a:solidFill>
+                <a:schemeClr val="bg1"/>
+              </a:solidFill>
               <a:latin typeface="SutonnyMJ" pitchFamily="2" charset="0"/>
             </a:endParaRPr>
           </a:p>
@@ -12688,8 +13714,12 @@
           </a:bodyPr>
           <a:lstStyle/>
           <a:p>
+            <a:pPr algn="ctr"/>
             <a:r>
               <a:rPr lang="en-US" sz="2800" dirty="0" err="1">
+                <a:solidFill>
+                  <a:schemeClr val="bg1"/>
+                </a:solidFill>
                 <a:effectLst/>
                 <a:latin typeface="SutonnyMJ" pitchFamily="2" charset="0"/>
                 <a:ea typeface="Calibri" panose="020F0502020204030204" pitchFamily="34" charset="0"/>
@@ -12699,6 +13729,9 @@
             </a:r>
             <a:r>
               <a:rPr lang="en-US" sz="2800" dirty="0">
+                <a:solidFill>
+                  <a:schemeClr val="bg1"/>
+                </a:solidFill>
                 <a:effectLst/>
                 <a:latin typeface="SutonnyMJ" pitchFamily="2" charset="0"/>
                 <a:ea typeface="Calibri" panose="020F0502020204030204" pitchFamily="34" charset="0"/>
@@ -12708,6 +13741,9 @@
             </a:r>
             <a:r>
               <a:rPr lang="en-US" sz="2800" dirty="0" err="1">
+                <a:solidFill>
+                  <a:schemeClr val="bg1"/>
+                </a:solidFill>
                 <a:effectLst/>
                 <a:latin typeface="SutonnyMJ" pitchFamily="2" charset="0"/>
                 <a:ea typeface="Calibri" panose="020F0502020204030204" pitchFamily="34" charset="0"/>
@@ -12717,6 +13753,9 @@
             </a:r>
             <a:r>
               <a:rPr lang="en-US" sz="2800" dirty="0">
+                <a:solidFill>
+                  <a:schemeClr val="bg1"/>
+                </a:solidFill>
                 <a:effectLst/>
                 <a:latin typeface="SutonnyMJ" pitchFamily="2" charset="0"/>
                 <a:ea typeface="Calibri" panose="020F0502020204030204" pitchFamily="34" charset="0"/>
@@ -12726,6 +13765,9 @@
             </a:r>
             <a:r>
               <a:rPr lang="en-US" sz="2800" dirty="0" err="1">
+                <a:solidFill>
+                  <a:schemeClr val="bg1"/>
+                </a:solidFill>
                 <a:effectLst/>
                 <a:latin typeface="SutonnyOMJ" panose="01010600010101010101" pitchFamily="2" charset="0"/>
                 <a:ea typeface="Calibri" panose="020F0502020204030204" pitchFamily="34" charset="0"/>
@@ -12735,6 +13777,9 @@
             </a:r>
             <a:r>
               <a:rPr lang="en-US" sz="2800" dirty="0">
+                <a:solidFill>
+                  <a:schemeClr val="bg1"/>
+                </a:solidFill>
                 <a:effectLst/>
                 <a:latin typeface="SutonnyMJ" pitchFamily="2" charset="0"/>
                 <a:ea typeface="Calibri" panose="020F0502020204030204" pitchFamily="34" charset="0"/>
@@ -12744,6 +13789,9 @@
             </a:r>
             <a:r>
               <a:rPr lang="en-US" sz="2800" dirty="0" err="1">
+                <a:solidFill>
+                  <a:schemeClr val="bg1"/>
+                </a:solidFill>
                 <a:effectLst/>
                 <a:latin typeface="SutonnyMJ" pitchFamily="2" charset="0"/>
                 <a:ea typeface="Calibri" panose="020F0502020204030204" pitchFamily="34" charset="0"/>
@@ -12751,7 +13799,11 @@
               </a:rPr>
               <a:t>my‡hvM-myweavmg~n</a:t>
             </a:r>
-            <a:endParaRPr lang="en-US" sz="2800" dirty="0"/>
+            <a:endParaRPr lang="en-US" sz="2800" dirty="0">
+              <a:solidFill>
+                <a:schemeClr val="bg1"/>
+              </a:solidFill>
+            </a:endParaRPr>
           </a:p>
         </p:txBody>
       </p:sp>
@@ -12777,8 +13829,8 @@
         </p:blipFill>
         <p:spPr>
           <a:xfrm>
-            <a:off x="7147774" y="5399467"/>
-            <a:ext cx="1841680" cy="1368430"/>
+            <a:off x="7739269" y="5671929"/>
+            <a:ext cx="1311965" cy="1095967"/>
           </a:xfrm>
           <a:prstGeom prst="rect">
             <a:avLst/>

--- a/Socheton/Socheton Academy-Bangla.pptx
+++ b/Socheton/Socheton Academy-Bangla.pptx
@@ -7,15 +7,16 @@
   <p:sldIdLst>
     <p:sldId id="266" r:id="rId2"/>
     <p:sldId id="256" r:id="rId3"/>
-    <p:sldId id="257" r:id="rId4"/>
-    <p:sldId id="260" r:id="rId5"/>
-    <p:sldId id="261" r:id="rId6"/>
-    <p:sldId id="258" r:id="rId7"/>
-    <p:sldId id="259" r:id="rId8"/>
-    <p:sldId id="262" r:id="rId9"/>
-    <p:sldId id="264" r:id="rId10"/>
-    <p:sldId id="265" r:id="rId11"/>
-    <p:sldId id="267" r:id="rId12"/>
+    <p:sldId id="270" r:id="rId4"/>
+    <p:sldId id="257" r:id="rId5"/>
+    <p:sldId id="260" r:id="rId6"/>
+    <p:sldId id="261" r:id="rId7"/>
+    <p:sldId id="268" r:id="rId8"/>
+    <p:sldId id="269" r:id="rId9"/>
+    <p:sldId id="262" r:id="rId10"/>
+    <p:sldId id="264" r:id="rId11"/>
+    <p:sldId id="265" r:id="rId12"/>
+    <p:sldId id="267" r:id="rId13"/>
   </p:sldIdLst>
   <p:sldSz cx="9144000" cy="6858000" type="screen4x3"/>
   <p:notesSz cx="6858000" cy="9144000"/>
@@ -5500,10 +5501,884 @@
   <p:clrMapOvr>
     <a:masterClrMapping/>
   </p:clrMapOvr>
+  <p:timing>
+    <p:tnLst>
+      <p:par>
+        <p:cTn id="1" dur="indefinite" restart="never" nodeType="tmRoot"/>
+      </p:par>
+    </p:tnLst>
+  </p:timing>
 </p:sld>
 </file>
 
 <file path=ppt/slides/slide10.xml><?xml version="1.0" encoding="utf-8"?>
+<p:sld xmlns:a="http://schemas.openxmlformats.org/drawingml/2006/main" xmlns:r="http://schemas.openxmlformats.org/officeDocument/2006/relationships" xmlns:p="http://schemas.openxmlformats.org/presentationml/2006/main">
+  <p:cSld>
+    <p:spTree>
+      <p:nvGrpSpPr>
+        <p:cNvPr id="1" name=""/>
+        <p:cNvGrpSpPr/>
+        <p:nvPr/>
+      </p:nvGrpSpPr>
+      <p:grpSpPr>
+        <a:xfrm>
+          <a:off x="0" y="0"/>
+          <a:ext cx="0" cy="0"/>
+          <a:chOff x="0" y="0"/>
+          <a:chExt cx="0" cy="0"/>
+        </a:xfrm>
+      </p:grpSpPr>
+      <p:sp>
+        <p:nvSpPr>
+          <p:cNvPr id="2" name="Title 1"/>
+          <p:cNvSpPr>
+            <a:spLocks noGrp="1"/>
+          </p:cNvSpPr>
+          <p:nvPr>
+            <p:ph type="title"/>
+          </p:nvPr>
+        </p:nvSpPr>
+        <p:spPr>
+          <a:xfrm>
+            <a:off x="0" y="2904992"/>
+            <a:ext cx="4977846" cy="1201778"/>
+          </a:xfrm>
+        </p:spPr>
+        <p:txBody>
+          <a:bodyPr>
+            <a:normAutofit/>
+          </a:bodyPr>
+          <a:lstStyle/>
+          <a:p>
+            <a:pPr algn="ctr"/>
+            <a:r>
+              <a:rPr lang="en-US" sz="3600" b="1" dirty="0" err="1">
+                <a:solidFill>
+                  <a:schemeClr val="bg1"/>
+                </a:solidFill>
+                <a:latin typeface="SutonnyOMJ" panose="01010600010101010101" pitchFamily="2" charset="0"/>
+                <a:cs typeface="SutonnyOMJ" panose="01010600010101010101" pitchFamily="2" charset="0"/>
+              </a:rPr>
+              <a:t>আমরা</a:t>
+            </a:r>
+            <a:r>
+              <a:rPr lang="en-US" sz="3600" b="1" dirty="0">
+                <a:solidFill>
+                  <a:schemeClr val="bg1"/>
+                </a:solidFill>
+                <a:latin typeface="SutonnyOMJ" panose="01010600010101010101" pitchFamily="2" charset="0"/>
+                <a:cs typeface="SutonnyOMJ" panose="01010600010101010101" pitchFamily="2" charset="0"/>
+              </a:rPr>
+              <a:t> </a:t>
+            </a:r>
+            <a:r>
+              <a:rPr lang="en-US" sz="3600" b="1" dirty="0" err="1">
+                <a:solidFill>
+                  <a:schemeClr val="bg1"/>
+                </a:solidFill>
+                <a:latin typeface="SutonnyOMJ" panose="01010600010101010101" pitchFamily="2" charset="0"/>
+                <a:cs typeface="SutonnyOMJ" panose="01010600010101010101" pitchFamily="2" charset="0"/>
+              </a:rPr>
+              <a:t>যেভাবে</a:t>
+            </a:r>
+            <a:r>
+              <a:rPr lang="en-US" sz="3600" b="1" dirty="0">
+                <a:solidFill>
+                  <a:schemeClr val="bg1"/>
+                </a:solidFill>
+                <a:latin typeface="SutonnyOMJ" panose="01010600010101010101" pitchFamily="2" charset="0"/>
+                <a:cs typeface="SutonnyOMJ" panose="01010600010101010101" pitchFamily="2" charset="0"/>
+              </a:rPr>
+              <a:t> </a:t>
+            </a:r>
+            <a:r>
+              <a:rPr lang="en-US" sz="3600" b="1" dirty="0" err="1">
+                <a:solidFill>
+                  <a:schemeClr val="bg1"/>
+                </a:solidFill>
+                <a:latin typeface="SutonnyOMJ" panose="01010600010101010101" pitchFamily="2" charset="0"/>
+                <a:cs typeface="SutonnyOMJ" panose="01010600010101010101" pitchFamily="2" charset="0"/>
+              </a:rPr>
+              <a:t>কাজ</a:t>
+            </a:r>
+            <a:r>
+              <a:rPr lang="en-US" sz="3600" b="1" dirty="0">
+                <a:solidFill>
+                  <a:schemeClr val="bg1"/>
+                </a:solidFill>
+                <a:latin typeface="SutonnyOMJ" panose="01010600010101010101" pitchFamily="2" charset="0"/>
+                <a:cs typeface="SutonnyOMJ" panose="01010600010101010101" pitchFamily="2" charset="0"/>
+              </a:rPr>
+              <a:t> </a:t>
+            </a:r>
+            <a:r>
+              <a:rPr lang="en-US" sz="3600" b="1" dirty="0" err="1">
+                <a:solidFill>
+                  <a:schemeClr val="bg1"/>
+                </a:solidFill>
+                <a:latin typeface="SutonnyOMJ" panose="01010600010101010101" pitchFamily="2" charset="0"/>
+                <a:cs typeface="SutonnyOMJ" panose="01010600010101010101" pitchFamily="2" charset="0"/>
+              </a:rPr>
+              <a:t>করি</a:t>
+            </a:r>
+            <a:r>
+              <a:rPr lang="en-US" sz="3600" b="1" dirty="0">
+                <a:solidFill>
+                  <a:schemeClr val="bg1"/>
+                </a:solidFill>
+                <a:latin typeface="SutonnyOMJ" panose="01010600010101010101" pitchFamily="2" charset="0"/>
+                <a:cs typeface="SutonnyOMJ" panose="01010600010101010101" pitchFamily="2" charset="0"/>
+              </a:rPr>
+              <a:t>???</a:t>
+            </a:r>
+          </a:p>
+        </p:txBody>
+      </p:sp>
+      <p:sp>
+        <p:nvSpPr>
+          <p:cNvPr id="3" name="Text Placeholder 2"/>
+          <p:cNvSpPr>
+            <a:spLocks noGrp="1"/>
+          </p:cNvSpPr>
+          <p:nvPr>
+            <p:ph type="body" idx="1"/>
+          </p:nvPr>
+        </p:nvSpPr>
+        <p:spPr>
+          <a:xfrm>
+            <a:off x="441651" y="827575"/>
+            <a:ext cx="5867770" cy="609600"/>
+          </a:xfrm>
+        </p:spPr>
+        <p:txBody>
+          <a:bodyPr/>
+          <a:lstStyle/>
+          <a:p>
+            <a:r>
+              <a:rPr lang="en-US" cap="none" dirty="0" err="1">
+                <a:solidFill>
+                  <a:schemeClr val="bg1"/>
+                </a:solidFill>
+                <a:latin typeface="SutonnyMJ" pitchFamily="2" charset="0"/>
+                <a:cs typeface="SutonnyOMJ" panose="01010600010101010101" pitchFamily="2" charset="0"/>
+              </a:rPr>
+              <a:t>wkÿK</a:t>
+            </a:r>
+            <a:r>
+              <a:rPr lang="en-US" cap="none" dirty="0">
+                <a:solidFill>
+                  <a:schemeClr val="bg1"/>
+                </a:solidFill>
+                <a:latin typeface="SutonnyMJ" pitchFamily="2" charset="0"/>
+                <a:cs typeface="SutonnyOMJ" panose="01010600010101010101" pitchFamily="2" charset="0"/>
+              </a:rPr>
+              <a:t> / </a:t>
+            </a:r>
+            <a:r>
+              <a:rPr lang="en-US" cap="none" dirty="0" err="1">
+                <a:solidFill>
+                  <a:schemeClr val="bg1"/>
+                </a:solidFill>
+                <a:latin typeface="SutonnyMJ" pitchFamily="2" charset="0"/>
+                <a:cs typeface="SutonnyOMJ" panose="01010600010101010101" pitchFamily="2" charset="0"/>
+              </a:rPr>
+              <a:t>cÖwZôvb</a:t>
+            </a:r>
+            <a:r>
+              <a:rPr lang="en-US" cap="none" dirty="0">
+                <a:solidFill>
+                  <a:schemeClr val="bg1"/>
+                </a:solidFill>
+                <a:latin typeface="SutonnyMJ" pitchFamily="2" charset="0"/>
+                <a:cs typeface="SutonnyOMJ" panose="01010600010101010101" pitchFamily="2" charset="0"/>
+              </a:rPr>
+              <a:t> </a:t>
+            </a:r>
+            <a:r>
+              <a:rPr lang="en-US" cap="none" dirty="0" err="1">
+                <a:solidFill>
+                  <a:schemeClr val="bg1"/>
+                </a:solidFill>
+                <a:latin typeface="SutonnyMJ" pitchFamily="2" charset="0"/>
+                <a:cs typeface="SutonnyOMJ" panose="01010600010101010101" pitchFamily="2" charset="0"/>
+              </a:rPr>
+              <a:t>Øviv</a:t>
+            </a:r>
+            <a:r>
+              <a:rPr lang="en-US" cap="none" dirty="0">
+                <a:solidFill>
+                  <a:schemeClr val="bg1"/>
+                </a:solidFill>
+                <a:latin typeface="SutonnyMJ" pitchFamily="2" charset="0"/>
+                <a:cs typeface="SutonnyOMJ" panose="01010600010101010101" pitchFamily="2" charset="0"/>
+              </a:rPr>
+              <a:t> </a:t>
+            </a:r>
+            <a:r>
+              <a:rPr lang="en-US" cap="none" dirty="0" err="1">
+                <a:solidFill>
+                  <a:schemeClr val="bg1"/>
+                </a:solidFill>
+                <a:latin typeface="SutonnyMJ" pitchFamily="2" charset="0"/>
+                <a:cs typeface="SutonnyOMJ" panose="01010600010101010101" pitchFamily="2" charset="0"/>
+              </a:rPr>
+              <a:t>miÄvgvw</a:t>
+            </a:r>
+            <a:r>
+              <a:rPr lang="en-US" cap="none" dirty="0">
+                <a:solidFill>
+                  <a:schemeClr val="bg1"/>
+                </a:solidFill>
+                <a:latin typeface="SutonnyMJ" pitchFamily="2" charset="0"/>
+                <a:cs typeface="SutonnyOMJ" panose="01010600010101010101" pitchFamily="2" charset="0"/>
+              </a:rPr>
+              <a:t>` </a:t>
+            </a:r>
+            <a:r>
+              <a:rPr lang="en-US" cap="none" dirty="0" err="1">
+                <a:solidFill>
+                  <a:schemeClr val="bg1"/>
+                </a:solidFill>
+                <a:latin typeface="SutonnyMJ" pitchFamily="2" charset="0"/>
+                <a:cs typeface="SutonnyOMJ" panose="01010600010101010101" pitchFamily="2" charset="0"/>
+              </a:rPr>
+              <a:t>Ges</a:t>
+            </a:r>
+            <a:r>
+              <a:rPr lang="en-US" cap="none" dirty="0">
+                <a:solidFill>
+                  <a:schemeClr val="bg1"/>
+                </a:solidFill>
+                <a:latin typeface="SutonnyMJ" pitchFamily="2" charset="0"/>
+                <a:cs typeface="SutonnyOMJ" panose="01010600010101010101" pitchFamily="2" charset="0"/>
+              </a:rPr>
+              <a:t> </a:t>
+            </a:r>
+            <a:r>
+              <a:rPr lang="en-US" cap="none" dirty="0" err="1">
+                <a:solidFill>
+                  <a:schemeClr val="bg1"/>
+                </a:solidFill>
+                <a:latin typeface="SutonnyOMJ" panose="01010600010101010101" pitchFamily="2" charset="0"/>
+                <a:cs typeface="SutonnyOMJ" panose="01010600010101010101" pitchFamily="2" charset="0"/>
+              </a:rPr>
+              <a:t>সিস্টেম</a:t>
+            </a:r>
+            <a:r>
+              <a:rPr lang="en-US" cap="none" dirty="0">
+                <a:solidFill>
+                  <a:schemeClr val="bg1"/>
+                </a:solidFill>
+                <a:latin typeface="SutonnyMJ" pitchFamily="2" charset="0"/>
+                <a:cs typeface="SutonnyOMJ" panose="01010600010101010101" pitchFamily="2" charset="0"/>
+              </a:rPr>
+              <a:t> </a:t>
+            </a:r>
+            <a:r>
+              <a:rPr lang="en-US" cap="none" dirty="0" err="1">
+                <a:solidFill>
+                  <a:schemeClr val="bg1"/>
+                </a:solidFill>
+                <a:latin typeface="SutonnyMJ" pitchFamily="2" charset="0"/>
+                <a:cs typeface="SutonnyOMJ" panose="01010600010101010101" pitchFamily="2" charset="0"/>
+              </a:rPr>
+              <a:t>Bb›U‡jkb</a:t>
+            </a:r>
+            <a:endParaRPr lang="en-US" cap="none" dirty="0">
+              <a:solidFill>
+                <a:schemeClr val="bg1"/>
+              </a:solidFill>
+              <a:latin typeface="SutonnyMJ" pitchFamily="2" charset="0"/>
+              <a:cs typeface="SutonnyOMJ" panose="01010600010101010101" pitchFamily="2" charset="0"/>
+            </a:endParaRPr>
+          </a:p>
+        </p:txBody>
+      </p:sp>
+      <p:sp>
+        <p:nvSpPr>
+          <p:cNvPr id="4" name="Content Placeholder 3"/>
+          <p:cNvSpPr>
+            <a:spLocks noGrp="1"/>
+          </p:cNvSpPr>
+          <p:nvPr>
+            <p:ph sz="half" idx="2"/>
+          </p:nvPr>
+        </p:nvSpPr>
+        <p:spPr>
+          <a:xfrm>
+            <a:off x="441651" y="1538786"/>
+            <a:ext cx="3945467" cy="711211"/>
+          </a:xfrm>
+        </p:spPr>
+        <p:txBody>
+          <a:bodyPr>
+            <a:noAutofit/>
+          </a:bodyPr>
+          <a:lstStyle/>
+          <a:p>
+            <a:pPr marL="0" indent="0" algn="ctr">
+              <a:buNone/>
+            </a:pPr>
+            <a:r>
+              <a:rPr lang="en-US" sz="1800" dirty="0" err="1">
+                <a:effectLst/>
+                <a:latin typeface="SutonnyMJ" pitchFamily="2" charset="0"/>
+                <a:ea typeface="Calibri" panose="020F0502020204030204" pitchFamily="34" charset="0"/>
+                <a:cs typeface="Vrinda" panose="020B0502040204020203" pitchFamily="34" charset="0"/>
+              </a:rPr>
+              <a:t>wkÿK</a:t>
+            </a:r>
+            <a:r>
+              <a:rPr lang="en-US" sz="1800" dirty="0">
+                <a:effectLst/>
+                <a:latin typeface="SutonnyMJ" pitchFamily="2" charset="0"/>
+                <a:ea typeface="Calibri" panose="020F0502020204030204" pitchFamily="34" charset="0"/>
+                <a:cs typeface="Vrinda" panose="020B0502040204020203" pitchFamily="34" charset="0"/>
+              </a:rPr>
+              <a:t>‡`</a:t>
+            </a:r>
+            <a:r>
+              <a:rPr lang="en-US" sz="1800" dirty="0" err="1">
+                <a:effectLst/>
+                <a:latin typeface="SutonnyMJ" pitchFamily="2" charset="0"/>
+                <a:ea typeface="Calibri" panose="020F0502020204030204" pitchFamily="34" charset="0"/>
+                <a:cs typeface="Vrinda" panose="020B0502040204020203" pitchFamily="34" charset="0"/>
+              </a:rPr>
+              <a:t>i</a:t>
+            </a:r>
+            <a:r>
+              <a:rPr lang="en-US" sz="1800" dirty="0">
+                <a:effectLst/>
+                <a:latin typeface="SutonnyMJ" pitchFamily="2" charset="0"/>
+                <a:ea typeface="Calibri" panose="020F0502020204030204" pitchFamily="34" charset="0"/>
+                <a:cs typeface="Vrinda" panose="020B0502040204020203" pitchFamily="34" charset="0"/>
+              </a:rPr>
+              <a:t> </a:t>
+            </a:r>
+            <a:r>
+              <a:rPr lang="en-US" sz="1800" dirty="0" err="1">
+                <a:effectLst/>
+                <a:latin typeface="SutonnyOMJ" panose="01010600010101010101" pitchFamily="2" charset="0"/>
+                <a:ea typeface="Calibri" panose="020F0502020204030204" pitchFamily="34" charset="0"/>
+                <a:cs typeface="SutonnyOMJ" panose="01010600010101010101" pitchFamily="2" charset="0"/>
+              </a:rPr>
+              <a:t>ব্যক্তিগত</a:t>
+            </a:r>
+            <a:r>
+              <a:rPr lang="en-US" sz="1800" dirty="0">
+                <a:effectLst/>
+                <a:latin typeface="SutonnyMJ" pitchFamily="2" charset="0"/>
+                <a:ea typeface="Calibri" panose="020F0502020204030204" pitchFamily="34" charset="0"/>
+                <a:cs typeface="Vrinda" panose="020B0502040204020203" pitchFamily="34" charset="0"/>
+              </a:rPr>
+              <a:t> </a:t>
+            </a:r>
+            <a:r>
+              <a:rPr lang="en-US" sz="1800" dirty="0" err="1">
+                <a:effectLst/>
+                <a:latin typeface="SutonnyMJ" pitchFamily="2" charset="0"/>
+                <a:ea typeface="Calibri" panose="020F0502020204030204" pitchFamily="34" charset="0"/>
+                <a:cs typeface="Vrinda" panose="020B0502040204020203" pitchFamily="34" charset="0"/>
+              </a:rPr>
+              <a:t>wkÿv</a:t>
+            </a:r>
+            <a:r>
+              <a:rPr lang="en-US" sz="1800" dirty="0">
+                <a:effectLst/>
+                <a:latin typeface="SutonnyMJ" pitchFamily="2" charset="0"/>
+                <a:ea typeface="Calibri" panose="020F0502020204030204" pitchFamily="34" charset="0"/>
+                <a:cs typeface="Vrinda" panose="020B0502040204020203" pitchFamily="34" charset="0"/>
+              </a:rPr>
+              <a:t>_©x‡`</a:t>
+            </a:r>
+            <a:r>
+              <a:rPr lang="en-US" sz="1800" dirty="0" err="1">
+                <a:effectLst/>
+                <a:latin typeface="SutonnyMJ" pitchFamily="2" charset="0"/>
+                <a:ea typeface="Calibri" panose="020F0502020204030204" pitchFamily="34" charset="0"/>
+                <a:cs typeface="Vrinda" panose="020B0502040204020203" pitchFamily="34" charset="0"/>
+              </a:rPr>
+              <a:t>i</a:t>
+            </a:r>
+            <a:r>
+              <a:rPr lang="en-US" sz="1800" dirty="0">
+                <a:effectLst/>
+                <a:latin typeface="SutonnyMJ" pitchFamily="2" charset="0"/>
+                <a:ea typeface="Calibri" panose="020F0502020204030204" pitchFamily="34" charset="0"/>
+                <a:cs typeface="Vrinda" panose="020B0502040204020203" pitchFamily="34" charset="0"/>
+              </a:rPr>
+              <a:t> </a:t>
+            </a:r>
+            <a:r>
+              <a:rPr lang="en-US" sz="1800" dirty="0" err="1">
+                <a:effectLst/>
+                <a:latin typeface="SutonnyOMJ" panose="01010600010101010101" pitchFamily="2" charset="0"/>
+                <a:ea typeface="Calibri" panose="020F0502020204030204" pitchFamily="34" charset="0"/>
+                <a:cs typeface="SutonnyOMJ" panose="01010600010101010101" pitchFamily="2" charset="0"/>
+              </a:rPr>
+              <a:t>জন্য</a:t>
+            </a:r>
+            <a:r>
+              <a:rPr lang="en-US" sz="1800" dirty="0">
+                <a:effectLst/>
+                <a:latin typeface="SutonnyMJ" pitchFamily="2" charset="0"/>
+                <a:ea typeface="Calibri" panose="020F0502020204030204" pitchFamily="34" charset="0"/>
+                <a:cs typeface="Vrinda" panose="020B0502040204020203" pitchFamily="34" charset="0"/>
+              </a:rPr>
+              <a:t> </a:t>
+            </a:r>
+            <a:r>
+              <a:rPr lang="en-US" sz="1800" dirty="0" err="1">
+                <a:effectLst/>
+                <a:latin typeface="SutonnyMJ" pitchFamily="2" charset="0"/>
+                <a:ea typeface="Calibri" panose="020F0502020204030204" pitchFamily="34" charset="0"/>
+                <a:cs typeface="Vrinda" panose="020B0502040204020203" pitchFamily="34" charset="0"/>
+              </a:rPr>
+              <a:t>ïaygvÎ</a:t>
+            </a:r>
+            <a:r>
+              <a:rPr lang="en-US" sz="1800" dirty="0">
+                <a:effectLst/>
+                <a:latin typeface="SutonnyMJ" pitchFamily="2" charset="0"/>
+                <a:ea typeface="Calibri" panose="020F0502020204030204" pitchFamily="34" charset="0"/>
+                <a:cs typeface="Vrinda" panose="020B0502040204020203" pitchFamily="34" charset="0"/>
+              </a:rPr>
+              <a:t> </a:t>
+            </a:r>
+            <a:r>
+              <a:rPr lang="en-US" sz="1800" dirty="0" err="1">
+                <a:effectLst/>
+                <a:latin typeface="SutonnyMJ" pitchFamily="2" charset="0"/>
+                <a:ea typeface="Calibri" panose="020F0502020204030204" pitchFamily="34" charset="0"/>
+                <a:cs typeface="Vrinda" panose="020B0502040204020203" pitchFamily="34" charset="0"/>
+              </a:rPr>
+              <a:t>gvwmK</a:t>
+            </a:r>
+            <a:r>
+              <a:rPr lang="en-US" sz="1800" dirty="0">
+                <a:effectLst/>
+                <a:latin typeface="SutonnyMJ" pitchFamily="2" charset="0"/>
+                <a:ea typeface="Calibri" panose="020F0502020204030204" pitchFamily="34" charset="0"/>
+                <a:cs typeface="Vrinda" panose="020B0502040204020203" pitchFamily="34" charset="0"/>
+              </a:rPr>
+              <a:t> </a:t>
+            </a:r>
+            <a:r>
+              <a:rPr lang="en-US" sz="1800" dirty="0" err="1">
+                <a:effectLst/>
+                <a:latin typeface="SutonnyMJ" pitchFamily="2" charset="0"/>
+                <a:ea typeface="Calibri" panose="020F0502020204030204" pitchFamily="34" charset="0"/>
+                <a:cs typeface="Vrinda" panose="020B0502040204020203" pitchFamily="34" charset="0"/>
+              </a:rPr>
+              <a:t>mvwf©m</a:t>
+            </a:r>
+            <a:r>
+              <a:rPr lang="en-US" sz="1800" dirty="0">
+                <a:effectLst/>
+                <a:latin typeface="SutonnyMJ" pitchFamily="2" charset="0"/>
+                <a:ea typeface="Calibri" panose="020F0502020204030204" pitchFamily="34" charset="0"/>
+                <a:cs typeface="Vrinda" panose="020B0502040204020203" pitchFamily="34" charset="0"/>
+              </a:rPr>
+              <a:t> </a:t>
+            </a:r>
+            <a:r>
+              <a:rPr lang="en-US" sz="1800" dirty="0" err="1">
+                <a:effectLst/>
+                <a:latin typeface="SutonnyMJ" pitchFamily="2" charset="0"/>
+                <a:ea typeface="Calibri" panose="020F0502020204030204" pitchFamily="34" charset="0"/>
+                <a:cs typeface="Vrinda" panose="020B0502040204020203" pitchFamily="34" charset="0"/>
+              </a:rPr>
+              <a:t>PvR</a:t>
+            </a:r>
+            <a:r>
+              <a:rPr lang="en-US" sz="1800" dirty="0">
+                <a:effectLst/>
+                <a:latin typeface="SutonnyMJ" pitchFamily="2" charset="0"/>
+                <a:ea typeface="Calibri" panose="020F0502020204030204" pitchFamily="34" charset="0"/>
+                <a:cs typeface="Vrinda" panose="020B0502040204020203" pitchFamily="34" charset="0"/>
+              </a:rPr>
+              <a:t>©</a:t>
+            </a:r>
+            <a:endParaRPr lang="en-US" b="1" dirty="0">
+              <a:solidFill>
+                <a:schemeClr val="bg1"/>
+              </a:solidFill>
+              <a:latin typeface="SutonnyMJ" pitchFamily="2" charset="0"/>
+            </a:endParaRPr>
+          </a:p>
+        </p:txBody>
+      </p:sp>
+      <p:sp>
+        <p:nvSpPr>
+          <p:cNvPr id="5" name="Text Placeholder 4"/>
+          <p:cNvSpPr>
+            <a:spLocks noGrp="1"/>
+          </p:cNvSpPr>
+          <p:nvPr>
+            <p:ph type="body" sz="quarter" idx="3"/>
+          </p:nvPr>
+        </p:nvSpPr>
+        <p:spPr>
+          <a:xfrm>
+            <a:off x="623067" y="4386161"/>
+            <a:ext cx="4187472" cy="576262"/>
+          </a:xfrm>
+        </p:spPr>
+        <p:txBody>
+          <a:bodyPr/>
+          <a:lstStyle/>
+          <a:p>
+            <a:r>
+              <a:rPr lang="en-US" b="1" dirty="0" err="1">
+                <a:solidFill>
+                  <a:schemeClr val="bg1"/>
+                </a:solidFill>
+                <a:latin typeface="SutonnyOMJ" panose="01010600010101010101" pitchFamily="2" charset="0"/>
+                <a:cs typeface="SutonnyOMJ" panose="01010600010101010101" pitchFamily="2" charset="0"/>
+              </a:rPr>
+              <a:t>প্রতি</a:t>
+            </a:r>
+            <a:r>
+              <a:rPr lang="en-US" b="1" dirty="0">
+                <a:solidFill>
+                  <a:schemeClr val="bg1"/>
+                </a:solidFill>
+                <a:latin typeface="SutonnyOMJ" panose="01010600010101010101" pitchFamily="2" charset="0"/>
+                <a:cs typeface="SutonnyOMJ" panose="01010600010101010101" pitchFamily="2" charset="0"/>
+              </a:rPr>
+              <a:t> </a:t>
+            </a:r>
+            <a:r>
+              <a:rPr lang="en-US" b="1" dirty="0" err="1">
+                <a:solidFill>
+                  <a:schemeClr val="bg1"/>
+                </a:solidFill>
+                <a:latin typeface="SutonnyOMJ" panose="01010600010101010101" pitchFamily="2" charset="0"/>
+                <a:cs typeface="SutonnyOMJ" panose="01010600010101010101" pitchFamily="2" charset="0"/>
+              </a:rPr>
+              <a:t>ক্লাসের</a:t>
+            </a:r>
+            <a:r>
+              <a:rPr lang="en-US" b="1" dirty="0">
+                <a:solidFill>
+                  <a:schemeClr val="bg1"/>
+                </a:solidFill>
+                <a:latin typeface="SutonnyOMJ" panose="01010600010101010101" pitchFamily="2" charset="0"/>
+                <a:cs typeface="SutonnyOMJ" panose="01010600010101010101" pitchFamily="2" charset="0"/>
+              </a:rPr>
+              <a:t> </a:t>
+            </a:r>
+            <a:r>
+              <a:rPr lang="en-US" b="1" dirty="0" err="1">
+                <a:solidFill>
+                  <a:schemeClr val="bg1"/>
+                </a:solidFill>
+                <a:latin typeface="SutonnyOMJ" panose="01010600010101010101" pitchFamily="2" charset="0"/>
+                <a:cs typeface="SutonnyOMJ" panose="01010600010101010101" pitchFamily="2" charset="0"/>
+              </a:rPr>
+              <a:t>জন্য</a:t>
+            </a:r>
+            <a:r>
+              <a:rPr lang="en-US" b="1" dirty="0">
+                <a:solidFill>
+                  <a:schemeClr val="bg1"/>
+                </a:solidFill>
+                <a:latin typeface="SutonnyOMJ" panose="01010600010101010101" pitchFamily="2" charset="0"/>
+                <a:cs typeface="SutonnyOMJ" panose="01010600010101010101" pitchFamily="2" charset="0"/>
+              </a:rPr>
+              <a:t> </a:t>
+            </a:r>
+            <a:r>
+              <a:rPr lang="en-US" b="1" dirty="0" err="1">
+                <a:solidFill>
+                  <a:schemeClr val="bg1"/>
+                </a:solidFill>
+                <a:latin typeface="SutonnyOMJ" panose="01010600010101010101" pitchFamily="2" charset="0"/>
+                <a:cs typeface="SutonnyOMJ" panose="01010600010101010101" pitchFamily="2" charset="0"/>
+              </a:rPr>
+              <a:t>শিক্ষার্থী</a:t>
+            </a:r>
+            <a:r>
+              <a:rPr lang="en-US" b="1" dirty="0">
+                <a:solidFill>
+                  <a:schemeClr val="bg1"/>
+                </a:solidFill>
+                <a:latin typeface="SutonnyOMJ" panose="01010600010101010101" pitchFamily="2" charset="0"/>
+                <a:cs typeface="SutonnyOMJ" panose="01010600010101010101" pitchFamily="2" charset="0"/>
+              </a:rPr>
+              <a:t> </a:t>
+            </a:r>
+            <a:r>
+              <a:rPr lang="en-US" b="1" dirty="0" err="1">
+                <a:solidFill>
+                  <a:schemeClr val="bg1"/>
+                </a:solidFill>
+                <a:latin typeface="SutonnyOMJ" panose="01010600010101010101" pitchFamily="2" charset="0"/>
+                <a:cs typeface="SutonnyOMJ" panose="01010600010101010101" pitchFamily="2" charset="0"/>
+              </a:rPr>
+              <a:t>প্রতি</a:t>
+            </a:r>
+            <a:r>
+              <a:rPr lang="en-US" b="1" dirty="0">
+                <a:solidFill>
+                  <a:schemeClr val="bg1"/>
+                </a:solidFill>
+                <a:latin typeface="SutonnyOMJ" panose="01010600010101010101" pitchFamily="2" charset="0"/>
+                <a:cs typeface="SutonnyOMJ" panose="01010600010101010101" pitchFamily="2" charset="0"/>
+              </a:rPr>
+              <a:t> </a:t>
+            </a:r>
+            <a:r>
+              <a:rPr lang="en-US" b="1" dirty="0" err="1">
+                <a:solidFill>
+                  <a:schemeClr val="bg1"/>
+                </a:solidFill>
+                <a:latin typeface="SutonnyOMJ" panose="01010600010101010101" pitchFamily="2" charset="0"/>
+                <a:cs typeface="SutonnyOMJ" panose="01010600010101010101" pitchFamily="2" charset="0"/>
+              </a:rPr>
+              <a:t>মাসিক</a:t>
+            </a:r>
+            <a:r>
+              <a:rPr lang="en-US" b="1" dirty="0">
+                <a:solidFill>
+                  <a:schemeClr val="bg1"/>
+                </a:solidFill>
+                <a:latin typeface="SutonnyOMJ" panose="01010600010101010101" pitchFamily="2" charset="0"/>
+                <a:cs typeface="SutonnyOMJ" panose="01010600010101010101" pitchFamily="2" charset="0"/>
+              </a:rPr>
+              <a:t> </a:t>
+            </a:r>
+            <a:r>
+              <a:rPr lang="en-US" b="1" dirty="0" err="1">
+                <a:solidFill>
+                  <a:schemeClr val="bg1"/>
+                </a:solidFill>
+                <a:latin typeface="SutonnyOMJ" panose="01010600010101010101" pitchFamily="2" charset="0"/>
+                <a:cs typeface="SutonnyOMJ" panose="01010600010101010101" pitchFamily="2" charset="0"/>
+              </a:rPr>
+              <a:t>চার্জ</a:t>
+            </a:r>
+            <a:endParaRPr lang="en-US" b="1" dirty="0">
+              <a:solidFill>
+                <a:schemeClr val="bg1"/>
+              </a:solidFill>
+              <a:latin typeface="SutonnyOMJ" panose="01010600010101010101" pitchFamily="2" charset="0"/>
+              <a:cs typeface="SutonnyOMJ" panose="01010600010101010101" pitchFamily="2" charset="0"/>
+            </a:endParaRPr>
+          </a:p>
+        </p:txBody>
+      </p:sp>
+      <p:sp>
+        <p:nvSpPr>
+          <p:cNvPr id="6" name="Content Placeholder 5"/>
+          <p:cNvSpPr>
+            <a:spLocks noGrp="1"/>
+          </p:cNvSpPr>
+          <p:nvPr>
+            <p:ph sz="quarter" idx="4"/>
+          </p:nvPr>
+        </p:nvSpPr>
+        <p:spPr>
+          <a:xfrm>
+            <a:off x="690863" y="5241814"/>
+            <a:ext cx="3956705" cy="1249466"/>
+          </a:xfrm>
+        </p:spPr>
+        <p:txBody>
+          <a:bodyPr>
+            <a:normAutofit/>
+          </a:bodyPr>
+          <a:lstStyle/>
+          <a:p>
+            <a:pPr marL="0" indent="0">
+              <a:buNone/>
+            </a:pPr>
+            <a:r>
+              <a:rPr lang="en-US" dirty="0" err="1">
+                <a:effectLst/>
+                <a:latin typeface="SutonnyMJ" pitchFamily="2" charset="0"/>
+                <a:ea typeface="Calibri" panose="020F0502020204030204" pitchFamily="34" charset="0"/>
+                <a:cs typeface="Vrinda" panose="020B0502040204020203" pitchFamily="34" charset="0"/>
+              </a:rPr>
+              <a:t>mKj</a:t>
+            </a:r>
+            <a:r>
+              <a:rPr lang="en-US" dirty="0">
+                <a:effectLst/>
+                <a:latin typeface="SutonnyMJ" pitchFamily="2" charset="0"/>
+                <a:ea typeface="Calibri" panose="020F0502020204030204" pitchFamily="34" charset="0"/>
+                <a:cs typeface="Vrinda" panose="020B0502040204020203" pitchFamily="34" charset="0"/>
+              </a:rPr>
+              <a:t> </a:t>
+            </a:r>
+            <a:r>
+              <a:rPr lang="en-US" dirty="0" err="1">
+                <a:effectLst/>
+                <a:latin typeface="SutonnyMJ" pitchFamily="2" charset="0"/>
+                <a:ea typeface="Calibri" panose="020F0502020204030204" pitchFamily="34" charset="0"/>
+                <a:cs typeface="Vrinda" panose="020B0502040204020203" pitchFamily="34" charset="0"/>
+              </a:rPr>
+              <a:t>Kvh</a:t>
+            </a:r>
+            <a:r>
+              <a:rPr lang="en-US" dirty="0">
+                <a:effectLst/>
+                <a:latin typeface="SutonnyMJ" pitchFamily="2" charset="0"/>
+                <a:ea typeface="Calibri" panose="020F0502020204030204" pitchFamily="34" charset="0"/>
+                <a:cs typeface="Vrinda" panose="020B0502040204020203" pitchFamily="34" charset="0"/>
+              </a:rPr>
+              <a:t>©µg </a:t>
+            </a:r>
+            <a:r>
+              <a:rPr lang="en-US" dirty="0" err="1">
+                <a:effectLst/>
+                <a:latin typeface="SutonnyMJ" pitchFamily="2" charset="0"/>
+                <a:ea typeface="Calibri" panose="020F0502020204030204" pitchFamily="34" charset="0"/>
+                <a:cs typeface="Vrinda" panose="020B0502040204020203" pitchFamily="34" charset="0"/>
+              </a:rPr>
+              <a:t>m‡PZb</a:t>
+            </a:r>
+            <a:r>
+              <a:rPr lang="en-US" dirty="0">
+                <a:effectLst/>
+                <a:latin typeface="SutonnyMJ" pitchFamily="2" charset="0"/>
+                <a:ea typeface="Calibri" panose="020F0502020204030204" pitchFamily="34" charset="0"/>
+                <a:cs typeface="Vrinda" panose="020B0502040204020203" pitchFamily="34" charset="0"/>
+              </a:rPr>
+              <a:t> </a:t>
+            </a:r>
+            <a:r>
+              <a:rPr lang="en-US" dirty="0" err="1">
+                <a:effectLst/>
+                <a:latin typeface="SutonnyMJ" pitchFamily="2" charset="0"/>
+                <a:ea typeface="Calibri" panose="020F0502020204030204" pitchFamily="34" charset="0"/>
+                <a:cs typeface="Vrinda" panose="020B0502040204020203" pitchFamily="34" charset="0"/>
+              </a:rPr>
+              <a:t>GKv‡Wwg</a:t>
+            </a:r>
+            <a:r>
+              <a:rPr lang="en-US" dirty="0">
+                <a:effectLst/>
+                <a:latin typeface="SutonnyMJ" pitchFamily="2" charset="0"/>
+                <a:ea typeface="Calibri" panose="020F0502020204030204" pitchFamily="34" charset="0"/>
+                <a:cs typeface="Vrinda" panose="020B0502040204020203" pitchFamily="34" charset="0"/>
+              </a:rPr>
+              <a:t> KZ…©K </a:t>
+            </a:r>
+            <a:r>
+              <a:rPr lang="en-US" dirty="0" err="1">
+                <a:effectLst/>
+                <a:latin typeface="SutonnyMJ" pitchFamily="2" charset="0"/>
+                <a:ea typeface="Calibri" panose="020F0502020204030204" pitchFamily="34" charset="0"/>
+                <a:cs typeface="Vrinda" panose="020B0502040204020203" pitchFamily="34" charset="0"/>
+              </a:rPr>
+              <a:t>cwiPvwjZ</a:t>
+            </a:r>
+            <a:r>
+              <a:rPr lang="en-US" dirty="0">
+                <a:effectLst/>
+                <a:latin typeface="SutonnyMJ" pitchFamily="2" charset="0"/>
+                <a:ea typeface="Calibri" panose="020F0502020204030204" pitchFamily="34" charset="0"/>
+                <a:cs typeface="Vrinda" panose="020B0502040204020203" pitchFamily="34" charset="0"/>
+              </a:rPr>
+              <a:t> (</a:t>
+            </a:r>
+            <a:r>
+              <a:rPr lang="en-US" dirty="0" err="1">
+                <a:effectLst/>
+                <a:latin typeface="SutonnyMJ" pitchFamily="2" charset="0"/>
+                <a:ea typeface="Calibri" panose="020F0502020204030204" pitchFamily="34" charset="0"/>
+                <a:cs typeface="Vrinda" panose="020B0502040204020203" pitchFamily="34" charset="0"/>
+              </a:rPr>
+              <a:t>kZ</a:t>
+            </a:r>
+            <a:r>
+              <a:rPr lang="en-US" dirty="0">
+                <a:effectLst/>
+                <a:latin typeface="SutonnyMJ" pitchFamily="2" charset="0"/>
+                <a:ea typeface="Calibri" panose="020F0502020204030204" pitchFamily="34" charset="0"/>
+                <a:cs typeface="Vrinda" panose="020B0502040204020203" pitchFamily="34" charset="0"/>
+              </a:rPr>
+              <a:t>© </a:t>
+            </a:r>
+            <a:r>
+              <a:rPr lang="en-US" dirty="0" err="1">
+                <a:effectLst/>
+                <a:latin typeface="SutonnyOMJ" panose="01010600010101010101" pitchFamily="2" charset="0"/>
+                <a:ea typeface="Calibri" panose="020F0502020204030204" pitchFamily="34" charset="0"/>
+                <a:cs typeface="SutonnyOMJ" panose="01010600010101010101" pitchFamily="2" charset="0"/>
+              </a:rPr>
+              <a:t>প্রযোজ্য</a:t>
+            </a:r>
+            <a:r>
+              <a:rPr lang="en-US" dirty="0">
+                <a:effectLst/>
+                <a:latin typeface="SutonnyMJ" pitchFamily="2" charset="0"/>
+                <a:ea typeface="Calibri" panose="020F0502020204030204" pitchFamily="34" charset="0"/>
+                <a:cs typeface="Vrinda" panose="020B0502040204020203" pitchFamily="34" charset="0"/>
+              </a:rPr>
+              <a:t>)</a:t>
+            </a:r>
+            <a:endParaRPr lang="en-US" sz="2400" b="1" dirty="0">
+              <a:solidFill>
+                <a:schemeClr val="bg1"/>
+              </a:solidFill>
+              <a:latin typeface="SutonnyMJ" pitchFamily="2" charset="0"/>
+            </a:endParaRPr>
+          </a:p>
+        </p:txBody>
+      </p:sp>
+      <p:pic>
+        <p:nvPicPr>
+          <p:cNvPr id="8" name="Picture 7"/>
+          <p:cNvPicPr>
+            <a:picLocks noChangeAspect="1"/>
+          </p:cNvPicPr>
+          <p:nvPr/>
+        </p:nvPicPr>
+        <p:blipFill>
+          <a:blip r:embed="rId2">
+            <a:extLst>
+              <a:ext uri="{28A0092B-C50C-407E-A947-70E740481C1C}">
+                <a14:useLocalDpi xmlns:a14="http://schemas.microsoft.com/office/drawing/2010/main" val="0"/>
+              </a:ext>
+            </a:extLst>
+          </a:blip>
+          <a:stretch>
+            <a:fillRect/>
+          </a:stretch>
+        </p:blipFill>
+        <p:spPr>
+          <a:xfrm>
+            <a:off x="7147774" y="875763"/>
+            <a:ext cx="1841680" cy="5892134"/>
+          </a:xfrm>
+          <a:prstGeom prst="rect">
+            <a:avLst/>
+          </a:prstGeom>
+        </p:spPr>
+      </p:pic>
+    </p:spTree>
+    <p:extLst>
+      <p:ext uri="{BB962C8B-B14F-4D97-AF65-F5344CB8AC3E}">
+        <p14:creationId xmlns:p14="http://schemas.microsoft.com/office/powerpoint/2010/main" val="2132592605"/>
+      </p:ext>
+    </p:extLst>
+  </p:cSld>
+  <p:clrMapOvr>
+    <a:masterClrMapping/>
+  </p:clrMapOvr>
+  <p:timing>
+    <p:tnLst>
+      <p:par>
+        <p:cTn id="1" dur="indefinite" restart="never" nodeType="tmRoot"/>
+      </p:par>
+    </p:tnLst>
+  </p:timing>
+</p:sld>
+</file>
+
+<file path=ppt/slides/slide11.xml><?xml version="1.0" encoding="utf-8"?>
 <p:sld xmlns:a="http://schemas.openxmlformats.org/drawingml/2006/main" xmlns:r="http://schemas.openxmlformats.org/officeDocument/2006/relationships" xmlns:p="http://schemas.openxmlformats.org/presentationml/2006/main">
   <p:cSld>
     <p:spTree>
@@ -6538,10 +7413,17 @@
   <p:clrMapOvr>
     <a:masterClrMapping/>
   </p:clrMapOvr>
+  <p:timing>
+    <p:tnLst>
+      <p:par>
+        <p:cTn id="1" dur="indefinite" restart="never" nodeType="tmRoot"/>
+      </p:par>
+    </p:tnLst>
+  </p:timing>
 </p:sld>
 </file>
 
-<file path=ppt/slides/slide11.xml><?xml version="1.0" encoding="utf-8"?>
+<file path=ppt/slides/slide12.xml><?xml version="1.0" encoding="utf-8"?>
 <p:sld xmlns:a="http://schemas.openxmlformats.org/drawingml/2006/main" xmlns:r="http://schemas.openxmlformats.org/officeDocument/2006/relationships" xmlns:p="http://schemas.openxmlformats.org/presentationml/2006/main">
   <p:cSld>
     <p:spTree>
@@ -6627,6 +7509,13 @@
   <p:clrMapOvr>
     <a:masterClrMapping/>
   </p:clrMapOvr>
+  <p:timing>
+    <p:tnLst>
+      <p:par>
+        <p:cTn id="1" dur="indefinite" restart="never" nodeType="tmRoot"/>
+      </p:par>
+    </p:tnLst>
+  </p:timing>
 </p:sld>
 </file>
 
@@ -6659,7 +7548,7 @@
         </p:nvSpPr>
         <p:spPr>
           <a:xfrm>
-            <a:off x="2941983" y="1605700"/>
+            <a:off x="627796" y="3334326"/>
             <a:ext cx="6041770" cy="830997"/>
           </a:xfrm>
         </p:spPr>
@@ -6670,91 +7559,9 @@
           <a:lstStyle/>
           <a:p>
             <a:r>
-              <a:rPr lang="en-US" sz="3600" b="1" dirty="0"/>
+              <a:rPr lang="en-US" sz="2800" b="1" dirty="0"/>
               <a:t>Real Education Online</a:t>
             </a:r>
-          </a:p>
-        </p:txBody>
-      </p:sp>
-      <p:sp>
-        <p:nvSpPr>
-          <p:cNvPr id="3" name="Subtitle 2"/>
-          <p:cNvSpPr>
-            <a:spLocks noGrp="1"/>
-          </p:cNvSpPr>
-          <p:nvPr>
-            <p:ph type="subTitle" idx="1"/>
-          </p:nvPr>
-        </p:nvSpPr>
-        <p:spPr>
-          <a:xfrm>
-            <a:off x="493644" y="5020129"/>
-            <a:ext cx="4954250" cy="758675"/>
-          </a:xfrm>
-        </p:spPr>
-        <p:txBody>
-          <a:bodyPr>
-            <a:normAutofit/>
-          </a:bodyPr>
-          <a:lstStyle/>
-          <a:p>
-            <a:r>
-              <a:rPr lang="en-US" sz="3200" b="1" dirty="0" err="1">
-                <a:solidFill>
-                  <a:schemeClr val="bg1"/>
-                </a:solidFill>
-                <a:latin typeface="SutonnyOMJ" panose="01010600010101010101" pitchFamily="2" charset="0"/>
-                <a:cs typeface="SutonnyOMJ" panose="01010600010101010101" pitchFamily="2" charset="0"/>
-              </a:rPr>
-              <a:t>বৈশিষ্ট্য</a:t>
-            </a:r>
-            <a:r>
-              <a:rPr lang="en-US" sz="3200" b="1" dirty="0">
-                <a:solidFill>
-                  <a:schemeClr val="bg1"/>
-                </a:solidFill>
-                <a:latin typeface="SutonnyOMJ" panose="01010600010101010101" pitchFamily="2" charset="0"/>
-                <a:cs typeface="SutonnyOMJ" panose="01010600010101010101" pitchFamily="2" charset="0"/>
-              </a:rPr>
-              <a:t> </a:t>
-            </a:r>
-            <a:r>
-              <a:rPr lang="en-US" sz="3200" b="1" dirty="0" err="1">
-                <a:solidFill>
-                  <a:schemeClr val="bg1"/>
-                </a:solidFill>
-                <a:latin typeface="SutonnyOMJ" panose="01010600010101010101" pitchFamily="2" charset="0"/>
-                <a:cs typeface="SutonnyOMJ" panose="01010600010101010101" pitchFamily="2" charset="0"/>
-              </a:rPr>
-              <a:t>এবং</a:t>
-            </a:r>
-            <a:r>
-              <a:rPr lang="en-US" sz="3200" b="1" dirty="0">
-                <a:solidFill>
-                  <a:schemeClr val="bg1"/>
-                </a:solidFill>
-                <a:latin typeface="SutonnyOMJ" panose="01010600010101010101" pitchFamily="2" charset="0"/>
-                <a:cs typeface="SutonnyOMJ" panose="01010600010101010101" pitchFamily="2" charset="0"/>
-              </a:rPr>
-              <a:t> </a:t>
-            </a:r>
-            <a:r>
-              <a:rPr lang="en-US" sz="3200" b="1" dirty="0" err="1">
-                <a:solidFill>
-                  <a:schemeClr val="bg1"/>
-                </a:solidFill>
-                <a:latin typeface="SutonnyOMJ" panose="01010600010101010101" pitchFamily="2" charset="0"/>
-                <a:cs typeface="SutonnyOMJ" panose="01010600010101010101" pitchFamily="2" charset="0"/>
-              </a:rPr>
-              <a:t>সুযোগ-সুবিধাসমূহ</a:t>
-            </a:r>
-            <a:endParaRPr lang="en-US" sz="7200" b="1" dirty="0">
-              <a:solidFill>
-                <a:schemeClr val="bg1"/>
-              </a:solidFill>
-              <a:latin typeface="SutonnyOMJ" panose="01010600010101010101" pitchFamily="2" charset="0"/>
-              <a:cs typeface="SutonnyOMJ" panose="01010600010101010101" pitchFamily="2" charset="0"/>
-            </a:endParaRPr>
           </a:p>
         </p:txBody>
       </p:sp>
@@ -6900,7 +7707,7 @@
           <p:cNvPr id="7" name="TextBox 6">
             <a:extLst>
               <a:ext uri="{FF2B5EF4-FFF2-40B4-BE49-F238E27FC236}">
-                <a16:creationId xmlns:a16="http://schemas.microsoft.com/office/drawing/2014/main" id="{6B614044-7BAE-41F7-8766-F926CEAA66A2}"/>
+                <a16:creationId xmlns="" xmlns:a16="http://schemas.microsoft.com/office/drawing/2014/main" id="{6B614044-7BAE-41F7-8766-F926CEAA66A2}"/>
               </a:ext>
             </a:extLst>
           </p:cNvPr>
@@ -6909,8 +7716,8 @@
         </p:nvSpPr>
         <p:spPr>
           <a:xfrm>
-            <a:off x="627796" y="685798"/>
-            <a:ext cx="6519978" cy="923330"/>
+            <a:off x="808100" y="530325"/>
+            <a:ext cx="7653319" cy="923330"/>
           </a:xfrm>
           <a:prstGeom prst="rect">
             <a:avLst/>
@@ -6924,37 +7731,267 @@
           <a:lstStyle/>
           <a:p>
             <a:r>
-              <a:rPr lang="en-US" sz="5400" dirty="0" err="1">
+              <a:rPr lang="en-US" sz="5400" b="1" dirty="0">
+                <a:latin typeface="Times New Roman" panose="02020603050405020304" pitchFamily="18" charset="0"/>
+                <a:cs typeface="Times New Roman" panose="02020603050405020304" pitchFamily="18" charset="0"/>
+              </a:rPr>
+              <a:t>d</a:t>
+            </a:r>
+            <a:r>
+              <a:rPr lang="en-US" sz="5400" b="1" dirty="0" smtClean="0">
+                <a:latin typeface="Times New Roman" panose="02020603050405020304" pitchFamily="18" charset="0"/>
+                <a:cs typeface="Times New Roman" panose="02020603050405020304" pitchFamily="18" charset="0"/>
+              </a:rPr>
+              <a:t>-Learning Hub Project</a:t>
+            </a:r>
+            <a:endParaRPr lang="en-US" sz="5400" b="1" dirty="0">
+              <a:latin typeface="Times New Roman" panose="02020603050405020304" pitchFamily="18" charset="0"/>
+              <a:cs typeface="Times New Roman" panose="02020603050405020304" pitchFamily="18" charset="0"/>
+            </a:endParaRPr>
+          </a:p>
+        </p:txBody>
+      </p:sp>
+      <p:sp>
+        <p:nvSpPr>
+          <p:cNvPr id="8" name="TextBox 7">
+            <a:extLst>
+              <a:ext uri="{FF2B5EF4-FFF2-40B4-BE49-F238E27FC236}">
+                <a16:creationId xmlns="" xmlns:a16="http://schemas.microsoft.com/office/drawing/2014/main" id="{6B614044-7BAE-41F7-8766-F926CEAA66A2}"/>
+              </a:ext>
+            </a:extLst>
+          </p:cNvPr>
+          <p:cNvSpPr txBox="1"/>
+          <p:nvPr/>
+        </p:nvSpPr>
+        <p:spPr>
+          <a:xfrm>
+            <a:off x="243063" y="2696995"/>
+            <a:ext cx="8783392" cy="923330"/>
+          </a:xfrm>
+          <a:prstGeom prst="rect">
+            <a:avLst/>
+          </a:prstGeom>
+          <a:noFill/>
+        </p:spPr>
+        <p:txBody>
+          <a:bodyPr wrap="square">
+            <a:spAutoFit/>
+          </a:bodyPr>
+          <a:lstStyle/>
+          <a:p>
+            <a:r>
+              <a:rPr lang="bn-IN" sz="5400" dirty="0" smtClean="0">
+                <a:latin typeface="SutonnyMJ" pitchFamily="2" charset="0"/>
+              </a:rPr>
+              <a:t> </a:t>
+            </a:r>
+            <a:r>
+              <a:rPr lang="en-US" sz="3600" dirty="0" err="1" smtClean="0">
+                <a:latin typeface="SutonnyMJ" pitchFamily="2" charset="0"/>
+              </a:rPr>
+              <a:t>বা</a:t>
+            </a:r>
+            <a:r>
+              <a:rPr lang="en-US" sz="3600" dirty="0" err="1" smtClean="0">
+                <a:latin typeface="SutonnyMJ" pitchFamily="2" charset="0"/>
+              </a:rPr>
+              <a:t>স্তবায়নে</a:t>
+            </a:r>
+            <a:r>
+              <a:rPr lang="en-US" sz="4800" dirty="0" smtClean="0">
+                <a:latin typeface="SutonnyMJ" pitchFamily="2" charset="0"/>
+              </a:rPr>
+              <a:t>:</a:t>
+            </a:r>
+            <a:r>
+              <a:rPr lang="bn-IN" sz="4800" dirty="0" smtClean="0">
+                <a:latin typeface="SutonnyMJ" pitchFamily="2" charset="0"/>
+              </a:rPr>
+              <a:t> </a:t>
+            </a:r>
+            <a:r>
+              <a:rPr lang="en-US" sz="4800" dirty="0" err="1" smtClean="0">
                 <a:latin typeface="SutonnyMJ" pitchFamily="2" charset="0"/>
               </a:rPr>
               <a:t>m‡PZb</a:t>
             </a:r>
             <a:r>
-              <a:rPr lang="en-US" sz="5400" dirty="0">
+              <a:rPr lang="en-US" sz="4800" dirty="0" smtClean="0">
                 <a:latin typeface="SutonnyMJ" pitchFamily="2" charset="0"/>
               </a:rPr>
               <a:t> </a:t>
             </a:r>
             <a:r>
-              <a:rPr lang="en-US" sz="5400" dirty="0" err="1">
+              <a:rPr lang="en-US" sz="4800" dirty="0" err="1">
                 <a:latin typeface="SutonnyMJ" pitchFamily="2" charset="0"/>
               </a:rPr>
               <a:t>GKv‡WwgK</a:t>
             </a:r>
             <a:r>
-              <a:rPr lang="en-US" sz="5400" dirty="0">
+              <a:rPr lang="en-US" sz="4800" dirty="0">
                 <a:latin typeface="SutonnyMJ" pitchFamily="2" charset="0"/>
               </a:rPr>
               <a:t> ‡</a:t>
             </a:r>
             <a:r>
-              <a:rPr lang="en-US" sz="5400" dirty="0" err="1">
+              <a:rPr lang="en-US" sz="4800" dirty="0" err="1" smtClean="0">
                 <a:latin typeface="SutonnyMJ" pitchFamily="2" charset="0"/>
               </a:rPr>
               <a:t>Kqvi</a:t>
             </a:r>
             <a:endParaRPr lang="en-US" sz="5400" dirty="0">
               <a:latin typeface="SutonnyMJ" pitchFamily="2" charset="0"/>
+            </a:endParaRPr>
+          </a:p>
+        </p:txBody>
+      </p:sp>
+      <p:sp>
+        <p:nvSpPr>
+          <p:cNvPr id="9" name="TextBox 8">
+            <a:extLst>
+              <a:ext uri="{FF2B5EF4-FFF2-40B4-BE49-F238E27FC236}">
+                <a16:creationId xmlns="" xmlns:a16="http://schemas.microsoft.com/office/drawing/2014/main" id="{6B614044-7BAE-41F7-8766-F926CEAA66A2}"/>
+              </a:ext>
+            </a:extLst>
+          </p:cNvPr>
+          <p:cNvSpPr txBox="1"/>
+          <p:nvPr/>
+        </p:nvSpPr>
+        <p:spPr>
+          <a:xfrm>
+            <a:off x="808100" y="1444655"/>
+            <a:ext cx="7189680" cy="646331"/>
+          </a:xfrm>
+          <a:prstGeom prst="rect">
+            <a:avLst/>
+          </a:prstGeom>
+          <a:noFill/>
+        </p:spPr>
+        <p:txBody>
+          <a:bodyPr wrap="square">
+            <a:spAutoFit/>
+          </a:bodyPr>
+          <a:lstStyle/>
+          <a:p>
+            <a:r>
+              <a:rPr lang="bn-IN" sz="3600" dirty="0" smtClean="0">
+                <a:latin typeface="SutonnyMJ" pitchFamily="2" charset="0"/>
+              </a:rPr>
+              <a:t>wW-jvwb©s nve cÖKí</a:t>
+            </a:r>
+            <a:endParaRPr lang="en-US" sz="3600" dirty="0">
+              <a:latin typeface="SutonnyMJ" pitchFamily="2" charset="0"/>
+            </a:endParaRPr>
+          </a:p>
+        </p:txBody>
+      </p:sp>
+      <p:sp>
+        <p:nvSpPr>
+          <p:cNvPr id="10" name="Rectangle 9"/>
+          <p:cNvSpPr/>
+          <p:nvPr/>
+        </p:nvSpPr>
+        <p:spPr>
+          <a:xfrm>
+            <a:off x="627796" y="4923998"/>
+            <a:ext cx="6292403" cy="1229311"/>
+          </a:xfrm>
+          <a:prstGeom prst="rect">
+            <a:avLst/>
+          </a:prstGeom>
+        </p:spPr>
+        <p:txBody>
+          <a:bodyPr wrap="square">
+            <a:spAutoFit/>
+          </a:bodyPr>
+          <a:lstStyle/>
+          <a:p>
+            <a:pPr algn="just">
+              <a:lnSpc>
+                <a:spcPct val="107000"/>
+              </a:lnSpc>
+              <a:spcAft>
+                <a:spcPts val="800"/>
+              </a:spcAft>
+            </a:pPr>
+            <a:r>
+              <a:rPr lang="en-US" sz="2800" b="1" dirty="0" err="1">
+                <a:latin typeface="SutonnyMJ" pitchFamily="2" charset="0"/>
+                <a:ea typeface="Calibri" panose="020F0502020204030204" pitchFamily="34" charset="0"/>
+                <a:cs typeface="Vrinda" panose="020B0502040204020203" pitchFamily="34" charset="0"/>
+              </a:rPr>
+              <a:t>Avey</a:t>
+            </a:r>
+            <a:r>
+              <a:rPr lang="en-US" sz="2800" b="1" dirty="0">
+                <a:latin typeface="SutonnyMJ" pitchFamily="2" charset="0"/>
+                <a:ea typeface="Calibri" panose="020F0502020204030204" pitchFamily="34" charset="0"/>
+                <a:cs typeface="Vrinda" panose="020B0502040204020203" pitchFamily="34" charset="0"/>
+              </a:rPr>
+              <a:t> </a:t>
+            </a:r>
+            <a:r>
+              <a:rPr lang="en-US" sz="2800" b="1" dirty="0" err="1" smtClean="0">
+                <a:latin typeface="SutonnyMJ" pitchFamily="2" charset="0"/>
+                <a:ea typeface="Calibri" panose="020F0502020204030204" pitchFamily="34" charset="0"/>
+                <a:cs typeface="Vrinda" panose="020B0502040204020203" pitchFamily="34" charset="0"/>
+              </a:rPr>
+              <a:t>Ryev‡qi</a:t>
+            </a:r>
+            <a:endParaRPr lang="en-US" sz="2800" b="1" dirty="0" smtClean="0">
+              <a:latin typeface="SutonnyMJ" pitchFamily="2" charset="0"/>
+              <a:ea typeface="Calibri" panose="020F0502020204030204" pitchFamily="34" charset="0"/>
+              <a:cs typeface="Vrinda" panose="020B0502040204020203" pitchFamily="34" charset="0"/>
+            </a:endParaRPr>
+          </a:p>
+          <a:p>
+            <a:r>
+              <a:rPr lang="bn-IN" dirty="0">
+                <a:latin typeface="SutonnyMJ" pitchFamily="2" charset="0"/>
+              </a:rPr>
+              <a:t>wUg wjWvi, wW-jvwb©s nve cÖKí</a:t>
+            </a:r>
+            <a:endParaRPr lang="en-US" dirty="0">
+              <a:latin typeface="SutonnyMJ" pitchFamily="2" charset="0"/>
+            </a:endParaRPr>
+          </a:p>
+          <a:p>
+            <a:pPr algn="just">
+              <a:lnSpc>
+                <a:spcPct val="107000"/>
+              </a:lnSpc>
+              <a:spcAft>
+                <a:spcPts val="800"/>
+              </a:spcAft>
+            </a:pPr>
+            <a:r>
+              <a:rPr lang="en-US" dirty="0" smtClean="0">
+                <a:latin typeface="SutonnyMJ" pitchFamily="2" charset="0"/>
+                <a:ea typeface="Calibri" panose="020F0502020204030204" pitchFamily="34" charset="0"/>
+                <a:cs typeface="Vrinda" panose="020B0502040204020203" pitchFamily="34" charset="0"/>
+              </a:rPr>
+              <a:t>‡</a:t>
+            </a:r>
+            <a:r>
+              <a:rPr lang="en-US" dirty="0" err="1" smtClean="0">
+                <a:latin typeface="SutonnyMJ" pitchFamily="2" charset="0"/>
+                <a:ea typeface="Calibri" panose="020F0502020204030204" pitchFamily="34" charset="0"/>
+                <a:cs typeface="Vrinda" panose="020B0502040204020203" pitchFamily="34" charset="0"/>
+              </a:rPr>
+              <a:t>gvevBj</a:t>
+            </a:r>
+            <a:r>
+              <a:rPr lang="en-US" dirty="0" smtClean="0">
+                <a:latin typeface="SutonnyMJ" pitchFamily="2" charset="0"/>
+                <a:ea typeface="Calibri" panose="020F0502020204030204" pitchFamily="34" charset="0"/>
+                <a:cs typeface="Vrinda" panose="020B0502040204020203" pitchFamily="34" charset="0"/>
+              </a:rPr>
+              <a:t>: 01711 459 532</a:t>
+            </a:r>
+            <a:endParaRPr lang="en-US" dirty="0" smtClean="0">
+              <a:latin typeface="Calibri" panose="020F0502020204030204" pitchFamily="34" charset="0"/>
+              <a:ea typeface="Calibri" panose="020F0502020204030204" pitchFamily="34" charset="0"/>
+              <a:cs typeface="Vrinda" panose="020B0502040204020203" pitchFamily="34" charset="0"/>
             </a:endParaRPr>
           </a:p>
         </p:txBody>
@@ -6969,10 +8006,366 @@
   <p:clrMapOvr>
     <a:masterClrMapping/>
   </p:clrMapOvr>
+  <p:timing>
+    <p:tnLst>
+      <p:par>
+        <p:cTn id="1" dur="indefinite" restart="never" nodeType="tmRoot"/>
+      </p:par>
+    </p:tnLst>
+  </p:timing>
 </p:sld>
 </file>
 
 <file path=ppt/slides/slide3.xml><?xml version="1.0" encoding="utf-8"?>
+<p:sld xmlns:a="http://schemas.openxmlformats.org/drawingml/2006/main" xmlns:r="http://schemas.openxmlformats.org/officeDocument/2006/relationships" xmlns:p="http://schemas.openxmlformats.org/presentationml/2006/main">
+  <p:cSld>
+    <p:spTree>
+      <p:nvGrpSpPr>
+        <p:cNvPr id="1" name=""/>
+        <p:cNvGrpSpPr/>
+        <p:nvPr/>
+      </p:nvGrpSpPr>
+      <p:grpSpPr>
+        <a:xfrm>
+          <a:off x="0" y="0"/>
+          <a:ext cx="0" cy="0"/>
+          <a:chOff x="0" y="0"/>
+          <a:chExt cx="0" cy="0"/>
+        </a:xfrm>
+      </p:grpSpPr>
+      <p:sp>
+        <p:nvSpPr>
+          <p:cNvPr id="5" name="Subtitle 2"/>
+          <p:cNvSpPr txBox="1">
+            <a:spLocks/>
+          </p:cNvSpPr>
+          <p:nvPr/>
+        </p:nvSpPr>
+        <p:spPr>
+          <a:xfrm>
+            <a:off x="524765" y="1649692"/>
+            <a:ext cx="8065444" cy="2846108"/>
+          </a:xfrm>
+          <a:prstGeom prst="rect">
+            <a:avLst/>
+          </a:prstGeom>
+        </p:spPr>
+        <p:txBody>
+          <a:bodyPr vert="horz" lIns="91440" tIns="45720" rIns="91440" bIns="45720" rtlCol="0" anchor="ctr">
+            <a:noAutofit/>
+          </a:bodyPr>
+          <a:lstStyle>
+            <a:lvl1pPr marL="285750" indent="-285750" algn="l" defTabSz="457200" rtl="0" eaLnBrk="1" latinLnBrk="0" hangingPunct="1">
+              <a:spcBef>
+                <a:spcPct val="20000"/>
+              </a:spcBef>
+              <a:spcAft>
+                <a:spcPts val="600"/>
+              </a:spcAft>
+              <a:buClr>
+                <a:schemeClr val="tx1"/>
+              </a:buClr>
+              <a:buSzPct val="80000"/>
+              <a:buFont typeface="Wingdings 3" panose="05040102010807070707" pitchFamily="18" charset="2"/>
+              <a:buChar char=""/>
+              <a:defRPr sz="2000" kern="1200" cap="none">
+                <a:solidFill>
+                  <a:schemeClr val="bg2">
+                    <a:lumMod val="50000"/>
+                  </a:schemeClr>
+                </a:solidFill>
+                <a:effectLst/>
+                <a:latin typeface="+mn-lt"/>
+                <a:ea typeface="+mn-ea"/>
+                <a:cs typeface="+mn-cs"/>
+              </a:defRPr>
+            </a:lvl1pPr>
+            <a:lvl2pPr marL="742950" indent="-285750" algn="l" defTabSz="457200" rtl="0" eaLnBrk="1" latinLnBrk="0" hangingPunct="1">
+              <a:spcBef>
+                <a:spcPct val="20000"/>
+              </a:spcBef>
+              <a:spcAft>
+                <a:spcPts val="600"/>
+              </a:spcAft>
+              <a:buClr>
+                <a:schemeClr val="tx1"/>
+              </a:buClr>
+              <a:buSzPct val="80000"/>
+              <a:buFont typeface="Wingdings 3" panose="05040102010807070707" pitchFamily="18" charset="2"/>
+              <a:buChar char=""/>
+              <a:defRPr sz="1800" kern="1200" cap="none">
+                <a:solidFill>
+                  <a:schemeClr val="bg2">
+                    <a:lumMod val="50000"/>
+                  </a:schemeClr>
+                </a:solidFill>
+                <a:effectLst/>
+                <a:latin typeface="+mn-lt"/>
+                <a:ea typeface="+mn-ea"/>
+                <a:cs typeface="+mn-cs"/>
+              </a:defRPr>
+            </a:lvl2pPr>
+            <a:lvl3pPr marL="1200150" indent="-285750" algn="l" defTabSz="457200" rtl="0" eaLnBrk="1" latinLnBrk="0" hangingPunct="1">
+              <a:spcBef>
+                <a:spcPct val="20000"/>
+              </a:spcBef>
+              <a:spcAft>
+                <a:spcPts val="600"/>
+              </a:spcAft>
+              <a:buClr>
+                <a:schemeClr val="tx1"/>
+              </a:buClr>
+              <a:buSzPct val="80000"/>
+              <a:buFont typeface="Wingdings 3" panose="05040102010807070707" pitchFamily="18" charset="2"/>
+              <a:buChar char=""/>
+              <a:defRPr sz="1600" kern="1200" cap="none">
+                <a:solidFill>
+                  <a:schemeClr val="bg2">
+                    <a:lumMod val="50000"/>
+                  </a:schemeClr>
+                </a:solidFill>
+                <a:effectLst/>
+                <a:latin typeface="+mn-lt"/>
+                <a:ea typeface="+mn-ea"/>
+                <a:cs typeface="+mn-cs"/>
+              </a:defRPr>
+            </a:lvl3pPr>
+            <a:lvl4pPr marL="1543050" indent="-171450" algn="l" defTabSz="457200" rtl="0" eaLnBrk="1" latinLnBrk="0" hangingPunct="1">
+              <a:spcBef>
+                <a:spcPct val="20000"/>
+              </a:spcBef>
+              <a:spcAft>
+                <a:spcPts val="600"/>
+              </a:spcAft>
+              <a:buClr>
+                <a:schemeClr val="tx1"/>
+              </a:buClr>
+              <a:buSzPct val="80000"/>
+              <a:buFont typeface="Wingdings 3" panose="05040102010807070707" pitchFamily="18" charset="2"/>
+              <a:buChar char=""/>
+              <a:defRPr sz="1400" kern="1200" cap="none">
+                <a:solidFill>
+                  <a:schemeClr val="bg2">
+                    <a:lumMod val="50000"/>
+                  </a:schemeClr>
+                </a:solidFill>
+                <a:effectLst/>
+                <a:latin typeface="+mn-lt"/>
+                <a:ea typeface="+mn-ea"/>
+                <a:cs typeface="+mn-cs"/>
+              </a:defRPr>
+            </a:lvl4pPr>
+            <a:lvl5pPr marL="2000250" indent="-171450" algn="l" defTabSz="457200" rtl="0" eaLnBrk="1" latinLnBrk="0" hangingPunct="1">
+              <a:spcBef>
+                <a:spcPct val="20000"/>
+              </a:spcBef>
+              <a:spcAft>
+                <a:spcPts val="600"/>
+              </a:spcAft>
+              <a:buClr>
+                <a:schemeClr val="tx1"/>
+              </a:buClr>
+              <a:buSzPct val="80000"/>
+              <a:buFont typeface="Wingdings 3" panose="05040102010807070707" pitchFamily="18" charset="2"/>
+              <a:buChar char=""/>
+              <a:defRPr sz="1400" kern="1200" cap="none">
+                <a:solidFill>
+                  <a:schemeClr val="bg2">
+                    <a:lumMod val="50000"/>
+                  </a:schemeClr>
+                </a:solidFill>
+                <a:effectLst/>
+                <a:latin typeface="+mn-lt"/>
+                <a:ea typeface="+mn-ea"/>
+                <a:cs typeface="+mn-cs"/>
+              </a:defRPr>
+            </a:lvl5pPr>
+            <a:lvl6pPr marL="2514600" indent="-228600" algn="l" defTabSz="457200" rtl="0" eaLnBrk="1" latinLnBrk="0" hangingPunct="1">
+              <a:spcBef>
+                <a:spcPct val="20000"/>
+              </a:spcBef>
+              <a:spcAft>
+                <a:spcPts val="600"/>
+              </a:spcAft>
+              <a:buClr>
+                <a:schemeClr val="tx1"/>
+              </a:buClr>
+              <a:buSzPct val="80000"/>
+              <a:buFont typeface="Wingdings 3" panose="05040102010807070707" pitchFamily="18" charset="2"/>
+              <a:buChar char=""/>
+              <a:defRPr sz="1400" kern="1200" cap="none">
+                <a:solidFill>
+                  <a:schemeClr val="bg2">
+                    <a:lumMod val="50000"/>
+                  </a:schemeClr>
+                </a:solidFill>
+                <a:effectLst/>
+                <a:latin typeface="+mn-lt"/>
+                <a:ea typeface="+mn-ea"/>
+                <a:cs typeface="+mn-cs"/>
+              </a:defRPr>
+            </a:lvl6pPr>
+            <a:lvl7pPr marL="2971800" indent="-228600" algn="l" defTabSz="457200" rtl="0" eaLnBrk="1" latinLnBrk="0" hangingPunct="1">
+              <a:spcBef>
+                <a:spcPct val="20000"/>
+              </a:spcBef>
+              <a:spcAft>
+                <a:spcPts val="600"/>
+              </a:spcAft>
+              <a:buClr>
+                <a:schemeClr val="tx1"/>
+              </a:buClr>
+              <a:buSzPct val="80000"/>
+              <a:buFont typeface="Wingdings 3" panose="05040102010807070707" pitchFamily="18" charset="2"/>
+              <a:buChar char=""/>
+              <a:defRPr sz="1400" kern="1200" cap="none">
+                <a:solidFill>
+                  <a:schemeClr val="bg2">
+                    <a:lumMod val="50000"/>
+                  </a:schemeClr>
+                </a:solidFill>
+                <a:effectLst/>
+                <a:latin typeface="+mn-lt"/>
+                <a:ea typeface="+mn-ea"/>
+                <a:cs typeface="+mn-cs"/>
+              </a:defRPr>
+            </a:lvl7pPr>
+            <a:lvl8pPr marL="3429000" indent="-228600" algn="l" defTabSz="457200" rtl="0" eaLnBrk="1" latinLnBrk="0" hangingPunct="1">
+              <a:spcBef>
+                <a:spcPct val="20000"/>
+              </a:spcBef>
+              <a:spcAft>
+                <a:spcPts val="600"/>
+              </a:spcAft>
+              <a:buClr>
+                <a:schemeClr val="tx1"/>
+              </a:buClr>
+              <a:buSzPct val="80000"/>
+              <a:buFont typeface="Wingdings 3" panose="05040102010807070707" pitchFamily="18" charset="2"/>
+              <a:buChar char=""/>
+              <a:defRPr sz="1400" kern="1200" cap="none">
+                <a:solidFill>
+                  <a:schemeClr val="bg2">
+                    <a:lumMod val="50000"/>
+                  </a:schemeClr>
+                </a:solidFill>
+                <a:effectLst/>
+                <a:latin typeface="+mn-lt"/>
+                <a:ea typeface="+mn-ea"/>
+                <a:cs typeface="+mn-cs"/>
+              </a:defRPr>
+            </a:lvl8pPr>
+            <a:lvl9pPr marL="3886200" indent="-228600" algn="l" defTabSz="457200" rtl="0" eaLnBrk="1" latinLnBrk="0" hangingPunct="1">
+              <a:spcBef>
+                <a:spcPct val="20000"/>
+              </a:spcBef>
+              <a:spcAft>
+                <a:spcPts val="600"/>
+              </a:spcAft>
+              <a:buClr>
+                <a:schemeClr val="tx1"/>
+              </a:buClr>
+              <a:buSzPct val="80000"/>
+              <a:buFont typeface="Wingdings 3" panose="05040102010807070707" pitchFamily="18" charset="2"/>
+              <a:buChar char=""/>
+              <a:defRPr sz="1400" kern="1200" cap="none">
+                <a:solidFill>
+                  <a:schemeClr val="bg2">
+                    <a:lumMod val="50000"/>
+                  </a:schemeClr>
+                </a:solidFill>
+                <a:effectLst/>
+                <a:latin typeface="+mn-lt"/>
+                <a:ea typeface="+mn-ea"/>
+                <a:cs typeface="+mn-cs"/>
+              </a:defRPr>
+            </a:lvl9pPr>
+          </a:lstStyle>
+          <a:p>
+            <a:pPr marL="0" indent="0">
+              <a:buNone/>
+            </a:pPr>
+            <a:r>
+              <a:rPr lang="en-US" sz="6000" b="1" dirty="0" err="1" smtClean="0">
+                <a:solidFill>
+                  <a:schemeClr val="bg1"/>
+                </a:solidFill>
+                <a:latin typeface="SutonnyOMJ" panose="01010600010101010101" pitchFamily="2" charset="0"/>
+                <a:cs typeface="SutonnyOMJ" panose="01010600010101010101" pitchFamily="2" charset="0"/>
+              </a:rPr>
+              <a:t>বৈশিষ্ট্য</a:t>
+            </a:r>
+            <a:r>
+              <a:rPr lang="en-US" sz="6000" b="1" dirty="0" smtClean="0">
+                <a:solidFill>
+                  <a:schemeClr val="bg1"/>
+                </a:solidFill>
+                <a:latin typeface="SutonnyOMJ" panose="01010600010101010101" pitchFamily="2" charset="0"/>
+                <a:cs typeface="SutonnyOMJ" panose="01010600010101010101" pitchFamily="2" charset="0"/>
+              </a:rPr>
+              <a:t> </a:t>
+            </a:r>
+            <a:r>
+              <a:rPr lang="en-US" sz="6000" b="1" dirty="0" err="1" smtClean="0">
+                <a:solidFill>
+                  <a:schemeClr val="bg1"/>
+                </a:solidFill>
+                <a:latin typeface="SutonnyOMJ" panose="01010600010101010101" pitchFamily="2" charset="0"/>
+                <a:cs typeface="SutonnyOMJ" panose="01010600010101010101" pitchFamily="2" charset="0"/>
+              </a:rPr>
+              <a:t>এবং</a:t>
+            </a:r>
+            <a:r>
+              <a:rPr lang="en-US" sz="6000" b="1" dirty="0" smtClean="0">
+                <a:solidFill>
+                  <a:schemeClr val="bg1"/>
+                </a:solidFill>
+                <a:latin typeface="SutonnyOMJ" panose="01010600010101010101" pitchFamily="2" charset="0"/>
+                <a:cs typeface="SutonnyOMJ" panose="01010600010101010101" pitchFamily="2" charset="0"/>
+              </a:rPr>
+              <a:t> </a:t>
+            </a:r>
+            <a:r>
+              <a:rPr lang="en-US" sz="6000" b="1" dirty="0" err="1" smtClean="0">
+                <a:solidFill>
+                  <a:schemeClr val="bg1"/>
+                </a:solidFill>
+                <a:latin typeface="SutonnyOMJ" panose="01010600010101010101" pitchFamily="2" charset="0"/>
+                <a:cs typeface="SutonnyOMJ" panose="01010600010101010101" pitchFamily="2" charset="0"/>
+              </a:rPr>
+              <a:t>সুযোগ-সুবিধাসমূহ</a:t>
+            </a:r>
+            <a:endParaRPr lang="en-US" sz="16600" b="1" dirty="0">
+              <a:solidFill>
+                <a:schemeClr val="bg1"/>
+              </a:solidFill>
+              <a:latin typeface="SutonnyOMJ" panose="01010600010101010101" pitchFamily="2" charset="0"/>
+              <a:cs typeface="SutonnyOMJ" panose="01010600010101010101" pitchFamily="2" charset="0"/>
+            </a:endParaRPr>
+          </a:p>
+        </p:txBody>
+      </p:sp>
+    </p:spTree>
+    <p:extLst>
+      <p:ext uri="{BB962C8B-B14F-4D97-AF65-F5344CB8AC3E}">
+        <p14:creationId xmlns:p14="http://schemas.microsoft.com/office/powerpoint/2010/main" val="231954306"/>
+      </p:ext>
+    </p:extLst>
+  </p:cSld>
+  <p:clrMapOvr>
+    <a:masterClrMapping/>
+  </p:clrMapOvr>
+  <p:timing>
+    <p:tnLst>
+      <p:par>
+        <p:cTn id="1" dur="indefinite" restart="never" nodeType="tmRoot"/>
+      </p:par>
+    </p:tnLst>
+  </p:timing>
+</p:sld>
+</file>
+
+<file path=ppt/slides/slide4.xml><?xml version="1.0" encoding="utf-8"?>
 <p:sld xmlns:a="http://schemas.openxmlformats.org/drawingml/2006/main" xmlns:r="http://schemas.openxmlformats.org/officeDocument/2006/relationships" xmlns:p="http://schemas.openxmlformats.org/presentationml/2006/main">
   <p:cSld>
     <p:spTree>
@@ -7270,10 +8663,17 @@
   <p:clrMapOvr>
     <a:masterClrMapping/>
   </p:clrMapOvr>
+  <p:timing>
+    <p:tnLst>
+      <p:par>
+        <p:cTn id="1" dur="indefinite" restart="never" nodeType="tmRoot"/>
+      </p:par>
+    </p:tnLst>
+  </p:timing>
 </p:sld>
 </file>
 
-<file path=ppt/slides/slide4.xml><?xml version="1.0" encoding="utf-8"?>
+<file path=ppt/slides/slide5.xml><?xml version="1.0" encoding="utf-8"?>
 <p:sld xmlns:a="http://schemas.openxmlformats.org/drawingml/2006/main" xmlns:r="http://schemas.openxmlformats.org/officeDocument/2006/relationships" xmlns:p="http://schemas.openxmlformats.org/presentationml/2006/main">
   <p:cSld>
     <p:spTree>
@@ -7449,10 +8849,17 @@
   <p:clrMapOvr>
     <a:masterClrMapping/>
   </p:clrMapOvr>
+  <p:timing>
+    <p:tnLst>
+      <p:par>
+        <p:cTn id="1" dur="indefinite" restart="never" nodeType="tmRoot"/>
+      </p:par>
+    </p:tnLst>
+  </p:timing>
 </p:sld>
 </file>
 
-<file path=ppt/slides/slide5.xml><?xml version="1.0" encoding="utf-8"?>
+<file path=ppt/slides/slide6.xml><?xml version="1.0" encoding="utf-8"?>
 <p:sld xmlns:a="http://schemas.openxmlformats.org/drawingml/2006/main" xmlns:r="http://schemas.openxmlformats.org/officeDocument/2006/relationships" xmlns:p="http://schemas.openxmlformats.org/presentationml/2006/main">
   <p:cSld>
     <p:spTree>
@@ -8546,10 +9953,67 @@
                 <a:ea typeface="Calibri" panose="020F0502020204030204" pitchFamily="34" charset="0"/>
                 <a:cs typeface="Vrinda" panose="020B0502040204020203" pitchFamily="34" charset="0"/>
               </a:rPr>
-              <a:t> †</a:t>
-            </a:r>
-            <a:r>
-              <a:rPr lang="en-US" sz="1800" dirty="0" err="1">
+              <a:t> </a:t>
+            </a:r>
+            <a:r>
+              <a:rPr lang="en-US" sz="1400" dirty="0" err="1" smtClean="0">
+                <a:latin typeface="SutonnyMJ" pitchFamily="2" charset="0"/>
+                <a:ea typeface="Calibri" panose="020F0502020204030204" pitchFamily="34" charset="0"/>
+                <a:cs typeface="Vrinda" panose="020B0502040204020203" pitchFamily="34" charset="0"/>
+              </a:rPr>
+              <a:t>ক্লাস</a:t>
+            </a:r>
+            <a:r>
+              <a:rPr lang="en-US" sz="1400" dirty="0" smtClean="0">
+                <a:latin typeface="SutonnyMJ" pitchFamily="2" charset="0"/>
+                <a:ea typeface="Calibri" panose="020F0502020204030204" pitchFamily="34" charset="0"/>
+                <a:cs typeface="Vrinda" panose="020B0502040204020203" pitchFamily="34" charset="0"/>
+              </a:rPr>
+              <a:t>, </a:t>
+            </a:r>
+            <a:r>
+              <a:rPr lang="en-US" sz="1400" dirty="0" err="1" smtClean="0">
+                <a:latin typeface="SutonnyMJ" pitchFamily="2" charset="0"/>
+                <a:ea typeface="Calibri" panose="020F0502020204030204" pitchFamily="34" charset="0"/>
+                <a:cs typeface="Vrinda" panose="020B0502040204020203" pitchFamily="34" charset="0"/>
+              </a:rPr>
+              <a:t>পরীক্ষা</a:t>
+            </a:r>
+            <a:r>
+              <a:rPr lang="en-US" sz="1400" dirty="0" smtClean="0">
+                <a:latin typeface="SutonnyMJ" pitchFamily="2" charset="0"/>
+                <a:ea typeface="Calibri" panose="020F0502020204030204" pitchFamily="34" charset="0"/>
+                <a:cs typeface="Vrinda" panose="020B0502040204020203" pitchFamily="34" charset="0"/>
+              </a:rPr>
+              <a:t> ও </a:t>
+            </a:r>
+            <a:r>
+              <a:rPr lang="en-US" sz="1400" dirty="0" err="1" smtClean="0">
+                <a:latin typeface="SutonnyMJ" pitchFamily="2" charset="0"/>
+                <a:ea typeface="Calibri" panose="020F0502020204030204" pitchFamily="34" charset="0"/>
+                <a:cs typeface="Vrinda" panose="020B0502040204020203" pitchFamily="34" charset="0"/>
+              </a:rPr>
+              <a:t>অন্যান্য</a:t>
+            </a:r>
+            <a:r>
+              <a:rPr lang="en-US" sz="1400" dirty="0" smtClean="0">
+                <a:latin typeface="SutonnyMJ" pitchFamily="2" charset="0"/>
+                <a:ea typeface="Calibri" panose="020F0502020204030204" pitchFamily="34" charset="0"/>
+                <a:cs typeface="Vrinda" panose="020B0502040204020203" pitchFamily="34" charset="0"/>
+              </a:rPr>
+              <a:t> </a:t>
+            </a:r>
+            <a:r>
+              <a:rPr lang="en-US" sz="1800" dirty="0" smtClean="0">
+                <a:effectLst/>
+                <a:latin typeface="SutonnyMJ" pitchFamily="2" charset="0"/>
+                <a:ea typeface="Calibri" panose="020F0502020204030204" pitchFamily="34" charset="0"/>
+                <a:cs typeface="Vrinda" panose="020B0502040204020203" pitchFamily="34" charset="0"/>
+              </a:rPr>
+              <a:t>†</a:t>
+            </a:r>
+            <a:r>
+              <a:rPr lang="en-US" sz="1800" dirty="0" err="1" smtClean="0">
                 <a:effectLst/>
                 <a:latin typeface="SutonnyMJ" pitchFamily="2" charset="0"/>
                 <a:ea typeface="Calibri" panose="020F0502020204030204" pitchFamily="34" charset="0"/>
@@ -8558,7 +10022,7 @@
               <a:t>c‡g›U</a:t>
             </a:r>
             <a:r>
-              <a:rPr lang="en-US" sz="1800" dirty="0">
+              <a:rPr lang="en-US" sz="1800" dirty="0" smtClean="0">
                 <a:effectLst/>
                 <a:latin typeface="SutonnyMJ" pitchFamily="2" charset="0"/>
                 <a:ea typeface="Calibri" panose="020F0502020204030204" pitchFamily="34" charset="0"/>
@@ -9215,2289 +10679,13 @@
   <p:clrMapOvr>
     <a:masterClrMapping/>
   </p:clrMapOvr>
-</p:sld>
-</file>
-
-<file path=ppt/slides/slide6.xml><?xml version="1.0" encoding="utf-8"?>
-<p:sld xmlns:a="http://schemas.openxmlformats.org/drawingml/2006/main" xmlns:r="http://schemas.openxmlformats.org/officeDocument/2006/relationships" xmlns:p="http://schemas.openxmlformats.org/presentationml/2006/main">
-  <p:cSld>
-    <p:spTree>
-      <p:nvGrpSpPr>
-        <p:cNvPr id="1" name=""/>
-        <p:cNvGrpSpPr/>
-        <p:nvPr/>
-      </p:nvGrpSpPr>
-      <p:grpSpPr>
-        <a:xfrm>
-          <a:off x="0" y="0"/>
-          <a:ext cx="0" cy="0"/>
-          <a:chOff x="0" y="0"/>
-          <a:chExt cx="0" cy="0"/>
-        </a:xfrm>
-      </p:grpSpPr>
-      <p:sp>
-        <p:nvSpPr>
-          <p:cNvPr id="2" name="Title 1"/>
-          <p:cNvSpPr>
-            <a:spLocks noGrp="1"/>
-          </p:cNvSpPr>
-          <p:nvPr>
-            <p:ph type="title"/>
-          </p:nvPr>
-        </p:nvSpPr>
-        <p:spPr>
-          <a:xfrm>
-            <a:off x="5943600" y="1060174"/>
-            <a:ext cx="2922104" cy="997226"/>
-          </a:xfrm>
-        </p:spPr>
-        <p:txBody>
-          <a:bodyPr>
-            <a:normAutofit fontScale="90000"/>
-          </a:bodyPr>
-          <a:lstStyle/>
-          <a:p>
-            <a:r>
-              <a:rPr lang="en-US" sz="4400" b="1" dirty="0" err="1">
-                <a:latin typeface="SutonnyOMJ" panose="01010600010101010101" pitchFamily="2" charset="0"/>
-                <a:cs typeface="SutonnyOMJ" panose="01010600010101010101" pitchFamily="2" charset="0"/>
-              </a:rPr>
-              <a:t>কেন</a:t>
-            </a:r>
-            <a:r>
-              <a:rPr lang="en-US" sz="4400" b="1" dirty="0">
-                <a:latin typeface="SutonnyOMJ" panose="01010600010101010101" pitchFamily="2" charset="0"/>
-                <a:cs typeface="SutonnyOMJ" panose="01010600010101010101" pitchFamily="2" charset="0"/>
-              </a:rPr>
-              <a:t> </a:t>
-            </a:r>
-            <a:r>
-              <a:rPr lang="en-US" sz="4400" b="1" dirty="0" err="1">
-                <a:latin typeface="SutonnyOMJ" panose="01010600010101010101" pitchFamily="2" charset="0"/>
-                <a:cs typeface="SutonnyOMJ" panose="01010600010101010101" pitchFamily="2" charset="0"/>
-              </a:rPr>
-              <a:t>সচেতন</a:t>
-            </a:r>
-            <a:r>
-              <a:rPr lang="en-US" sz="4400" b="1" dirty="0">
-                <a:latin typeface="SutonnyOMJ" panose="01010600010101010101" pitchFamily="2" charset="0"/>
-                <a:cs typeface="SutonnyOMJ" panose="01010600010101010101" pitchFamily="2" charset="0"/>
-              </a:rPr>
-              <a:t>???</a:t>
-            </a:r>
-            <a:endParaRPr lang="en-US" sz="6000" b="1" dirty="0">
-              <a:latin typeface="SutonnyOMJ" panose="01010600010101010101" pitchFamily="2" charset="0"/>
-              <a:cs typeface="SutonnyOMJ" panose="01010600010101010101" pitchFamily="2" charset="0"/>
-            </a:endParaRPr>
-          </a:p>
-        </p:txBody>
-      </p:sp>
-      <p:sp>
-        <p:nvSpPr>
-          <p:cNvPr id="3" name="Content Placeholder 2"/>
-          <p:cNvSpPr>
-            <a:spLocks noGrp="1"/>
-          </p:cNvSpPr>
-          <p:nvPr>
-            <p:ph idx="1"/>
-          </p:nvPr>
-        </p:nvSpPr>
-        <p:spPr>
-          <a:xfrm>
-            <a:off x="533399" y="533400"/>
-            <a:ext cx="5307843" cy="5486400"/>
-          </a:xfrm>
-        </p:spPr>
-        <p:txBody>
-          <a:bodyPr>
-            <a:normAutofit/>
-          </a:bodyPr>
-          <a:lstStyle/>
-          <a:p>
-            <a:pPr marL="0" marR="0" indent="0" algn="just">
-              <a:lnSpc>
-                <a:spcPct val="107000"/>
-              </a:lnSpc>
-              <a:spcBef>
-                <a:spcPts val="0"/>
-              </a:spcBef>
-              <a:spcAft>
-                <a:spcPts val="800"/>
-              </a:spcAft>
-              <a:buNone/>
-            </a:pPr>
-            <a:r>
-              <a:rPr lang="en-US" sz="1800" dirty="0">
-                <a:solidFill>
-                  <a:schemeClr val="bg1"/>
-                </a:solidFill>
-                <a:effectLst/>
-                <a:latin typeface="SutonnyMJ" pitchFamily="2" charset="0"/>
-                <a:ea typeface="Calibri" panose="020F0502020204030204" pitchFamily="34" charset="0"/>
-                <a:cs typeface="Vrinda" panose="020B0502040204020203" pitchFamily="34" charset="0"/>
-              </a:rPr>
-              <a:t>1. </a:t>
-            </a:r>
-            <a:r>
-              <a:rPr lang="en-US" sz="1800" dirty="0" err="1">
-                <a:solidFill>
-                  <a:schemeClr val="bg1"/>
-                </a:solidFill>
-                <a:effectLst/>
-                <a:latin typeface="SutonnyMJ" pitchFamily="2" charset="0"/>
-                <a:ea typeface="Calibri" panose="020F0502020204030204" pitchFamily="34" charset="0"/>
-                <a:cs typeface="Vrinda" panose="020B0502040204020203" pitchFamily="34" charset="0"/>
-              </a:rPr>
-              <a:t>evwo</a:t>
-            </a:r>
-            <a:r>
-              <a:rPr lang="en-US" sz="1800" dirty="0">
-                <a:solidFill>
-                  <a:schemeClr val="bg1"/>
-                </a:solidFill>
-                <a:effectLst/>
-                <a:latin typeface="SutonnyMJ" pitchFamily="2" charset="0"/>
-                <a:ea typeface="Calibri" panose="020F0502020204030204" pitchFamily="34" charset="0"/>
-                <a:cs typeface="Vrinda" panose="020B0502040204020203" pitchFamily="34" charset="0"/>
-              </a:rPr>
-              <a:t> †_‡K ¯^v”Q‡›`</a:t>
-            </a:r>
-            <a:r>
-              <a:rPr lang="en-US" sz="1800" dirty="0" err="1">
-                <a:solidFill>
-                  <a:schemeClr val="bg1"/>
-                </a:solidFill>
-                <a:effectLst/>
-                <a:latin typeface="SutonnyMJ" pitchFamily="2" charset="0"/>
-                <a:ea typeface="Calibri" panose="020F0502020204030204" pitchFamily="34" charset="0"/>
-                <a:cs typeface="Vrinda" panose="020B0502040204020203" pitchFamily="34" charset="0"/>
-              </a:rPr>
-              <a:t>i</a:t>
-            </a:r>
-            <a:r>
-              <a:rPr lang="en-US" sz="1800" dirty="0">
-                <a:solidFill>
-                  <a:schemeClr val="bg1"/>
-                </a:solidFill>
-                <a:effectLst/>
-                <a:latin typeface="SutonnyMJ" pitchFamily="2" charset="0"/>
-                <a:ea typeface="Calibri" panose="020F0502020204030204" pitchFamily="34" charset="0"/>
-                <a:cs typeface="Vrinda" panose="020B0502040204020203" pitchFamily="34" charset="0"/>
-              </a:rPr>
-              <a:t> mv‡_ </a:t>
-            </a:r>
-            <a:r>
-              <a:rPr lang="en-US" sz="1800" dirty="0" err="1">
-                <a:solidFill>
-                  <a:schemeClr val="bg1"/>
-                </a:solidFill>
-                <a:effectLst/>
-                <a:latin typeface="SutonnyMJ" pitchFamily="2" charset="0"/>
-                <a:ea typeface="Calibri" panose="020F0502020204030204" pitchFamily="34" charset="0"/>
-                <a:cs typeface="Vrinda" panose="020B0502040204020203" pitchFamily="34" charset="0"/>
-              </a:rPr>
-              <a:t>K¬vm</a:t>
-            </a:r>
-            <a:r>
-              <a:rPr lang="en-US" sz="1800" dirty="0">
-                <a:solidFill>
-                  <a:schemeClr val="bg1"/>
-                </a:solidFill>
-                <a:effectLst/>
-                <a:latin typeface="SutonnyMJ" pitchFamily="2" charset="0"/>
-                <a:ea typeface="Calibri" panose="020F0502020204030204" pitchFamily="34" charset="0"/>
-                <a:cs typeface="Vrinda" panose="020B0502040204020203" pitchFamily="34" charset="0"/>
-              </a:rPr>
-              <a:t> </a:t>
-            </a:r>
-            <a:r>
-              <a:rPr lang="en-US" sz="1800" dirty="0" err="1">
-                <a:solidFill>
-                  <a:schemeClr val="bg1"/>
-                </a:solidFill>
-                <a:effectLst/>
-                <a:latin typeface="SutonnyMJ" pitchFamily="2" charset="0"/>
-                <a:ea typeface="Calibri" panose="020F0502020204030204" pitchFamily="34" charset="0"/>
-                <a:cs typeface="Vrinda" panose="020B0502040204020203" pitchFamily="34" charset="0"/>
-              </a:rPr>
-              <a:t>Kivi</a:t>
-            </a:r>
-            <a:r>
-              <a:rPr lang="en-US" sz="1800" dirty="0">
-                <a:solidFill>
-                  <a:schemeClr val="bg1"/>
-                </a:solidFill>
-                <a:effectLst/>
-                <a:latin typeface="SutonnyMJ" pitchFamily="2" charset="0"/>
-                <a:ea typeface="Calibri" panose="020F0502020204030204" pitchFamily="34" charset="0"/>
-                <a:cs typeface="Vrinda" panose="020B0502040204020203" pitchFamily="34" charset="0"/>
-              </a:rPr>
-              <a:t> </a:t>
-            </a:r>
-            <a:r>
-              <a:rPr lang="en-US" sz="1800" dirty="0" err="1">
-                <a:solidFill>
-                  <a:schemeClr val="bg1"/>
-                </a:solidFill>
-                <a:effectLst/>
-                <a:latin typeface="SutonnyMJ" pitchFamily="2" charset="0"/>
-                <a:ea typeface="Calibri" panose="020F0502020204030204" pitchFamily="34" charset="0"/>
-                <a:cs typeface="Vrinda" panose="020B0502040204020203" pitchFamily="34" charset="0"/>
-              </a:rPr>
-              <a:t>myweav</a:t>
-            </a:r>
-            <a:endParaRPr lang="en-US" sz="1800" dirty="0">
-              <a:solidFill>
-                <a:schemeClr val="bg1"/>
-              </a:solidFill>
-              <a:effectLst/>
-              <a:latin typeface="Calibri" panose="020F0502020204030204" pitchFamily="34" charset="0"/>
-              <a:ea typeface="Calibri" panose="020F0502020204030204" pitchFamily="34" charset="0"/>
-              <a:cs typeface="Vrinda" panose="020B0502040204020203" pitchFamily="34" charset="0"/>
-            </a:endParaRPr>
-          </a:p>
-          <a:p>
-            <a:pPr marL="0" marR="0" indent="0" algn="just">
-              <a:lnSpc>
-                <a:spcPct val="107000"/>
-              </a:lnSpc>
-              <a:spcBef>
-                <a:spcPts val="0"/>
-              </a:spcBef>
-              <a:spcAft>
-                <a:spcPts val="800"/>
-              </a:spcAft>
-              <a:buNone/>
-            </a:pPr>
-            <a:r>
-              <a:rPr lang="en-US" sz="1800" dirty="0">
-                <a:solidFill>
-                  <a:schemeClr val="bg1"/>
-                </a:solidFill>
-                <a:effectLst/>
-                <a:latin typeface="SutonnyMJ" pitchFamily="2" charset="0"/>
-                <a:ea typeface="Calibri" panose="020F0502020204030204" pitchFamily="34" charset="0"/>
-                <a:cs typeface="Vrinda" panose="020B0502040204020203" pitchFamily="34" charset="0"/>
-              </a:rPr>
-              <a:t>2. </a:t>
-            </a:r>
-            <a:r>
-              <a:rPr lang="en-US" sz="1800" dirty="0" err="1">
-                <a:solidFill>
-                  <a:schemeClr val="bg1"/>
-                </a:solidFill>
-                <a:effectLst/>
-                <a:latin typeface="SutonnyMJ" pitchFamily="2" charset="0"/>
-                <a:ea typeface="Calibri" panose="020F0502020204030204" pitchFamily="34" charset="0"/>
-                <a:cs typeface="Vrinda" panose="020B0502040204020203" pitchFamily="34" charset="0"/>
-              </a:rPr>
-              <a:t>KøvmcÖwZ</a:t>
-            </a:r>
-            <a:r>
-              <a:rPr lang="en-US" sz="1800" dirty="0">
-                <a:solidFill>
-                  <a:schemeClr val="bg1"/>
-                </a:solidFill>
-                <a:effectLst/>
-                <a:latin typeface="SutonnyMJ" pitchFamily="2" charset="0"/>
-                <a:ea typeface="Calibri" panose="020F0502020204030204" pitchFamily="34" charset="0"/>
-                <a:cs typeface="Vrinda" panose="020B0502040204020203" pitchFamily="34" charset="0"/>
-              </a:rPr>
-              <a:t> </a:t>
-            </a:r>
-            <a:r>
-              <a:rPr lang="en-US" sz="1800" dirty="0" err="1">
-                <a:solidFill>
-                  <a:schemeClr val="bg1"/>
-                </a:solidFill>
-                <a:effectLst/>
-                <a:latin typeface="SutonnyMJ" pitchFamily="2" charset="0"/>
-                <a:ea typeface="Calibri" panose="020F0502020204030204" pitchFamily="34" charset="0"/>
-                <a:cs typeface="Vrinda" panose="020B0502040204020203" pitchFamily="34" charset="0"/>
-              </a:rPr>
-              <a:t>gvÎ</a:t>
-            </a:r>
-            <a:r>
-              <a:rPr lang="en-US" sz="1800" dirty="0">
-                <a:solidFill>
-                  <a:schemeClr val="bg1"/>
-                </a:solidFill>
-                <a:effectLst/>
-                <a:latin typeface="SutonnyMJ" pitchFamily="2" charset="0"/>
-                <a:ea typeface="Calibri" panose="020F0502020204030204" pitchFamily="34" charset="0"/>
-                <a:cs typeface="Vrinda" panose="020B0502040204020203" pitchFamily="34" charset="0"/>
-              </a:rPr>
-              <a:t> 80 - 120 </a:t>
-            </a:r>
-            <a:r>
-              <a:rPr lang="en-US" sz="1800" dirty="0" err="1">
-                <a:solidFill>
-                  <a:schemeClr val="bg1"/>
-                </a:solidFill>
-                <a:effectLst/>
-                <a:latin typeface="SutonnyMJ" pitchFamily="2" charset="0"/>
-                <a:ea typeface="Calibri" panose="020F0502020204030204" pitchFamily="34" charset="0"/>
-                <a:cs typeface="Vrinda" panose="020B0502040204020203" pitchFamily="34" charset="0"/>
-              </a:rPr>
-              <a:t>Ggwe</a:t>
-            </a:r>
-            <a:r>
-              <a:rPr lang="en-US" sz="1800" dirty="0">
-                <a:solidFill>
-                  <a:schemeClr val="bg1"/>
-                </a:solidFill>
-                <a:effectLst/>
-                <a:latin typeface="SutonnyMJ" pitchFamily="2" charset="0"/>
-                <a:ea typeface="Calibri" panose="020F0502020204030204" pitchFamily="34" charset="0"/>
-                <a:cs typeface="Vrinda" panose="020B0502040204020203" pitchFamily="34" charset="0"/>
-              </a:rPr>
-              <a:t> </a:t>
-            </a:r>
-            <a:r>
-              <a:rPr lang="en-US" sz="1800" dirty="0" err="1">
-                <a:solidFill>
-                  <a:schemeClr val="bg1"/>
-                </a:solidFill>
-                <a:effectLst/>
-                <a:latin typeface="SutonnyMJ" pitchFamily="2" charset="0"/>
-                <a:ea typeface="Calibri" panose="020F0502020204030204" pitchFamily="34" charset="0"/>
-                <a:cs typeface="Vrinda" panose="020B0502040204020203" pitchFamily="34" charset="0"/>
-              </a:rPr>
-              <a:t>WvUv</a:t>
-            </a:r>
-            <a:r>
-              <a:rPr lang="en-US" sz="1800" dirty="0">
-                <a:solidFill>
-                  <a:schemeClr val="bg1"/>
-                </a:solidFill>
-                <a:effectLst/>
-                <a:latin typeface="SutonnyMJ" pitchFamily="2" charset="0"/>
-                <a:ea typeface="Calibri" panose="020F0502020204030204" pitchFamily="34" charset="0"/>
-                <a:cs typeface="Vrinda" panose="020B0502040204020203" pitchFamily="34" charset="0"/>
-              </a:rPr>
-              <a:t> </a:t>
-            </a:r>
-            <a:r>
-              <a:rPr lang="en-US" sz="1800" dirty="0" err="1">
-                <a:solidFill>
-                  <a:schemeClr val="bg1"/>
-                </a:solidFill>
-                <a:effectLst/>
-                <a:latin typeface="SutonnyMJ" pitchFamily="2" charset="0"/>
-                <a:ea typeface="Calibri" panose="020F0502020204030204" pitchFamily="34" charset="0"/>
-                <a:cs typeface="Vrinda" panose="020B0502040204020203" pitchFamily="34" charset="0"/>
-              </a:rPr>
-              <a:t>LiP</a:t>
-            </a:r>
-            <a:endParaRPr lang="en-US" sz="1800" dirty="0">
-              <a:solidFill>
-                <a:schemeClr val="bg1"/>
-              </a:solidFill>
-              <a:effectLst/>
-              <a:latin typeface="Calibri" panose="020F0502020204030204" pitchFamily="34" charset="0"/>
-              <a:ea typeface="Calibri" panose="020F0502020204030204" pitchFamily="34" charset="0"/>
-              <a:cs typeface="Vrinda" panose="020B0502040204020203" pitchFamily="34" charset="0"/>
-            </a:endParaRPr>
-          </a:p>
-          <a:p>
-            <a:pPr marL="0" marR="0" indent="0" algn="just">
-              <a:lnSpc>
-                <a:spcPct val="107000"/>
-              </a:lnSpc>
-              <a:spcBef>
-                <a:spcPts val="0"/>
-              </a:spcBef>
-              <a:spcAft>
-                <a:spcPts val="800"/>
-              </a:spcAft>
-              <a:buNone/>
-            </a:pPr>
-            <a:r>
-              <a:rPr lang="en-US" sz="1800" dirty="0">
-                <a:solidFill>
-                  <a:schemeClr val="bg1"/>
-                </a:solidFill>
-                <a:effectLst/>
-                <a:latin typeface="SutonnyMJ" pitchFamily="2" charset="0"/>
-                <a:ea typeface="Calibri" panose="020F0502020204030204" pitchFamily="34" charset="0"/>
-                <a:cs typeface="Vrinda" panose="020B0502040204020203" pitchFamily="34" charset="0"/>
-              </a:rPr>
-              <a:t>3. 120 </a:t>
-            </a:r>
-            <a:r>
-              <a:rPr lang="en-US" sz="1800" dirty="0" err="1">
-                <a:solidFill>
-                  <a:schemeClr val="bg1"/>
-                </a:solidFill>
-                <a:effectLst/>
-                <a:latin typeface="SutonnyMJ" pitchFamily="2" charset="0"/>
-                <a:ea typeface="Calibri" panose="020F0502020204030204" pitchFamily="34" charset="0"/>
-                <a:cs typeface="Vrinda" panose="020B0502040204020203" pitchFamily="34" charset="0"/>
-              </a:rPr>
-              <a:t>wgwbU</a:t>
-            </a:r>
-            <a:r>
-              <a:rPr lang="en-US" sz="1800" dirty="0">
-                <a:solidFill>
-                  <a:schemeClr val="bg1"/>
-                </a:solidFill>
-                <a:effectLst/>
-                <a:latin typeface="SutonnyMJ" pitchFamily="2" charset="0"/>
-                <a:ea typeface="Calibri" panose="020F0502020204030204" pitchFamily="34" charset="0"/>
-                <a:cs typeface="Vrinda" panose="020B0502040204020203" pitchFamily="34" charset="0"/>
-              </a:rPr>
-              <a:t> </a:t>
-            </a:r>
-            <a:r>
-              <a:rPr lang="en-US" sz="1800" dirty="0" err="1">
-                <a:solidFill>
-                  <a:schemeClr val="bg1"/>
-                </a:solidFill>
-                <a:effectLst/>
-                <a:latin typeface="SutonnyMJ" pitchFamily="2" charset="0"/>
-                <a:ea typeface="Calibri" panose="020F0502020204030204" pitchFamily="34" charset="0"/>
-                <a:cs typeface="Vrinda" panose="020B0502040204020203" pitchFamily="34" charset="0"/>
-              </a:rPr>
-              <a:t>Awew”Qbœ</a:t>
-            </a:r>
-            <a:r>
-              <a:rPr lang="en-US" sz="1800" dirty="0">
-                <a:solidFill>
-                  <a:schemeClr val="bg1"/>
-                </a:solidFill>
-                <a:effectLst/>
-                <a:latin typeface="SutonnyMJ" pitchFamily="2" charset="0"/>
-                <a:ea typeface="Calibri" panose="020F0502020204030204" pitchFamily="34" charset="0"/>
-                <a:cs typeface="Vrinda" panose="020B0502040204020203" pitchFamily="34" charset="0"/>
-              </a:rPr>
-              <a:t> </a:t>
-            </a:r>
-            <a:r>
-              <a:rPr lang="en-US" sz="1800" dirty="0" err="1">
-                <a:solidFill>
-                  <a:schemeClr val="bg1"/>
-                </a:solidFill>
-                <a:effectLst/>
-                <a:latin typeface="SutonnyMJ" pitchFamily="2" charset="0"/>
-                <a:ea typeface="Calibri" panose="020F0502020204030204" pitchFamily="34" charset="0"/>
-                <a:cs typeface="Vrinda" panose="020B0502040204020203" pitchFamily="34" charset="0"/>
-              </a:rPr>
-              <a:t>K¬vm</a:t>
-            </a:r>
-            <a:r>
-              <a:rPr lang="en-US" sz="1800" dirty="0">
-                <a:solidFill>
-                  <a:schemeClr val="bg1"/>
-                </a:solidFill>
-                <a:effectLst/>
-                <a:latin typeface="SutonnyMJ" pitchFamily="2" charset="0"/>
-                <a:ea typeface="Calibri" panose="020F0502020204030204" pitchFamily="34" charset="0"/>
-                <a:cs typeface="Vrinda" panose="020B0502040204020203" pitchFamily="34" charset="0"/>
-              </a:rPr>
-              <a:t> </a:t>
-            </a:r>
-            <a:r>
-              <a:rPr lang="en-US" sz="1800" dirty="0" err="1">
-                <a:solidFill>
-                  <a:schemeClr val="bg1"/>
-                </a:solidFill>
-                <a:effectLst/>
-                <a:latin typeface="SutonnyMJ" pitchFamily="2" charset="0"/>
-                <a:ea typeface="Calibri" panose="020F0502020204030204" pitchFamily="34" charset="0"/>
-                <a:cs typeface="Vrinda" panose="020B0502040204020203" pitchFamily="34" charset="0"/>
-              </a:rPr>
-              <a:t>Ges</a:t>
-            </a:r>
-            <a:r>
-              <a:rPr lang="en-US" sz="1800" dirty="0">
-                <a:solidFill>
-                  <a:schemeClr val="bg1"/>
-                </a:solidFill>
-                <a:effectLst/>
-                <a:latin typeface="SutonnyMJ" pitchFamily="2" charset="0"/>
-                <a:ea typeface="Calibri" panose="020F0502020204030204" pitchFamily="34" charset="0"/>
-                <a:cs typeface="Vrinda" panose="020B0502040204020203" pitchFamily="34" charset="0"/>
-              </a:rPr>
-              <a:t> GK </a:t>
-            </a:r>
-            <a:r>
-              <a:rPr lang="en-US" sz="1800" dirty="0" err="1">
-                <a:solidFill>
-                  <a:schemeClr val="bg1"/>
-                </a:solidFill>
-                <a:effectLst/>
-                <a:latin typeface="SutonnyMJ" pitchFamily="2" charset="0"/>
-                <a:ea typeface="Calibri" panose="020F0502020204030204" pitchFamily="34" charset="0"/>
-                <a:cs typeface="Vrinda" panose="020B0502040204020203" pitchFamily="34" charset="0"/>
-              </a:rPr>
-              <a:t>wK</a:t>
-            </a:r>
-            <a:r>
-              <a:rPr lang="en-US" sz="1800" dirty="0">
-                <a:solidFill>
-                  <a:schemeClr val="bg1"/>
-                </a:solidFill>
-                <a:effectLst/>
-                <a:latin typeface="SutonnyMJ" pitchFamily="2" charset="0"/>
-                <a:ea typeface="Calibri" panose="020F0502020204030204" pitchFamily="34" charset="0"/>
-                <a:cs typeface="Vrinda" panose="020B0502040204020203" pitchFamily="34" charset="0"/>
-              </a:rPr>
-              <a:t>¬‡K mshy³ </a:t>
-            </a:r>
-            <a:r>
-              <a:rPr lang="en-US" sz="1800" dirty="0" err="1">
-                <a:solidFill>
-                  <a:schemeClr val="bg1"/>
-                </a:solidFill>
-                <a:effectLst/>
-                <a:latin typeface="SutonnyMJ" pitchFamily="2" charset="0"/>
-                <a:ea typeface="Calibri" panose="020F0502020204030204" pitchFamily="34" charset="0"/>
-                <a:cs typeface="Vrinda" panose="020B0502040204020203" pitchFamily="34" charset="0"/>
-              </a:rPr>
-              <a:t>nIqvi</a:t>
-            </a:r>
-            <a:r>
-              <a:rPr lang="en-US" sz="1800" dirty="0">
-                <a:solidFill>
-                  <a:schemeClr val="bg1"/>
-                </a:solidFill>
-                <a:effectLst/>
-                <a:latin typeface="SutonnyMJ" pitchFamily="2" charset="0"/>
-                <a:ea typeface="Calibri" panose="020F0502020204030204" pitchFamily="34" charset="0"/>
-                <a:cs typeface="Vrinda" panose="020B0502040204020203" pitchFamily="34" charset="0"/>
-              </a:rPr>
-              <a:t> </a:t>
-            </a:r>
-            <a:r>
-              <a:rPr lang="en-US" sz="1800" dirty="0" err="1">
-                <a:solidFill>
-                  <a:schemeClr val="bg1"/>
-                </a:solidFill>
-                <a:effectLst/>
-                <a:latin typeface="SutonnyMJ" pitchFamily="2" charset="0"/>
-                <a:ea typeface="Calibri" panose="020F0502020204030204" pitchFamily="34" charset="0"/>
-                <a:cs typeface="Vrinda" panose="020B0502040204020203" pitchFamily="34" charset="0"/>
-              </a:rPr>
-              <a:t>myweav</a:t>
-            </a:r>
-            <a:endParaRPr lang="en-US" sz="1800" dirty="0">
-              <a:solidFill>
-                <a:schemeClr val="bg1"/>
-              </a:solidFill>
-              <a:effectLst/>
-              <a:latin typeface="Calibri" panose="020F0502020204030204" pitchFamily="34" charset="0"/>
-              <a:ea typeface="Calibri" panose="020F0502020204030204" pitchFamily="34" charset="0"/>
-              <a:cs typeface="Vrinda" panose="020B0502040204020203" pitchFamily="34" charset="0"/>
-            </a:endParaRPr>
-          </a:p>
-          <a:p>
-            <a:pPr marL="0" marR="0" indent="0" algn="just">
-              <a:lnSpc>
-                <a:spcPct val="107000"/>
-              </a:lnSpc>
-              <a:spcBef>
-                <a:spcPts val="0"/>
-              </a:spcBef>
-              <a:spcAft>
-                <a:spcPts val="800"/>
-              </a:spcAft>
-              <a:buNone/>
-            </a:pPr>
-            <a:r>
-              <a:rPr lang="en-US" sz="1800" dirty="0">
-                <a:solidFill>
-                  <a:schemeClr val="bg1"/>
-                </a:solidFill>
-                <a:effectLst/>
-                <a:latin typeface="SutonnyMJ" pitchFamily="2" charset="0"/>
-                <a:ea typeface="Calibri" panose="020F0502020204030204" pitchFamily="34" charset="0"/>
-                <a:cs typeface="Vrinda" panose="020B0502040204020203" pitchFamily="34" charset="0"/>
-              </a:rPr>
-              <a:t>4. </a:t>
-            </a:r>
-            <a:r>
-              <a:rPr lang="en-US" sz="1800" dirty="0" err="1">
-                <a:solidFill>
-                  <a:schemeClr val="bg1"/>
-                </a:solidFill>
-                <a:effectLst/>
-                <a:latin typeface="SutonnyMJ" pitchFamily="2" charset="0"/>
-                <a:ea typeface="Calibri" panose="020F0502020204030204" pitchFamily="34" charset="0"/>
-                <a:cs typeface="Vrinda" panose="020B0502040204020203" pitchFamily="34" charset="0"/>
-              </a:rPr>
-              <a:t>evsjv</a:t>
-            </a:r>
-            <a:r>
-              <a:rPr lang="en-US" sz="1800" dirty="0">
-                <a:solidFill>
-                  <a:schemeClr val="bg1"/>
-                </a:solidFill>
-                <a:effectLst/>
-                <a:latin typeface="SutonnyMJ" pitchFamily="2" charset="0"/>
-                <a:ea typeface="Calibri" panose="020F0502020204030204" pitchFamily="34" charset="0"/>
-                <a:cs typeface="Vrinda" panose="020B0502040204020203" pitchFamily="34" charset="0"/>
-              </a:rPr>
-              <a:t>‡`‡</a:t>
-            </a:r>
-            <a:r>
-              <a:rPr lang="en-US" sz="1800" dirty="0" err="1">
-                <a:solidFill>
-                  <a:schemeClr val="bg1"/>
-                </a:solidFill>
-                <a:effectLst/>
-                <a:latin typeface="SutonnyMJ" pitchFamily="2" charset="0"/>
-                <a:ea typeface="Calibri" panose="020F0502020204030204" pitchFamily="34" charset="0"/>
-                <a:cs typeface="Vrinda" panose="020B0502040204020203" pitchFamily="34" charset="0"/>
-              </a:rPr>
-              <a:t>ki</a:t>
-            </a:r>
-            <a:r>
-              <a:rPr lang="en-US" sz="1800" dirty="0">
-                <a:solidFill>
-                  <a:schemeClr val="bg1"/>
-                </a:solidFill>
-                <a:effectLst/>
-                <a:latin typeface="SutonnyMJ" pitchFamily="2" charset="0"/>
-                <a:ea typeface="Calibri" panose="020F0502020204030204" pitchFamily="34" charset="0"/>
-                <a:cs typeface="Vrinda" panose="020B0502040204020203" pitchFamily="34" charset="0"/>
-              </a:rPr>
-              <a:t> †</a:t>
-            </a:r>
-            <a:r>
-              <a:rPr lang="en-US" sz="1800" dirty="0" err="1">
-                <a:solidFill>
-                  <a:schemeClr val="bg1"/>
-                </a:solidFill>
-                <a:effectLst/>
-                <a:latin typeface="SutonnyMJ" pitchFamily="2" charset="0"/>
-                <a:ea typeface="Calibri" panose="020F0502020204030204" pitchFamily="34" charset="0"/>
-                <a:cs typeface="Vrinda" panose="020B0502040204020203" pitchFamily="34" charset="0"/>
-              </a:rPr>
-              <a:t>h‡Kvb</a:t>
-            </a:r>
-            <a:r>
-              <a:rPr lang="en-US" sz="1800" dirty="0">
-                <a:solidFill>
-                  <a:schemeClr val="bg1"/>
-                </a:solidFill>
-                <a:effectLst/>
-                <a:latin typeface="SutonnyMJ" pitchFamily="2" charset="0"/>
-                <a:ea typeface="Calibri" panose="020F0502020204030204" pitchFamily="34" charset="0"/>
-                <a:cs typeface="Vrinda" panose="020B0502040204020203" pitchFamily="34" charset="0"/>
-              </a:rPr>
-              <a:t> </a:t>
-            </a:r>
-            <a:r>
-              <a:rPr lang="en-US" sz="1800" dirty="0" err="1">
-                <a:solidFill>
-                  <a:schemeClr val="bg1"/>
-                </a:solidFill>
-                <a:effectLst/>
-                <a:latin typeface="SutonnyMJ" pitchFamily="2" charset="0"/>
-                <a:ea typeface="Calibri" panose="020F0502020204030204" pitchFamily="34" charset="0"/>
-                <a:cs typeface="Vrinda" panose="020B0502040204020203" pitchFamily="34" charset="0"/>
-              </a:rPr>
-              <a:t>RvqMv</a:t>
-            </a:r>
-            <a:r>
-              <a:rPr lang="en-US" sz="1800" dirty="0">
-                <a:solidFill>
-                  <a:schemeClr val="bg1"/>
-                </a:solidFill>
-                <a:effectLst/>
-                <a:latin typeface="SutonnyMJ" pitchFamily="2" charset="0"/>
-                <a:ea typeface="Calibri" panose="020F0502020204030204" pitchFamily="34" charset="0"/>
-                <a:cs typeface="Vrinda" panose="020B0502040204020203" pitchFamily="34" charset="0"/>
-              </a:rPr>
-              <a:t> †_‡K 2wR, 3wR </a:t>
-            </a:r>
-            <a:r>
-              <a:rPr lang="en-US" sz="1800" dirty="0" err="1">
-                <a:solidFill>
-                  <a:schemeClr val="bg1"/>
-                </a:solidFill>
-                <a:effectLst/>
-                <a:latin typeface="SutonnyMJ" pitchFamily="2" charset="0"/>
-                <a:ea typeface="Calibri" panose="020F0502020204030204" pitchFamily="34" charset="0"/>
-                <a:cs typeface="Vrinda" panose="020B0502040204020203" pitchFamily="34" charset="0"/>
-              </a:rPr>
-              <a:t>Ges</a:t>
-            </a:r>
-            <a:r>
-              <a:rPr lang="en-US" sz="1800" dirty="0">
-                <a:solidFill>
-                  <a:schemeClr val="bg1"/>
-                </a:solidFill>
-                <a:effectLst/>
-                <a:latin typeface="SutonnyMJ" pitchFamily="2" charset="0"/>
-                <a:ea typeface="Calibri" panose="020F0502020204030204" pitchFamily="34" charset="0"/>
-                <a:cs typeface="Vrinda" panose="020B0502040204020203" pitchFamily="34" charset="0"/>
-              </a:rPr>
-              <a:t> 4wR †</a:t>
-            </a:r>
-            <a:r>
-              <a:rPr lang="en-US" sz="1800" dirty="0" err="1">
-                <a:solidFill>
-                  <a:schemeClr val="bg1"/>
-                </a:solidFill>
-                <a:effectLst/>
-                <a:latin typeface="SutonnyMJ" pitchFamily="2" charset="0"/>
-                <a:ea typeface="Calibri" panose="020F0502020204030204" pitchFamily="34" charset="0"/>
-                <a:cs typeface="Vrinda" panose="020B0502040204020203" pitchFamily="34" charset="0"/>
-              </a:rPr>
-              <a:t>mevi</a:t>
-            </a:r>
-            <a:r>
-              <a:rPr lang="en-US" sz="1800" dirty="0">
-                <a:solidFill>
-                  <a:schemeClr val="bg1"/>
-                </a:solidFill>
-                <a:effectLst/>
-                <a:latin typeface="SutonnyMJ" pitchFamily="2" charset="0"/>
-                <a:ea typeface="Calibri" panose="020F0502020204030204" pitchFamily="34" charset="0"/>
-                <a:cs typeface="Vrinda" panose="020B0502040204020203" pitchFamily="34" charset="0"/>
-              </a:rPr>
-              <a:t> mv‡_ </a:t>
-            </a:r>
-            <a:r>
-              <a:rPr lang="en-US" sz="1800" dirty="0" err="1">
-                <a:solidFill>
-                  <a:schemeClr val="bg1"/>
-                </a:solidFill>
-                <a:latin typeface="SutonnyOMJ" panose="01010600010101010101" pitchFamily="2" charset="0"/>
-                <a:ea typeface="Calibri" panose="020F0502020204030204" pitchFamily="34" charset="0"/>
-                <a:cs typeface="SutonnyOMJ" panose="01010600010101010101" pitchFamily="2" charset="0"/>
-              </a:rPr>
-              <a:t>সামঞ্জস্যপূর্ণ</a:t>
-            </a:r>
-            <a:endParaRPr lang="en-US" sz="1800" dirty="0">
-              <a:solidFill>
-                <a:schemeClr val="bg1"/>
-              </a:solidFill>
-              <a:effectLst/>
-              <a:latin typeface="SutonnyOMJ" panose="01010600010101010101" pitchFamily="2" charset="0"/>
-              <a:ea typeface="Calibri" panose="020F0502020204030204" pitchFamily="34" charset="0"/>
-              <a:cs typeface="SutonnyOMJ" panose="01010600010101010101" pitchFamily="2" charset="0"/>
-            </a:endParaRPr>
-          </a:p>
-          <a:p>
-            <a:pPr marL="0" marR="0" indent="0" algn="just">
-              <a:lnSpc>
-                <a:spcPct val="107000"/>
-              </a:lnSpc>
-              <a:spcBef>
-                <a:spcPts val="0"/>
-              </a:spcBef>
-              <a:spcAft>
-                <a:spcPts val="800"/>
-              </a:spcAft>
-              <a:buNone/>
-            </a:pPr>
-            <a:r>
-              <a:rPr lang="en-US" sz="1800" dirty="0">
-                <a:solidFill>
-                  <a:schemeClr val="bg1"/>
-                </a:solidFill>
-                <a:effectLst/>
-                <a:latin typeface="SutonnyMJ" pitchFamily="2" charset="0"/>
-                <a:ea typeface="Calibri" panose="020F0502020204030204" pitchFamily="34" charset="0"/>
-                <a:cs typeface="Vrinda" panose="020B0502040204020203" pitchFamily="34" charset="0"/>
-              </a:rPr>
-              <a:t>5. </a:t>
-            </a:r>
-            <a:r>
-              <a:rPr lang="en-US" sz="1800" dirty="0" err="1">
-                <a:solidFill>
-                  <a:schemeClr val="bg1"/>
-                </a:solidFill>
-                <a:effectLst/>
-                <a:latin typeface="SutonnyMJ" pitchFamily="2" charset="0"/>
-                <a:ea typeface="Calibri" panose="020F0502020204030204" pitchFamily="34" charset="0"/>
-                <a:cs typeface="Vrinda" panose="020B0502040204020203" pitchFamily="34" charset="0"/>
-              </a:rPr>
-              <a:t>AvivgcÖ</a:t>
-            </a:r>
-            <a:r>
-              <a:rPr lang="en-US" sz="1800" dirty="0">
-                <a:solidFill>
-                  <a:schemeClr val="bg1"/>
-                </a:solidFill>
-                <a:effectLst/>
-                <a:latin typeface="SutonnyMJ" pitchFamily="2" charset="0"/>
-                <a:ea typeface="Calibri" panose="020F0502020204030204" pitchFamily="34" charset="0"/>
-                <a:cs typeface="Vrinda" panose="020B0502040204020203" pitchFamily="34" charset="0"/>
-              </a:rPr>
-              <a:t>` †</a:t>
-            </a:r>
-            <a:r>
-              <a:rPr lang="en-US" sz="1800" dirty="0" err="1">
-                <a:solidFill>
-                  <a:schemeClr val="bg1"/>
-                </a:solidFill>
-                <a:effectLst/>
-                <a:latin typeface="SutonnyMJ" pitchFamily="2" charset="0"/>
-                <a:ea typeface="Calibri" panose="020F0502020204030204" pitchFamily="34" charset="0"/>
-                <a:cs typeface="Vrinda" panose="020B0502040204020203" pitchFamily="34" charset="0"/>
-              </a:rPr>
-              <a:t>nvgIqvK</a:t>
-            </a:r>
-            <a:r>
-              <a:rPr lang="en-US" sz="1800" dirty="0">
-                <a:solidFill>
-                  <a:schemeClr val="bg1"/>
-                </a:solidFill>
-                <a:effectLst/>
-                <a:latin typeface="SutonnyMJ" pitchFamily="2" charset="0"/>
-                <a:ea typeface="Calibri" panose="020F0502020204030204" pitchFamily="34" charset="0"/>
-                <a:cs typeface="Vrinda" panose="020B0502040204020203" pitchFamily="34" charset="0"/>
-              </a:rPr>
-              <a:t>© </a:t>
-            </a:r>
-            <a:r>
-              <a:rPr lang="en-US" sz="1800" dirty="0" err="1">
-                <a:solidFill>
-                  <a:schemeClr val="bg1"/>
-                </a:solidFill>
-                <a:effectLst/>
-                <a:latin typeface="SutonnyMJ" pitchFamily="2" charset="0"/>
-                <a:ea typeface="Calibri" panose="020F0502020204030204" pitchFamily="34" charset="0"/>
-                <a:cs typeface="Vrinda" panose="020B0502040204020203" pitchFamily="34" charset="0"/>
-              </a:rPr>
-              <a:t>Ges</a:t>
-            </a:r>
-            <a:r>
-              <a:rPr lang="en-US" sz="1800" dirty="0">
-                <a:solidFill>
-                  <a:schemeClr val="bg1"/>
-                </a:solidFill>
-                <a:effectLst/>
-                <a:latin typeface="SutonnyMJ" pitchFamily="2" charset="0"/>
-                <a:ea typeface="Calibri" panose="020F0502020204030204" pitchFamily="34" charset="0"/>
-                <a:cs typeface="Vrinda" panose="020B0502040204020203" pitchFamily="34" charset="0"/>
-              </a:rPr>
-              <a:t> </a:t>
-            </a:r>
-            <a:r>
-              <a:rPr lang="en-US" sz="1800" dirty="0" err="1">
-                <a:solidFill>
-                  <a:schemeClr val="bg1"/>
-                </a:solidFill>
-                <a:effectLst/>
-                <a:latin typeface="SutonnyMJ" pitchFamily="2" charset="0"/>
-                <a:ea typeface="Calibri" panose="020F0502020204030204" pitchFamily="34" charset="0"/>
-                <a:cs typeface="Vrinda" panose="020B0502040204020203" pitchFamily="34" charset="0"/>
-              </a:rPr>
-              <a:t>K¬vmIqvK</a:t>
-            </a:r>
-            <a:r>
-              <a:rPr lang="en-US" sz="1800" dirty="0">
-                <a:solidFill>
-                  <a:schemeClr val="bg1"/>
-                </a:solidFill>
-                <a:effectLst/>
-                <a:latin typeface="SutonnyMJ" pitchFamily="2" charset="0"/>
-                <a:ea typeface="Calibri" panose="020F0502020204030204" pitchFamily="34" charset="0"/>
-                <a:cs typeface="Vrinda" panose="020B0502040204020203" pitchFamily="34" charset="0"/>
-              </a:rPr>
-              <a:t>© </a:t>
-            </a:r>
-            <a:r>
-              <a:rPr lang="en-US" sz="1800" dirty="0" err="1">
-                <a:solidFill>
-                  <a:schemeClr val="bg1"/>
-                </a:solidFill>
-                <a:effectLst/>
-                <a:latin typeface="SutonnyMJ" pitchFamily="2" charset="0"/>
-                <a:ea typeface="Calibri" panose="020F0502020204030204" pitchFamily="34" charset="0"/>
-                <a:cs typeface="Vrinda" panose="020B0502040204020203" pitchFamily="34" charset="0"/>
-              </a:rPr>
-              <a:t>mvewgkb</a:t>
-            </a:r>
-            <a:r>
-              <a:rPr lang="en-US" sz="1800" dirty="0">
-                <a:solidFill>
-                  <a:schemeClr val="bg1"/>
-                </a:solidFill>
-                <a:effectLst/>
-                <a:latin typeface="SutonnyMJ" pitchFamily="2" charset="0"/>
-                <a:ea typeface="Calibri" panose="020F0502020204030204" pitchFamily="34" charset="0"/>
-                <a:cs typeface="Vrinda" panose="020B0502040204020203" pitchFamily="34" charset="0"/>
-              </a:rPr>
-              <a:t> </a:t>
-            </a:r>
-            <a:r>
-              <a:rPr lang="en-US" sz="1800" dirty="0" err="1">
-                <a:solidFill>
-                  <a:schemeClr val="bg1"/>
-                </a:solidFill>
-                <a:effectLst/>
-                <a:latin typeface="SutonnyOMJ" panose="01010600010101010101" pitchFamily="2" charset="0"/>
-                <a:ea typeface="Calibri" panose="020F0502020204030204" pitchFamily="34" charset="0"/>
-                <a:cs typeface="SutonnyOMJ" panose="01010600010101010101" pitchFamily="2" charset="0"/>
-              </a:rPr>
-              <a:t>সিস্টেম</a:t>
-            </a:r>
-            <a:endParaRPr lang="en-US" sz="1800" dirty="0">
-              <a:solidFill>
-                <a:schemeClr val="bg1"/>
-              </a:solidFill>
-              <a:effectLst/>
-              <a:latin typeface="Calibri" panose="020F0502020204030204" pitchFamily="34" charset="0"/>
-              <a:ea typeface="Calibri" panose="020F0502020204030204" pitchFamily="34" charset="0"/>
-              <a:cs typeface="Vrinda" panose="020B0502040204020203" pitchFamily="34" charset="0"/>
-            </a:endParaRPr>
-          </a:p>
-          <a:p>
-            <a:pPr marL="0" marR="0" indent="0" algn="just">
-              <a:lnSpc>
-                <a:spcPct val="107000"/>
-              </a:lnSpc>
-              <a:spcBef>
-                <a:spcPts val="0"/>
-              </a:spcBef>
-              <a:spcAft>
-                <a:spcPts val="800"/>
-              </a:spcAft>
-              <a:buNone/>
-            </a:pPr>
-            <a:r>
-              <a:rPr lang="en-US" sz="1800" dirty="0">
-                <a:solidFill>
-                  <a:schemeClr val="bg1"/>
-                </a:solidFill>
-                <a:effectLst/>
-                <a:latin typeface="SutonnyMJ" pitchFamily="2" charset="0"/>
-                <a:ea typeface="Calibri" panose="020F0502020204030204" pitchFamily="34" charset="0"/>
-                <a:cs typeface="Vrinda" panose="020B0502040204020203" pitchFamily="34" charset="0"/>
-              </a:rPr>
-              <a:t>6. </a:t>
-            </a:r>
-            <a:r>
-              <a:rPr lang="en-US" sz="1800" dirty="0" err="1">
-                <a:solidFill>
-                  <a:schemeClr val="bg1"/>
-                </a:solidFill>
-                <a:effectLst/>
-                <a:latin typeface="SutonnyMJ" pitchFamily="2" charset="0"/>
-                <a:ea typeface="Calibri" panose="020F0502020204030204" pitchFamily="34" charset="0"/>
-                <a:cs typeface="Vrinda" panose="020B0502040204020203" pitchFamily="34" charset="0"/>
-              </a:rPr>
-              <a:t>AbjvBb</a:t>
-            </a:r>
-            <a:r>
-              <a:rPr lang="en-US" sz="1800" dirty="0">
-                <a:solidFill>
-                  <a:schemeClr val="bg1"/>
-                </a:solidFill>
-                <a:effectLst/>
-                <a:latin typeface="SutonnyMJ" pitchFamily="2" charset="0"/>
-                <a:ea typeface="Calibri" panose="020F0502020204030204" pitchFamily="34" charset="0"/>
-                <a:cs typeface="Vrinda" panose="020B0502040204020203" pitchFamily="34" charset="0"/>
-              </a:rPr>
-              <a:t> </a:t>
-            </a:r>
-            <a:r>
-              <a:rPr lang="en-US" sz="1800" dirty="0" err="1">
-                <a:solidFill>
-                  <a:schemeClr val="bg1"/>
-                </a:solidFill>
-                <a:effectLst/>
-                <a:latin typeface="SutonnyMJ" pitchFamily="2" charset="0"/>
-                <a:ea typeface="Calibri" panose="020F0502020204030204" pitchFamily="34" charset="0"/>
-                <a:cs typeface="Vrinda" panose="020B0502040204020203" pitchFamily="34" charset="0"/>
-              </a:rPr>
-              <a:t>cixÿv</a:t>
-            </a:r>
-            <a:r>
-              <a:rPr lang="en-US" sz="1800" dirty="0">
-                <a:solidFill>
-                  <a:schemeClr val="bg1"/>
-                </a:solidFill>
-                <a:effectLst/>
-                <a:latin typeface="SutonnyMJ" pitchFamily="2" charset="0"/>
-                <a:ea typeface="Calibri" panose="020F0502020204030204" pitchFamily="34" charset="0"/>
-                <a:cs typeface="Vrinda" panose="020B0502040204020203" pitchFamily="34" charset="0"/>
-              </a:rPr>
-              <a:t> </a:t>
-            </a:r>
-            <a:r>
-              <a:rPr lang="en-US" sz="1800" dirty="0" err="1">
-                <a:solidFill>
-                  <a:schemeClr val="bg1"/>
-                </a:solidFill>
-                <a:effectLst/>
-                <a:latin typeface="SutonnyMJ" pitchFamily="2" charset="0"/>
-                <a:ea typeface="Calibri" panose="020F0502020204030204" pitchFamily="34" charset="0"/>
-                <a:cs typeface="Vrinda" panose="020B0502040204020203" pitchFamily="34" charset="0"/>
-              </a:rPr>
-              <a:t>Ges</a:t>
-            </a:r>
-            <a:r>
-              <a:rPr lang="en-US" sz="1800" dirty="0">
-                <a:solidFill>
-                  <a:schemeClr val="bg1"/>
-                </a:solidFill>
-                <a:effectLst/>
-                <a:latin typeface="SutonnyMJ" pitchFamily="2" charset="0"/>
-                <a:ea typeface="Calibri" panose="020F0502020204030204" pitchFamily="34" charset="0"/>
-                <a:cs typeface="Vrinda" panose="020B0502040204020203" pitchFamily="34" charset="0"/>
-              </a:rPr>
-              <a:t> </a:t>
-            </a:r>
-            <a:r>
-              <a:rPr lang="en-US" sz="1800" dirty="0" err="1">
-                <a:solidFill>
-                  <a:schemeClr val="bg1"/>
-                </a:solidFill>
-                <a:effectLst/>
-                <a:latin typeface="SutonnyMJ" pitchFamily="2" charset="0"/>
-                <a:ea typeface="Calibri" panose="020F0502020204030204" pitchFamily="34" charset="0"/>
-                <a:cs typeface="Vrinda" panose="020B0502040204020203" pitchFamily="34" charset="0"/>
-              </a:rPr>
-              <a:t>ZvrÿwYK</a:t>
-            </a:r>
-            <a:r>
-              <a:rPr lang="en-US" sz="1800" dirty="0">
-                <a:solidFill>
-                  <a:schemeClr val="bg1"/>
-                </a:solidFill>
-                <a:effectLst/>
-                <a:latin typeface="SutonnyMJ" pitchFamily="2" charset="0"/>
-                <a:ea typeface="Calibri" panose="020F0502020204030204" pitchFamily="34" charset="0"/>
-                <a:cs typeface="Vrinda" panose="020B0502040204020203" pitchFamily="34" charset="0"/>
-              </a:rPr>
-              <a:t> </a:t>
-            </a:r>
-            <a:r>
-              <a:rPr lang="en-US" sz="1800" dirty="0" err="1">
-                <a:solidFill>
-                  <a:schemeClr val="bg1"/>
-                </a:solidFill>
-                <a:effectLst/>
-                <a:latin typeface="SutonnyMJ" pitchFamily="2" charset="0"/>
-                <a:ea typeface="Calibri" panose="020F0502020204030204" pitchFamily="34" charset="0"/>
-                <a:cs typeface="Vrinda" panose="020B0502040204020203" pitchFamily="34" charset="0"/>
-              </a:rPr>
-              <a:t>djvdj</a:t>
-            </a:r>
-            <a:endParaRPr lang="en-US" sz="1800" dirty="0">
-              <a:solidFill>
-                <a:schemeClr val="bg1"/>
-              </a:solidFill>
-              <a:effectLst/>
-              <a:latin typeface="Calibri" panose="020F0502020204030204" pitchFamily="34" charset="0"/>
-              <a:ea typeface="Calibri" panose="020F0502020204030204" pitchFamily="34" charset="0"/>
-              <a:cs typeface="Vrinda" panose="020B0502040204020203" pitchFamily="34" charset="0"/>
-            </a:endParaRPr>
-          </a:p>
-          <a:p>
-            <a:pPr marL="0" marR="0" indent="0" algn="just">
-              <a:lnSpc>
-                <a:spcPct val="107000"/>
-              </a:lnSpc>
-              <a:spcBef>
-                <a:spcPts val="0"/>
-              </a:spcBef>
-              <a:spcAft>
-                <a:spcPts val="800"/>
-              </a:spcAft>
-              <a:buNone/>
-            </a:pPr>
-            <a:r>
-              <a:rPr lang="en-US" sz="1800" dirty="0">
-                <a:solidFill>
-                  <a:schemeClr val="bg1"/>
-                </a:solidFill>
-                <a:effectLst/>
-                <a:latin typeface="SutonnyMJ" pitchFamily="2" charset="0"/>
-                <a:ea typeface="Calibri" panose="020F0502020204030204" pitchFamily="34" charset="0"/>
-                <a:cs typeface="Vrinda" panose="020B0502040204020203" pitchFamily="34" charset="0"/>
-              </a:rPr>
-              <a:t>7. </a:t>
-            </a:r>
-            <a:r>
-              <a:rPr lang="en-US" sz="1800" dirty="0" err="1">
-                <a:solidFill>
-                  <a:schemeClr val="bg1"/>
-                </a:solidFill>
-                <a:effectLst/>
-                <a:latin typeface="SutonnyMJ" pitchFamily="2" charset="0"/>
-                <a:ea typeface="Calibri" panose="020F0502020204030204" pitchFamily="34" charset="0"/>
-                <a:cs typeface="Vrinda" panose="020B0502040204020203" pitchFamily="34" charset="0"/>
-              </a:rPr>
-              <a:t>my¯úó</a:t>
-            </a:r>
-            <a:r>
-              <a:rPr lang="en-US" sz="1800" dirty="0">
-                <a:solidFill>
-                  <a:schemeClr val="bg1"/>
-                </a:solidFill>
-                <a:effectLst/>
-                <a:latin typeface="SutonnyMJ" pitchFamily="2" charset="0"/>
-                <a:ea typeface="Calibri" panose="020F0502020204030204" pitchFamily="34" charset="0"/>
-                <a:cs typeface="Vrinda" panose="020B0502040204020203" pitchFamily="34" charset="0"/>
-              </a:rPr>
-              <a:t> </a:t>
-            </a:r>
-            <a:r>
-              <a:rPr lang="en-US" sz="1800" dirty="0" err="1">
-                <a:solidFill>
-                  <a:schemeClr val="bg1"/>
-                </a:solidFill>
-                <a:effectLst/>
-                <a:latin typeface="SutonnyMJ" pitchFamily="2" charset="0"/>
-                <a:ea typeface="Calibri" panose="020F0502020204030204" pitchFamily="34" charset="0"/>
-                <a:cs typeface="Vrinda" panose="020B0502040204020203" pitchFamily="34" charset="0"/>
-              </a:rPr>
-              <a:t>mvDÛ</a:t>
-            </a:r>
-            <a:r>
-              <a:rPr lang="en-US" sz="1800" dirty="0">
-                <a:solidFill>
-                  <a:schemeClr val="bg1"/>
-                </a:solidFill>
-                <a:effectLst/>
-                <a:latin typeface="SutonnyMJ" pitchFamily="2" charset="0"/>
-                <a:ea typeface="Calibri" panose="020F0502020204030204" pitchFamily="34" charset="0"/>
-                <a:cs typeface="Vrinda" panose="020B0502040204020203" pitchFamily="34" charset="0"/>
-              </a:rPr>
-              <a:t> </a:t>
-            </a:r>
-            <a:r>
-              <a:rPr lang="en-US" sz="1800" dirty="0" err="1">
-                <a:solidFill>
-                  <a:schemeClr val="bg1"/>
-                </a:solidFill>
-                <a:effectLst/>
-                <a:latin typeface="SutonnyOMJ" panose="01010600010101010101" pitchFamily="2" charset="0"/>
-                <a:ea typeface="Calibri" panose="020F0502020204030204" pitchFamily="34" charset="0"/>
-                <a:cs typeface="SutonnyOMJ" panose="01010600010101010101" pitchFamily="2" charset="0"/>
-              </a:rPr>
-              <a:t>সিস্টেম</a:t>
-            </a:r>
-            <a:r>
-              <a:rPr lang="en-US" sz="1800" dirty="0">
-                <a:solidFill>
-                  <a:schemeClr val="bg1"/>
-                </a:solidFill>
-                <a:effectLst/>
-                <a:latin typeface="SutonnyMJ" pitchFamily="2" charset="0"/>
-                <a:ea typeface="Calibri" panose="020F0502020204030204" pitchFamily="34" charset="0"/>
-                <a:cs typeface="Vrinda" panose="020B0502040204020203" pitchFamily="34" charset="0"/>
-              </a:rPr>
-              <a:t> </a:t>
-            </a:r>
-            <a:r>
-              <a:rPr lang="en-US" sz="1800" dirty="0" err="1">
-                <a:solidFill>
-                  <a:schemeClr val="bg1"/>
-                </a:solidFill>
-                <a:effectLst/>
-                <a:latin typeface="SutonnyMJ" pitchFamily="2" charset="0"/>
-                <a:ea typeface="Calibri" panose="020F0502020204030204" pitchFamily="34" charset="0"/>
-                <a:cs typeface="Vrinda" panose="020B0502040204020203" pitchFamily="34" charset="0"/>
-              </a:rPr>
-              <a:t>Ges</a:t>
-            </a:r>
-            <a:r>
-              <a:rPr lang="en-US" sz="1800" dirty="0">
-                <a:solidFill>
-                  <a:schemeClr val="bg1"/>
-                </a:solidFill>
-                <a:effectLst/>
-                <a:latin typeface="SutonnyMJ" pitchFamily="2" charset="0"/>
-                <a:ea typeface="Calibri" panose="020F0502020204030204" pitchFamily="34" charset="0"/>
-                <a:cs typeface="Vrinda" panose="020B0502040204020203" pitchFamily="34" charset="0"/>
-              </a:rPr>
-              <a:t> </a:t>
-            </a:r>
-            <a:r>
-              <a:rPr lang="en-US" sz="1800" dirty="0" err="1">
-                <a:solidFill>
-                  <a:schemeClr val="bg1"/>
-                </a:solidFill>
-                <a:effectLst/>
-                <a:latin typeface="SutonnyMJ" pitchFamily="2" charset="0"/>
-                <a:ea typeface="Calibri" panose="020F0502020204030204" pitchFamily="34" charset="0"/>
-                <a:cs typeface="Vrinda" panose="020B0502040204020203" pitchFamily="34" charset="0"/>
-              </a:rPr>
-              <a:t>ev¯Íe</a:t>
-            </a:r>
-            <a:r>
-              <a:rPr lang="en-US" sz="1800" dirty="0">
-                <a:solidFill>
-                  <a:schemeClr val="bg1"/>
-                </a:solidFill>
-                <a:effectLst/>
-                <a:latin typeface="SutonnyMJ" pitchFamily="2" charset="0"/>
-                <a:ea typeface="Calibri" panose="020F0502020204030204" pitchFamily="34" charset="0"/>
-                <a:cs typeface="Vrinda" panose="020B0502040204020203" pitchFamily="34" charset="0"/>
-              </a:rPr>
-              <a:t> </a:t>
-            </a:r>
-            <a:r>
-              <a:rPr lang="en-US" sz="1800" dirty="0" err="1">
-                <a:solidFill>
-                  <a:schemeClr val="bg1"/>
-                </a:solidFill>
-                <a:effectLst/>
-                <a:latin typeface="SutonnyMJ" pitchFamily="2" charset="0"/>
-                <a:ea typeface="Calibri" panose="020F0502020204030204" pitchFamily="34" charset="0"/>
-                <a:cs typeface="Vrinda" panose="020B0502040204020203" pitchFamily="34" charset="0"/>
-              </a:rPr>
-              <a:t>K¬vmiæ‡gi</a:t>
-            </a:r>
-            <a:r>
-              <a:rPr lang="en-US" sz="1800" dirty="0">
-                <a:solidFill>
-                  <a:schemeClr val="bg1"/>
-                </a:solidFill>
-                <a:effectLst/>
-                <a:latin typeface="SutonnyMJ" pitchFamily="2" charset="0"/>
-                <a:ea typeface="Calibri" panose="020F0502020204030204" pitchFamily="34" charset="0"/>
-                <a:cs typeface="Vrinda" panose="020B0502040204020203" pitchFamily="34" charset="0"/>
-              </a:rPr>
-              <a:t> </a:t>
-            </a:r>
-            <a:r>
-              <a:rPr lang="en-US" sz="1800" dirty="0" err="1">
-                <a:solidFill>
-                  <a:schemeClr val="bg1"/>
-                </a:solidFill>
-                <a:effectLst/>
-                <a:latin typeface="SutonnyOMJ" panose="01010600010101010101" pitchFamily="2" charset="0"/>
-                <a:ea typeface="Calibri" panose="020F0502020204030204" pitchFamily="34" charset="0"/>
-                <a:cs typeface="SutonnyOMJ" panose="01010600010101010101" pitchFamily="2" charset="0"/>
-              </a:rPr>
-              <a:t>ন্যায়</a:t>
-            </a:r>
-            <a:r>
-              <a:rPr lang="en-US" sz="1800" dirty="0">
-                <a:solidFill>
-                  <a:schemeClr val="bg1"/>
-                </a:solidFill>
-                <a:effectLst/>
-                <a:latin typeface="SutonnyMJ" pitchFamily="2" charset="0"/>
-                <a:ea typeface="Calibri" panose="020F0502020204030204" pitchFamily="34" charset="0"/>
-                <a:cs typeface="Vrinda" panose="020B0502040204020203" pitchFamily="34" charset="0"/>
-              </a:rPr>
-              <a:t> </a:t>
-            </a:r>
-            <a:r>
-              <a:rPr lang="en-US" sz="1800" dirty="0" err="1">
-                <a:solidFill>
-                  <a:schemeClr val="bg1"/>
-                </a:solidFill>
-                <a:effectLst/>
-                <a:latin typeface="SutonnyMJ" pitchFamily="2" charset="0"/>
-                <a:ea typeface="Calibri" panose="020F0502020204030204" pitchFamily="34" charset="0"/>
-                <a:cs typeface="Vrinda" panose="020B0502040204020203" pitchFamily="34" charset="0"/>
-              </a:rPr>
-              <a:t>wkÿK</a:t>
-            </a:r>
-            <a:r>
-              <a:rPr lang="en-US" sz="1800" dirty="0">
-                <a:solidFill>
-                  <a:schemeClr val="bg1"/>
-                </a:solidFill>
-                <a:effectLst/>
-                <a:latin typeface="SutonnyMJ" pitchFamily="2" charset="0"/>
-                <a:ea typeface="Calibri" panose="020F0502020204030204" pitchFamily="34" charset="0"/>
-                <a:cs typeface="Vrinda" panose="020B0502040204020203" pitchFamily="34" charset="0"/>
-              </a:rPr>
-              <a:t>‡`</a:t>
-            </a:r>
-            <a:r>
-              <a:rPr lang="en-US" sz="1800" dirty="0" err="1">
-                <a:solidFill>
-                  <a:schemeClr val="bg1"/>
-                </a:solidFill>
-                <a:effectLst/>
-                <a:latin typeface="SutonnyMJ" pitchFamily="2" charset="0"/>
-                <a:ea typeface="Calibri" panose="020F0502020204030204" pitchFamily="34" charset="0"/>
-                <a:cs typeface="Vrinda" panose="020B0502040204020203" pitchFamily="34" charset="0"/>
-              </a:rPr>
-              <a:t>i</a:t>
-            </a:r>
-            <a:r>
-              <a:rPr lang="en-US" sz="1800" dirty="0">
-                <a:solidFill>
-                  <a:schemeClr val="bg1"/>
-                </a:solidFill>
-                <a:effectLst/>
-                <a:latin typeface="SutonnyMJ" pitchFamily="2" charset="0"/>
-                <a:ea typeface="Calibri" panose="020F0502020204030204" pitchFamily="34" charset="0"/>
-                <a:cs typeface="Vrinda" panose="020B0502040204020203" pitchFamily="34" charset="0"/>
-              </a:rPr>
-              <a:t> mv‡_ </a:t>
-            </a:r>
-            <a:r>
-              <a:rPr lang="en-US" sz="1800" dirty="0" err="1">
-                <a:solidFill>
-                  <a:schemeClr val="bg1"/>
-                </a:solidFill>
-                <a:effectLst/>
-                <a:latin typeface="SutonnyMJ" pitchFamily="2" charset="0"/>
-                <a:ea typeface="Calibri" panose="020F0502020204030204" pitchFamily="34" charset="0"/>
-                <a:cs typeface="Vrinda" panose="020B0502040204020203" pitchFamily="34" charset="0"/>
-              </a:rPr>
-              <a:t>mivmwi</a:t>
-            </a:r>
-            <a:r>
-              <a:rPr lang="en-US" sz="1800" dirty="0">
-                <a:solidFill>
-                  <a:schemeClr val="bg1"/>
-                </a:solidFill>
-                <a:effectLst/>
-                <a:latin typeface="SutonnyMJ" pitchFamily="2" charset="0"/>
-                <a:ea typeface="Calibri" panose="020F0502020204030204" pitchFamily="34" charset="0"/>
-                <a:cs typeface="Vrinda" panose="020B0502040204020203" pitchFamily="34" charset="0"/>
-              </a:rPr>
-              <a:t> †</a:t>
-            </a:r>
-            <a:r>
-              <a:rPr lang="en-US" sz="1800" dirty="0" err="1">
-                <a:solidFill>
-                  <a:schemeClr val="bg1"/>
-                </a:solidFill>
-                <a:effectLst/>
-                <a:latin typeface="SutonnyMJ" pitchFamily="2" charset="0"/>
-                <a:ea typeface="Calibri" panose="020F0502020204030204" pitchFamily="34" charset="0"/>
-                <a:cs typeface="Vrinda" panose="020B0502040204020203" pitchFamily="34" charset="0"/>
-              </a:rPr>
-              <a:t>hvMv‡hvM</a:t>
-            </a:r>
-            <a:endParaRPr lang="en-US" sz="1800" dirty="0">
-              <a:solidFill>
-                <a:schemeClr val="bg1"/>
-              </a:solidFill>
-              <a:effectLst/>
-              <a:latin typeface="Calibri" panose="020F0502020204030204" pitchFamily="34" charset="0"/>
-              <a:ea typeface="Calibri" panose="020F0502020204030204" pitchFamily="34" charset="0"/>
-              <a:cs typeface="Vrinda" panose="020B0502040204020203" pitchFamily="34" charset="0"/>
-            </a:endParaRPr>
-          </a:p>
-          <a:p>
-            <a:pPr marL="0" marR="0" indent="0" algn="just">
-              <a:lnSpc>
-                <a:spcPct val="107000"/>
-              </a:lnSpc>
-              <a:spcBef>
-                <a:spcPts val="0"/>
-              </a:spcBef>
-              <a:spcAft>
-                <a:spcPts val="800"/>
-              </a:spcAft>
-              <a:buNone/>
-            </a:pPr>
-            <a:r>
-              <a:rPr lang="en-US" sz="1800" dirty="0">
-                <a:solidFill>
-                  <a:schemeClr val="bg1"/>
-                </a:solidFill>
-                <a:effectLst/>
-                <a:latin typeface="SutonnyMJ" pitchFamily="2" charset="0"/>
-                <a:ea typeface="Calibri" panose="020F0502020204030204" pitchFamily="34" charset="0"/>
-                <a:cs typeface="Vrinda" panose="020B0502040204020203" pitchFamily="34" charset="0"/>
-              </a:rPr>
-              <a:t>8. </a:t>
-            </a:r>
-            <a:r>
-              <a:rPr lang="en-US" sz="1800" dirty="0" err="1">
-                <a:solidFill>
-                  <a:schemeClr val="bg1"/>
-                </a:solidFill>
-                <a:effectLst/>
-                <a:latin typeface="SutonnyMJ" pitchFamily="2" charset="0"/>
-                <a:ea typeface="Calibri" panose="020F0502020204030204" pitchFamily="34" charset="0"/>
-                <a:cs typeface="Vrinda" panose="020B0502040204020203" pitchFamily="34" charset="0"/>
-              </a:rPr>
-              <a:t>K‡ivbv</a:t>
-            </a:r>
-            <a:r>
-              <a:rPr lang="en-US" sz="1800" dirty="0">
-                <a:solidFill>
-                  <a:schemeClr val="bg1"/>
-                </a:solidFill>
-                <a:effectLst/>
-                <a:latin typeface="SutonnyMJ" pitchFamily="2" charset="0"/>
-                <a:ea typeface="Calibri" panose="020F0502020204030204" pitchFamily="34" charset="0"/>
-                <a:cs typeface="Vrinda" panose="020B0502040204020203" pitchFamily="34" charset="0"/>
-              </a:rPr>
-              <a:t> </a:t>
-            </a:r>
-            <a:r>
-              <a:rPr lang="en-US" sz="1800" dirty="0" err="1">
-                <a:solidFill>
-                  <a:schemeClr val="bg1"/>
-                </a:solidFill>
-                <a:effectLst/>
-                <a:latin typeface="SutonnyMJ" pitchFamily="2" charset="0"/>
-                <a:ea typeface="Calibri" panose="020F0502020204030204" pitchFamily="34" charset="0"/>
-                <a:cs typeface="Vrinda" panose="020B0502040204020203" pitchFamily="34" charset="0"/>
-              </a:rPr>
-              <a:t>gnvgvwi‡Z</a:t>
-            </a:r>
-            <a:r>
-              <a:rPr lang="en-US" sz="1800" dirty="0">
-                <a:solidFill>
-                  <a:schemeClr val="bg1"/>
-                </a:solidFill>
-                <a:effectLst/>
-                <a:latin typeface="SutonnyMJ" pitchFamily="2" charset="0"/>
-                <a:ea typeface="Calibri" panose="020F0502020204030204" pitchFamily="34" charset="0"/>
-                <a:cs typeface="Vrinda" panose="020B0502040204020203" pitchFamily="34" charset="0"/>
-              </a:rPr>
-              <a:t> </a:t>
-            </a:r>
-            <a:r>
-              <a:rPr lang="en-US" sz="1800" dirty="0" err="1">
-                <a:solidFill>
-                  <a:schemeClr val="bg1"/>
-                </a:solidFill>
-                <a:effectLst/>
-                <a:latin typeface="SutonnyMJ" pitchFamily="2" charset="0"/>
-                <a:ea typeface="Calibri" panose="020F0502020204030204" pitchFamily="34" charset="0"/>
-                <a:cs typeface="Vrinda" panose="020B0502040204020203" pitchFamily="34" charset="0"/>
-              </a:rPr>
-              <a:t>evwn‡i</a:t>
-            </a:r>
-            <a:r>
-              <a:rPr lang="en-US" sz="1800" dirty="0">
-                <a:solidFill>
-                  <a:schemeClr val="bg1"/>
-                </a:solidFill>
-                <a:effectLst/>
-                <a:latin typeface="SutonnyMJ" pitchFamily="2" charset="0"/>
-                <a:ea typeface="Calibri" panose="020F0502020204030204" pitchFamily="34" charset="0"/>
-                <a:cs typeface="Vrinda" panose="020B0502040204020203" pitchFamily="34" charset="0"/>
-              </a:rPr>
-              <a:t> </a:t>
-            </a:r>
-            <a:r>
-              <a:rPr lang="en-US" sz="1800" dirty="0" err="1">
-                <a:solidFill>
-                  <a:schemeClr val="bg1"/>
-                </a:solidFill>
-                <a:effectLst/>
-                <a:latin typeface="SutonnyMJ" pitchFamily="2" charset="0"/>
-                <a:ea typeface="Calibri" panose="020F0502020204030204" pitchFamily="34" charset="0"/>
-                <a:cs typeface="Vrinda" panose="020B0502040204020203" pitchFamily="34" charset="0"/>
-              </a:rPr>
-              <a:t>hvevi</a:t>
-            </a:r>
-            <a:r>
-              <a:rPr lang="en-US" sz="1800" dirty="0">
-                <a:solidFill>
-                  <a:schemeClr val="bg1"/>
-                </a:solidFill>
-                <a:effectLst/>
-                <a:latin typeface="SutonnyMJ" pitchFamily="2" charset="0"/>
-                <a:ea typeface="Calibri" panose="020F0502020204030204" pitchFamily="34" charset="0"/>
-                <a:cs typeface="Vrinda" panose="020B0502040204020203" pitchFamily="34" charset="0"/>
-              </a:rPr>
-              <a:t> SzuwKgy³</a:t>
-            </a:r>
-            <a:endParaRPr lang="en-US" sz="1800" dirty="0">
-              <a:solidFill>
-                <a:schemeClr val="bg1"/>
-              </a:solidFill>
-              <a:effectLst/>
-              <a:latin typeface="Calibri" panose="020F0502020204030204" pitchFamily="34" charset="0"/>
-              <a:ea typeface="Calibri" panose="020F0502020204030204" pitchFamily="34" charset="0"/>
-              <a:cs typeface="Vrinda" panose="020B0502040204020203" pitchFamily="34" charset="0"/>
-            </a:endParaRPr>
-          </a:p>
-          <a:p>
-            <a:pPr marL="0" marR="0" indent="0" algn="just">
-              <a:lnSpc>
-                <a:spcPct val="107000"/>
-              </a:lnSpc>
-              <a:spcBef>
-                <a:spcPts val="0"/>
-              </a:spcBef>
-              <a:spcAft>
-                <a:spcPts val="800"/>
-              </a:spcAft>
-              <a:buNone/>
-            </a:pPr>
-            <a:r>
-              <a:rPr lang="en-US" sz="1800" dirty="0">
-                <a:solidFill>
-                  <a:schemeClr val="bg1"/>
-                </a:solidFill>
-                <a:effectLst/>
-                <a:latin typeface="SutonnyMJ" pitchFamily="2" charset="0"/>
-                <a:ea typeface="Calibri" panose="020F0502020204030204" pitchFamily="34" charset="0"/>
-                <a:cs typeface="Vrinda" panose="020B0502040204020203" pitchFamily="34" charset="0"/>
-              </a:rPr>
-              <a:t>9. </a:t>
-            </a:r>
-            <a:r>
-              <a:rPr lang="en-US" sz="1800" dirty="0" err="1">
-                <a:solidFill>
-                  <a:schemeClr val="bg1"/>
-                </a:solidFill>
-                <a:effectLst/>
-                <a:latin typeface="SutonnyOMJ" panose="01010600010101010101" pitchFamily="2" charset="0"/>
-                <a:ea typeface="Calibri" panose="020F0502020204030204" pitchFamily="34" charset="0"/>
-                <a:cs typeface="SutonnyOMJ" panose="01010600010101010101" pitchFamily="2" charset="0"/>
-              </a:rPr>
-              <a:t>স্ট্যান্ডার্ড</a:t>
-            </a:r>
-            <a:r>
-              <a:rPr lang="en-US" sz="1800" dirty="0">
-                <a:solidFill>
-                  <a:schemeClr val="bg1"/>
-                </a:solidFill>
-                <a:effectLst/>
-                <a:latin typeface="SutonnyOMJ" panose="01010600010101010101" pitchFamily="2" charset="0"/>
-                <a:ea typeface="Calibri" panose="020F0502020204030204" pitchFamily="34" charset="0"/>
-                <a:cs typeface="SutonnyOMJ" panose="01010600010101010101" pitchFamily="2" charset="0"/>
-              </a:rPr>
-              <a:t> </a:t>
-            </a:r>
-            <a:r>
-              <a:rPr lang="en-US" sz="1800" dirty="0">
-                <a:solidFill>
-                  <a:schemeClr val="bg1"/>
-                </a:solidFill>
-                <a:effectLst/>
-                <a:latin typeface="SutonnyMJ" pitchFamily="2" charset="0"/>
-                <a:ea typeface="Calibri" panose="020F0502020204030204" pitchFamily="34" charset="0"/>
-                <a:cs typeface="Vrinda" panose="020B0502040204020203" pitchFamily="34" charset="0"/>
-              </a:rPr>
-              <a:t>†</a:t>
-            </a:r>
-            <a:r>
-              <a:rPr lang="en-US" sz="1800" dirty="0" err="1">
-                <a:solidFill>
-                  <a:schemeClr val="bg1"/>
-                </a:solidFill>
-                <a:effectLst/>
-                <a:latin typeface="SutonnyMJ" pitchFamily="2" charset="0"/>
-                <a:ea typeface="Calibri" panose="020F0502020204030204" pitchFamily="34" charset="0"/>
-                <a:cs typeface="Vrinda" panose="020B0502040204020203" pitchFamily="34" charset="0"/>
-              </a:rPr>
-              <a:t>Kvm</a:t>
-            </a:r>
-            <a:r>
-              <a:rPr lang="en-US" sz="1800" dirty="0">
-                <a:solidFill>
-                  <a:schemeClr val="bg1"/>
-                </a:solidFill>
-                <a:effectLst/>
-                <a:latin typeface="SutonnyMJ" pitchFamily="2" charset="0"/>
-                <a:ea typeface="Calibri" panose="020F0502020204030204" pitchFamily="34" charset="0"/>
-                <a:cs typeface="Vrinda" panose="020B0502040204020203" pitchFamily="34" charset="0"/>
-              </a:rPr>
-              <a:t>© wd </a:t>
-            </a:r>
-            <a:r>
-              <a:rPr lang="en-US" sz="1800" dirty="0" err="1">
-                <a:solidFill>
-                  <a:schemeClr val="bg1"/>
-                </a:solidFill>
-                <a:effectLst/>
-                <a:latin typeface="SutonnyMJ" pitchFamily="2" charset="0"/>
-                <a:ea typeface="Calibri" panose="020F0502020204030204" pitchFamily="34" charset="0"/>
-                <a:cs typeface="Vrinda" panose="020B0502040204020203" pitchFamily="34" charset="0"/>
-              </a:rPr>
-              <a:t>Ges</a:t>
-            </a:r>
-            <a:r>
-              <a:rPr lang="en-US" sz="1800" dirty="0">
-                <a:solidFill>
-                  <a:schemeClr val="bg1"/>
-                </a:solidFill>
-                <a:effectLst/>
-                <a:latin typeface="SutonnyMJ" pitchFamily="2" charset="0"/>
-                <a:ea typeface="Calibri" panose="020F0502020204030204" pitchFamily="34" charset="0"/>
-                <a:cs typeface="Vrinda" panose="020B0502040204020203" pitchFamily="34" charset="0"/>
-              </a:rPr>
-              <a:t> </a:t>
-            </a:r>
-            <a:r>
-              <a:rPr lang="en-US" sz="1800" dirty="0" err="1">
-                <a:solidFill>
-                  <a:schemeClr val="bg1"/>
-                </a:solidFill>
-                <a:effectLst/>
-                <a:latin typeface="SutonnyMJ" pitchFamily="2" charset="0"/>
-                <a:ea typeface="Calibri" panose="020F0502020204030204" pitchFamily="34" charset="0"/>
-                <a:cs typeface="Vrinda" panose="020B0502040204020203" pitchFamily="34" charset="0"/>
-              </a:rPr>
-              <a:t>cÖvwZôvwbK</a:t>
-            </a:r>
-            <a:r>
-              <a:rPr lang="en-US" sz="1800" dirty="0">
-                <a:solidFill>
-                  <a:schemeClr val="bg1"/>
-                </a:solidFill>
-                <a:effectLst/>
-                <a:latin typeface="SutonnyMJ" pitchFamily="2" charset="0"/>
-                <a:ea typeface="Calibri" panose="020F0502020204030204" pitchFamily="34" charset="0"/>
-                <a:cs typeface="Vrinda" panose="020B0502040204020203" pitchFamily="34" charset="0"/>
-              </a:rPr>
-              <a:t> </a:t>
-            </a:r>
-            <a:r>
-              <a:rPr lang="en-US" sz="1800" dirty="0" err="1">
-                <a:solidFill>
-                  <a:schemeClr val="bg1"/>
-                </a:solidFill>
-                <a:effectLst/>
-                <a:latin typeface="SutonnyMJ" pitchFamily="2" charset="0"/>
-                <a:ea typeface="Calibri" panose="020F0502020204030204" pitchFamily="34" charset="0"/>
-                <a:cs typeface="Vrinda" panose="020B0502040204020203" pitchFamily="34" charset="0"/>
-              </a:rPr>
-              <a:t>PvR</a:t>
-            </a:r>
-            <a:r>
-              <a:rPr lang="en-US" sz="1800" dirty="0">
-                <a:solidFill>
-                  <a:schemeClr val="bg1"/>
-                </a:solidFill>
-                <a:effectLst/>
-                <a:latin typeface="SutonnyMJ" pitchFamily="2" charset="0"/>
-                <a:ea typeface="Calibri" panose="020F0502020204030204" pitchFamily="34" charset="0"/>
-                <a:cs typeface="Vrinda" panose="020B0502040204020203" pitchFamily="34" charset="0"/>
-              </a:rPr>
-              <a:t>©</a:t>
-            </a:r>
-            <a:endParaRPr lang="en-US" sz="1800" dirty="0">
-              <a:solidFill>
-                <a:schemeClr val="bg1"/>
-              </a:solidFill>
-              <a:effectLst/>
-              <a:latin typeface="Calibri" panose="020F0502020204030204" pitchFamily="34" charset="0"/>
-              <a:ea typeface="Calibri" panose="020F0502020204030204" pitchFamily="34" charset="0"/>
-              <a:cs typeface="Vrinda" panose="020B0502040204020203" pitchFamily="34" charset="0"/>
-            </a:endParaRPr>
-          </a:p>
-          <a:p>
-            <a:pPr marL="0" marR="0" indent="0" algn="just">
-              <a:lnSpc>
-                <a:spcPct val="107000"/>
-              </a:lnSpc>
-              <a:spcBef>
-                <a:spcPts val="0"/>
-              </a:spcBef>
-              <a:spcAft>
-                <a:spcPts val="800"/>
-              </a:spcAft>
-              <a:buNone/>
-            </a:pPr>
-            <a:r>
-              <a:rPr lang="en-US" sz="1800" dirty="0">
-                <a:solidFill>
-                  <a:schemeClr val="bg1"/>
-                </a:solidFill>
-                <a:effectLst/>
-                <a:latin typeface="SutonnyMJ" pitchFamily="2" charset="0"/>
-                <a:ea typeface="Calibri" panose="020F0502020204030204" pitchFamily="34" charset="0"/>
-                <a:cs typeface="Vrinda" panose="020B0502040204020203" pitchFamily="34" charset="0"/>
-              </a:rPr>
-              <a:t>10. </a:t>
-            </a:r>
-            <a:r>
-              <a:rPr lang="en-US" sz="1800" dirty="0" err="1">
-                <a:solidFill>
-                  <a:schemeClr val="bg1"/>
-                </a:solidFill>
-                <a:effectLst/>
-                <a:latin typeface="SutonnyMJ" pitchFamily="2" charset="0"/>
-                <a:ea typeface="Calibri" panose="020F0502020204030204" pitchFamily="34" charset="0"/>
-                <a:cs typeface="Vrinda" panose="020B0502040204020203" pitchFamily="34" charset="0"/>
-              </a:rPr>
-              <a:t>wewfbœ</a:t>
-            </a:r>
-            <a:r>
-              <a:rPr lang="en-US" sz="1800" dirty="0">
-                <a:solidFill>
-                  <a:schemeClr val="bg1"/>
-                </a:solidFill>
-                <a:effectLst/>
-                <a:latin typeface="SutonnyMJ" pitchFamily="2" charset="0"/>
-                <a:ea typeface="Calibri" panose="020F0502020204030204" pitchFamily="34" charset="0"/>
-                <a:cs typeface="Vrinda" panose="020B0502040204020203" pitchFamily="34" charset="0"/>
-              </a:rPr>
-              <a:t> </a:t>
-            </a:r>
-            <a:r>
-              <a:rPr lang="en-US" sz="1800" dirty="0" err="1">
-                <a:solidFill>
-                  <a:schemeClr val="bg1"/>
-                </a:solidFill>
-                <a:effectLst/>
-                <a:latin typeface="SutonnyMJ" pitchFamily="2" charset="0"/>
-                <a:ea typeface="Calibri" panose="020F0502020204030204" pitchFamily="34" charset="0"/>
-                <a:cs typeface="Vrinda" panose="020B0502040204020203" pitchFamily="34" charset="0"/>
-              </a:rPr>
-              <a:t>bvgx</a:t>
-            </a:r>
-            <a:r>
-              <a:rPr lang="en-US" sz="1800" dirty="0">
-                <a:solidFill>
-                  <a:schemeClr val="bg1"/>
-                </a:solidFill>
-                <a:effectLst/>
-                <a:latin typeface="SutonnyMJ" pitchFamily="2" charset="0"/>
-                <a:ea typeface="Calibri" panose="020F0502020204030204" pitchFamily="34" charset="0"/>
-                <a:cs typeface="Vrinda" panose="020B0502040204020203" pitchFamily="34" charset="0"/>
-              </a:rPr>
-              <a:t> </a:t>
-            </a:r>
-            <a:r>
-              <a:rPr lang="en-US" sz="1800" dirty="0" err="1">
-                <a:solidFill>
-                  <a:schemeClr val="bg1"/>
-                </a:solidFill>
-                <a:effectLst/>
-                <a:latin typeface="SutonnyMJ" pitchFamily="2" charset="0"/>
-                <a:ea typeface="Calibri" panose="020F0502020204030204" pitchFamily="34" charset="0"/>
-                <a:cs typeface="Vrinda" panose="020B0502040204020203" pitchFamily="34" charset="0"/>
-              </a:rPr>
-              <a:t>cÖwZôvb</a:t>
-            </a:r>
-            <a:r>
-              <a:rPr lang="en-US" sz="1800" dirty="0">
-                <a:solidFill>
-                  <a:schemeClr val="bg1"/>
-                </a:solidFill>
-                <a:effectLst/>
-                <a:latin typeface="SutonnyMJ" pitchFamily="2" charset="0"/>
-                <a:ea typeface="Calibri" panose="020F0502020204030204" pitchFamily="34" charset="0"/>
-                <a:cs typeface="Vrinda" panose="020B0502040204020203" pitchFamily="34" charset="0"/>
-              </a:rPr>
-              <a:t>, ¯‹</a:t>
-            </a:r>
-            <a:r>
-              <a:rPr lang="en-US" sz="1800" dirty="0" err="1">
-                <a:solidFill>
-                  <a:schemeClr val="bg1"/>
-                </a:solidFill>
-                <a:effectLst/>
-                <a:latin typeface="SutonnyMJ" pitchFamily="2" charset="0"/>
-                <a:ea typeface="Calibri" panose="020F0502020204030204" pitchFamily="34" charset="0"/>
-                <a:cs typeface="Vrinda" panose="020B0502040204020203" pitchFamily="34" charset="0"/>
-              </a:rPr>
-              <a:t>zj</a:t>
-            </a:r>
-            <a:r>
-              <a:rPr lang="en-US" sz="1800" dirty="0">
-                <a:solidFill>
-                  <a:schemeClr val="bg1"/>
-                </a:solidFill>
-                <a:effectLst/>
-                <a:latin typeface="SutonnyMJ" pitchFamily="2" charset="0"/>
-                <a:ea typeface="Calibri" panose="020F0502020204030204" pitchFamily="34" charset="0"/>
-                <a:cs typeface="Vrinda" panose="020B0502040204020203" pitchFamily="34" charset="0"/>
-              </a:rPr>
-              <a:t> </a:t>
-            </a:r>
-            <a:r>
-              <a:rPr lang="en-US" sz="1800" dirty="0" err="1">
-                <a:solidFill>
-                  <a:schemeClr val="bg1"/>
-                </a:solidFill>
-                <a:effectLst/>
-                <a:latin typeface="SutonnyMJ" pitchFamily="2" charset="0"/>
-                <a:ea typeface="Calibri" panose="020F0502020204030204" pitchFamily="34" charset="0"/>
-                <a:cs typeface="Vrinda" panose="020B0502040204020203" pitchFamily="34" charset="0"/>
-              </a:rPr>
-              <a:t>Ges</a:t>
-            </a:r>
-            <a:r>
-              <a:rPr lang="en-US" sz="1800" dirty="0">
-                <a:solidFill>
-                  <a:schemeClr val="bg1"/>
-                </a:solidFill>
-                <a:effectLst/>
-                <a:latin typeface="SutonnyMJ" pitchFamily="2" charset="0"/>
-                <a:ea typeface="Calibri" panose="020F0502020204030204" pitchFamily="34" charset="0"/>
-                <a:cs typeface="Vrinda" panose="020B0502040204020203" pitchFamily="34" charset="0"/>
-              </a:rPr>
-              <a:t> </a:t>
-            </a:r>
-            <a:r>
-              <a:rPr lang="en-US" sz="1800" dirty="0" err="1">
-                <a:solidFill>
-                  <a:schemeClr val="bg1"/>
-                </a:solidFill>
-                <a:effectLst/>
-                <a:latin typeface="SutonnyMJ" pitchFamily="2" charset="0"/>
-                <a:ea typeface="Calibri" panose="020F0502020204030204" pitchFamily="34" charset="0"/>
-                <a:cs typeface="Vrinda" panose="020B0502040204020203" pitchFamily="34" charset="0"/>
-              </a:rPr>
-              <a:t>K‡j‡Ri</a:t>
-            </a:r>
-            <a:r>
-              <a:rPr lang="en-US" sz="1800" dirty="0">
-                <a:solidFill>
-                  <a:schemeClr val="bg1"/>
-                </a:solidFill>
-                <a:effectLst/>
-                <a:latin typeface="SutonnyMJ" pitchFamily="2" charset="0"/>
-                <a:ea typeface="Calibri" panose="020F0502020204030204" pitchFamily="34" charset="0"/>
-                <a:cs typeface="Vrinda" panose="020B0502040204020203" pitchFamily="34" charset="0"/>
-              </a:rPr>
-              <a:t> </a:t>
-            </a:r>
-            <a:r>
-              <a:rPr lang="en-US" sz="1800" dirty="0" err="1">
-                <a:solidFill>
-                  <a:schemeClr val="bg1"/>
-                </a:solidFill>
-                <a:effectLst/>
-                <a:latin typeface="SutonnyMJ" pitchFamily="2" charset="0"/>
-                <a:ea typeface="Calibri" panose="020F0502020204030204" pitchFamily="34" charset="0"/>
-                <a:cs typeface="Vrinda" panose="020B0502040204020203" pitchFamily="34" charset="0"/>
-              </a:rPr>
-              <a:t>cÖwkwÿZ</a:t>
-            </a:r>
-            <a:r>
-              <a:rPr lang="en-US" sz="1800" dirty="0">
-                <a:solidFill>
-                  <a:schemeClr val="bg1"/>
-                </a:solidFill>
-                <a:effectLst/>
-                <a:latin typeface="SutonnyMJ" pitchFamily="2" charset="0"/>
-                <a:ea typeface="Calibri" panose="020F0502020204030204" pitchFamily="34" charset="0"/>
-                <a:cs typeface="Vrinda" panose="020B0502040204020203" pitchFamily="34" charset="0"/>
-              </a:rPr>
-              <a:t> </a:t>
-            </a:r>
-            <a:r>
-              <a:rPr lang="en-US" sz="1800" dirty="0" err="1">
-                <a:solidFill>
-                  <a:schemeClr val="bg1"/>
-                </a:solidFill>
-                <a:effectLst/>
-                <a:latin typeface="SutonnyMJ" pitchFamily="2" charset="0"/>
-                <a:ea typeface="Calibri" panose="020F0502020204030204" pitchFamily="34" charset="0"/>
-                <a:cs typeface="Vrinda" panose="020B0502040204020203" pitchFamily="34" charset="0"/>
-              </a:rPr>
-              <a:t>wkÿK</a:t>
-            </a:r>
-            <a:r>
-              <a:rPr lang="en-US" sz="1800" dirty="0">
-                <a:solidFill>
-                  <a:schemeClr val="bg1"/>
-                </a:solidFill>
-                <a:effectLst/>
-                <a:latin typeface="SutonnyMJ" pitchFamily="2" charset="0"/>
-                <a:ea typeface="Calibri" panose="020F0502020204030204" pitchFamily="34" charset="0"/>
-                <a:cs typeface="Vrinda" panose="020B0502040204020203" pitchFamily="34" charset="0"/>
-              </a:rPr>
-              <a:t>‡`</a:t>
-            </a:r>
-            <a:r>
-              <a:rPr lang="en-US" sz="1800" dirty="0" err="1">
-                <a:solidFill>
-                  <a:schemeClr val="bg1"/>
-                </a:solidFill>
-                <a:effectLst/>
-                <a:latin typeface="SutonnyMJ" pitchFamily="2" charset="0"/>
-                <a:ea typeface="Calibri" panose="020F0502020204030204" pitchFamily="34" charset="0"/>
-                <a:cs typeface="Vrinda" panose="020B0502040204020203" pitchFamily="34" charset="0"/>
-              </a:rPr>
-              <a:t>i</a:t>
-            </a:r>
-            <a:r>
-              <a:rPr lang="en-US" sz="1800" dirty="0">
-                <a:solidFill>
-                  <a:schemeClr val="bg1"/>
-                </a:solidFill>
-                <a:effectLst/>
-                <a:latin typeface="SutonnyMJ" pitchFamily="2" charset="0"/>
-                <a:ea typeface="Calibri" panose="020F0502020204030204" pitchFamily="34" charset="0"/>
-                <a:cs typeface="Vrinda" panose="020B0502040204020203" pitchFamily="34" charset="0"/>
-              </a:rPr>
-              <a:t> </a:t>
-            </a:r>
-            <a:r>
-              <a:rPr lang="en-US" sz="1800" dirty="0" err="1">
-                <a:solidFill>
-                  <a:schemeClr val="bg1"/>
-                </a:solidFill>
-                <a:effectLst/>
-                <a:latin typeface="SutonnyMJ" pitchFamily="2" charset="0"/>
-                <a:ea typeface="Calibri" panose="020F0502020204030204" pitchFamily="34" charset="0"/>
-                <a:cs typeface="Vrinda" panose="020B0502040204020203" pitchFamily="34" charset="0"/>
-              </a:rPr>
-              <a:t>Køvm</a:t>
-            </a:r>
-            <a:r>
-              <a:rPr lang="en-US" sz="1800" dirty="0">
-                <a:solidFill>
-                  <a:schemeClr val="bg1"/>
-                </a:solidFill>
-                <a:effectLst/>
-                <a:latin typeface="SutonnyMJ" pitchFamily="2" charset="0"/>
-                <a:ea typeface="Calibri" panose="020F0502020204030204" pitchFamily="34" charset="0"/>
-                <a:cs typeface="Vrinda" panose="020B0502040204020203" pitchFamily="34" charset="0"/>
-              </a:rPr>
-              <a:t> </a:t>
-            </a:r>
-            <a:r>
-              <a:rPr lang="en-US" sz="1800" dirty="0" err="1">
-                <a:solidFill>
-                  <a:schemeClr val="bg1"/>
-                </a:solidFill>
-                <a:effectLst/>
-                <a:latin typeface="SutonnyMJ" pitchFamily="2" charset="0"/>
-                <a:ea typeface="Calibri" panose="020F0502020204030204" pitchFamily="34" charset="0"/>
-                <a:cs typeface="Vrinda" panose="020B0502040204020203" pitchFamily="34" charset="0"/>
-              </a:rPr>
-              <a:t>Kivi</a:t>
-            </a:r>
-            <a:r>
-              <a:rPr lang="en-US" sz="1800" dirty="0">
-                <a:solidFill>
-                  <a:schemeClr val="bg1"/>
-                </a:solidFill>
-                <a:effectLst/>
-                <a:latin typeface="SutonnyMJ" pitchFamily="2" charset="0"/>
-                <a:ea typeface="Calibri" panose="020F0502020204030204" pitchFamily="34" charset="0"/>
-                <a:cs typeface="Vrinda" panose="020B0502040204020203" pitchFamily="34" charset="0"/>
-              </a:rPr>
-              <a:t> </a:t>
-            </a:r>
-            <a:r>
-              <a:rPr lang="en-US" sz="1800" dirty="0" err="1">
-                <a:solidFill>
-                  <a:schemeClr val="bg1"/>
-                </a:solidFill>
-                <a:effectLst/>
-                <a:latin typeface="SutonnyMJ" pitchFamily="2" charset="0"/>
-                <a:ea typeface="Calibri" panose="020F0502020204030204" pitchFamily="34" charset="0"/>
-                <a:cs typeface="Vrinda" panose="020B0502040204020203" pitchFamily="34" charset="0"/>
-              </a:rPr>
-              <a:t>myweav</a:t>
-            </a:r>
-            <a:endParaRPr lang="en-US" sz="1800" dirty="0">
-              <a:solidFill>
-                <a:schemeClr val="bg1"/>
-              </a:solidFill>
-              <a:effectLst/>
-              <a:latin typeface="Calibri" panose="020F0502020204030204" pitchFamily="34" charset="0"/>
-              <a:ea typeface="Calibri" panose="020F0502020204030204" pitchFamily="34" charset="0"/>
-              <a:cs typeface="Vrinda" panose="020B0502040204020203" pitchFamily="34" charset="0"/>
-            </a:endParaRPr>
-          </a:p>
-          <a:p>
-            <a:pPr marL="0" indent="0">
-              <a:buNone/>
-            </a:pPr>
-            <a:r>
-              <a:rPr lang="en-US" sz="1800" dirty="0">
-                <a:solidFill>
-                  <a:schemeClr val="bg1"/>
-                </a:solidFill>
-                <a:effectLst/>
-                <a:latin typeface="SutonnyMJ" pitchFamily="2" charset="0"/>
-                <a:ea typeface="Calibri" panose="020F0502020204030204" pitchFamily="34" charset="0"/>
-                <a:cs typeface="Vrinda" panose="020B0502040204020203" pitchFamily="34" charset="0"/>
-              </a:rPr>
-              <a:t>11. </a:t>
-            </a:r>
-            <a:r>
-              <a:rPr lang="en-US" sz="1800" dirty="0" err="1">
-                <a:solidFill>
-                  <a:schemeClr val="bg1"/>
-                </a:solidFill>
-                <a:effectLst/>
-                <a:latin typeface="SutonnyMJ" pitchFamily="2" charset="0"/>
-                <a:ea typeface="Calibri" panose="020F0502020204030204" pitchFamily="34" charset="0"/>
-                <a:cs typeface="Vrinda" panose="020B0502040204020203" pitchFamily="34" charset="0"/>
-              </a:rPr>
-              <a:t>jKWvDb</a:t>
-            </a:r>
-            <a:r>
-              <a:rPr lang="en-US" sz="1800" dirty="0">
-                <a:solidFill>
-                  <a:schemeClr val="bg1"/>
-                </a:solidFill>
-                <a:effectLst/>
-                <a:latin typeface="SutonnyMJ" pitchFamily="2" charset="0"/>
-                <a:ea typeface="Calibri" panose="020F0502020204030204" pitchFamily="34" charset="0"/>
-                <a:cs typeface="Vrinda" panose="020B0502040204020203" pitchFamily="34" charset="0"/>
-              </a:rPr>
-              <a:t> Ae¯’</a:t>
-            </a:r>
-            <a:r>
-              <a:rPr lang="en-US" sz="1800" dirty="0" err="1">
-                <a:solidFill>
-                  <a:schemeClr val="bg1"/>
-                </a:solidFill>
-                <a:effectLst/>
-                <a:latin typeface="SutonnyMJ" pitchFamily="2" charset="0"/>
-                <a:ea typeface="Calibri" panose="020F0502020204030204" pitchFamily="34" charset="0"/>
-                <a:cs typeface="Vrinda" panose="020B0502040204020203" pitchFamily="34" charset="0"/>
-              </a:rPr>
-              <a:t>v‡ZI</a:t>
-            </a:r>
-            <a:r>
-              <a:rPr lang="en-US" sz="1800" dirty="0">
-                <a:solidFill>
-                  <a:schemeClr val="bg1"/>
-                </a:solidFill>
-                <a:effectLst/>
-                <a:latin typeface="SutonnyMJ" pitchFamily="2" charset="0"/>
-                <a:ea typeface="Calibri" panose="020F0502020204030204" pitchFamily="34" charset="0"/>
-                <a:cs typeface="Vrinda" panose="020B0502040204020203" pitchFamily="34" charset="0"/>
-              </a:rPr>
-              <a:t> †</a:t>
-            </a:r>
-            <a:r>
-              <a:rPr lang="en-US" sz="1800" dirty="0" err="1">
-                <a:solidFill>
-                  <a:schemeClr val="bg1"/>
-                </a:solidFill>
-                <a:effectLst/>
-                <a:latin typeface="SutonnyMJ" pitchFamily="2" charset="0"/>
-                <a:ea typeface="Calibri" panose="020F0502020204030204" pitchFamily="34" charset="0"/>
-                <a:cs typeface="Vrinda" panose="020B0502040204020203" pitchFamily="34" charset="0"/>
-              </a:rPr>
-              <a:t>jLvcovq</a:t>
-            </a:r>
-            <a:r>
-              <a:rPr lang="en-US" sz="1800" dirty="0">
-                <a:solidFill>
-                  <a:schemeClr val="bg1"/>
-                </a:solidFill>
-                <a:effectLst/>
-                <a:latin typeface="SutonnyMJ" pitchFamily="2" charset="0"/>
-                <a:ea typeface="Calibri" panose="020F0502020204030204" pitchFamily="34" charset="0"/>
-                <a:cs typeface="Vrinda" panose="020B0502040204020203" pitchFamily="34" charset="0"/>
-              </a:rPr>
-              <a:t> </a:t>
-            </a:r>
-            <a:r>
-              <a:rPr lang="en-US" sz="1800" dirty="0" err="1">
-                <a:solidFill>
-                  <a:schemeClr val="bg1"/>
-                </a:solidFill>
-                <a:effectLst/>
-                <a:latin typeface="SutonnyMJ" pitchFamily="2" charset="0"/>
-                <a:ea typeface="Calibri" panose="020F0502020204030204" pitchFamily="34" charset="0"/>
-                <a:cs typeface="Vrinda" panose="020B0502040204020203" pitchFamily="34" charset="0"/>
-              </a:rPr>
-              <a:t>AMÖMwZ</a:t>
-            </a:r>
-            <a:r>
-              <a:rPr lang="en-US" sz="1800" dirty="0">
-                <a:solidFill>
-                  <a:schemeClr val="bg1"/>
-                </a:solidFill>
-                <a:effectLst/>
-                <a:latin typeface="SutonnyMJ" pitchFamily="2" charset="0"/>
-                <a:ea typeface="Calibri" panose="020F0502020204030204" pitchFamily="34" charset="0"/>
-                <a:cs typeface="Vrinda" panose="020B0502040204020203" pitchFamily="34" charset="0"/>
-              </a:rPr>
-              <a:t> </a:t>
-            </a:r>
-            <a:r>
-              <a:rPr lang="en-US" sz="1800" dirty="0" err="1">
-                <a:solidFill>
-                  <a:schemeClr val="bg1"/>
-                </a:solidFill>
-                <a:effectLst/>
-                <a:latin typeface="SutonnyMJ" pitchFamily="2" charset="0"/>
-                <a:ea typeface="Calibri" panose="020F0502020204030204" pitchFamily="34" charset="0"/>
-                <a:cs typeface="Vrinda" panose="020B0502040204020203" pitchFamily="34" charset="0"/>
-              </a:rPr>
-              <a:t>jv‡fi</a:t>
-            </a:r>
-            <a:r>
-              <a:rPr lang="en-US" sz="1800" dirty="0">
-                <a:solidFill>
-                  <a:schemeClr val="bg1"/>
-                </a:solidFill>
-                <a:effectLst/>
-                <a:latin typeface="SutonnyMJ" pitchFamily="2" charset="0"/>
-                <a:ea typeface="Calibri" panose="020F0502020204030204" pitchFamily="34" charset="0"/>
-                <a:cs typeface="Vrinda" panose="020B0502040204020203" pitchFamily="34" charset="0"/>
-              </a:rPr>
-              <a:t> </a:t>
-            </a:r>
-            <a:r>
-              <a:rPr lang="en-US" sz="1800" dirty="0" err="1">
-                <a:solidFill>
-                  <a:schemeClr val="bg1"/>
-                </a:solidFill>
-                <a:effectLst/>
-                <a:latin typeface="SutonnyMJ" pitchFamily="2" charset="0"/>
-                <a:ea typeface="Calibri" panose="020F0502020204030204" pitchFamily="34" charset="0"/>
-                <a:cs typeface="Vrinda" panose="020B0502040204020203" pitchFamily="34" charset="0"/>
-              </a:rPr>
-              <a:t>my‡hvM</a:t>
-            </a:r>
-            <a:endParaRPr lang="en-US" dirty="0">
-              <a:solidFill>
-                <a:schemeClr val="bg1"/>
-              </a:solidFill>
-              <a:latin typeface="SutonnyMJ" pitchFamily="2" charset="0"/>
-            </a:endParaRPr>
-          </a:p>
-        </p:txBody>
-      </p:sp>
-      <p:sp>
-        <p:nvSpPr>
-          <p:cNvPr id="4" name="Text Placeholder 3"/>
-          <p:cNvSpPr>
-            <a:spLocks noGrp="1"/>
-          </p:cNvSpPr>
-          <p:nvPr>
-            <p:ph type="body" sz="half" idx="2"/>
-          </p:nvPr>
-        </p:nvSpPr>
-        <p:spPr>
-          <a:xfrm>
-            <a:off x="5943600" y="2057400"/>
-            <a:ext cx="3200400" cy="1447798"/>
-          </a:xfrm>
-        </p:spPr>
-        <p:txBody>
-          <a:bodyPr>
-            <a:normAutofit/>
-          </a:bodyPr>
-          <a:lstStyle/>
-          <a:p>
-            <a:pPr algn="ctr"/>
-            <a:r>
-              <a:rPr lang="en-US" sz="2800" dirty="0" err="1">
-                <a:solidFill>
-                  <a:schemeClr val="bg1"/>
-                </a:solidFill>
-                <a:effectLst/>
-                <a:latin typeface="SutonnyMJ" pitchFamily="2" charset="0"/>
-                <a:ea typeface="Calibri" panose="020F0502020204030204" pitchFamily="34" charset="0"/>
-                <a:cs typeface="Vrinda" panose="020B0502040204020203" pitchFamily="34" charset="0"/>
-              </a:rPr>
-              <a:t>wkÿv_x</a:t>
-            </a:r>
-            <a:r>
-              <a:rPr lang="en-US" sz="2800" dirty="0">
-                <a:solidFill>
-                  <a:schemeClr val="bg1"/>
-                </a:solidFill>
-                <a:effectLst/>
-                <a:latin typeface="SutonnyMJ" pitchFamily="2" charset="0"/>
-                <a:ea typeface="Calibri" panose="020F0502020204030204" pitchFamily="34" charset="0"/>
-                <a:cs typeface="Vrinda" panose="020B0502040204020203" pitchFamily="34" charset="0"/>
-              </a:rPr>
-              <a:t>©‡`</a:t>
-            </a:r>
-            <a:r>
-              <a:rPr lang="en-US" sz="2800" dirty="0" err="1">
-                <a:solidFill>
-                  <a:schemeClr val="bg1"/>
-                </a:solidFill>
-                <a:effectLst/>
-                <a:latin typeface="SutonnyMJ" pitchFamily="2" charset="0"/>
-                <a:ea typeface="Calibri" panose="020F0502020204030204" pitchFamily="34" charset="0"/>
-                <a:cs typeface="Vrinda" panose="020B0502040204020203" pitchFamily="34" charset="0"/>
-              </a:rPr>
-              <a:t>i</a:t>
-            </a:r>
-            <a:r>
-              <a:rPr lang="en-US" sz="2800" dirty="0">
-                <a:solidFill>
-                  <a:schemeClr val="bg1"/>
-                </a:solidFill>
-                <a:effectLst/>
-                <a:latin typeface="SutonnyMJ" pitchFamily="2" charset="0"/>
-                <a:ea typeface="Calibri" panose="020F0502020204030204" pitchFamily="34" charset="0"/>
-                <a:cs typeface="Vrinda" panose="020B0502040204020203" pitchFamily="34" charset="0"/>
-              </a:rPr>
-              <a:t> </a:t>
-            </a:r>
-            <a:r>
-              <a:rPr lang="en-US" sz="2800" dirty="0" err="1">
-                <a:solidFill>
-                  <a:schemeClr val="bg1"/>
-                </a:solidFill>
-                <a:effectLst/>
-                <a:latin typeface="SutonnyOMJ" panose="01010600010101010101" pitchFamily="2" charset="0"/>
-                <a:ea typeface="Calibri" panose="020F0502020204030204" pitchFamily="34" charset="0"/>
-                <a:cs typeface="SutonnyOMJ" panose="01010600010101010101" pitchFamily="2" charset="0"/>
-              </a:rPr>
-              <a:t>জন্য</a:t>
-            </a:r>
-            <a:r>
-              <a:rPr lang="en-US" sz="2800" dirty="0">
-                <a:solidFill>
-                  <a:schemeClr val="bg1"/>
-                </a:solidFill>
-                <a:effectLst/>
-                <a:latin typeface="SutonnyMJ" pitchFamily="2" charset="0"/>
-                <a:ea typeface="Calibri" panose="020F0502020204030204" pitchFamily="34" charset="0"/>
-                <a:cs typeface="Vrinda" panose="020B0502040204020203" pitchFamily="34" charset="0"/>
-              </a:rPr>
-              <a:t> </a:t>
-            </a:r>
-            <a:r>
-              <a:rPr lang="en-US" sz="2800" dirty="0" err="1">
-                <a:solidFill>
-                  <a:schemeClr val="bg1"/>
-                </a:solidFill>
-                <a:effectLst/>
-                <a:latin typeface="SutonnyMJ" pitchFamily="2" charset="0"/>
-                <a:ea typeface="Calibri" panose="020F0502020204030204" pitchFamily="34" charset="0"/>
-                <a:cs typeface="Vrinda" panose="020B0502040204020203" pitchFamily="34" charset="0"/>
-              </a:rPr>
-              <a:t>my‡hvM-myweavmg~n</a:t>
-            </a:r>
-            <a:endParaRPr lang="en-US" sz="2400" dirty="0">
-              <a:solidFill>
-                <a:schemeClr val="bg1"/>
-              </a:solidFill>
-            </a:endParaRPr>
-          </a:p>
-        </p:txBody>
-      </p:sp>
-      <p:pic>
-        <p:nvPicPr>
-          <p:cNvPr id="6" name="Picture 5"/>
-          <p:cNvPicPr>
-            <a:picLocks noChangeAspect="1"/>
-          </p:cNvPicPr>
-          <p:nvPr/>
-        </p:nvPicPr>
-        <p:blipFill>
-          <a:blip r:embed="rId2" cstate="print">
-            <a:extLst>
-              <a:ext uri="{28A0092B-C50C-407E-A947-70E740481C1C}">
-                <a14:useLocalDpi xmlns:a14="http://schemas.microsoft.com/office/drawing/2010/main" val="0"/>
-              </a:ext>
-            </a:extLst>
-          </a:blip>
-          <a:stretch>
-            <a:fillRect/>
-          </a:stretch>
-        </p:blipFill>
-        <p:spPr>
-          <a:xfrm>
-            <a:off x="7805530" y="5797826"/>
-            <a:ext cx="1232453" cy="970071"/>
-          </a:xfrm>
-          <a:prstGeom prst="rect">
-            <a:avLst/>
-          </a:prstGeom>
-        </p:spPr>
-      </p:pic>
-    </p:spTree>
-    <p:extLst>
-      <p:ext uri="{BB962C8B-B14F-4D97-AF65-F5344CB8AC3E}">
-        <p14:creationId xmlns:p14="http://schemas.microsoft.com/office/powerpoint/2010/main" val="3127357390"/>
-      </p:ext>
-    </p:extLst>
-  </p:cSld>
-  <p:clrMapOvr>
-    <a:masterClrMapping/>
-  </p:clrMapOvr>
+  <p:timing>
+    <p:tnLst>
+      <p:par>
+        <p:cTn id="1" dur="indefinite" restart="never" nodeType="tmRoot"/>
+      </p:par>
+    </p:tnLst>
+  </p:timing>
 </p:sld>
 </file>
 
@@ -11518,2319 +10706,24 @@
           <a:chExt cx="0" cy="0"/>
         </a:xfrm>
       </p:grpSpPr>
-      <p:sp>
-        <p:nvSpPr>
-          <p:cNvPr id="2" name="Title 1"/>
-          <p:cNvSpPr>
-            <a:spLocks noGrp="1"/>
-          </p:cNvSpPr>
-          <p:nvPr>
-            <p:ph type="title"/>
-          </p:nvPr>
-        </p:nvSpPr>
-        <p:spPr/>
-        <p:txBody>
-          <a:bodyPr>
-            <a:normAutofit/>
-          </a:bodyPr>
-          <a:lstStyle/>
-          <a:p>
-            <a:r>
-              <a:rPr lang="en-US" sz="4000" b="1" dirty="0" err="1">
-                <a:latin typeface="SutonnyOMJ" panose="01010600010101010101" pitchFamily="2" charset="0"/>
-                <a:cs typeface="SutonnyOMJ" panose="01010600010101010101" pitchFamily="2" charset="0"/>
-              </a:rPr>
-              <a:t>কেন</a:t>
-            </a:r>
-            <a:r>
-              <a:rPr lang="en-US" sz="4000" b="1" dirty="0">
-                <a:latin typeface="SutonnyOMJ" panose="01010600010101010101" pitchFamily="2" charset="0"/>
-                <a:cs typeface="SutonnyOMJ" panose="01010600010101010101" pitchFamily="2" charset="0"/>
-              </a:rPr>
-              <a:t> </a:t>
-            </a:r>
-            <a:r>
-              <a:rPr lang="en-US" sz="4000" b="1" dirty="0" err="1">
-                <a:latin typeface="SutonnyOMJ" panose="01010600010101010101" pitchFamily="2" charset="0"/>
-                <a:cs typeface="SutonnyOMJ" panose="01010600010101010101" pitchFamily="2" charset="0"/>
-              </a:rPr>
-              <a:t>সচেতন</a:t>
-            </a:r>
-            <a:r>
-              <a:rPr lang="en-US" sz="4000" b="1" dirty="0">
-                <a:latin typeface="SutonnyOMJ" panose="01010600010101010101" pitchFamily="2" charset="0"/>
-                <a:cs typeface="SutonnyOMJ" panose="01010600010101010101" pitchFamily="2" charset="0"/>
-              </a:rPr>
-              <a:t>???</a:t>
-            </a:r>
-            <a:endParaRPr lang="en-US" sz="4000" dirty="0">
-              <a:latin typeface="SutonnyMJ" pitchFamily="2" charset="0"/>
-            </a:endParaRPr>
-          </a:p>
-        </p:txBody>
-      </p:sp>
-      <p:sp>
-        <p:nvSpPr>
-          <p:cNvPr id="3" name="Content Placeholder 2"/>
-          <p:cNvSpPr>
-            <a:spLocks noGrp="1"/>
-          </p:cNvSpPr>
-          <p:nvPr>
-            <p:ph idx="1"/>
-          </p:nvPr>
-        </p:nvSpPr>
-        <p:spPr/>
-        <p:txBody>
-          <a:bodyPr>
-            <a:normAutofit fontScale="92500" lnSpcReduction="10000"/>
-          </a:bodyPr>
-          <a:lstStyle/>
-          <a:p>
-            <a:pPr marL="0" marR="0" indent="0" algn="just">
-              <a:lnSpc>
-                <a:spcPct val="107000"/>
-              </a:lnSpc>
-              <a:spcBef>
-                <a:spcPts val="0"/>
-              </a:spcBef>
-              <a:spcAft>
-                <a:spcPts val="800"/>
-              </a:spcAft>
-              <a:buNone/>
-            </a:pPr>
-            <a:r>
-              <a:rPr lang="en-US" sz="1800" dirty="0">
-                <a:solidFill>
-                  <a:schemeClr val="bg1"/>
-                </a:solidFill>
-                <a:effectLst/>
-                <a:latin typeface="SutonnyMJ" pitchFamily="2" charset="0"/>
-                <a:ea typeface="Calibri" panose="020F0502020204030204" pitchFamily="34" charset="0"/>
-                <a:cs typeface="Vrinda" panose="020B0502040204020203" pitchFamily="34" charset="0"/>
-              </a:rPr>
-              <a:t>1. </a:t>
-            </a:r>
-            <a:r>
-              <a:rPr lang="en-US" sz="1800" dirty="0" err="1">
-                <a:solidFill>
-                  <a:schemeClr val="bg1"/>
-                </a:solidFill>
-                <a:effectLst/>
-                <a:latin typeface="SutonnyMJ" pitchFamily="2" charset="0"/>
-                <a:ea typeface="Calibri" panose="020F0502020204030204" pitchFamily="34" charset="0"/>
-                <a:cs typeface="Vrinda" panose="020B0502040204020203" pitchFamily="34" charset="0"/>
-              </a:rPr>
-              <a:t>GKmv</a:t>
-            </a:r>
-            <a:r>
-              <a:rPr lang="en-US" sz="1800" dirty="0">
-                <a:solidFill>
-                  <a:schemeClr val="bg1"/>
-                </a:solidFill>
-                <a:effectLst/>
-                <a:latin typeface="SutonnyMJ" pitchFamily="2" charset="0"/>
-                <a:ea typeface="Calibri" panose="020F0502020204030204" pitchFamily="34" charset="0"/>
-                <a:cs typeface="Vrinda" panose="020B0502040204020203" pitchFamily="34" charset="0"/>
-              </a:rPr>
-              <a:t>‡_ </a:t>
-            </a:r>
-            <a:r>
-              <a:rPr lang="en-US" sz="1800" dirty="0" err="1">
-                <a:solidFill>
-                  <a:schemeClr val="bg1"/>
-                </a:solidFill>
-                <a:effectLst/>
-                <a:latin typeface="SutonnyMJ" pitchFamily="2" charset="0"/>
-                <a:ea typeface="Calibri" panose="020F0502020204030204" pitchFamily="34" charset="0"/>
-                <a:cs typeface="Vrinda" panose="020B0502040204020203" pitchFamily="34" charset="0"/>
-              </a:rPr>
-              <a:t>cÖwZ</a:t>
-            </a:r>
-            <a:r>
-              <a:rPr lang="en-US" sz="1800" dirty="0">
-                <a:solidFill>
-                  <a:schemeClr val="bg1"/>
-                </a:solidFill>
-                <a:effectLst/>
-                <a:latin typeface="SutonnyMJ" pitchFamily="2" charset="0"/>
-                <a:ea typeface="Calibri" panose="020F0502020204030204" pitchFamily="34" charset="0"/>
-                <a:cs typeface="Vrinda" panose="020B0502040204020203" pitchFamily="34" charset="0"/>
-              </a:rPr>
-              <a:t> </a:t>
-            </a:r>
-            <a:r>
-              <a:rPr lang="en-US" sz="1800" dirty="0" err="1">
-                <a:solidFill>
-                  <a:schemeClr val="bg1"/>
-                </a:solidFill>
-                <a:effectLst/>
-                <a:latin typeface="SutonnyOMJ" panose="01010600010101010101" pitchFamily="2" charset="0"/>
-                <a:ea typeface="Calibri" panose="020F0502020204030204" pitchFamily="34" charset="0"/>
-                <a:cs typeface="SutonnyOMJ" panose="01010600010101010101" pitchFamily="2" charset="0"/>
-              </a:rPr>
-              <a:t>ব্যাচে</a:t>
-            </a:r>
-            <a:r>
-              <a:rPr lang="en-US" sz="1800" dirty="0">
-                <a:solidFill>
-                  <a:schemeClr val="bg1"/>
-                </a:solidFill>
-                <a:effectLst/>
-                <a:latin typeface="SutonnyMJ" pitchFamily="2" charset="0"/>
-                <a:ea typeface="Calibri" panose="020F0502020204030204" pitchFamily="34" charset="0"/>
-                <a:cs typeface="Vrinda" panose="020B0502040204020203" pitchFamily="34" charset="0"/>
-              </a:rPr>
-              <a:t> 50 </a:t>
-            </a:r>
-            <a:r>
-              <a:rPr lang="en-US" sz="1800" dirty="0" err="1">
-                <a:solidFill>
-                  <a:schemeClr val="bg1"/>
-                </a:solidFill>
-                <a:effectLst/>
-                <a:latin typeface="SutonnyOMJ" panose="01010600010101010101" pitchFamily="2" charset="0"/>
-                <a:ea typeface="Calibri" panose="020F0502020204030204" pitchFamily="34" charset="0"/>
-                <a:cs typeface="SutonnyOMJ" panose="01010600010101010101" pitchFamily="2" charset="0"/>
-              </a:rPr>
-              <a:t>জন</a:t>
-            </a:r>
-            <a:r>
-              <a:rPr lang="en-US" sz="1800" dirty="0">
-                <a:solidFill>
-                  <a:schemeClr val="bg1"/>
-                </a:solidFill>
-                <a:effectLst/>
-                <a:latin typeface="SutonnyMJ" pitchFamily="2" charset="0"/>
-                <a:ea typeface="Calibri" panose="020F0502020204030204" pitchFamily="34" charset="0"/>
-                <a:cs typeface="Vrinda" panose="020B0502040204020203" pitchFamily="34" charset="0"/>
-              </a:rPr>
-              <a:t> </a:t>
-            </a:r>
-            <a:r>
-              <a:rPr lang="en-US" sz="1800" dirty="0" err="1">
-                <a:solidFill>
-                  <a:schemeClr val="bg1"/>
-                </a:solidFill>
-                <a:effectLst/>
-                <a:latin typeface="SutonnyMJ" pitchFamily="2" charset="0"/>
-                <a:ea typeface="Calibri" panose="020F0502020204030204" pitchFamily="34" charset="0"/>
-                <a:cs typeface="Vrinda" panose="020B0502040204020203" pitchFamily="34" charset="0"/>
-              </a:rPr>
-              <a:t>wkÿv</a:t>
-            </a:r>
-            <a:r>
-              <a:rPr lang="en-US" sz="1800" dirty="0">
-                <a:solidFill>
-                  <a:schemeClr val="bg1"/>
-                </a:solidFill>
-                <a:effectLst/>
-                <a:latin typeface="SutonnyMJ" pitchFamily="2" charset="0"/>
-                <a:ea typeface="Calibri" panose="020F0502020204030204" pitchFamily="34" charset="0"/>
-                <a:cs typeface="Vrinda" panose="020B0502040204020203" pitchFamily="34" charset="0"/>
-              </a:rPr>
-              <a:t>_©</a:t>
-            </a:r>
-            <a:r>
-              <a:rPr lang="en-US" sz="1800" dirty="0" err="1">
-                <a:solidFill>
-                  <a:schemeClr val="bg1"/>
-                </a:solidFill>
-                <a:effectLst/>
-                <a:latin typeface="SutonnyMJ" pitchFamily="2" charset="0"/>
-                <a:ea typeface="Calibri" panose="020F0502020204030204" pitchFamily="34" charset="0"/>
-                <a:cs typeface="Vrinda" panose="020B0502040204020203" pitchFamily="34" charset="0"/>
-              </a:rPr>
-              <a:t>x‡K</a:t>
-            </a:r>
-            <a:r>
-              <a:rPr lang="en-US" sz="1800" dirty="0">
-                <a:solidFill>
-                  <a:schemeClr val="bg1"/>
-                </a:solidFill>
-                <a:effectLst/>
-                <a:latin typeface="SutonnyMJ" pitchFamily="2" charset="0"/>
-                <a:ea typeface="Calibri" panose="020F0502020204030204" pitchFamily="34" charset="0"/>
-                <a:cs typeface="Vrinda" panose="020B0502040204020203" pitchFamily="34" charset="0"/>
-              </a:rPr>
-              <a:t> </a:t>
-            </a:r>
-            <a:r>
-              <a:rPr lang="en-US" sz="1800" dirty="0" err="1">
-                <a:solidFill>
-                  <a:schemeClr val="bg1"/>
-                </a:solidFill>
-                <a:effectLst/>
-                <a:latin typeface="SutonnyMJ" pitchFamily="2" charset="0"/>
-                <a:ea typeface="Calibri" panose="020F0502020204030204" pitchFamily="34" charset="0"/>
-                <a:cs typeface="Vrinda" panose="020B0502040204020203" pitchFamily="34" charset="0"/>
-              </a:rPr>
-              <a:t>K¬vm</a:t>
-            </a:r>
-            <a:r>
-              <a:rPr lang="en-US" sz="1800" dirty="0">
-                <a:solidFill>
-                  <a:schemeClr val="bg1"/>
-                </a:solidFill>
-                <a:effectLst/>
-                <a:latin typeface="SutonnyMJ" pitchFamily="2" charset="0"/>
-                <a:ea typeface="Calibri" panose="020F0502020204030204" pitchFamily="34" charset="0"/>
-                <a:cs typeface="Vrinda" panose="020B0502040204020203" pitchFamily="34" charset="0"/>
-              </a:rPr>
-              <a:t> </a:t>
-            </a:r>
-            <a:r>
-              <a:rPr lang="en-US" sz="1800" dirty="0" err="1">
-                <a:solidFill>
-                  <a:schemeClr val="bg1"/>
-                </a:solidFill>
-                <a:effectLst/>
-                <a:latin typeface="SutonnyMJ" pitchFamily="2" charset="0"/>
-                <a:ea typeface="Calibri" panose="020F0502020204030204" pitchFamily="34" charset="0"/>
-                <a:cs typeface="Vrinda" panose="020B0502040204020203" pitchFamily="34" charset="0"/>
-              </a:rPr>
-              <a:t>Kiv‡bvi</a:t>
-            </a:r>
-            <a:r>
-              <a:rPr lang="en-US" sz="1800" dirty="0">
-                <a:solidFill>
-                  <a:schemeClr val="bg1"/>
-                </a:solidFill>
-                <a:effectLst/>
-                <a:latin typeface="SutonnyMJ" pitchFamily="2" charset="0"/>
-                <a:ea typeface="Calibri" panose="020F0502020204030204" pitchFamily="34" charset="0"/>
-                <a:cs typeface="Vrinda" panose="020B0502040204020203" pitchFamily="34" charset="0"/>
-              </a:rPr>
-              <a:t> </a:t>
-            </a:r>
-            <a:r>
-              <a:rPr lang="en-US" sz="1800" dirty="0" err="1">
-                <a:solidFill>
-                  <a:schemeClr val="bg1"/>
-                </a:solidFill>
-                <a:effectLst/>
-                <a:latin typeface="SutonnyMJ" pitchFamily="2" charset="0"/>
-                <a:ea typeface="Calibri" panose="020F0502020204030204" pitchFamily="34" charset="0"/>
-                <a:cs typeface="Vrinda" panose="020B0502040204020203" pitchFamily="34" charset="0"/>
-              </a:rPr>
-              <a:t>myweav</a:t>
-            </a:r>
-            <a:endParaRPr lang="en-US" sz="1800" dirty="0">
-              <a:solidFill>
-                <a:schemeClr val="bg1"/>
-              </a:solidFill>
-              <a:effectLst/>
-              <a:latin typeface="Calibri" panose="020F0502020204030204" pitchFamily="34" charset="0"/>
-              <a:ea typeface="Calibri" panose="020F0502020204030204" pitchFamily="34" charset="0"/>
-              <a:cs typeface="Vrinda" panose="020B0502040204020203" pitchFamily="34" charset="0"/>
-            </a:endParaRPr>
-          </a:p>
-          <a:p>
-            <a:pPr marL="0" marR="0" indent="0" algn="just">
-              <a:lnSpc>
-                <a:spcPct val="107000"/>
-              </a:lnSpc>
-              <a:spcBef>
-                <a:spcPts val="0"/>
-              </a:spcBef>
-              <a:spcAft>
-                <a:spcPts val="800"/>
-              </a:spcAft>
-              <a:buNone/>
-            </a:pPr>
-            <a:r>
-              <a:rPr lang="en-US" sz="1800" dirty="0">
-                <a:solidFill>
-                  <a:schemeClr val="bg1"/>
-                </a:solidFill>
-                <a:effectLst/>
-                <a:latin typeface="SutonnyMJ" pitchFamily="2" charset="0"/>
-                <a:ea typeface="Calibri" panose="020F0502020204030204" pitchFamily="34" charset="0"/>
-                <a:cs typeface="Vrinda" panose="020B0502040204020203" pitchFamily="34" charset="0"/>
-              </a:rPr>
-              <a:t>2. GK </a:t>
-            </a:r>
-            <a:r>
-              <a:rPr lang="en-US" sz="1800" dirty="0" err="1">
-                <a:solidFill>
-                  <a:schemeClr val="bg1"/>
-                </a:solidFill>
-                <a:latin typeface="SutonnyOMJ" panose="01010600010101010101" pitchFamily="2" charset="0"/>
-                <a:ea typeface="Calibri" panose="020F0502020204030204" pitchFamily="34" charset="0"/>
-                <a:cs typeface="SutonnyOMJ" panose="01010600010101010101" pitchFamily="2" charset="0"/>
-              </a:rPr>
-              <a:t>প্ল্যাটফর্মে</a:t>
-            </a:r>
-            <a:r>
-              <a:rPr lang="en-US" sz="1800" dirty="0">
-                <a:solidFill>
-                  <a:schemeClr val="bg1"/>
-                </a:solidFill>
-                <a:effectLst/>
-                <a:latin typeface="SutonnyMJ" pitchFamily="2" charset="0"/>
-                <a:ea typeface="Calibri" panose="020F0502020204030204" pitchFamily="34" charset="0"/>
-                <a:cs typeface="Vrinda" panose="020B0502040204020203" pitchFamily="34" charset="0"/>
-              </a:rPr>
-              <a:t> </a:t>
-            </a:r>
-            <a:r>
-              <a:rPr lang="en-US" sz="1800" dirty="0" err="1">
-                <a:solidFill>
-                  <a:schemeClr val="bg1"/>
-                </a:solidFill>
-                <a:effectLst/>
-                <a:latin typeface="SutonnyMJ" pitchFamily="2" charset="0"/>
-                <a:ea typeface="Calibri" panose="020F0502020204030204" pitchFamily="34" charset="0"/>
-                <a:cs typeface="Vrinda" panose="020B0502040204020203" pitchFamily="34" charset="0"/>
-              </a:rPr>
-              <a:t>nvRv‡iv</a:t>
-            </a:r>
-            <a:r>
-              <a:rPr lang="en-US" sz="1800" dirty="0">
-                <a:solidFill>
-                  <a:schemeClr val="bg1"/>
-                </a:solidFill>
-                <a:effectLst/>
-                <a:latin typeface="SutonnyMJ" pitchFamily="2" charset="0"/>
-                <a:ea typeface="Calibri" panose="020F0502020204030204" pitchFamily="34" charset="0"/>
-                <a:cs typeface="Vrinda" panose="020B0502040204020203" pitchFamily="34" charset="0"/>
-              </a:rPr>
-              <a:t> </a:t>
-            </a:r>
-            <a:r>
-              <a:rPr lang="en-US" sz="1800" dirty="0" err="1">
-                <a:solidFill>
-                  <a:schemeClr val="bg1"/>
-                </a:solidFill>
-                <a:effectLst/>
-                <a:latin typeface="SutonnyMJ" pitchFamily="2" charset="0"/>
-                <a:ea typeface="Calibri" panose="020F0502020204030204" pitchFamily="34" charset="0"/>
-                <a:cs typeface="Vrinda" panose="020B0502040204020203" pitchFamily="34" charset="0"/>
-              </a:rPr>
-              <a:t>wkÿv</a:t>
-            </a:r>
-            <a:r>
-              <a:rPr lang="en-US" sz="1800" dirty="0">
-                <a:solidFill>
-                  <a:schemeClr val="bg1"/>
-                </a:solidFill>
-                <a:effectLst/>
-                <a:latin typeface="SutonnyMJ" pitchFamily="2" charset="0"/>
-                <a:ea typeface="Calibri" panose="020F0502020204030204" pitchFamily="34" charset="0"/>
-                <a:cs typeface="Vrinda" panose="020B0502040204020203" pitchFamily="34" charset="0"/>
-              </a:rPr>
-              <a:t>_©x</a:t>
-            </a:r>
-            <a:endParaRPr lang="en-US" sz="1800" dirty="0">
-              <a:solidFill>
-                <a:schemeClr val="bg1"/>
-              </a:solidFill>
-              <a:effectLst/>
-              <a:latin typeface="Calibri" panose="020F0502020204030204" pitchFamily="34" charset="0"/>
-              <a:ea typeface="Calibri" panose="020F0502020204030204" pitchFamily="34" charset="0"/>
-              <a:cs typeface="Vrinda" panose="020B0502040204020203" pitchFamily="34" charset="0"/>
-            </a:endParaRPr>
-          </a:p>
-          <a:p>
-            <a:pPr marL="0" marR="0" indent="0" algn="just">
-              <a:lnSpc>
-                <a:spcPct val="107000"/>
-              </a:lnSpc>
-              <a:spcBef>
-                <a:spcPts val="0"/>
-              </a:spcBef>
-              <a:spcAft>
-                <a:spcPts val="800"/>
-              </a:spcAft>
-              <a:buNone/>
-            </a:pPr>
-            <a:r>
-              <a:rPr lang="en-US" sz="1800" dirty="0">
-                <a:solidFill>
-                  <a:schemeClr val="bg1"/>
-                </a:solidFill>
-                <a:effectLst/>
-                <a:latin typeface="SutonnyMJ" pitchFamily="2" charset="0"/>
-                <a:ea typeface="Calibri" panose="020F0502020204030204" pitchFamily="34" charset="0"/>
-                <a:cs typeface="Vrinda" panose="020B0502040204020203" pitchFamily="34" charset="0"/>
-              </a:rPr>
-              <a:t>3. </a:t>
-            </a:r>
-            <a:r>
-              <a:rPr lang="en-US" sz="1800" dirty="0" err="1">
-                <a:solidFill>
-                  <a:schemeClr val="bg1"/>
-                </a:solidFill>
-                <a:effectLst/>
-                <a:latin typeface="SutonnyMJ" pitchFamily="2" charset="0"/>
-                <a:ea typeface="Calibri" panose="020F0502020204030204" pitchFamily="34" charset="0"/>
-                <a:cs typeface="Vrinda" panose="020B0502040204020203" pitchFamily="34" charset="0"/>
-              </a:rPr>
-              <a:t>Abvqv‡m</a:t>
-            </a:r>
-            <a:r>
-              <a:rPr lang="en-US" sz="1800" dirty="0">
-                <a:solidFill>
-                  <a:schemeClr val="bg1"/>
-                </a:solidFill>
-                <a:effectLst/>
-                <a:latin typeface="SutonnyMJ" pitchFamily="2" charset="0"/>
-                <a:ea typeface="Calibri" panose="020F0502020204030204" pitchFamily="34" charset="0"/>
-                <a:cs typeface="Vrinda" panose="020B0502040204020203" pitchFamily="34" charset="0"/>
-              </a:rPr>
-              <a:t> </a:t>
-            </a:r>
-            <a:r>
-              <a:rPr lang="en-US" sz="1800" dirty="0" err="1">
-                <a:solidFill>
-                  <a:schemeClr val="bg1"/>
-                </a:solidFill>
-                <a:effectLst/>
-                <a:latin typeface="SutonnyMJ" pitchFamily="2" charset="0"/>
-                <a:ea typeface="Calibri" panose="020F0502020204030204" pitchFamily="34" charset="0"/>
-                <a:cs typeface="Vrinda" panose="020B0502040204020203" pitchFamily="34" charset="0"/>
-              </a:rPr>
-              <a:t>K¬vm</a:t>
-            </a:r>
-            <a:r>
-              <a:rPr lang="en-US" sz="1800" dirty="0">
-                <a:solidFill>
-                  <a:schemeClr val="bg1"/>
-                </a:solidFill>
-                <a:effectLst/>
-                <a:latin typeface="SutonnyMJ" pitchFamily="2" charset="0"/>
-                <a:ea typeface="Calibri" panose="020F0502020204030204" pitchFamily="34" charset="0"/>
-                <a:cs typeface="Vrinda" panose="020B0502040204020203" pitchFamily="34" charset="0"/>
-              </a:rPr>
-              <a:t> </a:t>
-            </a:r>
-            <a:r>
-              <a:rPr lang="en-US" sz="1800" dirty="0" err="1">
-                <a:solidFill>
-                  <a:schemeClr val="bg1"/>
-                </a:solidFill>
-                <a:effectLst/>
-                <a:latin typeface="SutonnyMJ" pitchFamily="2" charset="0"/>
-                <a:ea typeface="Calibri" panose="020F0502020204030204" pitchFamily="34" charset="0"/>
-                <a:cs typeface="Vrinda" panose="020B0502040204020203" pitchFamily="34" charset="0"/>
-              </a:rPr>
-              <a:t>ïiæ</a:t>
-            </a:r>
-            <a:r>
-              <a:rPr lang="en-US" sz="1800" dirty="0">
-                <a:solidFill>
-                  <a:schemeClr val="bg1"/>
-                </a:solidFill>
-                <a:effectLst/>
-                <a:latin typeface="SutonnyMJ" pitchFamily="2" charset="0"/>
-                <a:ea typeface="Calibri" panose="020F0502020204030204" pitchFamily="34" charset="0"/>
-                <a:cs typeface="Vrinda" panose="020B0502040204020203" pitchFamily="34" charset="0"/>
-              </a:rPr>
-              <a:t> </a:t>
-            </a:r>
-            <a:r>
-              <a:rPr lang="en-US" sz="1800" dirty="0" err="1">
-                <a:solidFill>
-                  <a:schemeClr val="bg1"/>
-                </a:solidFill>
-                <a:effectLst/>
-                <a:latin typeface="SutonnyMJ" pitchFamily="2" charset="0"/>
-                <a:ea typeface="Calibri" panose="020F0502020204030204" pitchFamily="34" charset="0"/>
-                <a:cs typeface="Vrinda" panose="020B0502040204020203" pitchFamily="34" charset="0"/>
-              </a:rPr>
-              <a:t>Kiv</a:t>
-            </a:r>
-            <a:r>
-              <a:rPr lang="en-US" sz="1800" dirty="0">
-                <a:solidFill>
-                  <a:schemeClr val="bg1"/>
-                </a:solidFill>
-                <a:effectLst/>
-                <a:latin typeface="SutonnyMJ" pitchFamily="2" charset="0"/>
-                <a:ea typeface="Calibri" panose="020F0502020204030204" pitchFamily="34" charset="0"/>
-                <a:cs typeface="Vrinda" panose="020B0502040204020203" pitchFamily="34" charset="0"/>
-              </a:rPr>
-              <a:t> </a:t>
-            </a:r>
-            <a:r>
-              <a:rPr lang="en-US" sz="1800" dirty="0" err="1">
-                <a:solidFill>
-                  <a:schemeClr val="bg1"/>
-                </a:solidFill>
-                <a:effectLst/>
-                <a:latin typeface="SutonnyMJ" pitchFamily="2" charset="0"/>
-                <a:ea typeface="Calibri" panose="020F0502020204030204" pitchFamily="34" charset="0"/>
-                <a:cs typeface="Vrinda" panose="020B0502040204020203" pitchFamily="34" charset="0"/>
-              </a:rPr>
-              <a:t>Ges</a:t>
-            </a:r>
-            <a:r>
-              <a:rPr lang="en-US" sz="1800" dirty="0">
-                <a:solidFill>
-                  <a:schemeClr val="bg1"/>
-                </a:solidFill>
-                <a:effectLst/>
-                <a:latin typeface="SutonnyMJ" pitchFamily="2" charset="0"/>
-                <a:ea typeface="Calibri" panose="020F0502020204030204" pitchFamily="34" charset="0"/>
-                <a:cs typeface="Vrinda" panose="020B0502040204020203" pitchFamily="34" charset="0"/>
-              </a:rPr>
-              <a:t> </a:t>
-            </a:r>
-            <a:r>
-              <a:rPr lang="en-US" sz="1800" dirty="0" err="1">
-                <a:solidFill>
-                  <a:schemeClr val="bg1"/>
-                </a:solidFill>
-                <a:effectLst/>
-                <a:latin typeface="SutonnyMJ" pitchFamily="2" charset="0"/>
-                <a:ea typeface="Calibri" panose="020F0502020204030204" pitchFamily="34" charset="0"/>
-                <a:cs typeface="Vrinda" panose="020B0502040204020203" pitchFamily="34" charset="0"/>
-              </a:rPr>
-              <a:t>evavnxb</a:t>
-            </a:r>
-            <a:r>
-              <a:rPr lang="en-US" sz="1800" dirty="0">
-                <a:solidFill>
-                  <a:schemeClr val="bg1"/>
-                </a:solidFill>
-                <a:effectLst/>
-                <a:latin typeface="SutonnyMJ" pitchFamily="2" charset="0"/>
-                <a:ea typeface="Calibri" panose="020F0502020204030204" pitchFamily="34" charset="0"/>
-                <a:cs typeface="Vrinda" panose="020B0502040204020203" pitchFamily="34" charset="0"/>
-              </a:rPr>
-              <a:t> </a:t>
-            </a:r>
-            <a:r>
-              <a:rPr lang="en-US" sz="1800" dirty="0" err="1">
-                <a:solidFill>
-                  <a:schemeClr val="bg1"/>
-                </a:solidFill>
-                <a:effectLst/>
-                <a:latin typeface="SutonnyMJ" pitchFamily="2" charset="0"/>
-                <a:ea typeface="Calibri" panose="020F0502020204030204" pitchFamily="34" charset="0"/>
-                <a:cs typeface="Vrinda" panose="020B0502040204020203" pitchFamily="34" charset="0"/>
-              </a:rPr>
-              <a:t>K¬vm</a:t>
-            </a:r>
-            <a:r>
-              <a:rPr lang="en-US" sz="1800" dirty="0">
-                <a:solidFill>
-                  <a:schemeClr val="bg1"/>
-                </a:solidFill>
-                <a:effectLst/>
-                <a:latin typeface="SutonnyMJ" pitchFamily="2" charset="0"/>
-                <a:ea typeface="Calibri" panose="020F0502020204030204" pitchFamily="34" charset="0"/>
-                <a:cs typeface="Vrinda" panose="020B0502040204020203" pitchFamily="34" charset="0"/>
-              </a:rPr>
-              <a:t> </a:t>
-            </a:r>
-            <a:r>
-              <a:rPr lang="en-US" sz="1800" dirty="0" err="1">
-                <a:solidFill>
-                  <a:schemeClr val="bg1"/>
-                </a:solidFill>
-                <a:effectLst/>
-                <a:latin typeface="SutonnyMJ" pitchFamily="2" charset="0"/>
-                <a:ea typeface="Calibri" panose="020F0502020204030204" pitchFamily="34" charset="0"/>
-                <a:cs typeface="Vrinda" panose="020B0502040204020203" pitchFamily="34" charset="0"/>
-              </a:rPr>
-              <a:t>cwiPvjbv</a:t>
-            </a:r>
-            <a:endParaRPr lang="en-US" sz="1800" dirty="0">
-              <a:solidFill>
-                <a:schemeClr val="bg1"/>
-              </a:solidFill>
-              <a:effectLst/>
-              <a:latin typeface="Calibri" panose="020F0502020204030204" pitchFamily="34" charset="0"/>
-              <a:ea typeface="Calibri" panose="020F0502020204030204" pitchFamily="34" charset="0"/>
-              <a:cs typeface="Vrinda" panose="020B0502040204020203" pitchFamily="34" charset="0"/>
-            </a:endParaRPr>
-          </a:p>
-          <a:p>
-            <a:pPr marL="0" marR="0" indent="0" algn="just">
-              <a:lnSpc>
-                <a:spcPct val="107000"/>
-              </a:lnSpc>
-              <a:spcBef>
-                <a:spcPts val="0"/>
-              </a:spcBef>
-              <a:spcAft>
-                <a:spcPts val="800"/>
-              </a:spcAft>
-              <a:buNone/>
-            </a:pPr>
-            <a:r>
-              <a:rPr lang="en-US" sz="1800" dirty="0">
-                <a:solidFill>
-                  <a:schemeClr val="bg1"/>
-                </a:solidFill>
-                <a:effectLst/>
-                <a:latin typeface="SutonnyMJ" pitchFamily="2" charset="0"/>
-                <a:ea typeface="Calibri" panose="020F0502020204030204" pitchFamily="34" charset="0"/>
-                <a:cs typeface="Vrinda" panose="020B0502040204020203" pitchFamily="34" charset="0"/>
-              </a:rPr>
-              <a:t>4. ¯</a:t>
-            </a:r>
-            <a:r>
-              <a:rPr lang="en-US" sz="1800" dirty="0" err="1">
-                <a:solidFill>
-                  <a:schemeClr val="bg1"/>
-                </a:solidFill>
-                <a:effectLst/>
-                <a:latin typeface="SutonnyMJ" pitchFamily="2" charset="0"/>
-                <a:ea typeface="Calibri" panose="020F0502020204030204" pitchFamily="34" charset="0"/>
-                <a:cs typeface="Vrinda" panose="020B0502040204020203" pitchFamily="34" charset="0"/>
-              </a:rPr>
-              <a:t>úó</a:t>
-            </a:r>
-            <a:r>
-              <a:rPr lang="en-US" sz="1800" dirty="0">
-                <a:solidFill>
-                  <a:schemeClr val="bg1"/>
-                </a:solidFill>
-                <a:effectLst/>
-                <a:latin typeface="SutonnyMJ" pitchFamily="2" charset="0"/>
-                <a:ea typeface="Calibri" panose="020F0502020204030204" pitchFamily="34" charset="0"/>
-                <a:cs typeface="Vrinda" panose="020B0502040204020203" pitchFamily="34" charset="0"/>
-              </a:rPr>
-              <a:t> </a:t>
-            </a:r>
-            <a:r>
-              <a:rPr lang="en-US" sz="1800" dirty="0" err="1">
-                <a:solidFill>
-                  <a:schemeClr val="bg1"/>
-                </a:solidFill>
-                <a:effectLst/>
-                <a:latin typeface="SutonnyMJ" pitchFamily="2" charset="0"/>
-                <a:ea typeface="Calibri" panose="020F0502020204030204" pitchFamily="34" charset="0"/>
-                <a:cs typeface="Vrinda" panose="020B0502040204020203" pitchFamily="34" charset="0"/>
-              </a:rPr>
-              <a:t>Ges</a:t>
-            </a:r>
-            <a:r>
-              <a:rPr lang="en-US" sz="1800" dirty="0">
-                <a:solidFill>
-                  <a:schemeClr val="bg1"/>
-                </a:solidFill>
-                <a:effectLst/>
-                <a:latin typeface="SutonnyMJ" pitchFamily="2" charset="0"/>
-                <a:ea typeface="Calibri" panose="020F0502020204030204" pitchFamily="34" charset="0"/>
-                <a:cs typeface="Vrinda" panose="020B0502040204020203" pitchFamily="34" charset="0"/>
-              </a:rPr>
-              <a:t> </a:t>
-            </a:r>
-            <a:r>
-              <a:rPr lang="en-US" sz="1800" dirty="0" err="1">
-                <a:solidFill>
-                  <a:schemeClr val="bg1"/>
-                </a:solidFill>
-                <a:effectLst/>
-                <a:latin typeface="SutonnyMJ" pitchFamily="2" charset="0"/>
-                <a:ea typeface="Calibri" panose="020F0502020204030204" pitchFamily="34" charset="0"/>
-                <a:cs typeface="Vrinda" panose="020B0502040204020203" pitchFamily="34" charset="0"/>
-              </a:rPr>
-              <a:t>cwi</a:t>
-            </a:r>
-            <a:r>
-              <a:rPr lang="en-US" sz="1800" dirty="0">
-                <a:solidFill>
-                  <a:schemeClr val="bg1"/>
-                </a:solidFill>
-                <a:effectLst/>
-                <a:latin typeface="SutonnyMJ" pitchFamily="2" charset="0"/>
-                <a:ea typeface="Calibri" panose="020F0502020204030204" pitchFamily="34" charset="0"/>
-                <a:cs typeface="Vrinda" panose="020B0502040204020203" pitchFamily="34" charset="0"/>
-              </a:rPr>
-              <a:t>®‹vi </a:t>
-            </a:r>
-            <a:r>
-              <a:rPr lang="en-US" sz="1800" dirty="0" err="1">
-                <a:solidFill>
-                  <a:schemeClr val="bg1"/>
-                </a:solidFill>
-                <a:effectLst/>
-                <a:latin typeface="SutonnyMJ" pitchFamily="2" charset="0"/>
-                <a:ea typeface="Calibri" panose="020F0502020204030204" pitchFamily="34" charset="0"/>
-                <a:cs typeface="Vrinda" panose="020B0502040204020203" pitchFamily="34" charset="0"/>
-              </a:rPr>
-              <a:t>mvD‡Û</a:t>
-            </a:r>
-            <a:r>
-              <a:rPr lang="en-US" sz="1800" dirty="0">
-                <a:solidFill>
-                  <a:schemeClr val="bg1"/>
-                </a:solidFill>
-                <a:effectLst/>
-                <a:latin typeface="SutonnyMJ" pitchFamily="2" charset="0"/>
-                <a:ea typeface="Calibri" panose="020F0502020204030204" pitchFamily="34" charset="0"/>
-                <a:cs typeface="Vrinda" panose="020B0502040204020203" pitchFamily="34" charset="0"/>
-              </a:rPr>
-              <a:t> </a:t>
-            </a:r>
-            <a:r>
-              <a:rPr lang="en-US" sz="1800" dirty="0" err="1">
-                <a:solidFill>
-                  <a:schemeClr val="bg1"/>
-                </a:solidFill>
-                <a:effectLst/>
-                <a:latin typeface="SutonnyMJ" pitchFamily="2" charset="0"/>
-                <a:ea typeface="Calibri" panose="020F0502020204030204" pitchFamily="34" charset="0"/>
-                <a:cs typeface="Vrinda" panose="020B0502040204020203" pitchFamily="34" charset="0"/>
-              </a:rPr>
-              <a:t>wkÿv</a:t>
-            </a:r>
-            <a:r>
-              <a:rPr lang="en-US" sz="1800" dirty="0">
-                <a:solidFill>
-                  <a:schemeClr val="bg1"/>
-                </a:solidFill>
-                <a:effectLst/>
-                <a:latin typeface="SutonnyMJ" pitchFamily="2" charset="0"/>
-                <a:ea typeface="Calibri" panose="020F0502020204030204" pitchFamily="34" charset="0"/>
-                <a:cs typeface="Vrinda" panose="020B0502040204020203" pitchFamily="34" charset="0"/>
-              </a:rPr>
-              <a:t>_©x‡`</a:t>
-            </a:r>
-            <a:r>
-              <a:rPr lang="en-US" sz="1800" dirty="0" err="1">
-                <a:solidFill>
-                  <a:schemeClr val="bg1"/>
-                </a:solidFill>
-                <a:effectLst/>
-                <a:latin typeface="SutonnyMJ" pitchFamily="2" charset="0"/>
-                <a:ea typeface="Calibri" panose="020F0502020204030204" pitchFamily="34" charset="0"/>
-                <a:cs typeface="Vrinda" panose="020B0502040204020203" pitchFamily="34" charset="0"/>
-              </a:rPr>
-              <a:t>i</a:t>
-            </a:r>
-            <a:r>
-              <a:rPr lang="en-US" sz="1800" dirty="0">
-                <a:solidFill>
-                  <a:schemeClr val="bg1"/>
-                </a:solidFill>
-                <a:effectLst/>
-                <a:latin typeface="SutonnyMJ" pitchFamily="2" charset="0"/>
-                <a:ea typeface="Calibri" panose="020F0502020204030204" pitchFamily="34" charset="0"/>
-                <a:cs typeface="Vrinda" panose="020B0502040204020203" pitchFamily="34" charset="0"/>
-              </a:rPr>
-              <a:t> mv‡_ </a:t>
-            </a:r>
-            <a:r>
-              <a:rPr lang="en-US" sz="1800" dirty="0" err="1">
-                <a:solidFill>
-                  <a:schemeClr val="bg1"/>
-                </a:solidFill>
-                <a:effectLst/>
-                <a:latin typeface="SutonnyOMJ" panose="01010600010101010101" pitchFamily="2" charset="0"/>
-                <a:ea typeface="Calibri" panose="020F0502020204030204" pitchFamily="34" charset="0"/>
-                <a:cs typeface="SutonnyOMJ" panose="01010600010101010101" pitchFamily="2" charset="0"/>
-              </a:rPr>
-              <a:t>বাক্য</a:t>
-            </a:r>
-            <a:r>
-              <a:rPr lang="en-US" sz="1800" dirty="0">
-                <a:solidFill>
-                  <a:schemeClr val="bg1"/>
-                </a:solidFill>
-                <a:effectLst/>
-                <a:latin typeface="SutonnyMJ" pitchFamily="2" charset="0"/>
-                <a:ea typeface="Calibri" panose="020F0502020204030204" pitchFamily="34" charset="0"/>
-                <a:cs typeface="Vrinda" panose="020B0502040204020203" pitchFamily="34" charset="0"/>
-              </a:rPr>
-              <a:t> </a:t>
-            </a:r>
-            <a:r>
-              <a:rPr lang="en-US" sz="1800" dirty="0" err="1">
-                <a:solidFill>
-                  <a:schemeClr val="bg1"/>
-                </a:solidFill>
-                <a:effectLst/>
-                <a:latin typeface="SutonnyMJ" pitchFamily="2" charset="0"/>
-                <a:ea typeface="Calibri" panose="020F0502020204030204" pitchFamily="34" charset="0"/>
-                <a:cs typeface="Vrinda" panose="020B0502040204020203" pitchFamily="34" charset="0"/>
-              </a:rPr>
-              <a:t>wewbgq</a:t>
-            </a:r>
-            <a:endParaRPr lang="en-US" sz="1800" dirty="0">
-              <a:solidFill>
-                <a:schemeClr val="bg1"/>
-              </a:solidFill>
-              <a:effectLst/>
-              <a:latin typeface="Calibri" panose="020F0502020204030204" pitchFamily="34" charset="0"/>
-              <a:ea typeface="Calibri" panose="020F0502020204030204" pitchFamily="34" charset="0"/>
-              <a:cs typeface="Vrinda" panose="020B0502040204020203" pitchFamily="34" charset="0"/>
-            </a:endParaRPr>
-          </a:p>
-          <a:p>
-            <a:pPr marL="0" marR="0" indent="0" algn="just">
-              <a:lnSpc>
-                <a:spcPct val="107000"/>
-              </a:lnSpc>
-              <a:spcBef>
-                <a:spcPts val="0"/>
-              </a:spcBef>
-              <a:spcAft>
-                <a:spcPts val="800"/>
-              </a:spcAft>
-              <a:buNone/>
-            </a:pPr>
-            <a:r>
-              <a:rPr lang="en-US" sz="1800" dirty="0">
-                <a:solidFill>
-                  <a:schemeClr val="bg1"/>
-                </a:solidFill>
-                <a:effectLst/>
-                <a:latin typeface="SutonnyMJ" pitchFamily="2" charset="0"/>
-                <a:ea typeface="Calibri" panose="020F0502020204030204" pitchFamily="34" charset="0"/>
-                <a:cs typeface="Vrinda" panose="020B0502040204020203" pitchFamily="34" charset="0"/>
-              </a:rPr>
-              <a:t>5. </a:t>
-            </a:r>
-            <a:r>
-              <a:rPr lang="en-US" sz="1800" dirty="0" err="1">
-                <a:solidFill>
-                  <a:schemeClr val="bg1"/>
-                </a:solidFill>
-                <a:effectLst/>
-                <a:latin typeface="SutonnyOMJ" panose="01010600010101010101" pitchFamily="2" charset="0"/>
-                <a:ea typeface="Calibri" panose="020F0502020204030204" pitchFamily="34" charset="0"/>
-                <a:cs typeface="SutonnyOMJ" panose="01010600010101010101" pitchFamily="2" charset="0"/>
-              </a:rPr>
-              <a:t>স্ট্যান্ডার্ড</a:t>
-            </a:r>
-            <a:r>
-              <a:rPr lang="en-US" sz="1800" dirty="0">
-                <a:solidFill>
-                  <a:schemeClr val="bg1"/>
-                </a:solidFill>
-                <a:effectLst/>
-                <a:latin typeface="SutonnyOMJ" panose="01010600010101010101" pitchFamily="2" charset="0"/>
-                <a:ea typeface="Calibri" panose="020F0502020204030204" pitchFamily="34" charset="0"/>
-                <a:cs typeface="SutonnyOMJ" panose="01010600010101010101" pitchFamily="2" charset="0"/>
-              </a:rPr>
-              <a:t> </a:t>
-            </a:r>
-            <a:r>
-              <a:rPr lang="en-US" sz="1800" dirty="0">
-                <a:solidFill>
-                  <a:schemeClr val="bg1"/>
-                </a:solidFill>
-                <a:effectLst/>
-                <a:latin typeface="SutonnyMJ" pitchFamily="2" charset="0"/>
-                <a:ea typeface="Calibri" panose="020F0502020204030204" pitchFamily="34" charset="0"/>
-                <a:cs typeface="Vrinda" panose="020B0502040204020203" pitchFamily="34" charset="0"/>
-              </a:rPr>
-              <a:t> </a:t>
-            </a:r>
-            <a:r>
-              <a:rPr lang="en-US" sz="1800" dirty="0" err="1">
-                <a:solidFill>
-                  <a:schemeClr val="bg1"/>
-                </a:solidFill>
-                <a:effectLst/>
-                <a:latin typeface="SutonnyMJ" pitchFamily="2" charset="0"/>
-                <a:ea typeface="Calibri" panose="020F0502020204030204" pitchFamily="34" charset="0"/>
-                <a:cs typeface="Vrinda" panose="020B0502040204020203" pitchFamily="34" charset="0"/>
-              </a:rPr>
-              <a:t>AbjvBb</a:t>
-            </a:r>
-            <a:r>
-              <a:rPr lang="en-US" sz="1800" dirty="0">
-                <a:solidFill>
-                  <a:schemeClr val="bg1"/>
-                </a:solidFill>
-                <a:effectLst/>
-                <a:latin typeface="SutonnyMJ" pitchFamily="2" charset="0"/>
-                <a:ea typeface="Calibri" panose="020F0502020204030204" pitchFamily="34" charset="0"/>
-                <a:cs typeface="Vrinda" panose="020B0502040204020203" pitchFamily="34" charset="0"/>
-              </a:rPr>
-              <a:t> </a:t>
-            </a:r>
-            <a:r>
-              <a:rPr lang="en-US" sz="1800" dirty="0" err="1">
-                <a:solidFill>
-                  <a:schemeClr val="bg1"/>
-                </a:solidFill>
-                <a:effectLst/>
-                <a:latin typeface="SutonnyMJ" pitchFamily="2" charset="0"/>
-                <a:ea typeface="Calibri" panose="020F0502020204030204" pitchFamily="34" charset="0"/>
-                <a:cs typeface="Vrinda" panose="020B0502040204020203" pitchFamily="34" charset="0"/>
-              </a:rPr>
-              <a:t>K¬vmiæg</a:t>
-            </a:r>
-            <a:r>
-              <a:rPr lang="en-US" sz="1800" dirty="0">
-                <a:solidFill>
-                  <a:schemeClr val="bg1"/>
-                </a:solidFill>
-                <a:effectLst/>
-                <a:latin typeface="SutonnyMJ" pitchFamily="2" charset="0"/>
-                <a:ea typeface="Calibri" panose="020F0502020204030204" pitchFamily="34" charset="0"/>
-                <a:cs typeface="Vrinda" panose="020B0502040204020203" pitchFamily="34" charset="0"/>
-              </a:rPr>
-              <a:t> ‡</a:t>
-            </a:r>
-            <a:r>
-              <a:rPr lang="en-US" sz="1800" dirty="0" err="1">
-                <a:solidFill>
-                  <a:schemeClr val="bg1"/>
-                </a:solidFill>
-                <a:effectLst/>
-                <a:latin typeface="SutonnyMJ" pitchFamily="2" charset="0"/>
-                <a:ea typeface="Calibri" panose="020F0502020204030204" pitchFamily="34" charset="0"/>
-                <a:cs typeface="Vrinda" panose="020B0502040204020203" pitchFamily="34" charset="0"/>
-              </a:rPr>
-              <a:t>mUAvc</a:t>
-            </a:r>
-            <a:endParaRPr lang="en-US" sz="1800" dirty="0">
-              <a:solidFill>
-                <a:schemeClr val="bg1"/>
-              </a:solidFill>
-              <a:effectLst/>
-              <a:latin typeface="Calibri" panose="020F0502020204030204" pitchFamily="34" charset="0"/>
-              <a:ea typeface="Calibri" panose="020F0502020204030204" pitchFamily="34" charset="0"/>
-              <a:cs typeface="Vrinda" panose="020B0502040204020203" pitchFamily="34" charset="0"/>
-            </a:endParaRPr>
-          </a:p>
-          <a:p>
-            <a:pPr marL="0" marR="0" indent="0" algn="just">
-              <a:lnSpc>
-                <a:spcPct val="107000"/>
-              </a:lnSpc>
-              <a:spcBef>
-                <a:spcPts val="0"/>
-              </a:spcBef>
-              <a:spcAft>
-                <a:spcPts val="800"/>
-              </a:spcAft>
-              <a:buNone/>
-            </a:pPr>
-            <a:r>
-              <a:rPr lang="en-US" sz="1800" dirty="0">
-                <a:solidFill>
-                  <a:schemeClr val="bg1"/>
-                </a:solidFill>
-                <a:effectLst/>
-                <a:latin typeface="SutonnyMJ" pitchFamily="2" charset="0"/>
-                <a:ea typeface="Calibri" panose="020F0502020204030204" pitchFamily="34" charset="0"/>
-                <a:cs typeface="Vrinda" panose="020B0502040204020203" pitchFamily="34" charset="0"/>
-              </a:rPr>
-              <a:t>6. Sv‡gjvgy³ </a:t>
-            </a:r>
-            <a:r>
-              <a:rPr lang="en-US" sz="1800" dirty="0" err="1">
-                <a:solidFill>
-                  <a:schemeClr val="bg1"/>
-                </a:solidFill>
-                <a:effectLst/>
-                <a:latin typeface="SutonnyMJ" pitchFamily="2" charset="0"/>
-                <a:ea typeface="Calibri" panose="020F0502020204030204" pitchFamily="34" charset="0"/>
-                <a:cs typeface="Vrinda" panose="020B0502040204020203" pitchFamily="34" charset="0"/>
-              </a:rPr>
-              <a:t>K¬vm</a:t>
-            </a:r>
-            <a:r>
-              <a:rPr lang="en-US" sz="1800" dirty="0">
-                <a:solidFill>
-                  <a:schemeClr val="bg1"/>
-                </a:solidFill>
-                <a:effectLst/>
-                <a:latin typeface="SutonnyMJ" pitchFamily="2" charset="0"/>
-                <a:ea typeface="Calibri" panose="020F0502020204030204" pitchFamily="34" charset="0"/>
-                <a:cs typeface="Vrinda" panose="020B0502040204020203" pitchFamily="34" charset="0"/>
-              </a:rPr>
-              <a:t> </a:t>
-            </a:r>
-            <a:r>
-              <a:rPr lang="en-US" sz="1800" dirty="0" err="1">
-                <a:solidFill>
-                  <a:schemeClr val="bg1"/>
-                </a:solidFill>
-                <a:effectLst/>
-                <a:latin typeface="SutonnyMJ" pitchFamily="2" charset="0"/>
-                <a:ea typeface="Calibri" panose="020F0502020204030204" pitchFamily="34" charset="0"/>
-                <a:cs typeface="Vrinda" panose="020B0502040204020203" pitchFamily="34" charset="0"/>
-              </a:rPr>
-              <a:t>cwiPvjbv</a:t>
-            </a:r>
-            <a:endParaRPr lang="en-US" sz="1800" dirty="0">
-              <a:solidFill>
-                <a:schemeClr val="bg1"/>
-              </a:solidFill>
-              <a:effectLst/>
-              <a:latin typeface="Calibri" panose="020F0502020204030204" pitchFamily="34" charset="0"/>
-              <a:ea typeface="Calibri" panose="020F0502020204030204" pitchFamily="34" charset="0"/>
-              <a:cs typeface="Vrinda" panose="020B0502040204020203" pitchFamily="34" charset="0"/>
-            </a:endParaRPr>
-          </a:p>
-          <a:p>
-            <a:pPr marL="0" marR="0" indent="0" algn="just">
-              <a:lnSpc>
-                <a:spcPct val="107000"/>
-              </a:lnSpc>
-              <a:spcBef>
-                <a:spcPts val="0"/>
-              </a:spcBef>
-              <a:spcAft>
-                <a:spcPts val="800"/>
-              </a:spcAft>
-              <a:buNone/>
-            </a:pPr>
-            <a:r>
-              <a:rPr lang="en-US" sz="1800" dirty="0">
-                <a:solidFill>
-                  <a:schemeClr val="bg1"/>
-                </a:solidFill>
-                <a:effectLst/>
-                <a:latin typeface="SutonnyMJ" pitchFamily="2" charset="0"/>
-                <a:ea typeface="Calibri" panose="020F0502020204030204" pitchFamily="34" charset="0"/>
-                <a:cs typeface="Vrinda" panose="020B0502040204020203" pitchFamily="34" charset="0"/>
-              </a:rPr>
-              <a:t>7. </a:t>
-            </a:r>
-            <a:r>
-              <a:rPr lang="en-US" sz="1800" dirty="0" err="1">
-                <a:solidFill>
-                  <a:schemeClr val="bg1"/>
-                </a:solidFill>
-                <a:effectLst/>
-                <a:latin typeface="SutonnyMJ" pitchFamily="2" charset="0"/>
-                <a:ea typeface="Calibri" panose="020F0502020204030204" pitchFamily="34" charset="0"/>
-                <a:cs typeface="Vrinda" panose="020B0502040204020203" pitchFamily="34" charset="0"/>
-              </a:rPr>
-              <a:t>BDwUDe</a:t>
-            </a:r>
-            <a:r>
-              <a:rPr lang="en-US" sz="1800" dirty="0">
-                <a:solidFill>
-                  <a:schemeClr val="bg1"/>
-                </a:solidFill>
-                <a:effectLst/>
-                <a:latin typeface="SutonnyMJ" pitchFamily="2" charset="0"/>
-                <a:ea typeface="Calibri" panose="020F0502020204030204" pitchFamily="34" charset="0"/>
-                <a:cs typeface="Vrinda" panose="020B0502040204020203" pitchFamily="34" charset="0"/>
-              </a:rPr>
-              <a:t> </a:t>
-            </a:r>
-            <a:r>
-              <a:rPr lang="en-US" sz="1800" dirty="0" err="1">
-                <a:solidFill>
-                  <a:schemeClr val="bg1"/>
-                </a:solidFill>
-                <a:effectLst/>
-                <a:latin typeface="SutonnyMJ" pitchFamily="2" charset="0"/>
-                <a:ea typeface="Calibri" panose="020F0502020204030204" pitchFamily="34" charset="0"/>
-                <a:cs typeface="Vrinda" panose="020B0502040204020203" pitchFamily="34" charset="0"/>
-              </a:rPr>
-              <a:t>Ges</a:t>
-            </a:r>
-            <a:r>
-              <a:rPr lang="en-US" sz="1800" dirty="0">
-                <a:solidFill>
-                  <a:schemeClr val="bg1"/>
-                </a:solidFill>
-                <a:effectLst/>
-                <a:latin typeface="SutonnyMJ" pitchFamily="2" charset="0"/>
-                <a:ea typeface="Calibri" panose="020F0502020204030204" pitchFamily="34" charset="0"/>
-                <a:cs typeface="Vrinda" panose="020B0502040204020203" pitchFamily="34" charset="0"/>
-              </a:rPr>
-              <a:t> †</a:t>
-            </a:r>
-            <a:r>
-              <a:rPr lang="en-US" sz="1800" dirty="0" err="1">
-                <a:solidFill>
-                  <a:schemeClr val="bg1"/>
-                </a:solidFill>
-                <a:effectLst/>
-                <a:latin typeface="SutonnyMJ" pitchFamily="2" charset="0"/>
-                <a:ea typeface="Calibri" panose="020F0502020204030204" pitchFamily="34" charset="0"/>
-                <a:cs typeface="Vrinda" panose="020B0502040204020203" pitchFamily="34" charset="0"/>
-              </a:rPr>
-              <a:t>dmeyK</a:t>
-            </a:r>
-            <a:r>
-              <a:rPr lang="en-US" sz="1800" dirty="0">
-                <a:solidFill>
-                  <a:schemeClr val="bg1"/>
-                </a:solidFill>
-                <a:effectLst/>
-                <a:latin typeface="SutonnyMJ" pitchFamily="2" charset="0"/>
-                <a:ea typeface="Calibri" panose="020F0502020204030204" pitchFamily="34" charset="0"/>
-                <a:cs typeface="Vrinda" panose="020B0502040204020203" pitchFamily="34" charset="0"/>
-              </a:rPr>
-              <a:t> </a:t>
-            </a:r>
-            <a:r>
-              <a:rPr lang="en-US" sz="1800" dirty="0" err="1">
-                <a:solidFill>
-                  <a:schemeClr val="bg1"/>
-                </a:solidFill>
-                <a:effectLst/>
-                <a:latin typeface="SutonnyMJ" pitchFamily="2" charset="0"/>
-                <a:ea typeface="Calibri" panose="020F0502020204030204" pitchFamily="34" charset="0"/>
-                <a:cs typeface="Vrinda" panose="020B0502040204020203" pitchFamily="34" charset="0"/>
-              </a:rPr>
-              <a:t>MÖæ‡ci</a:t>
-            </a:r>
-            <a:r>
-              <a:rPr lang="en-US" sz="1800" dirty="0">
-                <a:solidFill>
-                  <a:schemeClr val="bg1"/>
-                </a:solidFill>
-                <a:effectLst/>
-                <a:latin typeface="SutonnyMJ" pitchFamily="2" charset="0"/>
-                <a:ea typeface="Calibri" panose="020F0502020204030204" pitchFamily="34" charset="0"/>
-                <a:cs typeface="Vrinda" panose="020B0502040204020203" pitchFamily="34" charset="0"/>
-              </a:rPr>
-              <a:t> </a:t>
-            </a:r>
-            <a:r>
-              <a:rPr lang="en-US" sz="1800" dirty="0" err="1">
-                <a:solidFill>
-                  <a:schemeClr val="bg1"/>
-                </a:solidFill>
-                <a:effectLst/>
-                <a:latin typeface="SutonnyOMJ" panose="01010600010101010101" pitchFamily="2" charset="0"/>
-                <a:ea typeface="Calibri" panose="020F0502020204030204" pitchFamily="34" charset="0"/>
-                <a:cs typeface="SutonnyOMJ" panose="01010600010101010101" pitchFamily="2" charset="0"/>
-              </a:rPr>
-              <a:t>জন্য</a:t>
-            </a:r>
-            <a:r>
-              <a:rPr lang="en-US" sz="1800" dirty="0">
-                <a:solidFill>
-                  <a:schemeClr val="bg1"/>
-                </a:solidFill>
-                <a:effectLst/>
-                <a:latin typeface="SutonnyMJ" pitchFamily="2" charset="0"/>
-                <a:ea typeface="Calibri" panose="020F0502020204030204" pitchFamily="34" charset="0"/>
-                <a:cs typeface="Vrinda" panose="020B0502040204020203" pitchFamily="34" charset="0"/>
-              </a:rPr>
-              <a:t> ¯^</a:t>
-            </a:r>
-            <a:r>
-              <a:rPr lang="en-US" sz="1800" dirty="0" err="1">
-                <a:solidFill>
-                  <a:schemeClr val="bg1"/>
-                </a:solidFill>
-                <a:effectLst/>
-                <a:latin typeface="SutonnyMJ" pitchFamily="2" charset="0"/>
-                <a:ea typeface="Calibri" panose="020F0502020204030204" pitchFamily="34" charset="0"/>
-                <a:cs typeface="Vrinda" panose="020B0502040204020203" pitchFamily="34" charset="0"/>
-              </a:rPr>
-              <a:t>qswµq</a:t>
-            </a:r>
-            <a:r>
-              <a:rPr lang="en-US" sz="1800" dirty="0">
-                <a:solidFill>
-                  <a:schemeClr val="bg1"/>
-                </a:solidFill>
-                <a:effectLst/>
-                <a:latin typeface="SutonnyMJ" pitchFamily="2" charset="0"/>
-                <a:ea typeface="Calibri" panose="020F0502020204030204" pitchFamily="34" charset="0"/>
-                <a:cs typeface="Vrinda" panose="020B0502040204020203" pitchFamily="34" charset="0"/>
-              </a:rPr>
-              <a:t> †</a:t>
-            </a:r>
-            <a:r>
-              <a:rPr lang="en-US" sz="1800" dirty="0" err="1">
-                <a:solidFill>
-                  <a:schemeClr val="bg1"/>
-                </a:solidFill>
-                <a:effectLst/>
-                <a:latin typeface="SutonnyMJ" pitchFamily="2" charset="0"/>
-                <a:ea typeface="Calibri" panose="020F0502020204030204" pitchFamily="34" charset="0"/>
-                <a:cs typeface="Vrinda" panose="020B0502040204020203" pitchFamily="34" charset="0"/>
-              </a:rPr>
-              <a:t>iKwW©s</a:t>
-            </a:r>
-            <a:r>
-              <a:rPr lang="en-US" sz="1800" dirty="0">
-                <a:solidFill>
-                  <a:schemeClr val="bg1"/>
-                </a:solidFill>
-                <a:effectLst/>
-                <a:latin typeface="SutonnyMJ" pitchFamily="2" charset="0"/>
-                <a:ea typeface="Calibri" panose="020F0502020204030204" pitchFamily="34" charset="0"/>
-                <a:cs typeface="Vrinda" panose="020B0502040204020203" pitchFamily="34" charset="0"/>
-              </a:rPr>
-              <a:t> </a:t>
-            </a:r>
-            <a:r>
-              <a:rPr lang="en-US" sz="1800" dirty="0" err="1">
-                <a:solidFill>
-                  <a:schemeClr val="bg1"/>
-                </a:solidFill>
-                <a:effectLst/>
-                <a:latin typeface="SutonnyOMJ" panose="01010600010101010101" pitchFamily="2" charset="0"/>
-                <a:ea typeface="Calibri" panose="020F0502020204030204" pitchFamily="34" charset="0"/>
-                <a:cs typeface="SutonnyOMJ" panose="01010600010101010101" pitchFamily="2" charset="0"/>
-              </a:rPr>
-              <a:t>ব্যবস্থা</a:t>
-            </a:r>
-            <a:endParaRPr lang="en-US" sz="1800" dirty="0">
-              <a:solidFill>
-                <a:schemeClr val="bg1"/>
-              </a:solidFill>
-              <a:effectLst/>
-              <a:latin typeface="Calibri" panose="020F0502020204030204" pitchFamily="34" charset="0"/>
-              <a:ea typeface="Calibri" panose="020F0502020204030204" pitchFamily="34" charset="0"/>
-              <a:cs typeface="Vrinda" panose="020B0502040204020203" pitchFamily="34" charset="0"/>
-            </a:endParaRPr>
-          </a:p>
-          <a:p>
-            <a:pPr marL="0" marR="0" indent="0" algn="just">
-              <a:lnSpc>
-                <a:spcPct val="107000"/>
-              </a:lnSpc>
-              <a:spcBef>
-                <a:spcPts val="0"/>
-              </a:spcBef>
-              <a:spcAft>
-                <a:spcPts val="800"/>
-              </a:spcAft>
-              <a:buNone/>
-            </a:pPr>
-            <a:r>
-              <a:rPr lang="en-US" sz="1800" dirty="0">
-                <a:solidFill>
-                  <a:schemeClr val="bg1"/>
-                </a:solidFill>
-                <a:effectLst/>
-                <a:latin typeface="SutonnyMJ" pitchFamily="2" charset="0"/>
-                <a:ea typeface="Calibri" panose="020F0502020204030204" pitchFamily="34" charset="0"/>
-                <a:cs typeface="Vrinda" panose="020B0502040204020203" pitchFamily="34" charset="0"/>
-              </a:rPr>
-              <a:t>8. ¯^”Q I </a:t>
-            </a:r>
-            <a:r>
-              <a:rPr lang="en-US" sz="1800" dirty="0" err="1">
-                <a:solidFill>
-                  <a:schemeClr val="bg1"/>
-                </a:solidFill>
-                <a:effectLst/>
-                <a:latin typeface="SutonnyMJ" pitchFamily="2" charset="0"/>
-                <a:ea typeface="Calibri" panose="020F0502020204030204" pitchFamily="34" charset="0"/>
-                <a:cs typeface="Vrinda" panose="020B0502040204020203" pitchFamily="34" charset="0"/>
-              </a:rPr>
-              <a:t>wbivc</a:t>
-            </a:r>
-            <a:r>
-              <a:rPr lang="en-US" sz="1800" dirty="0">
-                <a:solidFill>
-                  <a:schemeClr val="bg1"/>
-                </a:solidFill>
-                <a:effectLst/>
-                <a:latin typeface="SutonnyMJ" pitchFamily="2" charset="0"/>
-                <a:ea typeface="Calibri" panose="020F0502020204030204" pitchFamily="34" charset="0"/>
-                <a:cs typeface="Vrinda" panose="020B0502040204020203" pitchFamily="34" charset="0"/>
-              </a:rPr>
-              <a:t>` †</a:t>
-            </a:r>
-            <a:r>
-              <a:rPr lang="en-US" sz="1800" dirty="0" err="1">
-                <a:solidFill>
-                  <a:schemeClr val="bg1"/>
-                </a:solidFill>
-                <a:effectLst/>
-                <a:latin typeface="SutonnyMJ" pitchFamily="2" charset="0"/>
-                <a:ea typeface="Calibri" panose="020F0502020204030204" pitchFamily="34" charset="0"/>
-                <a:cs typeface="Vrinda" panose="020B0502040204020203" pitchFamily="34" charset="0"/>
-              </a:rPr>
-              <a:t>c‡g›U</a:t>
-            </a:r>
-            <a:r>
-              <a:rPr lang="en-US" sz="1800" dirty="0">
-                <a:solidFill>
-                  <a:schemeClr val="bg1"/>
-                </a:solidFill>
-                <a:effectLst/>
-                <a:latin typeface="SutonnyMJ" pitchFamily="2" charset="0"/>
-                <a:ea typeface="Calibri" panose="020F0502020204030204" pitchFamily="34" charset="0"/>
-                <a:cs typeface="Vrinda" panose="020B0502040204020203" pitchFamily="34" charset="0"/>
-              </a:rPr>
-              <a:t> </a:t>
-            </a:r>
-            <a:r>
-              <a:rPr lang="en-US" sz="1800" dirty="0" err="1">
-                <a:solidFill>
-                  <a:schemeClr val="bg1"/>
-                </a:solidFill>
-                <a:effectLst/>
-                <a:latin typeface="SutonnyOMJ" panose="01010600010101010101" pitchFamily="2" charset="0"/>
-                <a:ea typeface="Calibri" panose="020F0502020204030204" pitchFamily="34" charset="0"/>
-                <a:cs typeface="SutonnyOMJ" panose="01010600010101010101" pitchFamily="2" charset="0"/>
-              </a:rPr>
-              <a:t>সিস্টেম</a:t>
-            </a:r>
-            <a:endParaRPr lang="en-US" sz="1800" dirty="0">
-              <a:solidFill>
-                <a:schemeClr val="bg1"/>
-              </a:solidFill>
-              <a:effectLst/>
-              <a:latin typeface="SutonnyMJ" pitchFamily="2" charset="0"/>
-              <a:ea typeface="Calibri" panose="020F0502020204030204" pitchFamily="34" charset="0"/>
-              <a:cs typeface="Vrinda" panose="020B0502040204020203" pitchFamily="34" charset="0"/>
-            </a:endParaRPr>
-          </a:p>
-          <a:p>
-            <a:pPr marL="0" marR="0" indent="0" algn="just">
-              <a:lnSpc>
-                <a:spcPct val="107000"/>
-              </a:lnSpc>
-              <a:spcBef>
-                <a:spcPts val="0"/>
-              </a:spcBef>
-              <a:spcAft>
-                <a:spcPts val="800"/>
-              </a:spcAft>
-              <a:buNone/>
-            </a:pPr>
-            <a:r>
-              <a:rPr lang="en-US" sz="1800" dirty="0">
-                <a:solidFill>
-                  <a:schemeClr val="bg1"/>
-                </a:solidFill>
-                <a:effectLst/>
-                <a:latin typeface="SutonnyMJ" pitchFamily="2" charset="0"/>
-                <a:ea typeface="Calibri" panose="020F0502020204030204" pitchFamily="34" charset="0"/>
-                <a:cs typeface="Vrinda" panose="020B0502040204020203" pitchFamily="34" charset="0"/>
-              </a:rPr>
-              <a:t>9. </a:t>
-            </a:r>
-            <a:r>
-              <a:rPr lang="en-US" sz="1800" dirty="0" err="1">
-                <a:solidFill>
-                  <a:schemeClr val="bg1"/>
-                </a:solidFill>
-                <a:effectLst/>
-                <a:latin typeface="SutonnyMJ" pitchFamily="2" charset="0"/>
-                <a:ea typeface="Calibri" panose="020F0502020204030204" pitchFamily="34" charset="0"/>
-                <a:cs typeface="Vrinda" panose="020B0502040204020203" pitchFamily="34" charset="0"/>
-              </a:rPr>
-              <a:t>AbjvBb</a:t>
-            </a:r>
-            <a:r>
-              <a:rPr lang="en-US" sz="1800" dirty="0">
-                <a:solidFill>
-                  <a:schemeClr val="bg1"/>
-                </a:solidFill>
-                <a:effectLst/>
-                <a:latin typeface="SutonnyMJ" pitchFamily="2" charset="0"/>
-                <a:ea typeface="Calibri" panose="020F0502020204030204" pitchFamily="34" charset="0"/>
-                <a:cs typeface="Vrinda" panose="020B0502040204020203" pitchFamily="34" charset="0"/>
-              </a:rPr>
-              <a:t> </a:t>
-            </a:r>
-            <a:r>
-              <a:rPr lang="en-US" sz="1800" dirty="0" err="1">
-                <a:solidFill>
-                  <a:schemeClr val="bg1"/>
-                </a:solidFill>
-                <a:effectLst/>
-                <a:latin typeface="SutonnyMJ" pitchFamily="2" charset="0"/>
-                <a:ea typeface="Calibri" panose="020F0502020204030204" pitchFamily="34" charset="0"/>
-                <a:cs typeface="Vrinda" panose="020B0502040204020203" pitchFamily="34" charset="0"/>
-              </a:rPr>
-              <a:t>wfwËK</a:t>
-            </a:r>
-            <a:r>
-              <a:rPr lang="en-US" sz="1800" dirty="0">
-                <a:solidFill>
-                  <a:schemeClr val="bg1"/>
-                </a:solidFill>
-                <a:effectLst/>
-                <a:latin typeface="SutonnyMJ" pitchFamily="2" charset="0"/>
-                <a:ea typeface="Calibri" panose="020F0502020204030204" pitchFamily="34" charset="0"/>
-                <a:cs typeface="Vrinda" panose="020B0502040204020203" pitchFamily="34" charset="0"/>
-              </a:rPr>
-              <a:t> </a:t>
-            </a:r>
-            <a:r>
-              <a:rPr lang="en-US" sz="1800" dirty="0" err="1">
-                <a:solidFill>
-                  <a:schemeClr val="bg1"/>
-                </a:solidFill>
-                <a:effectLst/>
-                <a:latin typeface="SutonnyOMJ" panose="01010600010101010101" pitchFamily="2" charset="0"/>
-                <a:ea typeface="Calibri" panose="020F0502020204030204" pitchFamily="34" charset="0"/>
-                <a:cs typeface="SutonnyOMJ" panose="01010600010101010101" pitchFamily="2" charset="0"/>
-              </a:rPr>
-              <a:t>অন্যান্য</a:t>
-            </a:r>
-            <a:r>
-              <a:rPr lang="en-US" sz="1800" dirty="0">
-                <a:solidFill>
-                  <a:schemeClr val="bg1"/>
-                </a:solidFill>
-                <a:effectLst/>
-                <a:latin typeface="SutonnyMJ" pitchFamily="2" charset="0"/>
-                <a:ea typeface="Calibri" panose="020F0502020204030204" pitchFamily="34" charset="0"/>
-                <a:cs typeface="Vrinda" panose="020B0502040204020203" pitchFamily="34" charset="0"/>
-              </a:rPr>
-              <a:t> †</a:t>
-            </a:r>
-            <a:r>
-              <a:rPr lang="en-US" sz="1800" dirty="0" err="1">
-                <a:solidFill>
-                  <a:schemeClr val="bg1"/>
-                </a:solidFill>
-                <a:effectLst/>
-                <a:latin typeface="SutonnyMJ" pitchFamily="2" charset="0"/>
-                <a:ea typeface="Calibri" panose="020F0502020204030204" pitchFamily="34" charset="0"/>
-                <a:cs typeface="Vrinda" panose="020B0502040204020203" pitchFamily="34" charset="0"/>
-              </a:rPr>
-              <a:t>mevcÖ`vbKvix</a:t>
-            </a:r>
-            <a:r>
-              <a:rPr lang="en-US" sz="1800" dirty="0">
-                <a:solidFill>
-                  <a:schemeClr val="bg1"/>
-                </a:solidFill>
-                <a:effectLst/>
-                <a:latin typeface="SutonnyMJ" pitchFamily="2" charset="0"/>
-                <a:ea typeface="Calibri" panose="020F0502020204030204" pitchFamily="34" charset="0"/>
-                <a:cs typeface="Vrinda" panose="020B0502040204020203" pitchFamily="34" charset="0"/>
-              </a:rPr>
-              <a:t> †</a:t>
-            </a:r>
-            <a:r>
-              <a:rPr lang="en-US" sz="1800" dirty="0" err="1">
-                <a:solidFill>
-                  <a:schemeClr val="bg1"/>
-                </a:solidFill>
-                <a:effectLst/>
-                <a:latin typeface="SutonnyMJ" pitchFamily="2" charset="0"/>
-                <a:ea typeface="Calibri" panose="020F0502020204030204" pitchFamily="34" charset="0"/>
-                <a:cs typeface="Vrinda" panose="020B0502040204020203" pitchFamily="34" charset="0"/>
-              </a:rPr>
-              <a:t>Mvôx</a:t>
-            </a:r>
-            <a:r>
-              <a:rPr lang="en-US" sz="1800" dirty="0">
-                <a:solidFill>
-                  <a:schemeClr val="bg1"/>
-                </a:solidFill>
-                <a:effectLst/>
-                <a:latin typeface="SutonnyMJ" pitchFamily="2" charset="0"/>
-                <a:ea typeface="Calibri" panose="020F0502020204030204" pitchFamily="34" charset="0"/>
-                <a:cs typeface="Vrinda" panose="020B0502040204020203" pitchFamily="34" charset="0"/>
-              </a:rPr>
-              <a:t> †_‡K </a:t>
-            </a:r>
-            <a:r>
-              <a:rPr lang="en-US" sz="1800" dirty="0" err="1">
-                <a:solidFill>
-                  <a:schemeClr val="bg1"/>
-                </a:solidFill>
-                <a:effectLst/>
-                <a:latin typeface="SutonnyMJ" pitchFamily="2" charset="0"/>
-                <a:ea typeface="Calibri" panose="020F0502020204030204" pitchFamily="34" charset="0"/>
-                <a:cs typeface="Vrinda" panose="020B0502040204020203" pitchFamily="34" charset="0"/>
-              </a:rPr>
-              <a:t>m¤ú~Y</a:t>
-            </a:r>
-            <a:r>
-              <a:rPr lang="en-US" sz="1800" dirty="0">
-                <a:solidFill>
-                  <a:schemeClr val="bg1"/>
-                </a:solidFill>
-                <a:effectLst/>
-                <a:latin typeface="SutonnyMJ" pitchFamily="2" charset="0"/>
-                <a:ea typeface="Calibri" panose="020F0502020204030204" pitchFamily="34" charset="0"/>
-                <a:cs typeface="Vrinda" panose="020B0502040204020203" pitchFamily="34" charset="0"/>
-              </a:rPr>
-              <a:t>© </a:t>
-            </a:r>
-            <a:r>
-              <a:rPr lang="en-US" sz="1800" dirty="0" err="1">
-                <a:solidFill>
-                  <a:schemeClr val="bg1"/>
-                </a:solidFill>
-                <a:effectLst/>
-                <a:latin typeface="SutonnyOMJ" panose="01010600010101010101" pitchFamily="2" charset="0"/>
-                <a:ea typeface="Calibri" panose="020F0502020204030204" pitchFamily="34" charset="0"/>
-                <a:cs typeface="SutonnyOMJ" panose="01010600010101010101" pitchFamily="2" charset="0"/>
-              </a:rPr>
-              <a:t>ব্যতিক্রম</a:t>
-            </a:r>
-            <a:endParaRPr lang="en-US" sz="1800" dirty="0">
-              <a:solidFill>
-                <a:schemeClr val="bg1"/>
-              </a:solidFill>
-              <a:effectLst/>
-              <a:latin typeface="Calibri" panose="020F0502020204030204" pitchFamily="34" charset="0"/>
-              <a:ea typeface="Calibri" panose="020F0502020204030204" pitchFamily="34" charset="0"/>
-              <a:cs typeface="Vrinda" panose="020B0502040204020203" pitchFamily="34" charset="0"/>
-            </a:endParaRPr>
-          </a:p>
-          <a:p>
-            <a:pPr marL="0" marR="0" indent="0" algn="just">
-              <a:lnSpc>
-                <a:spcPct val="107000"/>
-              </a:lnSpc>
-              <a:spcBef>
-                <a:spcPts val="0"/>
-              </a:spcBef>
-              <a:spcAft>
-                <a:spcPts val="800"/>
-              </a:spcAft>
-              <a:buNone/>
-            </a:pPr>
-            <a:r>
-              <a:rPr lang="en-US" sz="1800" dirty="0">
-                <a:solidFill>
-                  <a:schemeClr val="bg1"/>
-                </a:solidFill>
-                <a:effectLst/>
-                <a:latin typeface="SutonnyMJ" pitchFamily="2" charset="0"/>
-                <a:ea typeface="Calibri" panose="020F0502020204030204" pitchFamily="34" charset="0"/>
-                <a:cs typeface="Vrinda" panose="020B0502040204020203" pitchFamily="34" charset="0"/>
-              </a:rPr>
-              <a:t>10. </a:t>
-            </a:r>
-            <a:r>
-              <a:rPr lang="en-US" sz="1800" dirty="0" err="1">
-                <a:solidFill>
-                  <a:schemeClr val="bg1"/>
-                </a:solidFill>
-                <a:effectLst/>
-                <a:latin typeface="SutonnyMJ" pitchFamily="2" charset="0"/>
-                <a:ea typeface="Calibri" panose="020F0502020204030204" pitchFamily="34" charset="0"/>
-                <a:cs typeface="Vrinda" panose="020B0502040204020203" pitchFamily="34" charset="0"/>
-              </a:rPr>
-              <a:t>mnR</a:t>
-            </a:r>
-            <a:r>
-              <a:rPr lang="en-US" sz="1800" dirty="0">
-                <a:solidFill>
-                  <a:schemeClr val="bg1"/>
-                </a:solidFill>
-                <a:effectLst/>
-                <a:latin typeface="SutonnyMJ" pitchFamily="2" charset="0"/>
-                <a:ea typeface="Calibri" panose="020F0502020204030204" pitchFamily="34" charset="0"/>
-                <a:cs typeface="Vrinda" panose="020B0502040204020203" pitchFamily="34" charset="0"/>
-              </a:rPr>
-              <a:t> </a:t>
-            </a:r>
-            <a:r>
-              <a:rPr lang="en-US" sz="1800" dirty="0" err="1">
-                <a:solidFill>
-                  <a:schemeClr val="bg1"/>
-                </a:solidFill>
-                <a:effectLst/>
-                <a:latin typeface="SutonnyOMJ" panose="01010600010101010101" pitchFamily="2" charset="0"/>
-                <a:ea typeface="Calibri" panose="020F0502020204030204" pitchFamily="34" charset="0"/>
-                <a:cs typeface="SutonnyOMJ" panose="01010600010101010101" pitchFamily="2" charset="0"/>
-              </a:rPr>
-              <a:t>পরিচালনযোগ্য</a:t>
-            </a:r>
-            <a:r>
-              <a:rPr lang="en-US" sz="1800" dirty="0">
-                <a:solidFill>
-                  <a:schemeClr val="bg1"/>
-                </a:solidFill>
-                <a:effectLst/>
-                <a:latin typeface="SutonnyMJ" pitchFamily="2" charset="0"/>
-                <a:ea typeface="Calibri" panose="020F0502020204030204" pitchFamily="34" charset="0"/>
-                <a:cs typeface="Vrinda" panose="020B0502040204020203" pitchFamily="34" charset="0"/>
-              </a:rPr>
-              <a:t> </a:t>
-            </a:r>
-            <a:r>
-              <a:rPr lang="en-US" sz="1800" dirty="0" err="1">
-                <a:solidFill>
-                  <a:schemeClr val="bg1"/>
-                </a:solidFill>
-                <a:effectLst/>
-                <a:latin typeface="SutonnyMJ" pitchFamily="2" charset="0"/>
-                <a:ea typeface="Calibri" panose="020F0502020204030204" pitchFamily="34" charset="0"/>
-                <a:cs typeface="Vrinda" panose="020B0502040204020203" pitchFamily="34" charset="0"/>
-              </a:rPr>
-              <a:t>AbjvBb</a:t>
-            </a:r>
-            <a:r>
-              <a:rPr lang="en-US" sz="1800" dirty="0">
-                <a:solidFill>
-                  <a:schemeClr val="bg1"/>
-                </a:solidFill>
-                <a:effectLst/>
-                <a:latin typeface="SutonnyMJ" pitchFamily="2" charset="0"/>
-                <a:ea typeface="Calibri" panose="020F0502020204030204" pitchFamily="34" charset="0"/>
-                <a:cs typeface="Vrinda" panose="020B0502040204020203" pitchFamily="34" charset="0"/>
-              </a:rPr>
-              <a:t> </a:t>
-            </a:r>
-            <a:r>
-              <a:rPr lang="en-US" sz="1800" dirty="0" err="1">
-                <a:solidFill>
-                  <a:schemeClr val="bg1"/>
-                </a:solidFill>
-                <a:effectLst/>
-                <a:latin typeface="SutonnyMJ" pitchFamily="2" charset="0"/>
-                <a:ea typeface="Calibri" panose="020F0502020204030204" pitchFamily="34" charset="0"/>
-                <a:cs typeface="Vrinda" panose="020B0502040204020203" pitchFamily="34" charset="0"/>
-              </a:rPr>
-              <a:t>wfwËK</a:t>
-            </a:r>
-            <a:r>
-              <a:rPr lang="en-US" sz="1800" dirty="0">
-                <a:solidFill>
-                  <a:schemeClr val="bg1"/>
-                </a:solidFill>
-                <a:effectLst/>
-                <a:latin typeface="SutonnyMJ" pitchFamily="2" charset="0"/>
-                <a:ea typeface="Calibri" panose="020F0502020204030204" pitchFamily="34" charset="0"/>
-                <a:cs typeface="Vrinda" panose="020B0502040204020203" pitchFamily="34" charset="0"/>
-              </a:rPr>
-              <a:t> †</a:t>
-            </a:r>
-            <a:r>
-              <a:rPr lang="en-US" sz="1800" dirty="0" err="1">
-                <a:solidFill>
-                  <a:schemeClr val="bg1"/>
-                </a:solidFill>
-                <a:effectLst/>
-                <a:latin typeface="SutonnyMJ" pitchFamily="2" charset="0"/>
-                <a:ea typeface="Calibri" panose="020F0502020204030204" pitchFamily="34" charset="0"/>
-                <a:cs typeface="Vrinda" panose="020B0502040204020203" pitchFamily="34" charset="0"/>
-              </a:rPr>
-              <a:t>nvgIqvK</a:t>
-            </a:r>
-            <a:r>
-              <a:rPr lang="en-US" sz="1800" dirty="0">
-                <a:solidFill>
-                  <a:schemeClr val="bg1"/>
-                </a:solidFill>
-                <a:effectLst/>
-                <a:latin typeface="SutonnyMJ" pitchFamily="2" charset="0"/>
-                <a:ea typeface="Calibri" panose="020F0502020204030204" pitchFamily="34" charset="0"/>
-                <a:cs typeface="Vrinda" panose="020B0502040204020203" pitchFamily="34" charset="0"/>
-              </a:rPr>
-              <a:t>© I </a:t>
-            </a:r>
-            <a:r>
-              <a:rPr lang="en-US" sz="1800" dirty="0" err="1">
-                <a:solidFill>
-                  <a:schemeClr val="bg1"/>
-                </a:solidFill>
-                <a:effectLst/>
-                <a:latin typeface="SutonnyMJ" pitchFamily="2" charset="0"/>
-                <a:ea typeface="Calibri" panose="020F0502020204030204" pitchFamily="34" charset="0"/>
-                <a:cs typeface="Vrinda" panose="020B0502040204020203" pitchFamily="34" charset="0"/>
-              </a:rPr>
-              <a:t>cixÿv</a:t>
-            </a:r>
-            <a:r>
-              <a:rPr lang="en-US" sz="1800" dirty="0">
-                <a:solidFill>
-                  <a:schemeClr val="bg1"/>
-                </a:solidFill>
-                <a:effectLst/>
-                <a:latin typeface="SutonnyMJ" pitchFamily="2" charset="0"/>
-                <a:ea typeface="Calibri" panose="020F0502020204030204" pitchFamily="34" charset="0"/>
-                <a:cs typeface="Vrinda" panose="020B0502040204020203" pitchFamily="34" charset="0"/>
-              </a:rPr>
-              <a:t> </a:t>
-            </a:r>
-            <a:r>
-              <a:rPr lang="en-US" sz="1800" dirty="0" err="1">
-                <a:solidFill>
-                  <a:schemeClr val="bg1"/>
-                </a:solidFill>
-                <a:effectLst/>
-                <a:latin typeface="SutonnyOMJ" panose="01010600010101010101" pitchFamily="2" charset="0"/>
-                <a:ea typeface="Calibri" panose="020F0502020204030204" pitchFamily="34" charset="0"/>
-                <a:cs typeface="SutonnyOMJ" panose="01010600010101010101" pitchFamily="2" charset="0"/>
-              </a:rPr>
-              <a:t>পদ্ধতি</a:t>
-            </a:r>
-            <a:endParaRPr lang="en-US" sz="1800" dirty="0">
-              <a:solidFill>
-                <a:schemeClr val="bg1"/>
-              </a:solidFill>
-              <a:effectLst/>
-              <a:latin typeface="Calibri" panose="020F0502020204030204" pitchFamily="34" charset="0"/>
-              <a:ea typeface="Calibri" panose="020F0502020204030204" pitchFamily="34" charset="0"/>
-              <a:cs typeface="Vrinda" panose="020B0502040204020203" pitchFamily="34" charset="0"/>
-            </a:endParaRPr>
-          </a:p>
-          <a:p>
-            <a:pPr marL="0" marR="0" indent="0" algn="just">
-              <a:lnSpc>
-                <a:spcPct val="107000"/>
-              </a:lnSpc>
-              <a:spcBef>
-                <a:spcPts val="0"/>
-              </a:spcBef>
-              <a:spcAft>
-                <a:spcPts val="800"/>
-              </a:spcAft>
-              <a:buNone/>
-            </a:pPr>
-            <a:r>
-              <a:rPr lang="en-US" sz="1800" dirty="0">
-                <a:solidFill>
-                  <a:schemeClr val="bg1"/>
-                </a:solidFill>
-                <a:effectLst/>
-                <a:latin typeface="SutonnyMJ" pitchFamily="2" charset="0"/>
-                <a:ea typeface="Calibri" panose="020F0502020204030204" pitchFamily="34" charset="0"/>
-                <a:cs typeface="Vrinda" panose="020B0502040204020203" pitchFamily="34" charset="0"/>
-              </a:rPr>
-              <a:t>11. </a:t>
-            </a:r>
-            <a:r>
-              <a:rPr lang="en-US" sz="1800" dirty="0" err="1">
-                <a:solidFill>
-                  <a:schemeClr val="bg1"/>
-                </a:solidFill>
-                <a:effectLst/>
-                <a:latin typeface="SutonnyMJ" pitchFamily="2" charset="0"/>
-                <a:ea typeface="Calibri" panose="020F0502020204030204" pitchFamily="34" charset="0"/>
-                <a:cs typeface="Vrinda" panose="020B0502040204020203" pitchFamily="34" charset="0"/>
-              </a:rPr>
-              <a:t>cÖwZw`b</a:t>
-            </a:r>
-            <a:r>
-              <a:rPr lang="en-US" sz="1800" dirty="0">
-                <a:solidFill>
-                  <a:schemeClr val="bg1"/>
-                </a:solidFill>
-                <a:effectLst/>
-                <a:latin typeface="SutonnyMJ" pitchFamily="2" charset="0"/>
-                <a:ea typeface="Calibri" panose="020F0502020204030204" pitchFamily="34" charset="0"/>
-                <a:cs typeface="Vrinda" panose="020B0502040204020203" pitchFamily="34" charset="0"/>
-              </a:rPr>
-              <a:t> 5 - 10 </a:t>
-            </a:r>
-            <a:r>
-              <a:rPr lang="en-US" sz="1800" dirty="0" err="1">
-                <a:solidFill>
-                  <a:schemeClr val="bg1"/>
-                </a:solidFill>
-                <a:effectLst/>
-                <a:latin typeface="SutonnyMJ" pitchFamily="2" charset="0"/>
-                <a:ea typeface="Calibri" panose="020F0502020204030204" pitchFamily="34" charset="0"/>
-                <a:cs typeface="Vrinda" panose="020B0502040204020203" pitchFamily="34" charset="0"/>
-              </a:rPr>
-              <a:t>wU</a:t>
-            </a:r>
-            <a:r>
-              <a:rPr lang="en-US" sz="1800" dirty="0">
-                <a:solidFill>
-                  <a:schemeClr val="bg1"/>
-                </a:solidFill>
-                <a:effectLst/>
-                <a:latin typeface="SutonnyMJ" pitchFamily="2" charset="0"/>
-                <a:ea typeface="Calibri" panose="020F0502020204030204" pitchFamily="34" charset="0"/>
-                <a:cs typeface="Vrinda" panose="020B0502040204020203" pitchFamily="34" charset="0"/>
-              </a:rPr>
-              <a:t> </a:t>
-            </a:r>
-            <a:r>
-              <a:rPr lang="en-US" sz="1800" dirty="0" err="1">
-                <a:solidFill>
-                  <a:schemeClr val="bg1"/>
-                </a:solidFill>
-                <a:effectLst/>
-                <a:latin typeface="SutonnyOMJ" panose="01010600010101010101" pitchFamily="2" charset="0"/>
-                <a:ea typeface="Calibri" panose="020F0502020204030204" pitchFamily="34" charset="0"/>
-                <a:cs typeface="SutonnyOMJ" panose="01010600010101010101" pitchFamily="2" charset="0"/>
-              </a:rPr>
-              <a:t>ব্যাচ</a:t>
-            </a:r>
-            <a:r>
-              <a:rPr lang="en-US" sz="1800" dirty="0">
-                <a:solidFill>
-                  <a:schemeClr val="bg1"/>
-                </a:solidFill>
-                <a:effectLst/>
-                <a:latin typeface="SutonnyMJ" pitchFamily="2" charset="0"/>
-                <a:ea typeface="Calibri" panose="020F0502020204030204" pitchFamily="34" charset="0"/>
-                <a:cs typeface="Vrinda" panose="020B0502040204020203" pitchFamily="34" charset="0"/>
-              </a:rPr>
-              <a:t> </a:t>
-            </a:r>
-            <a:r>
-              <a:rPr lang="en-US" sz="1800" dirty="0" err="1">
-                <a:solidFill>
-                  <a:schemeClr val="bg1"/>
-                </a:solidFill>
-                <a:effectLst/>
-                <a:latin typeface="SutonnyMJ" pitchFamily="2" charset="0"/>
-                <a:ea typeface="Calibri" panose="020F0502020204030204" pitchFamily="34" charset="0"/>
-                <a:cs typeface="Vrinda" panose="020B0502040204020203" pitchFamily="34" charset="0"/>
-              </a:rPr>
-              <a:t>cov‡bvi</a:t>
-            </a:r>
-            <a:r>
-              <a:rPr lang="en-US" sz="1800" dirty="0">
-                <a:solidFill>
-                  <a:schemeClr val="bg1"/>
-                </a:solidFill>
-                <a:effectLst/>
-                <a:latin typeface="SutonnyMJ" pitchFamily="2" charset="0"/>
-                <a:ea typeface="Calibri" panose="020F0502020204030204" pitchFamily="34" charset="0"/>
-                <a:cs typeface="Vrinda" panose="020B0502040204020203" pitchFamily="34" charset="0"/>
-              </a:rPr>
-              <a:t> </a:t>
-            </a:r>
-            <a:r>
-              <a:rPr lang="en-US" sz="1800" dirty="0" err="1">
-                <a:solidFill>
-                  <a:schemeClr val="bg1"/>
-                </a:solidFill>
-                <a:effectLst/>
-                <a:latin typeface="SutonnyMJ" pitchFamily="2" charset="0"/>
-                <a:ea typeface="Calibri" panose="020F0502020204030204" pitchFamily="34" charset="0"/>
-                <a:cs typeface="Vrinda" panose="020B0502040204020203" pitchFamily="34" charset="0"/>
-              </a:rPr>
-              <a:t>myweav</a:t>
-            </a:r>
-            <a:endParaRPr lang="en-US" sz="1800" dirty="0">
-              <a:solidFill>
-                <a:schemeClr val="bg1"/>
-              </a:solidFill>
-              <a:effectLst/>
-              <a:latin typeface="Calibri" panose="020F0502020204030204" pitchFamily="34" charset="0"/>
-              <a:ea typeface="Calibri" panose="020F0502020204030204" pitchFamily="34" charset="0"/>
-              <a:cs typeface="Vrinda" panose="020B0502040204020203" pitchFamily="34" charset="0"/>
-            </a:endParaRPr>
-          </a:p>
-          <a:p>
-            <a:pPr marL="0" marR="0" indent="0" algn="just">
-              <a:lnSpc>
-                <a:spcPct val="107000"/>
-              </a:lnSpc>
-              <a:spcBef>
-                <a:spcPts val="0"/>
-              </a:spcBef>
-              <a:spcAft>
-                <a:spcPts val="800"/>
-              </a:spcAft>
-              <a:buNone/>
-            </a:pPr>
-            <a:r>
-              <a:rPr lang="en-US" sz="1800" dirty="0">
-                <a:solidFill>
-                  <a:schemeClr val="bg1"/>
-                </a:solidFill>
-                <a:effectLst/>
-                <a:latin typeface="SutonnyMJ" pitchFamily="2" charset="0"/>
-                <a:ea typeface="Calibri" panose="020F0502020204030204" pitchFamily="34" charset="0"/>
-                <a:cs typeface="Vrinda" panose="020B0502040204020203" pitchFamily="34" charset="0"/>
-              </a:rPr>
-              <a:t>12. </a:t>
-            </a:r>
-            <a:r>
-              <a:rPr lang="en-US" sz="1800" dirty="0" err="1">
-                <a:solidFill>
-                  <a:schemeClr val="bg1"/>
-                </a:solidFill>
-                <a:effectLst/>
-                <a:latin typeface="SutonnyMJ" pitchFamily="2" charset="0"/>
-                <a:ea typeface="Calibri" panose="020F0502020204030204" pitchFamily="34" charset="0"/>
-                <a:cs typeface="Vrinda" panose="020B0502040204020203" pitchFamily="34" charset="0"/>
-              </a:rPr>
-              <a:t>mg‡qi</a:t>
-            </a:r>
-            <a:r>
-              <a:rPr lang="en-US" sz="1800" dirty="0">
-                <a:solidFill>
-                  <a:schemeClr val="bg1"/>
-                </a:solidFill>
-                <a:effectLst/>
-                <a:latin typeface="SutonnyMJ" pitchFamily="2" charset="0"/>
-                <a:ea typeface="Calibri" panose="020F0502020204030204" pitchFamily="34" charset="0"/>
-                <a:cs typeface="Vrinda" panose="020B0502040204020203" pitchFamily="34" charset="0"/>
-              </a:rPr>
-              <a:t> †</a:t>
-            </a:r>
-            <a:r>
-              <a:rPr lang="en-US" sz="1800" dirty="0" err="1">
-                <a:solidFill>
-                  <a:schemeClr val="bg1"/>
-                </a:solidFill>
-                <a:effectLst/>
-                <a:latin typeface="SutonnyMJ" pitchFamily="2" charset="0"/>
-                <a:ea typeface="Calibri" panose="020F0502020204030204" pitchFamily="34" charset="0"/>
-                <a:cs typeface="Vrinda" panose="020B0502040204020203" pitchFamily="34" charset="0"/>
-              </a:rPr>
-              <a:t>Kvb</a:t>
-            </a:r>
-            <a:r>
-              <a:rPr lang="en-US" sz="1800" dirty="0">
-                <a:solidFill>
-                  <a:schemeClr val="bg1"/>
-                </a:solidFill>
-                <a:effectLst/>
-                <a:latin typeface="SutonnyMJ" pitchFamily="2" charset="0"/>
-                <a:ea typeface="Calibri" panose="020F0502020204030204" pitchFamily="34" charset="0"/>
-                <a:cs typeface="Vrinda" panose="020B0502040204020203" pitchFamily="34" charset="0"/>
-              </a:rPr>
-              <a:t> </a:t>
-            </a:r>
-            <a:r>
-              <a:rPr lang="en-US" sz="1800" dirty="0" err="1">
-                <a:solidFill>
-                  <a:schemeClr val="bg1"/>
-                </a:solidFill>
-                <a:effectLst/>
-                <a:latin typeface="SutonnyOMJ" panose="01010600010101010101" pitchFamily="2" charset="0"/>
-                <a:ea typeface="Calibri" panose="020F0502020204030204" pitchFamily="34" charset="0"/>
-                <a:cs typeface="SutonnyOMJ" panose="01010600010101010101" pitchFamily="2" charset="0"/>
-              </a:rPr>
-              <a:t>বাধ্যবাধকতা</a:t>
-            </a:r>
-            <a:r>
-              <a:rPr lang="en-US" sz="1800" dirty="0">
-                <a:solidFill>
-                  <a:schemeClr val="bg1"/>
-                </a:solidFill>
-                <a:effectLst/>
-                <a:latin typeface="SutonnyMJ" pitchFamily="2" charset="0"/>
-                <a:ea typeface="Calibri" panose="020F0502020204030204" pitchFamily="34" charset="0"/>
-                <a:cs typeface="Vrinda" panose="020B0502040204020203" pitchFamily="34" charset="0"/>
-              </a:rPr>
-              <a:t> </a:t>
-            </a:r>
-            <a:r>
-              <a:rPr lang="en-US" sz="1800" dirty="0" err="1">
-                <a:solidFill>
-                  <a:schemeClr val="bg1"/>
-                </a:solidFill>
-                <a:effectLst/>
-                <a:latin typeface="SutonnyMJ" pitchFamily="2" charset="0"/>
-                <a:ea typeface="Calibri" panose="020F0502020204030204" pitchFamily="34" charset="0"/>
-                <a:cs typeface="Vrinda" panose="020B0502040204020203" pitchFamily="34" charset="0"/>
-              </a:rPr>
-              <a:t>bvB</a:t>
-            </a:r>
-            <a:endParaRPr lang="en-US" sz="1800" dirty="0">
-              <a:solidFill>
-                <a:schemeClr val="bg1"/>
-              </a:solidFill>
-              <a:effectLst/>
-              <a:latin typeface="Calibri" panose="020F0502020204030204" pitchFamily="34" charset="0"/>
-              <a:ea typeface="Calibri" panose="020F0502020204030204" pitchFamily="34" charset="0"/>
-              <a:cs typeface="Vrinda" panose="020B0502040204020203" pitchFamily="34" charset="0"/>
-            </a:endParaRPr>
-          </a:p>
-          <a:p>
-            <a:pPr marL="0" indent="0">
-              <a:buNone/>
-            </a:pPr>
-            <a:r>
-              <a:rPr lang="en-US" sz="1800" dirty="0">
-                <a:solidFill>
-                  <a:schemeClr val="bg1"/>
-                </a:solidFill>
-                <a:effectLst/>
-                <a:latin typeface="SutonnyMJ" pitchFamily="2" charset="0"/>
-                <a:ea typeface="Calibri" panose="020F0502020204030204" pitchFamily="34" charset="0"/>
-                <a:cs typeface="Vrinda" panose="020B0502040204020203" pitchFamily="34" charset="0"/>
-              </a:rPr>
-              <a:t>13. </a:t>
-            </a:r>
-            <a:r>
-              <a:rPr lang="en-US" sz="1800" dirty="0" err="1">
-                <a:solidFill>
-                  <a:schemeClr val="bg1"/>
-                </a:solidFill>
-                <a:effectLst/>
-                <a:latin typeface="SutonnyMJ" pitchFamily="2" charset="0"/>
-                <a:ea typeface="Calibri" panose="020F0502020204030204" pitchFamily="34" charset="0"/>
-                <a:cs typeface="Vrinda" panose="020B0502040204020203" pitchFamily="34" charset="0"/>
-              </a:rPr>
-              <a:t>K‡ivbv</a:t>
-            </a:r>
-            <a:r>
-              <a:rPr lang="en-US" sz="1800" dirty="0">
-                <a:solidFill>
-                  <a:schemeClr val="bg1"/>
-                </a:solidFill>
-                <a:effectLst/>
-                <a:latin typeface="SutonnyMJ" pitchFamily="2" charset="0"/>
-                <a:ea typeface="Calibri" panose="020F0502020204030204" pitchFamily="34" charset="0"/>
-                <a:cs typeface="Vrinda" panose="020B0502040204020203" pitchFamily="34" charset="0"/>
-              </a:rPr>
-              <a:t> </a:t>
-            </a:r>
-            <a:r>
-              <a:rPr lang="en-US" sz="1800" dirty="0" err="1">
-                <a:solidFill>
-                  <a:schemeClr val="bg1"/>
-                </a:solidFill>
-                <a:effectLst/>
-                <a:latin typeface="SutonnyMJ" pitchFamily="2" charset="0"/>
-                <a:ea typeface="Calibri" panose="020F0502020204030204" pitchFamily="34" charset="0"/>
-                <a:cs typeface="Vrinda" panose="020B0502040204020203" pitchFamily="34" charset="0"/>
-              </a:rPr>
-              <a:t>gnvgvwi‡Z</a:t>
-            </a:r>
-            <a:r>
-              <a:rPr lang="en-US" sz="1800" dirty="0">
-                <a:solidFill>
-                  <a:schemeClr val="bg1"/>
-                </a:solidFill>
-                <a:effectLst/>
-                <a:latin typeface="SutonnyMJ" pitchFamily="2" charset="0"/>
-                <a:ea typeface="Calibri" panose="020F0502020204030204" pitchFamily="34" charset="0"/>
-                <a:cs typeface="Vrinda" panose="020B0502040204020203" pitchFamily="34" charset="0"/>
-              </a:rPr>
-              <a:t> </a:t>
-            </a:r>
-            <a:r>
-              <a:rPr lang="en-US" sz="1800" dirty="0" err="1">
-                <a:solidFill>
-                  <a:schemeClr val="bg1"/>
-                </a:solidFill>
-                <a:effectLst/>
-                <a:latin typeface="SutonnyMJ" pitchFamily="2" charset="0"/>
-                <a:ea typeface="Calibri" panose="020F0502020204030204" pitchFamily="34" charset="0"/>
-                <a:cs typeface="Vrinda" panose="020B0502040204020203" pitchFamily="34" charset="0"/>
-              </a:rPr>
-              <a:t>jKWvDb</a:t>
-            </a:r>
-            <a:r>
-              <a:rPr lang="en-US" sz="1800" dirty="0">
-                <a:solidFill>
-                  <a:schemeClr val="bg1"/>
-                </a:solidFill>
-                <a:effectLst/>
-                <a:latin typeface="SutonnyMJ" pitchFamily="2" charset="0"/>
-                <a:ea typeface="Calibri" panose="020F0502020204030204" pitchFamily="34" charset="0"/>
-                <a:cs typeface="Vrinda" panose="020B0502040204020203" pitchFamily="34" charset="0"/>
-              </a:rPr>
-              <a:t> </a:t>
-            </a:r>
-            <a:r>
-              <a:rPr lang="en-US" sz="1800" dirty="0" err="1">
-                <a:solidFill>
-                  <a:schemeClr val="bg1"/>
-                </a:solidFill>
-                <a:effectLst/>
-                <a:latin typeface="SutonnyMJ" pitchFamily="2" charset="0"/>
-                <a:ea typeface="Calibri" panose="020F0502020204030204" pitchFamily="34" charset="0"/>
-                <a:cs typeface="Vrinda" panose="020B0502040204020203" pitchFamily="34" charset="0"/>
-              </a:rPr>
-              <a:t>wcwiqW‡K</a:t>
-            </a:r>
-            <a:r>
-              <a:rPr lang="en-US" sz="1800" dirty="0">
-                <a:solidFill>
-                  <a:schemeClr val="bg1"/>
-                </a:solidFill>
-                <a:effectLst/>
-                <a:latin typeface="SutonnyMJ" pitchFamily="2" charset="0"/>
-                <a:ea typeface="Calibri" panose="020F0502020204030204" pitchFamily="34" charset="0"/>
-                <a:cs typeface="Vrinda" panose="020B0502040204020203" pitchFamily="34" charset="0"/>
-              </a:rPr>
-              <a:t> </a:t>
-            </a:r>
-            <a:r>
-              <a:rPr lang="en-US" sz="1800" dirty="0" err="1">
-                <a:solidFill>
-                  <a:schemeClr val="bg1"/>
-                </a:solidFill>
-                <a:effectLst/>
-                <a:latin typeface="SutonnyMJ" pitchFamily="2" charset="0"/>
-                <a:ea typeface="Calibri" panose="020F0502020204030204" pitchFamily="34" charset="0"/>
-                <a:cs typeface="Vrinda" panose="020B0502040204020203" pitchFamily="34" charset="0"/>
-              </a:rPr>
-              <a:t>Kv‡R</a:t>
-            </a:r>
-            <a:r>
-              <a:rPr lang="en-US" sz="1800" dirty="0">
-                <a:solidFill>
-                  <a:schemeClr val="bg1"/>
-                </a:solidFill>
-                <a:effectLst/>
-                <a:latin typeface="SutonnyMJ" pitchFamily="2" charset="0"/>
-                <a:ea typeface="Calibri" panose="020F0502020204030204" pitchFamily="34" charset="0"/>
-                <a:cs typeface="Vrinda" panose="020B0502040204020203" pitchFamily="34" charset="0"/>
-              </a:rPr>
-              <a:t> </a:t>
-            </a:r>
-            <a:r>
-              <a:rPr lang="en-US" sz="1800" dirty="0" err="1">
-                <a:solidFill>
-                  <a:schemeClr val="bg1"/>
-                </a:solidFill>
-                <a:effectLst/>
-                <a:latin typeface="SutonnyMJ" pitchFamily="2" charset="0"/>
-                <a:ea typeface="Calibri" panose="020F0502020204030204" pitchFamily="34" charset="0"/>
-                <a:cs typeface="Vrinda" panose="020B0502040204020203" pitchFamily="34" charset="0"/>
-              </a:rPr>
-              <a:t>jvMv‡bvi</a:t>
-            </a:r>
-            <a:r>
-              <a:rPr lang="en-US" sz="1800" dirty="0">
-                <a:solidFill>
-                  <a:schemeClr val="bg1"/>
-                </a:solidFill>
-                <a:effectLst/>
-                <a:latin typeface="SutonnyMJ" pitchFamily="2" charset="0"/>
-                <a:ea typeface="Calibri" panose="020F0502020204030204" pitchFamily="34" charset="0"/>
-                <a:cs typeface="Vrinda" panose="020B0502040204020203" pitchFamily="34" charset="0"/>
-              </a:rPr>
-              <a:t> h‡_vchy³ </a:t>
-            </a:r>
-            <a:r>
-              <a:rPr lang="en-US" sz="1800" dirty="0" err="1">
-                <a:solidFill>
-                  <a:schemeClr val="bg1"/>
-                </a:solidFill>
-                <a:effectLst/>
-                <a:latin typeface="SutonnyOMJ" panose="01010600010101010101" pitchFamily="2" charset="0"/>
-                <a:ea typeface="Calibri" panose="020F0502020204030204" pitchFamily="34" charset="0"/>
-                <a:cs typeface="SutonnyOMJ" panose="01010600010101010101" pitchFamily="2" charset="0"/>
-              </a:rPr>
-              <a:t>মাধ্যম</a:t>
-            </a:r>
-            <a:endParaRPr lang="en-US" dirty="0">
-              <a:solidFill>
-                <a:schemeClr val="bg1"/>
-              </a:solidFill>
-              <a:latin typeface="SutonnyMJ" pitchFamily="2" charset="0"/>
-            </a:endParaRPr>
-          </a:p>
-        </p:txBody>
-      </p:sp>
-      <p:sp>
-        <p:nvSpPr>
-          <p:cNvPr id="4" name="Text Placeholder 3"/>
-          <p:cNvSpPr>
-            <a:spLocks noGrp="1"/>
-          </p:cNvSpPr>
-          <p:nvPr>
-            <p:ph type="body" sz="half" idx="2"/>
-          </p:nvPr>
-        </p:nvSpPr>
-        <p:spPr/>
-        <p:txBody>
-          <a:bodyPr>
-            <a:normAutofit/>
-          </a:bodyPr>
-          <a:lstStyle/>
-          <a:p>
-            <a:pPr algn="ctr"/>
-            <a:r>
-              <a:rPr lang="en-US" sz="2800" dirty="0" err="1">
-                <a:solidFill>
-                  <a:schemeClr val="bg1"/>
-                </a:solidFill>
-                <a:effectLst/>
-                <a:latin typeface="SutonnyMJ" pitchFamily="2" charset="0"/>
-                <a:ea typeface="Calibri" panose="020F0502020204030204" pitchFamily="34" charset="0"/>
-                <a:cs typeface="Vrinda" panose="020B0502040204020203" pitchFamily="34" charset="0"/>
-              </a:rPr>
-              <a:t>wkÿK</a:t>
-            </a:r>
-            <a:r>
-              <a:rPr lang="en-US" sz="2800" dirty="0">
-                <a:solidFill>
-                  <a:schemeClr val="bg1"/>
-                </a:solidFill>
-                <a:effectLst/>
-                <a:latin typeface="SutonnyMJ" pitchFamily="2" charset="0"/>
-                <a:ea typeface="Calibri" panose="020F0502020204030204" pitchFamily="34" charset="0"/>
-                <a:cs typeface="Vrinda" panose="020B0502040204020203" pitchFamily="34" charset="0"/>
-              </a:rPr>
-              <a:t>‡`</a:t>
-            </a:r>
-            <a:r>
-              <a:rPr lang="en-US" sz="2800" dirty="0" err="1">
-                <a:solidFill>
-                  <a:schemeClr val="bg1"/>
-                </a:solidFill>
-                <a:effectLst/>
-                <a:latin typeface="SutonnyMJ" pitchFamily="2" charset="0"/>
-                <a:ea typeface="Calibri" panose="020F0502020204030204" pitchFamily="34" charset="0"/>
-                <a:cs typeface="Vrinda" panose="020B0502040204020203" pitchFamily="34" charset="0"/>
-              </a:rPr>
-              <a:t>i</a:t>
-            </a:r>
-            <a:r>
-              <a:rPr lang="en-US" sz="2800" dirty="0">
-                <a:solidFill>
-                  <a:schemeClr val="bg1"/>
-                </a:solidFill>
-                <a:effectLst/>
-                <a:latin typeface="SutonnyMJ" pitchFamily="2" charset="0"/>
-                <a:ea typeface="Calibri" panose="020F0502020204030204" pitchFamily="34" charset="0"/>
-                <a:cs typeface="Vrinda" panose="020B0502040204020203" pitchFamily="34" charset="0"/>
-              </a:rPr>
-              <a:t> </a:t>
-            </a:r>
-            <a:r>
-              <a:rPr lang="en-US" sz="2800" dirty="0" err="1">
-                <a:solidFill>
-                  <a:schemeClr val="bg1"/>
-                </a:solidFill>
-                <a:effectLst/>
-                <a:latin typeface="SutonnyOMJ" panose="01010600010101010101" pitchFamily="2" charset="0"/>
-                <a:ea typeface="Calibri" panose="020F0502020204030204" pitchFamily="34" charset="0"/>
-                <a:cs typeface="SutonnyOMJ" panose="01010600010101010101" pitchFamily="2" charset="0"/>
-              </a:rPr>
-              <a:t>জন্য</a:t>
-            </a:r>
-            <a:r>
-              <a:rPr lang="en-US" sz="2800" dirty="0">
-                <a:solidFill>
-                  <a:schemeClr val="bg1"/>
-                </a:solidFill>
-                <a:effectLst/>
-                <a:latin typeface="SutonnyMJ" pitchFamily="2" charset="0"/>
-                <a:ea typeface="Calibri" panose="020F0502020204030204" pitchFamily="34" charset="0"/>
-                <a:cs typeface="Vrinda" panose="020B0502040204020203" pitchFamily="34" charset="0"/>
-              </a:rPr>
-              <a:t> </a:t>
-            </a:r>
-            <a:r>
-              <a:rPr lang="en-US" sz="2800" dirty="0" err="1">
-                <a:solidFill>
-                  <a:schemeClr val="bg1"/>
-                </a:solidFill>
-                <a:effectLst/>
-                <a:latin typeface="SutonnyMJ" pitchFamily="2" charset="0"/>
-                <a:ea typeface="Calibri" panose="020F0502020204030204" pitchFamily="34" charset="0"/>
-                <a:cs typeface="Vrinda" panose="020B0502040204020203" pitchFamily="34" charset="0"/>
-              </a:rPr>
-              <a:t>my‡hvM-myweavmg~n</a:t>
-            </a:r>
-            <a:endParaRPr lang="en-US" sz="2800" dirty="0">
-              <a:solidFill>
-                <a:schemeClr val="bg1"/>
-              </a:solidFill>
-            </a:endParaRPr>
-          </a:p>
-        </p:txBody>
-      </p:sp>
       <p:pic>
         <p:nvPicPr>
-          <p:cNvPr id="6" name="Picture 5"/>
+          <p:cNvPr id="5" name="Picture 4"/>
           <p:cNvPicPr>
             <a:picLocks noChangeAspect="1"/>
           </p:cNvPicPr>
           <p:nvPr/>
         </p:nvPicPr>
         <p:blipFill>
-          <a:blip r:embed="rId2" cstate="print">
-            <a:extLst>
-              <a:ext uri="{28A0092B-C50C-407E-A947-70E740481C1C}">
-                <a14:useLocalDpi xmlns:a14="http://schemas.microsoft.com/office/drawing/2010/main" val="0"/>
-              </a:ext>
-            </a:extLst>
-          </a:blip>
+          <a:blip r:embed="rId2"/>
           <a:stretch>
             <a:fillRect/>
           </a:stretch>
         </p:blipFill>
         <p:spPr>
           <a:xfrm>
-            <a:off x="7739269" y="5671929"/>
-            <a:ext cx="1311965" cy="1095967"/>
+            <a:off x="135966" y="115910"/>
+            <a:ext cx="8892124" cy="6641158"/>
           </a:xfrm>
           <a:prstGeom prst="rect">
             <a:avLst/>
@@ -13840,17 +10733,85 @@
     </p:spTree>
     <p:extLst>
       <p:ext uri="{BB962C8B-B14F-4D97-AF65-F5344CB8AC3E}">
-        <p14:creationId xmlns:p14="http://schemas.microsoft.com/office/powerpoint/2010/main" val="170958669"/>
+        <p14:creationId xmlns:p14="http://schemas.microsoft.com/office/powerpoint/2010/main" val="260342906"/>
       </p:ext>
     </p:extLst>
   </p:cSld>
   <p:clrMapOvr>
     <a:masterClrMapping/>
   </p:clrMapOvr>
+  <p:timing>
+    <p:tnLst>
+      <p:par>
+        <p:cTn id="1" dur="indefinite" restart="never" nodeType="tmRoot"/>
+      </p:par>
+    </p:tnLst>
+  </p:timing>
 </p:sld>
 </file>
 
 <file path=ppt/slides/slide8.xml><?xml version="1.0" encoding="utf-8"?>
+<p:sld xmlns:a="http://schemas.openxmlformats.org/drawingml/2006/main" xmlns:r="http://schemas.openxmlformats.org/officeDocument/2006/relationships" xmlns:p="http://schemas.openxmlformats.org/presentationml/2006/main">
+  <p:cSld>
+    <p:spTree>
+      <p:nvGrpSpPr>
+        <p:cNvPr id="1" name=""/>
+        <p:cNvGrpSpPr/>
+        <p:nvPr/>
+      </p:nvGrpSpPr>
+      <p:grpSpPr>
+        <a:xfrm>
+          <a:off x="0" y="0"/>
+          <a:ext cx="0" cy="0"/>
+          <a:chOff x="0" y="0"/>
+          <a:chExt cx="0" cy="0"/>
+        </a:xfrm>
+      </p:grpSpPr>
+      <p:pic>
+        <p:nvPicPr>
+          <p:cNvPr id="5" name="Picture 4"/>
+          <p:cNvPicPr>
+            <a:picLocks noChangeAspect="1"/>
+          </p:cNvPicPr>
+          <p:nvPr/>
+        </p:nvPicPr>
+        <p:blipFill>
+          <a:blip r:embed="rId2"/>
+          <a:stretch>
+            <a:fillRect/>
+          </a:stretch>
+        </p:blipFill>
+        <p:spPr>
+          <a:xfrm>
+            <a:off x="128789" y="110550"/>
+            <a:ext cx="8925059" cy="6665755"/>
+          </a:xfrm>
+          <a:prstGeom prst="rect">
+            <a:avLst/>
+          </a:prstGeom>
+        </p:spPr>
+      </p:pic>
+    </p:spTree>
+    <p:extLst>
+      <p:ext uri="{BB962C8B-B14F-4D97-AF65-F5344CB8AC3E}">
+        <p14:creationId xmlns:p14="http://schemas.microsoft.com/office/powerpoint/2010/main" val="1319326072"/>
+      </p:ext>
+    </p:extLst>
+  </p:cSld>
+  <p:clrMapOvr>
+    <a:masterClrMapping/>
+  </p:clrMapOvr>
+  <p:timing>
+    <p:tnLst>
+      <p:par>
+        <p:cTn id="1" dur="indefinite" restart="never" nodeType="tmRoot"/>
+      </p:par>
+    </p:tnLst>
+  </p:timing>
+</p:sld>
+</file>
+
+<file path=ppt/slides/slide9.xml><?xml version="1.0" encoding="utf-8"?>
 <p:sld xmlns:a="http://schemas.openxmlformats.org/drawingml/2006/main" xmlns:r="http://schemas.openxmlformats.org/officeDocument/2006/relationships" xmlns:p="http://schemas.openxmlformats.org/presentationml/2006/main">
   <p:cSld>
     <p:spTree>
@@ -14588,866 +11549,13 @@
   <p:clrMapOvr>
     <a:masterClrMapping/>
   </p:clrMapOvr>
-</p:sld>
-</file>
-
-<file path=ppt/slides/slide9.xml><?xml version="1.0" encoding="utf-8"?>
-<p:sld xmlns:a="http://schemas.openxmlformats.org/drawingml/2006/main" xmlns:r="http://schemas.openxmlformats.org/officeDocument/2006/relationships" xmlns:p="http://schemas.openxmlformats.org/presentationml/2006/main">
-  <p:cSld>
-    <p:spTree>
-      <p:nvGrpSpPr>
-        <p:cNvPr id="1" name=""/>
-        <p:cNvGrpSpPr/>
-        <p:nvPr/>
-      </p:nvGrpSpPr>
-      <p:grpSpPr>
-        <a:xfrm>
-          <a:off x="0" y="0"/>
-          <a:ext cx="0" cy="0"/>
-          <a:chOff x="0" y="0"/>
-          <a:chExt cx="0" cy="0"/>
-        </a:xfrm>
-      </p:grpSpPr>
-      <p:sp>
-        <p:nvSpPr>
-          <p:cNvPr id="2" name="Title 1"/>
-          <p:cNvSpPr>
-            <a:spLocks noGrp="1"/>
-          </p:cNvSpPr>
-          <p:nvPr>
-            <p:ph type="title"/>
-          </p:nvPr>
-        </p:nvSpPr>
-        <p:spPr>
-          <a:xfrm>
-            <a:off x="0" y="2904992"/>
-            <a:ext cx="4977846" cy="1201778"/>
-          </a:xfrm>
-        </p:spPr>
-        <p:txBody>
-          <a:bodyPr>
-            <a:normAutofit/>
-          </a:bodyPr>
-          <a:lstStyle/>
-          <a:p>
-            <a:pPr algn="ctr"/>
-            <a:r>
-              <a:rPr lang="en-US" sz="3600" b="1" dirty="0" err="1">
-                <a:solidFill>
-                  <a:schemeClr val="bg1"/>
-                </a:solidFill>
-                <a:latin typeface="SutonnyOMJ" panose="01010600010101010101" pitchFamily="2" charset="0"/>
-                <a:cs typeface="SutonnyOMJ" panose="01010600010101010101" pitchFamily="2" charset="0"/>
-              </a:rPr>
-              <a:t>আমরা</a:t>
-            </a:r>
-            <a:r>
-              <a:rPr lang="en-US" sz="3600" b="1" dirty="0">
-                <a:solidFill>
-                  <a:schemeClr val="bg1"/>
-                </a:solidFill>
-                <a:latin typeface="SutonnyOMJ" panose="01010600010101010101" pitchFamily="2" charset="0"/>
-                <a:cs typeface="SutonnyOMJ" panose="01010600010101010101" pitchFamily="2" charset="0"/>
-              </a:rPr>
-              <a:t> </a:t>
-            </a:r>
-            <a:r>
-              <a:rPr lang="en-US" sz="3600" b="1" dirty="0" err="1">
-                <a:solidFill>
-                  <a:schemeClr val="bg1"/>
-                </a:solidFill>
-                <a:latin typeface="SutonnyOMJ" panose="01010600010101010101" pitchFamily="2" charset="0"/>
-                <a:cs typeface="SutonnyOMJ" panose="01010600010101010101" pitchFamily="2" charset="0"/>
-              </a:rPr>
-              <a:t>যেভাবে</a:t>
-            </a:r>
-            <a:r>
-              <a:rPr lang="en-US" sz="3600" b="1" dirty="0">
-                <a:solidFill>
-                  <a:schemeClr val="bg1"/>
-                </a:solidFill>
-                <a:latin typeface="SutonnyOMJ" panose="01010600010101010101" pitchFamily="2" charset="0"/>
-                <a:cs typeface="SutonnyOMJ" panose="01010600010101010101" pitchFamily="2" charset="0"/>
-              </a:rPr>
-              <a:t> </a:t>
-            </a:r>
-            <a:r>
-              <a:rPr lang="en-US" sz="3600" b="1" dirty="0" err="1">
-                <a:solidFill>
-                  <a:schemeClr val="bg1"/>
-                </a:solidFill>
-                <a:latin typeface="SutonnyOMJ" panose="01010600010101010101" pitchFamily="2" charset="0"/>
-                <a:cs typeface="SutonnyOMJ" panose="01010600010101010101" pitchFamily="2" charset="0"/>
-              </a:rPr>
-              <a:t>কাজ</a:t>
-            </a:r>
-            <a:r>
-              <a:rPr lang="en-US" sz="3600" b="1" dirty="0">
-                <a:solidFill>
-                  <a:schemeClr val="bg1"/>
-                </a:solidFill>
-                <a:latin typeface="SutonnyOMJ" panose="01010600010101010101" pitchFamily="2" charset="0"/>
-                <a:cs typeface="SutonnyOMJ" panose="01010600010101010101" pitchFamily="2" charset="0"/>
-              </a:rPr>
-              <a:t> </a:t>
-            </a:r>
-            <a:r>
-              <a:rPr lang="en-US" sz="3600" b="1" dirty="0" err="1">
-                <a:solidFill>
-                  <a:schemeClr val="bg1"/>
-                </a:solidFill>
-                <a:latin typeface="SutonnyOMJ" panose="01010600010101010101" pitchFamily="2" charset="0"/>
-                <a:cs typeface="SutonnyOMJ" panose="01010600010101010101" pitchFamily="2" charset="0"/>
-              </a:rPr>
-              <a:t>করি</a:t>
-            </a:r>
-            <a:r>
-              <a:rPr lang="en-US" sz="3600" b="1" dirty="0">
-                <a:solidFill>
-                  <a:schemeClr val="bg1"/>
-                </a:solidFill>
-                <a:latin typeface="SutonnyOMJ" panose="01010600010101010101" pitchFamily="2" charset="0"/>
-                <a:cs typeface="SutonnyOMJ" panose="01010600010101010101" pitchFamily="2" charset="0"/>
-              </a:rPr>
-              <a:t>???</a:t>
-            </a:r>
-          </a:p>
-        </p:txBody>
-      </p:sp>
-      <p:sp>
-        <p:nvSpPr>
-          <p:cNvPr id="3" name="Text Placeholder 2"/>
-          <p:cNvSpPr>
-            <a:spLocks noGrp="1"/>
-          </p:cNvSpPr>
-          <p:nvPr>
-            <p:ph type="body" idx="1"/>
-          </p:nvPr>
-        </p:nvSpPr>
-        <p:spPr>
-          <a:xfrm>
-            <a:off x="441651" y="827575"/>
-            <a:ext cx="5867770" cy="609600"/>
-          </a:xfrm>
-        </p:spPr>
-        <p:txBody>
-          <a:bodyPr/>
-          <a:lstStyle/>
-          <a:p>
-            <a:r>
-              <a:rPr lang="en-US" cap="none" dirty="0" err="1">
-                <a:solidFill>
-                  <a:schemeClr val="bg1"/>
-                </a:solidFill>
-                <a:latin typeface="SutonnyMJ" pitchFamily="2" charset="0"/>
-                <a:cs typeface="SutonnyOMJ" panose="01010600010101010101" pitchFamily="2" charset="0"/>
-              </a:rPr>
-              <a:t>wkÿK</a:t>
-            </a:r>
-            <a:r>
-              <a:rPr lang="en-US" cap="none" dirty="0">
-                <a:solidFill>
-                  <a:schemeClr val="bg1"/>
-                </a:solidFill>
-                <a:latin typeface="SutonnyMJ" pitchFamily="2" charset="0"/>
-                <a:cs typeface="SutonnyOMJ" panose="01010600010101010101" pitchFamily="2" charset="0"/>
-              </a:rPr>
-              <a:t> / </a:t>
-            </a:r>
-            <a:r>
-              <a:rPr lang="en-US" cap="none" dirty="0" err="1">
-                <a:solidFill>
-                  <a:schemeClr val="bg1"/>
-                </a:solidFill>
-                <a:latin typeface="SutonnyMJ" pitchFamily="2" charset="0"/>
-                <a:cs typeface="SutonnyOMJ" panose="01010600010101010101" pitchFamily="2" charset="0"/>
-              </a:rPr>
-              <a:t>cÖwZôvb</a:t>
-            </a:r>
-            <a:r>
-              <a:rPr lang="en-US" cap="none" dirty="0">
-                <a:solidFill>
-                  <a:schemeClr val="bg1"/>
-                </a:solidFill>
-                <a:latin typeface="SutonnyMJ" pitchFamily="2" charset="0"/>
-                <a:cs typeface="SutonnyOMJ" panose="01010600010101010101" pitchFamily="2" charset="0"/>
-              </a:rPr>
-              <a:t> </a:t>
-            </a:r>
-            <a:r>
-              <a:rPr lang="en-US" cap="none" dirty="0" err="1">
-                <a:solidFill>
-                  <a:schemeClr val="bg1"/>
-                </a:solidFill>
-                <a:latin typeface="SutonnyMJ" pitchFamily="2" charset="0"/>
-                <a:cs typeface="SutonnyOMJ" panose="01010600010101010101" pitchFamily="2" charset="0"/>
-              </a:rPr>
-              <a:t>Øviv</a:t>
-            </a:r>
-            <a:r>
-              <a:rPr lang="en-US" cap="none" dirty="0">
-                <a:solidFill>
-                  <a:schemeClr val="bg1"/>
-                </a:solidFill>
-                <a:latin typeface="SutonnyMJ" pitchFamily="2" charset="0"/>
-                <a:cs typeface="SutonnyOMJ" panose="01010600010101010101" pitchFamily="2" charset="0"/>
-              </a:rPr>
-              <a:t> </a:t>
-            </a:r>
-            <a:r>
-              <a:rPr lang="en-US" cap="none" dirty="0" err="1">
-                <a:solidFill>
-                  <a:schemeClr val="bg1"/>
-                </a:solidFill>
-                <a:latin typeface="SutonnyMJ" pitchFamily="2" charset="0"/>
-                <a:cs typeface="SutonnyOMJ" panose="01010600010101010101" pitchFamily="2" charset="0"/>
-              </a:rPr>
-              <a:t>miÄvgvw</a:t>
-            </a:r>
-            <a:r>
-              <a:rPr lang="en-US" cap="none" dirty="0">
-                <a:solidFill>
-                  <a:schemeClr val="bg1"/>
-                </a:solidFill>
-                <a:latin typeface="SutonnyMJ" pitchFamily="2" charset="0"/>
-                <a:cs typeface="SutonnyOMJ" panose="01010600010101010101" pitchFamily="2" charset="0"/>
-              </a:rPr>
-              <a:t>` </a:t>
-            </a:r>
-            <a:r>
-              <a:rPr lang="en-US" cap="none" dirty="0" err="1">
-                <a:solidFill>
-                  <a:schemeClr val="bg1"/>
-                </a:solidFill>
-                <a:latin typeface="SutonnyMJ" pitchFamily="2" charset="0"/>
-                <a:cs typeface="SutonnyOMJ" panose="01010600010101010101" pitchFamily="2" charset="0"/>
-              </a:rPr>
-              <a:t>Ges</a:t>
-            </a:r>
-            <a:r>
-              <a:rPr lang="en-US" cap="none" dirty="0">
-                <a:solidFill>
-                  <a:schemeClr val="bg1"/>
-                </a:solidFill>
-                <a:latin typeface="SutonnyMJ" pitchFamily="2" charset="0"/>
-                <a:cs typeface="SutonnyOMJ" panose="01010600010101010101" pitchFamily="2" charset="0"/>
-              </a:rPr>
-              <a:t> </a:t>
-            </a:r>
-            <a:r>
-              <a:rPr lang="en-US" cap="none" dirty="0" err="1">
-                <a:solidFill>
-                  <a:schemeClr val="bg1"/>
-                </a:solidFill>
-                <a:latin typeface="SutonnyOMJ" panose="01010600010101010101" pitchFamily="2" charset="0"/>
-                <a:cs typeface="SutonnyOMJ" panose="01010600010101010101" pitchFamily="2" charset="0"/>
-              </a:rPr>
-              <a:t>সিস্টেম</a:t>
-            </a:r>
-            <a:r>
-              <a:rPr lang="en-US" cap="none" dirty="0">
-                <a:solidFill>
-                  <a:schemeClr val="bg1"/>
-                </a:solidFill>
-                <a:latin typeface="SutonnyMJ" pitchFamily="2" charset="0"/>
-                <a:cs typeface="SutonnyOMJ" panose="01010600010101010101" pitchFamily="2" charset="0"/>
-              </a:rPr>
-              <a:t> </a:t>
-            </a:r>
-            <a:r>
-              <a:rPr lang="en-US" cap="none" dirty="0" err="1">
-                <a:solidFill>
-                  <a:schemeClr val="bg1"/>
-                </a:solidFill>
-                <a:latin typeface="SutonnyMJ" pitchFamily="2" charset="0"/>
-                <a:cs typeface="SutonnyOMJ" panose="01010600010101010101" pitchFamily="2" charset="0"/>
-              </a:rPr>
-              <a:t>Bb›U‡jkb</a:t>
-            </a:r>
-            <a:endParaRPr lang="en-US" cap="none" dirty="0">
-              <a:solidFill>
-                <a:schemeClr val="bg1"/>
-              </a:solidFill>
-              <a:latin typeface="SutonnyMJ" pitchFamily="2" charset="0"/>
-              <a:cs typeface="SutonnyOMJ" panose="01010600010101010101" pitchFamily="2" charset="0"/>
-            </a:endParaRPr>
-          </a:p>
-        </p:txBody>
-      </p:sp>
-      <p:sp>
-        <p:nvSpPr>
-          <p:cNvPr id="4" name="Content Placeholder 3"/>
-          <p:cNvSpPr>
-            <a:spLocks noGrp="1"/>
-          </p:cNvSpPr>
-          <p:nvPr>
-            <p:ph sz="half" idx="2"/>
-          </p:nvPr>
-        </p:nvSpPr>
-        <p:spPr>
-          <a:xfrm>
-            <a:off x="441651" y="1538786"/>
-            <a:ext cx="3945467" cy="711211"/>
-          </a:xfrm>
-        </p:spPr>
-        <p:txBody>
-          <a:bodyPr>
-            <a:noAutofit/>
-          </a:bodyPr>
-          <a:lstStyle/>
-          <a:p>
-            <a:pPr marL="0" indent="0" algn="ctr">
-              <a:buNone/>
-            </a:pPr>
-            <a:r>
-              <a:rPr lang="en-US" sz="1800" dirty="0" err="1">
-                <a:effectLst/>
-                <a:latin typeface="SutonnyMJ" pitchFamily="2" charset="0"/>
-                <a:ea typeface="Calibri" panose="020F0502020204030204" pitchFamily="34" charset="0"/>
-                <a:cs typeface="Vrinda" panose="020B0502040204020203" pitchFamily="34" charset="0"/>
-              </a:rPr>
-              <a:t>wkÿK</a:t>
-            </a:r>
-            <a:r>
-              <a:rPr lang="en-US" sz="1800" dirty="0">
-                <a:effectLst/>
-                <a:latin typeface="SutonnyMJ" pitchFamily="2" charset="0"/>
-                <a:ea typeface="Calibri" panose="020F0502020204030204" pitchFamily="34" charset="0"/>
-                <a:cs typeface="Vrinda" panose="020B0502040204020203" pitchFamily="34" charset="0"/>
-              </a:rPr>
-              <a:t>‡`</a:t>
-            </a:r>
-            <a:r>
-              <a:rPr lang="en-US" sz="1800" dirty="0" err="1">
-                <a:effectLst/>
-                <a:latin typeface="SutonnyMJ" pitchFamily="2" charset="0"/>
-                <a:ea typeface="Calibri" panose="020F0502020204030204" pitchFamily="34" charset="0"/>
-                <a:cs typeface="Vrinda" panose="020B0502040204020203" pitchFamily="34" charset="0"/>
-              </a:rPr>
-              <a:t>i</a:t>
-            </a:r>
-            <a:r>
-              <a:rPr lang="en-US" sz="1800" dirty="0">
-                <a:effectLst/>
-                <a:latin typeface="SutonnyMJ" pitchFamily="2" charset="0"/>
-                <a:ea typeface="Calibri" panose="020F0502020204030204" pitchFamily="34" charset="0"/>
-                <a:cs typeface="Vrinda" panose="020B0502040204020203" pitchFamily="34" charset="0"/>
-              </a:rPr>
-              <a:t> </a:t>
-            </a:r>
-            <a:r>
-              <a:rPr lang="en-US" sz="1800" dirty="0" err="1">
-                <a:effectLst/>
-                <a:latin typeface="SutonnyOMJ" panose="01010600010101010101" pitchFamily="2" charset="0"/>
-                <a:ea typeface="Calibri" panose="020F0502020204030204" pitchFamily="34" charset="0"/>
-                <a:cs typeface="SutonnyOMJ" panose="01010600010101010101" pitchFamily="2" charset="0"/>
-              </a:rPr>
-              <a:t>ব্যক্তিগত</a:t>
-            </a:r>
-            <a:r>
-              <a:rPr lang="en-US" sz="1800" dirty="0">
-                <a:effectLst/>
-                <a:latin typeface="SutonnyMJ" pitchFamily="2" charset="0"/>
-                <a:ea typeface="Calibri" panose="020F0502020204030204" pitchFamily="34" charset="0"/>
-                <a:cs typeface="Vrinda" panose="020B0502040204020203" pitchFamily="34" charset="0"/>
-              </a:rPr>
-              <a:t> </a:t>
-            </a:r>
-            <a:r>
-              <a:rPr lang="en-US" sz="1800" dirty="0" err="1">
-                <a:effectLst/>
-                <a:latin typeface="SutonnyMJ" pitchFamily="2" charset="0"/>
-                <a:ea typeface="Calibri" panose="020F0502020204030204" pitchFamily="34" charset="0"/>
-                <a:cs typeface="Vrinda" panose="020B0502040204020203" pitchFamily="34" charset="0"/>
-              </a:rPr>
-              <a:t>wkÿv</a:t>
-            </a:r>
-            <a:r>
-              <a:rPr lang="en-US" sz="1800" dirty="0">
-                <a:effectLst/>
-                <a:latin typeface="SutonnyMJ" pitchFamily="2" charset="0"/>
-                <a:ea typeface="Calibri" panose="020F0502020204030204" pitchFamily="34" charset="0"/>
-                <a:cs typeface="Vrinda" panose="020B0502040204020203" pitchFamily="34" charset="0"/>
-              </a:rPr>
-              <a:t>_©x‡`</a:t>
-            </a:r>
-            <a:r>
-              <a:rPr lang="en-US" sz="1800" dirty="0" err="1">
-                <a:effectLst/>
-                <a:latin typeface="SutonnyMJ" pitchFamily="2" charset="0"/>
-                <a:ea typeface="Calibri" panose="020F0502020204030204" pitchFamily="34" charset="0"/>
-                <a:cs typeface="Vrinda" panose="020B0502040204020203" pitchFamily="34" charset="0"/>
-              </a:rPr>
-              <a:t>i</a:t>
-            </a:r>
-            <a:r>
-              <a:rPr lang="en-US" sz="1800" dirty="0">
-                <a:effectLst/>
-                <a:latin typeface="SutonnyMJ" pitchFamily="2" charset="0"/>
-                <a:ea typeface="Calibri" panose="020F0502020204030204" pitchFamily="34" charset="0"/>
-                <a:cs typeface="Vrinda" panose="020B0502040204020203" pitchFamily="34" charset="0"/>
-              </a:rPr>
-              <a:t> </a:t>
-            </a:r>
-            <a:r>
-              <a:rPr lang="en-US" sz="1800" dirty="0" err="1">
-                <a:effectLst/>
-                <a:latin typeface="SutonnyOMJ" panose="01010600010101010101" pitchFamily="2" charset="0"/>
-                <a:ea typeface="Calibri" panose="020F0502020204030204" pitchFamily="34" charset="0"/>
-                <a:cs typeface="SutonnyOMJ" panose="01010600010101010101" pitchFamily="2" charset="0"/>
-              </a:rPr>
-              <a:t>জন্য</a:t>
-            </a:r>
-            <a:r>
-              <a:rPr lang="en-US" sz="1800" dirty="0">
-                <a:effectLst/>
-                <a:latin typeface="SutonnyMJ" pitchFamily="2" charset="0"/>
-                <a:ea typeface="Calibri" panose="020F0502020204030204" pitchFamily="34" charset="0"/>
-                <a:cs typeface="Vrinda" panose="020B0502040204020203" pitchFamily="34" charset="0"/>
-              </a:rPr>
-              <a:t> </a:t>
-            </a:r>
-            <a:r>
-              <a:rPr lang="en-US" sz="1800" dirty="0" err="1">
-                <a:effectLst/>
-                <a:latin typeface="SutonnyMJ" pitchFamily="2" charset="0"/>
-                <a:ea typeface="Calibri" panose="020F0502020204030204" pitchFamily="34" charset="0"/>
-                <a:cs typeface="Vrinda" panose="020B0502040204020203" pitchFamily="34" charset="0"/>
-              </a:rPr>
-              <a:t>ïaygvÎ</a:t>
-            </a:r>
-            <a:r>
-              <a:rPr lang="en-US" sz="1800" dirty="0">
-                <a:effectLst/>
-                <a:latin typeface="SutonnyMJ" pitchFamily="2" charset="0"/>
-                <a:ea typeface="Calibri" panose="020F0502020204030204" pitchFamily="34" charset="0"/>
-                <a:cs typeface="Vrinda" panose="020B0502040204020203" pitchFamily="34" charset="0"/>
-              </a:rPr>
-              <a:t> </a:t>
-            </a:r>
-            <a:r>
-              <a:rPr lang="en-US" sz="1800" dirty="0" err="1">
-                <a:effectLst/>
-                <a:latin typeface="SutonnyMJ" pitchFamily="2" charset="0"/>
-                <a:ea typeface="Calibri" panose="020F0502020204030204" pitchFamily="34" charset="0"/>
-                <a:cs typeface="Vrinda" panose="020B0502040204020203" pitchFamily="34" charset="0"/>
-              </a:rPr>
-              <a:t>gvwmK</a:t>
-            </a:r>
-            <a:r>
-              <a:rPr lang="en-US" sz="1800" dirty="0">
-                <a:effectLst/>
-                <a:latin typeface="SutonnyMJ" pitchFamily="2" charset="0"/>
-                <a:ea typeface="Calibri" panose="020F0502020204030204" pitchFamily="34" charset="0"/>
-                <a:cs typeface="Vrinda" panose="020B0502040204020203" pitchFamily="34" charset="0"/>
-              </a:rPr>
-              <a:t> </a:t>
-            </a:r>
-            <a:r>
-              <a:rPr lang="en-US" sz="1800" dirty="0" err="1">
-                <a:effectLst/>
-                <a:latin typeface="SutonnyMJ" pitchFamily="2" charset="0"/>
-                <a:ea typeface="Calibri" panose="020F0502020204030204" pitchFamily="34" charset="0"/>
-                <a:cs typeface="Vrinda" panose="020B0502040204020203" pitchFamily="34" charset="0"/>
-              </a:rPr>
-              <a:t>mvwf©m</a:t>
-            </a:r>
-            <a:r>
-              <a:rPr lang="en-US" sz="1800" dirty="0">
-                <a:effectLst/>
-                <a:latin typeface="SutonnyMJ" pitchFamily="2" charset="0"/>
-                <a:ea typeface="Calibri" panose="020F0502020204030204" pitchFamily="34" charset="0"/>
-                <a:cs typeface="Vrinda" panose="020B0502040204020203" pitchFamily="34" charset="0"/>
-              </a:rPr>
-              <a:t> </a:t>
-            </a:r>
-            <a:r>
-              <a:rPr lang="en-US" sz="1800" dirty="0" err="1">
-                <a:effectLst/>
-                <a:latin typeface="SutonnyMJ" pitchFamily="2" charset="0"/>
-                <a:ea typeface="Calibri" panose="020F0502020204030204" pitchFamily="34" charset="0"/>
-                <a:cs typeface="Vrinda" panose="020B0502040204020203" pitchFamily="34" charset="0"/>
-              </a:rPr>
-              <a:t>PvR</a:t>
-            </a:r>
-            <a:r>
-              <a:rPr lang="en-US" sz="1800" dirty="0">
-                <a:effectLst/>
-                <a:latin typeface="SutonnyMJ" pitchFamily="2" charset="0"/>
-                <a:ea typeface="Calibri" panose="020F0502020204030204" pitchFamily="34" charset="0"/>
-                <a:cs typeface="Vrinda" panose="020B0502040204020203" pitchFamily="34" charset="0"/>
-              </a:rPr>
-              <a:t>©</a:t>
-            </a:r>
-            <a:endParaRPr lang="en-US" b="1" dirty="0">
-              <a:solidFill>
-                <a:schemeClr val="bg1"/>
-              </a:solidFill>
-              <a:latin typeface="SutonnyMJ" pitchFamily="2" charset="0"/>
-            </a:endParaRPr>
-          </a:p>
-        </p:txBody>
-      </p:sp>
-      <p:sp>
-        <p:nvSpPr>
-          <p:cNvPr id="5" name="Text Placeholder 4"/>
-          <p:cNvSpPr>
-            <a:spLocks noGrp="1"/>
-          </p:cNvSpPr>
-          <p:nvPr>
-            <p:ph type="body" sz="quarter" idx="3"/>
-          </p:nvPr>
-        </p:nvSpPr>
-        <p:spPr>
-          <a:xfrm>
-            <a:off x="623067" y="4386161"/>
-            <a:ext cx="4187472" cy="576262"/>
-          </a:xfrm>
-        </p:spPr>
-        <p:txBody>
-          <a:bodyPr/>
-          <a:lstStyle/>
-          <a:p>
-            <a:r>
-              <a:rPr lang="en-US" b="1" dirty="0" err="1">
-                <a:solidFill>
-                  <a:schemeClr val="bg1"/>
-                </a:solidFill>
-                <a:latin typeface="SutonnyOMJ" panose="01010600010101010101" pitchFamily="2" charset="0"/>
-                <a:cs typeface="SutonnyOMJ" panose="01010600010101010101" pitchFamily="2" charset="0"/>
-              </a:rPr>
-              <a:t>প্রতি</a:t>
-            </a:r>
-            <a:r>
-              <a:rPr lang="en-US" b="1" dirty="0">
-                <a:solidFill>
-                  <a:schemeClr val="bg1"/>
-                </a:solidFill>
-                <a:latin typeface="SutonnyOMJ" panose="01010600010101010101" pitchFamily="2" charset="0"/>
-                <a:cs typeface="SutonnyOMJ" panose="01010600010101010101" pitchFamily="2" charset="0"/>
-              </a:rPr>
-              <a:t> </a:t>
-            </a:r>
-            <a:r>
-              <a:rPr lang="en-US" b="1" dirty="0" err="1">
-                <a:solidFill>
-                  <a:schemeClr val="bg1"/>
-                </a:solidFill>
-                <a:latin typeface="SutonnyOMJ" panose="01010600010101010101" pitchFamily="2" charset="0"/>
-                <a:cs typeface="SutonnyOMJ" panose="01010600010101010101" pitchFamily="2" charset="0"/>
-              </a:rPr>
-              <a:t>ক্লাসের</a:t>
-            </a:r>
-            <a:r>
-              <a:rPr lang="en-US" b="1" dirty="0">
-                <a:solidFill>
-                  <a:schemeClr val="bg1"/>
-                </a:solidFill>
-                <a:latin typeface="SutonnyOMJ" panose="01010600010101010101" pitchFamily="2" charset="0"/>
-                <a:cs typeface="SutonnyOMJ" panose="01010600010101010101" pitchFamily="2" charset="0"/>
-              </a:rPr>
-              <a:t> </a:t>
-            </a:r>
-            <a:r>
-              <a:rPr lang="en-US" b="1" dirty="0" err="1">
-                <a:solidFill>
-                  <a:schemeClr val="bg1"/>
-                </a:solidFill>
-                <a:latin typeface="SutonnyOMJ" panose="01010600010101010101" pitchFamily="2" charset="0"/>
-                <a:cs typeface="SutonnyOMJ" panose="01010600010101010101" pitchFamily="2" charset="0"/>
-              </a:rPr>
-              <a:t>জন্য</a:t>
-            </a:r>
-            <a:r>
-              <a:rPr lang="en-US" b="1" dirty="0">
-                <a:solidFill>
-                  <a:schemeClr val="bg1"/>
-                </a:solidFill>
-                <a:latin typeface="SutonnyOMJ" panose="01010600010101010101" pitchFamily="2" charset="0"/>
-                <a:cs typeface="SutonnyOMJ" panose="01010600010101010101" pitchFamily="2" charset="0"/>
-              </a:rPr>
-              <a:t> </a:t>
-            </a:r>
-            <a:r>
-              <a:rPr lang="en-US" b="1" dirty="0" err="1">
-                <a:solidFill>
-                  <a:schemeClr val="bg1"/>
-                </a:solidFill>
-                <a:latin typeface="SutonnyOMJ" panose="01010600010101010101" pitchFamily="2" charset="0"/>
-                <a:cs typeface="SutonnyOMJ" panose="01010600010101010101" pitchFamily="2" charset="0"/>
-              </a:rPr>
-              <a:t>শিক্ষার্থী</a:t>
-            </a:r>
-            <a:r>
-              <a:rPr lang="en-US" b="1" dirty="0">
-                <a:solidFill>
-                  <a:schemeClr val="bg1"/>
-                </a:solidFill>
-                <a:latin typeface="SutonnyOMJ" panose="01010600010101010101" pitchFamily="2" charset="0"/>
-                <a:cs typeface="SutonnyOMJ" panose="01010600010101010101" pitchFamily="2" charset="0"/>
-              </a:rPr>
-              <a:t> </a:t>
-            </a:r>
-            <a:r>
-              <a:rPr lang="en-US" b="1" dirty="0" err="1">
-                <a:solidFill>
-                  <a:schemeClr val="bg1"/>
-                </a:solidFill>
-                <a:latin typeface="SutonnyOMJ" panose="01010600010101010101" pitchFamily="2" charset="0"/>
-                <a:cs typeface="SutonnyOMJ" panose="01010600010101010101" pitchFamily="2" charset="0"/>
-              </a:rPr>
-              <a:t>প্রতি</a:t>
-            </a:r>
-            <a:r>
-              <a:rPr lang="en-US" b="1" dirty="0">
-                <a:solidFill>
-                  <a:schemeClr val="bg1"/>
-                </a:solidFill>
-                <a:latin typeface="SutonnyOMJ" panose="01010600010101010101" pitchFamily="2" charset="0"/>
-                <a:cs typeface="SutonnyOMJ" panose="01010600010101010101" pitchFamily="2" charset="0"/>
-              </a:rPr>
-              <a:t> </a:t>
-            </a:r>
-            <a:r>
-              <a:rPr lang="en-US" b="1" dirty="0" err="1">
-                <a:solidFill>
-                  <a:schemeClr val="bg1"/>
-                </a:solidFill>
-                <a:latin typeface="SutonnyOMJ" panose="01010600010101010101" pitchFamily="2" charset="0"/>
-                <a:cs typeface="SutonnyOMJ" panose="01010600010101010101" pitchFamily="2" charset="0"/>
-              </a:rPr>
-              <a:t>মাসিক</a:t>
-            </a:r>
-            <a:r>
-              <a:rPr lang="en-US" b="1" dirty="0">
-                <a:solidFill>
-                  <a:schemeClr val="bg1"/>
-                </a:solidFill>
-                <a:latin typeface="SutonnyOMJ" panose="01010600010101010101" pitchFamily="2" charset="0"/>
-                <a:cs typeface="SutonnyOMJ" panose="01010600010101010101" pitchFamily="2" charset="0"/>
-              </a:rPr>
-              <a:t> </a:t>
-            </a:r>
-            <a:r>
-              <a:rPr lang="en-US" b="1" dirty="0" err="1">
-                <a:solidFill>
-                  <a:schemeClr val="bg1"/>
-                </a:solidFill>
-                <a:latin typeface="SutonnyOMJ" panose="01010600010101010101" pitchFamily="2" charset="0"/>
-                <a:cs typeface="SutonnyOMJ" panose="01010600010101010101" pitchFamily="2" charset="0"/>
-              </a:rPr>
-              <a:t>চার্জ</a:t>
-            </a:r>
-            <a:endParaRPr lang="en-US" b="1" dirty="0">
-              <a:solidFill>
-                <a:schemeClr val="bg1"/>
-              </a:solidFill>
-              <a:latin typeface="SutonnyOMJ" panose="01010600010101010101" pitchFamily="2" charset="0"/>
-              <a:cs typeface="SutonnyOMJ" panose="01010600010101010101" pitchFamily="2" charset="0"/>
-            </a:endParaRPr>
-          </a:p>
-        </p:txBody>
-      </p:sp>
-      <p:sp>
-        <p:nvSpPr>
-          <p:cNvPr id="6" name="Content Placeholder 5"/>
-          <p:cNvSpPr>
-            <a:spLocks noGrp="1"/>
-          </p:cNvSpPr>
-          <p:nvPr>
-            <p:ph sz="quarter" idx="4"/>
-          </p:nvPr>
-        </p:nvSpPr>
-        <p:spPr>
-          <a:xfrm>
-            <a:off x="690863" y="5241814"/>
-            <a:ext cx="3956705" cy="1249466"/>
-          </a:xfrm>
-        </p:spPr>
-        <p:txBody>
-          <a:bodyPr>
-            <a:normAutofit/>
-          </a:bodyPr>
-          <a:lstStyle/>
-          <a:p>
-            <a:pPr marL="0" indent="0">
-              <a:buNone/>
-            </a:pPr>
-            <a:r>
-              <a:rPr lang="en-US" dirty="0" err="1">
-                <a:effectLst/>
-                <a:latin typeface="SutonnyMJ" pitchFamily="2" charset="0"/>
-                <a:ea typeface="Calibri" panose="020F0502020204030204" pitchFamily="34" charset="0"/>
-                <a:cs typeface="Vrinda" panose="020B0502040204020203" pitchFamily="34" charset="0"/>
-              </a:rPr>
-              <a:t>mKj</a:t>
-            </a:r>
-            <a:r>
-              <a:rPr lang="en-US" dirty="0">
-                <a:effectLst/>
-                <a:latin typeface="SutonnyMJ" pitchFamily="2" charset="0"/>
-                <a:ea typeface="Calibri" panose="020F0502020204030204" pitchFamily="34" charset="0"/>
-                <a:cs typeface="Vrinda" panose="020B0502040204020203" pitchFamily="34" charset="0"/>
-              </a:rPr>
-              <a:t> </a:t>
-            </a:r>
-            <a:r>
-              <a:rPr lang="en-US" dirty="0" err="1">
-                <a:effectLst/>
-                <a:latin typeface="SutonnyMJ" pitchFamily="2" charset="0"/>
-                <a:ea typeface="Calibri" panose="020F0502020204030204" pitchFamily="34" charset="0"/>
-                <a:cs typeface="Vrinda" panose="020B0502040204020203" pitchFamily="34" charset="0"/>
-              </a:rPr>
-              <a:t>Kvh</a:t>
-            </a:r>
-            <a:r>
-              <a:rPr lang="en-US" dirty="0">
-                <a:effectLst/>
-                <a:latin typeface="SutonnyMJ" pitchFamily="2" charset="0"/>
-                <a:ea typeface="Calibri" panose="020F0502020204030204" pitchFamily="34" charset="0"/>
-                <a:cs typeface="Vrinda" panose="020B0502040204020203" pitchFamily="34" charset="0"/>
-              </a:rPr>
-              <a:t>©µg </a:t>
-            </a:r>
-            <a:r>
-              <a:rPr lang="en-US" dirty="0" err="1">
-                <a:effectLst/>
-                <a:latin typeface="SutonnyMJ" pitchFamily="2" charset="0"/>
-                <a:ea typeface="Calibri" panose="020F0502020204030204" pitchFamily="34" charset="0"/>
-                <a:cs typeface="Vrinda" panose="020B0502040204020203" pitchFamily="34" charset="0"/>
-              </a:rPr>
-              <a:t>m‡PZb</a:t>
-            </a:r>
-            <a:r>
-              <a:rPr lang="en-US" dirty="0">
-                <a:effectLst/>
-                <a:latin typeface="SutonnyMJ" pitchFamily="2" charset="0"/>
-                <a:ea typeface="Calibri" panose="020F0502020204030204" pitchFamily="34" charset="0"/>
-                <a:cs typeface="Vrinda" panose="020B0502040204020203" pitchFamily="34" charset="0"/>
-              </a:rPr>
-              <a:t> </a:t>
-            </a:r>
-            <a:r>
-              <a:rPr lang="en-US" dirty="0" err="1">
-                <a:effectLst/>
-                <a:latin typeface="SutonnyMJ" pitchFamily="2" charset="0"/>
-                <a:ea typeface="Calibri" panose="020F0502020204030204" pitchFamily="34" charset="0"/>
-                <a:cs typeface="Vrinda" panose="020B0502040204020203" pitchFamily="34" charset="0"/>
-              </a:rPr>
-              <a:t>GKv‡Wwg</a:t>
-            </a:r>
-            <a:r>
-              <a:rPr lang="en-US" dirty="0">
-                <a:effectLst/>
-                <a:latin typeface="SutonnyMJ" pitchFamily="2" charset="0"/>
-                <a:ea typeface="Calibri" panose="020F0502020204030204" pitchFamily="34" charset="0"/>
-                <a:cs typeface="Vrinda" panose="020B0502040204020203" pitchFamily="34" charset="0"/>
-              </a:rPr>
-              <a:t> KZ…©K </a:t>
-            </a:r>
-            <a:r>
-              <a:rPr lang="en-US" dirty="0" err="1">
-                <a:effectLst/>
-                <a:latin typeface="SutonnyMJ" pitchFamily="2" charset="0"/>
-                <a:ea typeface="Calibri" panose="020F0502020204030204" pitchFamily="34" charset="0"/>
-                <a:cs typeface="Vrinda" panose="020B0502040204020203" pitchFamily="34" charset="0"/>
-              </a:rPr>
-              <a:t>cwiPvwjZ</a:t>
-            </a:r>
-            <a:r>
-              <a:rPr lang="en-US" dirty="0">
-                <a:effectLst/>
-                <a:latin typeface="SutonnyMJ" pitchFamily="2" charset="0"/>
-                <a:ea typeface="Calibri" panose="020F0502020204030204" pitchFamily="34" charset="0"/>
-                <a:cs typeface="Vrinda" panose="020B0502040204020203" pitchFamily="34" charset="0"/>
-              </a:rPr>
-              <a:t> (</a:t>
-            </a:r>
-            <a:r>
-              <a:rPr lang="en-US" dirty="0" err="1">
-                <a:effectLst/>
-                <a:latin typeface="SutonnyMJ" pitchFamily="2" charset="0"/>
-                <a:ea typeface="Calibri" panose="020F0502020204030204" pitchFamily="34" charset="0"/>
-                <a:cs typeface="Vrinda" panose="020B0502040204020203" pitchFamily="34" charset="0"/>
-              </a:rPr>
-              <a:t>kZ</a:t>
-            </a:r>
-            <a:r>
-              <a:rPr lang="en-US" dirty="0">
-                <a:effectLst/>
-                <a:latin typeface="SutonnyMJ" pitchFamily="2" charset="0"/>
-                <a:ea typeface="Calibri" panose="020F0502020204030204" pitchFamily="34" charset="0"/>
-                <a:cs typeface="Vrinda" panose="020B0502040204020203" pitchFamily="34" charset="0"/>
-              </a:rPr>
-              <a:t>© </a:t>
-            </a:r>
-            <a:r>
-              <a:rPr lang="en-US" dirty="0" err="1">
-                <a:effectLst/>
-                <a:latin typeface="SutonnyOMJ" panose="01010600010101010101" pitchFamily="2" charset="0"/>
-                <a:ea typeface="Calibri" panose="020F0502020204030204" pitchFamily="34" charset="0"/>
-                <a:cs typeface="SutonnyOMJ" panose="01010600010101010101" pitchFamily="2" charset="0"/>
-              </a:rPr>
-              <a:t>প্রযোজ্য</a:t>
-            </a:r>
-            <a:r>
-              <a:rPr lang="en-US" dirty="0">
-                <a:effectLst/>
-                <a:latin typeface="SutonnyMJ" pitchFamily="2" charset="0"/>
-                <a:ea typeface="Calibri" panose="020F0502020204030204" pitchFamily="34" charset="0"/>
-                <a:cs typeface="Vrinda" panose="020B0502040204020203" pitchFamily="34" charset="0"/>
-              </a:rPr>
-              <a:t>)</a:t>
-            </a:r>
-            <a:endParaRPr lang="en-US" sz="2400" b="1" dirty="0">
-              <a:solidFill>
-                <a:schemeClr val="bg1"/>
-              </a:solidFill>
-              <a:latin typeface="SutonnyMJ" pitchFamily="2" charset="0"/>
-            </a:endParaRPr>
-          </a:p>
-        </p:txBody>
-      </p:sp>
-      <p:pic>
-        <p:nvPicPr>
-          <p:cNvPr id="8" name="Picture 7"/>
-          <p:cNvPicPr>
-            <a:picLocks noChangeAspect="1"/>
-          </p:cNvPicPr>
-          <p:nvPr/>
-        </p:nvPicPr>
-        <p:blipFill>
-          <a:blip r:embed="rId2">
-            <a:extLst>
-              <a:ext uri="{28A0092B-C50C-407E-A947-70E740481C1C}">
-                <a14:useLocalDpi xmlns:a14="http://schemas.microsoft.com/office/drawing/2010/main" val="0"/>
-              </a:ext>
-            </a:extLst>
-          </a:blip>
-          <a:stretch>
-            <a:fillRect/>
-          </a:stretch>
-        </p:blipFill>
-        <p:spPr>
-          <a:xfrm>
-            <a:off x="7147774" y="875763"/>
-            <a:ext cx="1841680" cy="5892134"/>
-          </a:xfrm>
-          <a:prstGeom prst="rect">
-            <a:avLst/>
-          </a:prstGeom>
-        </p:spPr>
-      </p:pic>
-    </p:spTree>
-    <p:extLst>
-      <p:ext uri="{BB962C8B-B14F-4D97-AF65-F5344CB8AC3E}">
-        <p14:creationId xmlns:p14="http://schemas.microsoft.com/office/powerpoint/2010/main" val="2132592605"/>
-      </p:ext>
-    </p:extLst>
-  </p:cSld>
-  <p:clrMapOvr>
-    <a:masterClrMapping/>
-  </p:clrMapOvr>
+  <p:timing>
+    <p:tnLst>
+      <p:par>
+        <p:cTn id="1" dur="indefinite" restart="never" nodeType="tmRoot"/>
+      </p:par>
+    </p:tnLst>
+  </p:timing>
 </p:sld>
 </file>
 
